--- a/企画書.pptx
+++ b/企画書.pptx
@@ -105,6 +105,11 @@
       </a:defRPr>
     </a:lvl9pPr>
   </p:defaultTextStyle>
+  <p:extLst>
+    <p:ext uri="{EFAFB233-063F-42B5-8137-9DF3F51BA10A}">
+      <p15:sldGuideLst xmlns:p15="http://schemas.microsoft.com/office/powerpoint/2012/main"/>
+    </p:ext>
+  </p:extLst>
 </p:presentation>
 </file>
 
@@ -3340,10 +3345,18 @@
           <a:p>
             <a:pPr algn="l"/>
             <a:r>
-              <a:rPr lang="ja-JP" altLang="en-US" dirty="0"/>
-              <a:t>・</a:t>
-            </a:r>
-            <a:endParaRPr kumimoji="1" lang="en-US" altLang="ja-JP" dirty="0" smtClean="0"/>
+              <a:rPr lang="ja-JP" altLang="en-US" dirty="0" smtClean="0"/>
+              <a:t>・最終的なスコアで競う</a:t>
+            </a:r>
+            <a:endParaRPr lang="en-US" altLang="ja-JP" dirty="0"/>
+          </a:p>
+          <a:p>
+            <a:pPr algn="l"/>
+            <a:r>
+              <a:rPr lang="ja-JP" altLang="en-US" dirty="0" smtClean="0"/>
+              <a:t>・マルチをすることでクリアしやすい</a:t>
+            </a:r>
+            <a:endParaRPr lang="en-US" altLang="ja-JP" dirty="0" smtClean="0"/>
           </a:p>
         </p:txBody>
       </p:sp>

--- a/企画書.pptx
+++ b/企画書.pptx
@@ -244,7 +244,7 @@
           <a:p>
             <a:fld id="{24FBA86E-0CF7-4B0C-9D39-30686EFB7BF4}" type="datetimeFigureOut">
               <a:rPr kumimoji="1" lang="ja-JP" altLang="en-US" smtClean="0"/>
-              <a:t>2022/11/2</a:t>
+              <a:t>2022/11/14</a:t>
             </a:fld>
             <a:endParaRPr kumimoji="1" lang="ja-JP" altLang="en-US"/>
           </a:p>
@@ -446,7 +446,7 @@
           <a:p>
             <a:fld id="{24FBA86E-0CF7-4B0C-9D39-30686EFB7BF4}" type="datetimeFigureOut">
               <a:rPr kumimoji="1" lang="ja-JP" altLang="en-US" smtClean="0"/>
-              <a:t>2022/11/2</a:t>
+              <a:t>2022/11/14</a:t>
             </a:fld>
             <a:endParaRPr kumimoji="1" lang="ja-JP" altLang="en-US"/>
           </a:p>
@@ -658,7 +658,7 @@
           <a:p>
             <a:fld id="{24FBA86E-0CF7-4B0C-9D39-30686EFB7BF4}" type="datetimeFigureOut">
               <a:rPr kumimoji="1" lang="ja-JP" altLang="en-US" smtClean="0"/>
-              <a:t>2022/11/2</a:t>
+              <a:t>2022/11/14</a:t>
             </a:fld>
             <a:endParaRPr kumimoji="1" lang="ja-JP" altLang="en-US"/>
           </a:p>
@@ -860,7 +860,7 @@
           <a:p>
             <a:fld id="{24FBA86E-0CF7-4B0C-9D39-30686EFB7BF4}" type="datetimeFigureOut">
               <a:rPr kumimoji="1" lang="ja-JP" altLang="en-US" smtClean="0"/>
-              <a:t>2022/11/2</a:t>
+              <a:t>2022/11/14</a:t>
             </a:fld>
             <a:endParaRPr kumimoji="1" lang="ja-JP" altLang="en-US"/>
           </a:p>
@@ -1106,7 +1106,7 @@
           <a:p>
             <a:fld id="{24FBA86E-0CF7-4B0C-9D39-30686EFB7BF4}" type="datetimeFigureOut">
               <a:rPr kumimoji="1" lang="ja-JP" altLang="en-US" smtClean="0"/>
-              <a:t>2022/11/2</a:t>
+              <a:t>2022/11/14</a:t>
             </a:fld>
             <a:endParaRPr kumimoji="1" lang="ja-JP" altLang="en-US"/>
           </a:p>
@@ -1402,7 +1402,7 @@
           <a:p>
             <a:fld id="{24FBA86E-0CF7-4B0C-9D39-30686EFB7BF4}" type="datetimeFigureOut">
               <a:rPr kumimoji="1" lang="ja-JP" altLang="en-US" smtClean="0"/>
-              <a:t>2022/11/2</a:t>
+              <a:t>2022/11/14</a:t>
             </a:fld>
             <a:endParaRPr kumimoji="1" lang="ja-JP" altLang="en-US"/>
           </a:p>
@@ -1833,7 +1833,7 @@
           <a:p>
             <a:fld id="{24FBA86E-0CF7-4B0C-9D39-30686EFB7BF4}" type="datetimeFigureOut">
               <a:rPr kumimoji="1" lang="ja-JP" altLang="en-US" smtClean="0"/>
-              <a:t>2022/11/2</a:t>
+              <a:t>2022/11/14</a:t>
             </a:fld>
             <a:endParaRPr kumimoji="1" lang="ja-JP" altLang="en-US"/>
           </a:p>
@@ -1951,7 +1951,7 @@
           <a:p>
             <a:fld id="{24FBA86E-0CF7-4B0C-9D39-30686EFB7BF4}" type="datetimeFigureOut">
               <a:rPr kumimoji="1" lang="ja-JP" altLang="en-US" smtClean="0"/>
-              <a:t>2022/11/2</a:t>
+              <a:t>2022/11/14</a:t>
             </a:fld>
             <a:endParaRPr kumimoji="1" lang="ja-JP" altLang="en-US"/>
           </a:p>
@@ -2046,7 +2046,7 @@
           <a:p>
             <a:fld id="{24FBA86E-0CF7-4B0C-9D39-30686EFB7BF4}" type="datetimeFigureOut">
               <a:rPr kumimoji="1" lang="ja-JP" altLang="en-US" smtClean="0"/>
-              <a:t>2022/11/2</a:t>
+              <a:t>2022/11/14</a:t>
             </a:fld>
             <a:endParaRPr kumimoji="1" lang="ja-JP" altLang="en-US"/>
           </a:p>
@@ -2355,7 +2355,7 @@
           <a:p>
             <a:fld id="{24FBA86E-0CF7-4B0C-9D39-30686EFB7BF4}" type="datetimeFigureOut">
               <a:rPr kumimoji="1" lang="ja-JP" altLang="en-US" smtClean="0"/>
-              <a:t>2022/11/2</a:t>
+              <a:t>2022/11/14</a:t>
             </a:fld>
             <a:endParaRPr kumimoji="1" lang="ja-JP" altLang="en-US"/>
           </a:p>
@@ -2608,7 +2608,7 @@
           <a:p>
             <a:fld id="{24FBA86E-0CF7-4B0C-9D39-30686EFB7BF4}" type="datetimeFigureOut">
               <a:rPr kumimoji="1" lang="ja-JP" altLang="en-US" smtClean="0"/>
-              <a:t>2022/11/2</a:t>
+              <a:t>2022/11/14</a:t>
             </a:fld>
             <a:endParaRPr kumimoji="1" lang="ja-JP" altLang="en-US"/>
           </a:p>
@@ -2853,7 +2853,7 @@
           <a:p>
             <a:fld id="{24FBA86E-0CF7-4B0C-9D39-30686EFB7BF4}" type="datetimeFigureOut">
               <a:rPr kumimoji="1" lang="ja-JP" altLang="en-US" smtClean="0"/>
-              <a:t>2022/11/2</a:t>
+              <a:t>2022/11/14</a:t>
             </a:fld>
             <a:endParaRPr kumimoji="1" lang="ja-JP" altLang="en-US"/>
           </a:p>
@@ -3552,10 +3552,6 @@
           </a:p>
           <a:p>
             <a:pPr algn="l"/>
-            <a:r>
-              <a:rPr lang="ja-JP" altLang="en-US" smtClean="0"/>
-              <a:t>共食いシステム</a:t>
-            </a:r>
             <a:endParaRPr lang="en-US" altLang="ja-JP" dirty="0" smtClean="0"/>
           </a:p>
           <a:p>

--- a/企画書.pptx
+++ b/企画書.pptx
@@ -7,6 +7,7 @@
   <p:sldIdLst>
     <p:sldId id="256" r:id="rId2"/>
     <p:sldId id="257" r:id="rId3"/>
+    <p:sldId id="258" r:id="rId4"/>
   </p:sldIdLst>
   <p:sldSz cx="12192000" cy="6858000"/>
   <p:notesSz cx="6858000" cy="9144000"/>
@@ -113,6 +114,18 @@
 </p:presentation>
 </file>
 
+<file path=ppt/commentAuthors.xml><?xml version="1.0" encoding="utf-8"?>
+<p:cmAuthorLst xmlns:a="http://schemas.openxmlformats.org/drawingml/2006/main" xmlns:r="http://schemas.openxmlformats.org/officeDocument/2006/relationships" xmlns:p="http://schemas.openxmlformats.org/presentationml/2006/main">
+  <p:cmAuthor id="1" name="ryou" initials="r" lastIdx="2" clrIdx="0">
+    <p:extLst>
+      <p:ext uri="{19B8F6BF-5375-455C-9EA6-DF929625EA0E}">
+        <p15:presenceInfo xmlns:p15="http://schemas.microsoft.com/office/powerpoint/2012/main" userId="f50a15c9a25dea93" providerId="Windows Live"/>
+      </p:ext>
+    </p:extLst>
+  </p:cmAuthor>
+</p:cmAuthorLst>
+</file>
+
 <file path=ppt/slideLayouts/slideLayout1.xml><?xml version="1.0" encoding="utf-8"?>
 <p:sldLayout xmlns:a="http://schemas.openxmlformats.org/drawingml/2006/main" xmlns:r="http://schemas.openxmlformats.org/officeDocument/2006/relationships" xmlns:p="http://schemas.openxmlformats.org/presentationml/2006/main" type="title" preserve="1">
   <p:cSld name="タイトル スライド">
@@ -244,7 +257,7 @@
           <a:p>
             <a:fld id="{24FBA86E-0CF7-4B0C-9D39-30686EFB7BF4}" type="datetimeFigureOut">
               <a:rPr kumimoji="1" lang="ja-JP" altLang="en-US" smtClean="0"/>
-              <a:t>2022/11/14</a:t>
+              <a:t>2022/12/5</a:t>
             </a:fld>
             <a:endParaRPr kumimoji="1" lang="ja-JP" altLang="en-US"/>
           </a:p>
@@ -446,7 +459,7 @@
           <a:p>
             <a:fld id="{24FBA86E-0CF7-4B0C-9D39-30686EFB7BF4}" type="datetimeFigureOut">
               <a:rPr kumimoji="1" lang="ja-JP" altLang="en-US" smtClean="0"/>
-              <a:t>2022/11/14</a:t>
+              <a:t>2022/12/5</a:t>
             </a:fld>
             <a:endParaRPr kumimoji="1" lang="ja-JP" altLang="en-US"/>
           </a:p>
@@ -658,7 +671,7 @@
           <a:p>
             <a:fld id="{24FBA86E-0CF7-4B0C-9D39-30686EFB7BF4}" type="datetimeFigureOut">
               <a:rPr kumimoji="1" lang="ja-JP" altLang="en-US" smtClean="0"/>
-              <a:t>2022/11/14</a:t>
+              <a:t>2022/12/5</a:t>
             </a:fld>
             <a:endParaRPr kumimoji="1" lang="ja-JP" altLang="en-US"/>
           </a:p>
@@ -860,7 +873,7 @@
           <a:p>
             <a:fld id="{24FBA86E-0CF7-4B0C-9D39-30686EFB7BF4}" type="datetimeFigureOut">
               <a:rPr kumimoji="1" lang="ja-JP" altLang="en-US" smtClean="0"/>
-              <a:t>2022/11/14</a:t>
+              <a:t>2022/12/5</a:t>
             </a:fld>
             <a:endParaRPr kumimoji="1" lang="ja-JP" altLang="en-US"/>
           </a:p>
@@ -1106,7 +1119,7 @@
           <a:p>
             <a:fld id="{24FBA86E-0CF7-4B0C-9D39-30686EFB7BF4}" type="datetimeFigureOut">
               <a:rPr kumimoji="1" lang="ja-JP" altLang="en-US" smtClean="0"/>
-              <a:t>2022/11/14</a:t>
+              <a:t>2022/12/5</a:t>
             </a:fld>
             <a:endParaRPr kumimoji="1" lang="ja-JP" altLang="en-US"/>
           </a:p>
@@ -1402,7 +1415,7 @@
           <a:p>
             <a:fld id="{24FBA86E-0CF7-4B0C-9D39-30686EFB7BF4}" type="datetimeFigureOut">
               <a:rPr kumimoji="1" lang="ja-JP" altLang="en-US" smtClean="0"/>
-              <a:t>2022/11/14</a:t>
+              <a:t>2022/12/5</a:t>
             </a:fld>
             <a:endParaRPr kumimoji="1" lang="ja-JP" altLang="en-US"/>
           </a:p>
@@ -1833,7 +1846,7 @@
           <a:p>
             <a:fld id="{24FBA86E-0CF7-4B0C-9D39-30686EFB7BF4}" type="datetimeFigureOut">
               <a:rPr kumimoji="1" lang="ja-JP" altLang="en-US" smtClean="0"/>
-              <a:t>2022/11/14</a:t>
+              <a:t>2022/12/5</a:t>
             </a:fld>
             <a:endParaRPr kumimoji="1" lang="ja-JP" altLang="en-US"/>
           </a:p>
@@ -1951,7 +1964,7 @@
           <a:p>
             <a:fld id="{24FBA86E-0CF7-4B0C-9D39-30686EFB7BF4}" type="datetimeFigureOut">
               <a:rPr kumimoji="1" lang="ja-JP" altLang="en-US" smtClean="0"/>
-              <a:t>2022/11/14</a:t>
+              <a:t>2022/12/5</a:t>
             </a:fld>
             <a:endParaRPr kumimoji="1" lang="ja-JP" altLang="en-US"/>
           </a:p>
@@ -2046,7 +2059,7 @@
           <a:p>
             <a:fld id="{24FBA86E-0CF7-4B0C-9D39-30686EFB7BF4}" type="datetimeFigureOut">
               <a:rPr kumimoji="1" lang="ja-JP" altLang="en-US" smtClean="0"/>
-              <a:t>2022/11/14</a:t>
+              <a:t>2022/12/5</a:t>
             </a:fld>
             <a:endParaRPr kumimoji="1" lang="ja-JP" altLang="en-US"/>
           </a:p>
@@ -2355,7 +2368,7 @@
           <a:p>
             <a:fld id="{24FBA86E-0CF7-4B0C-9D39-30686EFB7BF4}" type="datetimeFigureOut">
               <a:rPr kumimoji="1" lang="ja-JP" altLang="en-US" smtClean="0"/>
-              <a:t>2022/11/14</a:t>
+              <a:t>2022/12/5</a:t>
             </a:fld>
             <a:endParaRPr kumimoji="1" lang="ja-JP" altLang="en-US"/>
           </a:p>
@@ -2608,7 +2621,7 @@
           <a:p>
             <a:fld id="{24FBA86E-0CF7-4B0C-9D39-30686EFB7BF4}" type="datetimeFigureOut">
               <a:rPr kumimoji="1" lang="ja-JP" altLang="en-US" smtClean="0"/>
-              <a:t>2022/11/14</a:t>
+              <a:t>2022/12/5</a:t>
             </a:fld>
             <a:endParaRPr kumimoji="1" lang="ja-JP" altLang="en-US"/>
           </a:p>
@@ -2853,7 +2866,7 @@
           <a:p>
             <a:fld id="{24FBA86E-0CF7-4B0C-9D39-30686EFB7BF4}" type="datetimeFigureOut">
               <a:rPr kumimoji="1" lang="ja-JP" altLang="en-US" smtClean="0"/>
-              <a:t>2022/11/14</a:t>
+              <a:t>2022/12/5</a:t>
             </a:fld>
             <a:endParaRPr kumimoji="1" lang="ja-JP" altLang="en-US"/>
           </a:p>
@@ -3574,6 +3587,137 @@
   <p:clrMapOvr>
     <a:masterClrMapping/>
   </p:clrMapOvr>
+  <p:timing>
+    <p:tnLst>
+      <p:par>
+        <p:cTn id="1" dur="indefinite" restart="never" nodeType="tmRoot"/>
+      </p:par>
+    </p:tnLst>
+  </p:timing>
+</p:sld>
+</file>
+
+<file path=ppt/slides/slide3.xml><?xml version="1.0" encoding="utf-8"?>
+<p:sld xmlns:a="http://schemas.openxmlformats.org/drawingml/2006/main" xmlns:r="http://schemas.openxmlformats.org/officeDocument/2006/relationships" xmlns:p="http://schemas.openxmlformats.org/presentationml/2006/main">
+  <p:cSld>
+    <p:spTree>
+      <p:nvGrpSpPr>
+        <p:cNvPr id="1" name=""/>
+        <p:cNvGrpSpPr/>
+        <p:nvPr/>
+      </p:nvGrpSpPr>
+      <p:grpSpPr>
+        <a:xfrm>
+          <a:off x="0" y="0"/>
+          <a:ext cx="0" cy="0"/>
+          <a:chOff x="0" y="0"/>
+          <a:chExt cx="0" cy="0"/>
+        </a:xfrm>
+      </p:grpSpPr>
+      <p:sp>
+        <p:nvSpPr>
+          <p:cNvPr id="2" name="タイトル 1"/>
+          <p:cNvSpPr>
+            <a:spLocks noGrp="1"/>
+          </p:cNvSpPr>
+          <p:nvPr>
+            <p:ph type="title"/>
+          </p:nvPr>
+        </p:nvSpPr>
+        <p:spPr/>
+        <p:txBody>
+          <a:bodyPr>
+            <a:normAutofit/>
+          </a:bodyPr>
+          <a:lstStyle/>
+          <a:p>
+            <a:r>
+              <a:rPr kumimoji="1" lang="ja-JP" altLang="en-US" sz="3600" dirty="0" smtClean="0"/>
+              <a:t>ゲーム説明</a:t>
+            </a:r>
+            <a:r>
+              <a:rPr kumimoji="1" lang="en-US" altLang="ja-JP" sz="3600" dirty="0" smtClean="0"/>
+              <a:t/>
+            </a:r>
+            <a:br>
+              <a:rPr kumimoji="1" lang="en-US" altLang="ja-JP" sz="3600" dirty="0" smtClean="0"/>
+            </a:br>
+            <a:endParaRPr kumimoji="1" lang="ja-JP" altLang="en-US" sz="3600" dirty="0"/>
+          </a:p>
+        </p:txBody>
+      </p:sp>
+      <p:pic>
+        <p:nvPicPr>
+          <p:cNvPr id="4" name="コンテンツ プレースホルダー 3"/>
+          <p:cNvPicPr>
+            <a:picLocks noGrp="1" noChangeAspect="1"/>
+          </p:cNvPicPr>
+          <p:nvPr>
+            <p:ph idx="1"/>
+          </p:nvPr>
+        </p:nvPicPr>
+        <p:blipFill>
+          <a:blip r:embed="rId2">
+            <a:extLst>
+              <a:ext uri="{28A0092B-C50C-407E-A947-70E740481C1C}">
+                <a14:useLocalDpi xmlns:a14="http://schemas.microsoft.com/office/drawing/2010/main" val="0"/>
+              </a:ext>
+            </a:extLst>
+          </a:blip>
+          <a:stretch>
+            <a:fillRect/>
+          </a:stretch>
+        </p:blipFill>
+        <p:spPr>
+          <a:xfrm>
+            <a:off x="3318588" y="2155372"/>
+            <a:ext cx="8873412" cy="4702628"/>
+          </a:xfrm>
+        </p:spPr>
+      </p:pic>
+      <p:sp>
+        <p:nvSpPr>
+          <p:cNvPr id="6" name="テキスト ボックス 5"/>
+          <p:cNvSpPr txBox="1"/>
+          <p:nvPr/>
+        </p:nvSpPr>
+        <p:spPr>
+          <a:xfrm>
+            <a:off x="447869" y="2640563"/>
+            <a:ext cx="2453951" cy="1324947"/>
+          </a:xfrm>
+          <a:prstGeom prst="rect">
+            <a:avLst/>
+          </a:prstGeom>
+          <a:noFill/>
+        </p:spPr>
+        <p:txBody>
+          <a:bodyPr wrap="square" rtlCol="0">
+            <a:spAutoFit/>
+          </a:bodyPr>
+          <a:lstStyle/>
+          <a:p>
+            <a:endParaRPr kumimoji="1" lang="ja-JP" altLang="en-US"/>
+          </a:p>
+        </p:txBody>
+      </p:sp>
+    </p:spTree>
+    <p:extLst>
+      <p:ext uri="{BB962C8B-B14F-4D97-AF65-F5344CB8AC3E}">
+        <p14:creationId xmlns:p14="http://schemas.microsoft.com/office/powerpoint/2010/main" val="139298980"/>
+      </p:ext>
+    </p:extLst>
+  </p:cSld>
+  <p:clrMapOvr>
+    <a:masterClrMapping/>
+  </p:clrMapOvr>
+  <p:timing>
+    <p:tnLst>
+      <p:par>
+        <p:cTn id="1" dur="indefinite" restart="never" nodeType="tmRoot"/>
+      </p:par>
+    </p:tnLst>
+  </p:timing>
 </p:sld>
 </file>
 

--- a/企画書.pptx
+++ b/企画書.pptx
@@ -5,9 +5,11 @@
     <p:sldMasterId id="2147483648" r:id="rId1"/>
   </p:sldMasterIdLst>
   <p:sldIdLst>
-    <p:sldId id="256" r:id="rId2"/>
-    <p:sldId id="257" r:id="rId3"/>
+    <p:sldId id="259" r:id="rId2"/>
+    <p:sldId id="260" r:id="rId3"/>
     <p:sldId id="258" r:id="rId4"/>
+    <p:sldId id="256" r:id="rId5"/>
+    <p:sldId id="257" r:id="rId6"/>
   </p:sldIdLst>
   <p:sldSz cx="12192000" cy="6858000"/>
   <p:notesSz cx="6858000" cy="9144000"/>
@@ -257,7 +259,7 @@
           <a:p>
             <a:fld id="{24FBA86E-0CF7-4B0C-9D39-30686EFB7BF4}" type="datetimeFigureOut">
               <a:rPr kumimoji="1" lang="ja-JP" altLang="en-US" smtClean="0"/>
-              <a:t>2022/12/5</a:t>
+              <a:t>2022/12/7</a:t>
             </a:fld>
             <a:endParaRPr kumimoji="1" lang="ja-JP" altLang="en-US"/>
           </a:p>
@@ -459,7 +461,7 @@
           <a:p>
             <a:fld id="{24FBA86E-0CF7-4B0C-9D39-30686EFB7BF4}" type="datetimeFigureOut">
               <a:rPr kumimoji="1" lang="ja-JP" altLang="en-US" smtClean="0"/>
-              <a:t>2022/12/5</a:t>
+              <a:t>2022/12/7</a:t>
             </a:fld>
             <a:endParaRPr kumimoji="1" lang="ja-JP" altLang="en-US"/>
           </a:p>
@@ -671,7 +673,7 @@
           <a:p>
             <a:fld id="{24FBA86E-0CF7-4B0C-9D39-30686EFB7BF4}" type="datetimeFigureOut">
               <a:rPr kumimoji="1" lang="ja-JP" altLang="en-US" smtClean="0"/>
-              <a:t>2022/12/5</a:t>
+              <a:t>2022/12/7</a:t>
             </a:fld>
             <a:endParaRPr kumimoji="1" lang="ja-JP" altLang="en-US"/>
           </a:p>
@@ -873,7 +875,7 @@
           <a:p>
             <a:fld id="{24FBA86E-0CF7-4B0C-9D39-30686EFB7BF4}" type="datetimeFigureOut">
               <a:rPr kumimoji="1" lang="ja-JP" altLang="en-US" smtClean="0"/>
-              <a:t>2022/12/5</a:t>
+              <a:t>2022/12/7</a:t>
             </a:fld>
             <a:endParaRPr kumimoji="1" lang="ja-JP" altLang="en-US"/>
           </a:p>
@@ -1119,7 +1121,7 @@
           <a:p>
             <a:fld id="{24FBA86E-0CF7-4B0C-9D39-30686EFB7BF4}" type="datetimeFigureOut">
               <a:rPr kumimoji="1" lang="ja-JP" altLang="en-US" smtClean="0"/>
-              <a:t>2022/12/5</a:t>
+              <a:t>2022/12/7</a:t>
             </a:fld>
             <a:endParaRPr kumimoji="1" lang="ja-JP" altLang="en-US"/>
           </a:p>
@@ -1415,7 +1417,7 @@
           <a:p>
             <a:fld id="{24FBA86E-0CF7-4B0C-9D39-30686EFB7BF4}" type="datetimeFigureOut">
               <a:rPr kumimoji="1" lang="ja-JP" altLang="en-US" smtClean="0"/>
-              <a:t>2022/12/5</a:t>
+              <a:t>2022/12/7</a:t>
             </a:fld>
             <a:endParaRPr kumimoji="1" lang="ja-JP" altLang="en-US"/>
           </a:p>
@@ -1846,7 +1848,7 @@
           <a:p>
             <a:fld id="{24FBA86E-0CF7-4B0C-9D39-30686EFB7BF4}" type="datetimeFigureOut">
               <a:rPr kumimoji="1" lang="ja-JP" altLang="en-US" smtClean="0"/>
-              <a:t>2022/12/5</a:t>
+              <a:t>2022/12/7</a:t>
             </a:fld>
             <a:endParaRPr kumimoji="1" lang="ja-JP" altLang="en-US"/>
           </a:p>
@@ -1964,7 +1966,7 @@
           <a:p>
             <a:fld id="{24FBA86E-0CF7-4B0C-9D39-30686EFB7BF4}" type="datetimeFigureOut">
               <a:rPr kumimoji="1" lang="ja-JP" altLang="en-US" smtClean="0"/>
-              <a:t>2022/12/5</a:t>
+              <a:t>2022/12/7</a:t>
             </a:fld>
             <a:endParaRPr kumimoji="1" lang="ja-JP" altLang="en-US"/>
           </a:p>
@@ -2059,7 +2061,7 @@
           <a:p>
             <a:fld id="{24FBA86E-0CF7-4B0C-9D39-30686EFB7BF4}" type="datetimeFigureOut">
               <a:rPr kumimoji="1" lang="ja-JP" altLang="en-US" smtClean="0"/>
-              <a:t>2022/12/5</a:t>
+              <a:t>2022/12/7</a:t>
             </a:fld>
             <a:endParaRPr kumimoji="1" lang="ja-JP" altLang="en-US"/>
           </a:p>
@@ -2368,7 +2370,7 @@
           <a:p>
             <a:fld id="{24FBA86E-0CF7-4B0C-9D39-30686EFB7BF4}" type="datetimeFigureOut">
               <a:rPr kumimoji="1" lang="ja-JP" altLang="en-US" smtClean="0"/>
-              <a:t>2022/12/5</a:t>
+              <a:t>2022/12/7</a:t>
             </a:fld>
             <a:endParaRPr kumimoji="1" lang="ja-JP" altLang="en-US"/>
           </a:p>
@@ -2621,7 +2623,7 @@
           <a:p>
             <a:fld id="{24FBA86E-0CF7-4B0C-9D39-30686EFB7BF4}" type="datetimeFigureOut">
               <a:rPr kumimoji="1" lang="ja-JP" altLang="en-US" smtClean="0"/>
-              <a:t>2022/12/5</a:t>
+              <a:t>2022/12/7</a:t>
             </a:fld>
             <a:endParaRPr kumimoji="1" lang="ja-JP" altLang="en-US"/>
           </a:p>
@@ -2866,7 +2868,7 @@
           <a:p>
             <a:fld id="{24FBA86E-0CF7-4B0C-9D39-30686EFB7BF4}" type="datetimeFigureOut">
               <a:rPr kumimoji="1" lang="ja-JP" altLang="en-US" smtClean="0"/>
-              <a:t>2022/12/5</a:t>
+              <a:t>2022/12/7</a:t>
             </a:fld>
             <a:endParaRPr kumimoji="1" lang="ja-JP" altLang="en-US"/>
           </a:p>
@@ -3278,15 +3280,10 @@
             <a:spLocks noGrp="1"/>
           </p:cNvSpPr>
           <p:nvPr>
-            <p:ph type="ctrTitle"/>
-          </p:nvPr>
-        </p:nvSpPr>
-        <p:spPr>
-          <a:xfrm>
-            <a:off x="8201607" y="279918"/>
-            <a:ext cx="3442996" cy="738770"/>
-          </a:xfrm>
-        </p:spPr>
+            <p:ph type="title"/>
+          </p:nvPr>
+        </p:nvSpPr>
+        <p:spPr/>
         <p:txBody>
           <a:bodyPr>
             <a:normAutofit/>
@@ -3294,89 +3291,36 @@
           <a:lstStyle/>
           <a:p>
             <a:r>
-              <a:rPr kumimoji="1" lang="ja-JP" altLang="en-US" sz="4000" dirty="0" smtClean="0"/>
-              <a:t>パックマン風</a:t>
-            </a:r>
-            <a:endParaRPr kumimoji="1" lang="ja-JP" altLang="en-US" sz="4000" dirty="0"/>
-          </a:p>
-        </p:txBody>
-      </p:sp>
-      <p:sp>
-        <p:nvSpPr>
-          <p:cNvPr id="3" name="サブタイトル 2"/>
-          <p:cNvSpPr>
-            <a:spLocks noGrp="1"/>
-          </p:cNvSpPr>
-          <p:nvPr>
-            <p:ph type="subTitle" idx="1"/>
-          </p:nvPr>
-        </p:nvSpPr>
-        <p:spPr>
-          <a:xfrm>
-            <a:off x="264368" y="1287625"/>
-            <a:ext cx="11660154" cy="5131836"/>
-          </a:xfrm>
-        </p:spPr>
-        <p:txBody>
-          <a:bodyPr/>
-          <a:lstStyle/>
-          <a:p>
-            <a:pPr algn="l"/>
-            <a:r>
               <a:rPr kumimoji="1" lang="ja-JP" altLang="en-US" dirty="0" smtClean="0"/>
-              <a:t>・マップ上のアイテムを、取りきると次のステージ</a:t>
-            </a:r>
-            <a:r>
-              <a:rPr lang="en-US" altLang="ja-JP" dirty="0" smtClean="0"/>
-              <a:t>(</a:t>
-            </a:r>
-            <a:r>
-              <a:rPr lang="ja-JP" altLang="en-US" dirty="0" smtClean="0"/>
-              <a:t>全</a:t>
-            </a:r>
-            <a:r>
-              <a:rPr lang="en-US" altLang="ja-JP" dirty="0" smtClean="0"/>
-              <a:t>3</a:t>
-            </a:r>
-            <a:r>
-              <a:rPr lang="ja-JP" altLang="en-US" dirty="0" smtClean="0"/>
-              <a:t>ステージ</a:t>
-            </a:r>
-            <a:r>
-              <a:rPr lang="en-US" altLang="ja-JP" dirty="0" smtClean="0"/>
-              <a:t>)</a:t>
-            </a:r>
-          </a:p>
-          <a:p>
-            <a:pPr algn="l"/>
-            <a:r>
-              <a:rPr kumimoji="1" lang="ja-JP" altLang="en-US" dirty="0" smtClean="0"/>
-              <a:t>・敵に当たると、ゲームオーバー</a:t>
-            </a:r>
-            <a:endParaRPr kumimoji="1" lang="en-US" altLang="ja-JP" dirty="0" smtClean="0"/>
-          </a:p>
-          <a:p>
-            <a:pPr algn="l"/>
-            <a:r>
-              <a:rPr lang="ja-JP" altLang="en-US" dirty="0" smtClean="0"/>
-              <a:t>・最終的なスコアで競う</a:t>
-            </a:r>
-            <a:endParaRPr lang="en-US" altLang="ja-JP" dirty="0"/>
-          </a:p>
-          <a:p>
-            <a:pPr algn="l"/>
-            <a:r>
-              <a:rPr lang="ja-JP" altLang="en-US" dirty="0" smtClean="0"/>
-              <a:t>・マルチをすることでクリアしやすい</a:t>
-            </a:r>
-            <a:endParaRPr lang="en-US" altLang="ja-JP" dirty="0" smtClean="0"/>
+              <a:t>コンセプト</a:t>
+            </a:r>
+            <a:endParaRPr kumimoji="1" lang="ja-JP" altLang="en-US" dirty="0"/>
+          </a:p>
+        </p:txBody>
+      </p:sp>
+      <p:sp>
+        <p:nvSpPr>
+          <p:cNvPr id="3" name="コンテンツ プレースホルダー 2"/>
+          <p:cNvSpPr>
+            <a:spLocks noGrp="1"/>
+          </p:cNvSpPr>
+          <p:nvPr>
+            <p:ph idx="1"/>
+          </p:nvPr>
+        </p:nvSpPr>
+        <p:spPr/>
+        <p:txBody>
+          <a:bodyPr/>
+          <a:lstStyle/>
+          <a:p>
+            <a:endParaRPr kumimoji="1" lang="ja-JP" altLang="en-US" dirty="0"/>
           </a:p>
         </p:txBody>
       </p:sp>
     </p:spTree>
     <p:extLst>
       <p:ext uri="{BB962C8B-B14F-4D97-AF65-F5344CB8AC3E}">
-        <p14:creationId xmlns:p14="http://schemas.microsoft.com/office/powerpoint/2010/main" val="918436756"/>
+        <p14:creationId xmlns:p14="http://schemas.microsoft.com/office/powerpoint/2010/main" val="493694639"/>
       </p:ext>
     </p:extLst>
   </p:cSld>
@@ -3410,190 +3354,47 @@
             <a:spLocks noGrp="1"/>
           </p:cNvSpPr>
           <p:nvPr>
-            <p:ph type="ctrTitle"/>
-          </p:nvPr>
-        </p:nvSpPr>
-        <p:spPr>
-          <a:xfrm>
-            <a:off x="8397550" y="130628"/>
-            <a:ext cx="3119535" cy="897392"/>
-          </a:xfrm>
-        </p:spPr>
-        <p:txBody>
-          <a:bodyPr>
-            <a:normAutofit fontScale="90000"/>
-          </a:bodyPr>
-          <a:lstStyle/>
-          <a:p>
-            <a:r>
-              <a:rPr kumimoji="1" lang="ja-JP" altLang="en-US" dirty="0" smtClean="0"/>
-              <a:t>作るもの</a:t>
-            </a:r>
+            <p:ph type="title"/>
+          </p:nvPr>
+        </p:nvSpPr>
+        <p:spPr/>
+        <p:txBody>
+          <a:bodyPr/>
+          <a:lstStyle/>
+          <a:p>
             <a:endParaRPr kumimoji="1" lang="ja-JP" altLang="en-US" dirty="0"/>
           </a:p>
         </p:txBody>
       </p:sp>
       <p:sp>
         <p:nvSpPr>
-          <p:cNvPr id="3" name="サブタイトル 2"/>
-          <p:cNvSpPr>
-            <a:spLocks noGrp="1"/>
-          </p:cNvSpPr>
-          <p:nvPr>
-            <p:ph type="subTitle" idx="1"/>
-          </p:nvPr>
-        </p:nvSpPr>
-        <p:spPr>
-          <a:xfrm>
-            <a:off x="307910" y="1129004"/>
-            <a:ext cx="10322769" cy="5141167"/>
-          </a:xfrm>
-        </p:spPr>
-        <p:txBody>
-          <a:bodyPr/>
-          <a:lstStyle/>
-          <a:p>
-            <a:pPr algn="l"/>
-            <a:r>
-              <a:rPr kumimoji="1" lang="ja-JP" altLang="en-US" dirty="0" smtClean="0"/>
-              <a:t>敵との判定</a:t>
-            </a:r>
-            <a:endParaRPr kumimoji="1" lang="en-US" altLang="ja-JP" dirty="0" smtClean="0"/>
-          </a:p>
-          <a:p>
-            <a:pPr algn="l"/>
-            <a:r>
-              <a:rPr lang="ja-JP" altLang="en-US" dirty="0" smtClean="0"/>
-              <a:t>体力</a:t>
-            </a:r>
-            <a:r>
-              <a:rPr lang="en-US" altLang="ja-JP" dirty="0" smtClean="0"/>
-              <a:t>3</a:t>
-            </a:r>
-            <a:r>
-              <a:rPr lang="ja-JP" altLang="en-US" dirty="0" smtClean="0"/>
-              <a:t>つ</a:t>
-            </a:r>
-            <a:endParaRPr lang="en-US" altLang="ja-JP" dirty="0" smtClean="0"/>
-          </a:p>
-          <a:p>
-            <a:pPr algn="l"/>
-            <a:r>
-              <a:rPr lang="ja-JP" altLang="en-US" dirty="0" smtClean="0"/>
-              <a:t>スコア表示</a:t>
-            </a:r>
-            <a:endParaRPr lang="en-US" altLang="ja-JP" dirty="0" smtClean="0"/>
-          </a:p>
-          <a:p>
-            <a:pPr algn="l"/>
-            <a:r>
-              <a:rPr lang="ja-JP" altLang="en-US" dirty="0" smtClean="0"/>
-              <a:t>アイテム配置・回収</a:t>
-            </a:r>
-            <a:endParaRPr lang="en-US" altLang="ja-JP" dirty="0" smtClean="0"/>
-          </a:p>
-          <a:p>
-            <a:pPr algn="l"/>
-            <a:r>
-              <a:rPr lang="ja-JP" altLang="en-US" dirty="0" smtClean="0"/>
-              <a:t>死亡エフェクト</a:t>
-            </a:r>
-            <a:endParaRPr lang="en-US" altLang="ja-JP" dirty="0" smtClean="0"/>
-          </a:p>
-          <a:p>
-            <a:pPr algn="l"/>
-            <a:r>
-              <a:rPr lang="ja-JP" altLang="en-US" dirty="0"/>
-              <a:t>敵</a:t>
-            </a:r>
-            <a:r>
-              <a:rPr lang="ja-JP" altLang="en-US" dirty="0" smtClean="0"/>
-              <a:t>のランダム移動</a:t>
-            </a:r>
-            <a:endParaRPr lang="en-US" altLang="ja-JP" dirty="0" smtClean="0"/>
-          </a:p>
-          <a:p>
-            <a:pPr algn="l"/>
-            <a:r>
-              <a:rPr lang="ja-JP" altLang="en-US" dirty="0"/>
-              <a:t>敵</a:t>
-            </a:r>
-            <a:r>
-              <a:rPr lang="ja-JP" altLang="en-US" dirty="0" smtClean="0"/>
-              <a:t>の追跡・逃亡</a:t>
-            </a:r>
-            <a:endParaRPr lang="en-US" altLang="ja-JP" dirty="0" smtClean="0"/>
-          </a:p>
-          <a:p>
-            <a:pPr algn="l"/>
-            <a:r>
-              <a:rPr lang="ja-JP" altLang="en-US" dirty="0" smtClean="0"/>
-              <a:t>マップチェンジ</a:t>
-            </a:r>
-            <a:endParaRPr lang="en-US" altLang="ja-JP" dirty="0" smtClean="0"/>
-          </a:p>
-          <a:p>
-            <a:pPr algn="l"/>
-            <a:r>
-              <a:rPr lang="en-US" altLang="ja-JP" dirty="0" smtClean="0"/>
-              <a:t>UI</a:t>
-            </a:r>
-            <a:r>
-              <a:rPr lang="ja-JP" altLang="en-US" dirty="0" smtClean="0"/>
-              <a:t>周り</a:t>
-            </a:r>
-            <a:r>
-              <a:rPr lang="en-US" altLang="ja-JP" dirty="0" smtClean="0"/>
-              <a:t>(</a:t>
-            </a:r>
-            <a:r>
-              <a:rPr lang="ja-JP" altLang="en-US" dirty="0" smtClean="0"/>
-              <a:t>スコア、体力</a:t>
-            </a:r>
-            <a:r>
-              <a:rPr lang="en-US" altLang="ja-JP" dirty="0" smtClean="0"/>
-              <a:t>)</a:t>
-            </a:r>
-          </a:p>
-          <a:p>
-            <a:pPr algn="l"/>
-            <a:r>
-              <a:rPr lang="ja-JP" altLang="en-US" dirty="0" smtClean="0"/>
-              <a:t>マルチプレイ</a:t>
-            </a:r>
-            <a:endParaRPr lang="en-US" altLang="ja-JP" dirty="0" smtClean="0"/>
-          </a:p>
-          <a:p>
-            <a:pPr algn="l"/>
-            <a:endParaRPr lang="en-US" altLang="ja-JP" dirty="0" smtClean="0"/>
-          </a:p>
-          <a:p>
-            <a:pPr algn="l"/>
-            <a:endParaRPr lang="en-US" altLang="ja-JP" dirty="0" smtClean="0"/>
-          </a:p>
-          <a:p>
-            <a:pPr algn="l"/>
-            <a:endParaRPr lang="en-US" altLang="ja-JP" dirty="0" smtClean="0"/>
+          <p:cNvPr id="3" name="コンテンツ プレースホルダー 2"/>
+          <p:cNvSpPr>
+            <a:spLocks noGrp="1"/>
+          </p:cNvSpPr>
+          <p:nvPr>
+            <p:ph idx="1"/>
+          </p:nvPr>
+        </p:nvSpPr>
+        <p:spPr/>
+        <p:txBody>
+          <a:bodyPr/>
+          <a:lstStyle/>
+          <a:p>
+            <a:endParaRPr kumimoji="1" lang="ja-JP" altLang="en-US"/>
           </a:p>
         </p:txBody>
       </p:sp>
     </p:spTree>
     <p:extLst>
       <p:ext uri="{BB962C8B-B14F-4D97-AF65-F5344CB8AC3E}">
-        <p14:creationId xmlns:p14="http://schemas.microsoft.com/office/powerpoint/2010/main" val="2055610394"/>
+        <p14:creationId xmlns:p14="http://schemas.microsoft.com/office/powerpoint/2010/main" val="158800720"/>
       </p:ext>
     </p:extLst>
   </p:cSld>
   <p:clrMapOvr>
     <a:masterClrMapping/>
   </p:clrMapOvr>
-  <p:timing>
-    <p:tnLst>
-      <p:par>
-        <p:cTn id="1" dur="indefinite" restart="never" nodeType="tmRoot"/>
-      </p:par>
-    </p:tnLst>
-  </p:timing>
 </p:sld>
 </file>
 
@@ -3670,8 +3471,8 @@
         </p:blipFill>
         <p:spPr>
           <a:xfrm>
-            <a:off x="3318588" y="2155372"/>
-            <a:ext cx="8873412" cy="4702628"/>
+            <a:off x="2872274" y="2155372"/>
+            <a:ext cx="7680648" cy="4702628"/>
           </a:xfrm>
         </p:spPr>
       </p:pic>
@@ -3683,8 +3484,8 @@
         </p:nvSpPr>
         <p:spPr>
           <a:xfrm>
-            <a:off x="447869" y="2640563"/>
-            <a:ext cx="2453951" cy="1324947"/>
+            <a:off x="139959" y="2560481"/>
+            <a:ext cx="2584580" cy="2862322"/>
           </a:xfrm>
           <a:prstGeom prst="rect">
             <a:avLst/>
@@ -3697,7 +3498,34 @@
           </a:bodyPr>
           <a:lstStyle/>
           <a:p>
-            <a:endParaRPr kumimoji="1" lang="ja-JP" altLang="en-US"/>
+            <a:r>
+              <a:rPr kumimoji="1" lang="ja-JP" altLang="en-US" dirty="0" smtClean="0"/>
+              <a:t>黄色の球体を動かしてマップに散らばっているアイテムを全て食べたらクリア</a:t>
+            </a:r>
+            <a:endParaRPr kumimoji="1" lang="en-US" altLang="ja-JP" dirty="0" smtClean="0"/>
+          </a:p>
+          <a:p>
+            <a:r>
+              <a:rPr lang="ja-JP" altLang="en-US" dirty="0" smtClean="0"/>
+              <a:t>時間</a:t>
+            </a:r>
+            <a:r>
+              <a:rPr lang="ja-JP" altLang="en-US" dirty="0"/>
+              <a:t>経過</a:t>
+            </a:r>
+            <a:r>
+              <a:rPr lang="ja-JP" altLang="en-US" dirty="0" smtClean="0"/>
+              <a:t>で待機していた敵が、プレイヤー</a:t>
+            </a:r>
+            <a:r>
+              <a:rPr lang="ja-JP" altLang="en-US" dirty="0"/>
+              <a:t>を</a:t>
+            </a:r>
+            <a:r>
+              <a:rPr lang="ja-JP" altLang="en-US" dirty="0" smtClean="0"/>
+              <a:t>追いかけてきて敵につかまると残機が減り、全て無くなるとゲームオーバー</a:t>
+            </a:r>
+            <a:endParaRPr kumimoji="1" lang="ja-JP" altLang="en-US" dirty="0"/>
           </a:p>
         </p:txBody>
       </p:sp>
@@ -3705,6 +3533,356 @@
     <p:extLst>
       <p:ext uri="{BB962C8B-B14F-4D97-AF65-F5344CB8AC3E}">
         <p14:creationId xmlns:p14="http://schemas.microsoft.com/office/powerpoint/2010/main" val="139298980"/>
+      </p:ext>
+    </p:extLst>
+  </p:cSld>
+  <p:clrMapOvr>
+    <a:masterClrMapping/>
+  </p:clrMapOvr>
+  <p:timing>
+    <p:tnLst>
+      <p:par>
+        <p:cTn id="1" dur="indefinite" restart="never" nodeType="tmRoot"/>
+      </p:par>
+    </p:tnLst>
+  </p:timing>
+</p:sld>
+</file>
+
+<file path=ppt/slides/slide4.xml><?xml version="1.0" encoding="utf-8"?>
+<p:sld xmlns:a="http://schemas.openxmlformats.org/drawingml/2006/main" xmlns:r="http://schemas.openxmlformats.org/officeDocument/2006/relationships" xmlns:p="http://schemas.openxmlformats.org/presentationml/2006/main">
+  <p:cSld>
+    <p:spTree>
+      <p:nvGrpSpPr>
+        <p:cNvPr id="1" name=""/>
+        <p:cNvGrpSpPr/>
+        <p:nvPr/>
+      </p:nvGrpSpPr>
+      <p:grpSpPr>
+        <a:xfrm>
+          <a:off x="0" y="0"/>
+          <a:ext cx="0" cy="0"/>
+          <a:chOff x="0" y="0"/>
+          <a:chExt cx="0" cy="0"/>
+        </a:xfrm>
+      </p:grpSpPr>
+      <p:sp>
+        <p:nvSpPr>
+          <p:cNvPr id="2" name="タイトル 1"/>
+          <p:cNvSpPr>
+            <a:spLocks noGrp="1"/>
+          </p:cNvSpPr>
+          <p:nvPr>
+            <p:ph type="ctrTitle"/>
+          </p:nvPr>
+        </p:nvSpPr>
+        <p:spPr>
+          <a:xfrm>
+            <a:off x="8201607" y="279918"/>
+            <a:ext cx="3442996" cy="738770"/>
+          </a:xfrm>
+        </p:spPr>
+        <p:txBody>
+          <a:bodyPr>
+            <a:normAutofit/>
+          </a:bodyPr>
+          <a:lstStyle/>
+          <a:p>
+            <a:r>
+              <a:rPr kumimoji="1" lang="ja-JP" altLang="en-US" sz="4000" dirty="0" smtClean="0"/>
+              <a:t>パックマン風</a:t>
+            </a:r>
+            <a:endParaRPr kumimoji="1" lang="ja-JP" altLang="en-US" sz="4000" dirty="0"/>
+          </a:p>
+        </p:txBody>
+      </p:sp>
+      <p:sp>
+        <p:nvSpPr>
+          <p:cNvPr id="3" name="サブタイトル 2"/>
+          <p:cNvSpPr>
+            <a:spLocks noGrp="1"/>
+          </p:cNvSpPr>
+          <p:nvPr>
+            <p:ph type="subTitle" idx="1"/>
+          </p:nvPr>
+        </p:nvSpPr>
+        <p:spPr>
+          <a:xfrm>
+            <a:off x="264368" y="1287625"/>
+            <a:ext cx="11660154" cy="5131836"/>
+          </a:xfrm>
+        </p:spPr>
+        <p:txBody>
+          <a:bodyPr/>
+          <a:lstStyle/>
+          <a:p>
+            <a:pPr algn="l"/>
+            <a:r>
+              <a:rPr kumimoji="1" lang="ja-JP" altLang="en-US" dirty="0" smtClean="0"/>
+              <a:t>・マップ上のアイテムを、取りきると次のステージ</a:t>
+            </a:r>
+            <a:r>
+              <a:rPr lang="en-US" altLang="ja-JP" dirty="0" smtClean="0"/>
+              <a:t>(</a:t>
+            </a:r>
+            <a:r>
+              <a:rPr lang="ja-JP" altLang="en-US" dirty="0" smtClean="0"/>
+              <a:t>全</a:t>
+            </a:r>
+            <a:r>
+              <a:rPr lang="en-US" altLang="ja-JP" dirty="0" smtClean="0"/>
+              <a:t>3</a:t>
+            </a:r>
+            <a:r>
+              <a:rPr lang="ja-JP" altLang="en-US" dirty="0" smtClean="0"/>
+              <a:t>ステージ</a:t>
+            </a:r>
+            <a:r>
+              <a:rPr lang="en-US" altLang="ja-JP" dirty="0" smtClean="0"/>
+              <a:t>)</a:t>
+            </a:r>
+          </a:p>
+          <a:p>
+            <a:pPr algn="l"/>
+            <a:r>
+              <a:rPr kumimoji="1" lang="ja-JP" altLang="en-US" dirty="0" smtClean="0"/>
+              <a:t>・敵に当たると、ゲームオーバー</a:t>
+            </a:r>
+            <a:endParaRPr kumimoji="1" lang="en-US" altLang="ja-JP" dirty="0" smtClean="0"/>
+          </a:p>
+          <a:p>
+            <a:pPr algn="l"/>
+            <a:r>
+              <a:rPr lang="ja-JP" altLang="en-US" dirty="0" smtClean="0"/>
+              <a:t>・最終的なスコアで競う</a:t>
+            </a:r>
+            <a:endParaRPr lang="en-US" altLang="ja-JP" dirty="0"/>
+          </a:p>
+          <a:p>
+            <a:pPr algn="l"/>
+            <a:r>
+              <a:rPr lang="ja-JP" altLang="en-US" dirty="0" smtClean="0"/>
+              <a:t>・マルチをすることでクリアしやすい</a:t>
+            </a:r>
+            <a:endParaRPr lang="en-US" altLang="ja-JP" dirty="0" smtClean="0"/>
+          </a:p>
+        </p:txBody>
+      </p:sp>
+    </p:spTree>
+    <p:extLst>
+      <p:ext uri="{BB962C8B-B14F-4D97-AF65-F5344CB8AC3E}">
+        <p14:creationId xmlns:p14="http://schemas.microsoft.com/office/powerpoint/2010/main" val="918436756"/>
+      </p:ext>
+    </p:extLst>
+  </p:cSld>
+  <p:clrMapOvr>
+    <a:masterClrMapping/>
+  </p:clrMapOvr>
+  <p:timing>
+    <p:tnLst>
+      <p:par>
+        <p:cTn id="1" dur="indefinite" restart="never" nodeType="tmRoot"/>
+      </p:par>
+    </p:tnLst>
+  </p:timing>
+</p:sld>
+</file>
+
+<file path=ppt/slides/slide5.xml><?xml version="1.0" encoding="utf-8"?>
+<p:sld xmlns:a="http://schemas.openxmlformats.org/drawingml/2006/main" xmlns:r="http://schemas.openxmlformats.org/officeDocument/2006/relationships" xmlns:p="http://schemas.openxmlformats.org/presentationml/2006/main">
+  <p:cSld>
+    <p:spTree>
+      <p:nvGrpSpPr>
+        <p:cNvPr id="1" name=""/>
+        <p:cNvGrpSpPr/>
+        <p:nvPr/>
+      </p:nvGrpSpPr>
+      <p:grpSpPr>
+        <a:xfrm>
+          <a:off x="0" y="0"/>
+          <a:ext cx="0" cy="0"/>
+          <a:chOff x="0" y="0"/>
+          <a:chExt cx="0" cy="0"/>
+        </a:xfrm>
+      </p:grpSpPr>
+      <p:sp>
+        <p:nvSpPr>
+          <p:cNvPr id="2" name="タイトル 1"/>
+          <p:cNvSpPr>
+            <a:spLocks noGrp="1"/>
+          </p:cNvSpPr>
+          <p:nvPr>
+            <p:ph type="ctrTitle"/>
+          </p:nvPr>
+        </p:nvSpPr>
+        <p:spPr>
+          <a:xfrm>
+            <a:off x="8397550" y="130628"/>
+            <a:ext cx="3119535" cy="897392"/>
+          </a:xfrm>
+        </p:spPr>
+        <p:txBody>
+          <a:bodyPr>
+            <a:normAutofit fontScale="90000"/>
+          </a:bodyPr>
+          <a:lstStyle/>
+          <a:p>
+            <a:r>
+              <a:rPr kumimoji="1" lang="ja-JP" altLang="en-US" dirty="0" smtClean="0"/>
+              <a:t>作るもの</a:t>
+            </a:r>
+            <a:endParaRPr kumimoji="1" lang="ja-JP" altLang="en-US" dirty="0"/>
+          </a:p>
+        </p:txBody>
+      </p:sp>
+      <p:sp>
+        <p:nvSpPr>
+          <p:cNvPr id="3" name="サブタイトル 2"/>
+          <p:cNvSpPr>
+            <a:spLocks noGrp="1"/>
+          </p:cNvSpPr>
+          <p:nvPr>
+            <p:ph type="subTitle" idx="1"/>
+          </p:nvPr>
+        </p:nvSpPr>
+        <p:spPr>
+          <a:xfrm>
+            <a:off x="307910" y="1129004"/>
+            <a:ext cx="10322769" cy="5141167"/>
+          </a:xfrm>
+        </p:spPr>
+        <p:txBody>
+          <a:bodyPr/>
+          <a:lstStyle/>
+          <a:p>
+            <a:pPr algn="l"/>
+            <a:r>
+              <a:rPr kumimoji="1" lang="ja-JP" altLang="en-US" dirty="0" smtClean="0"/>
+              <a:t>敵との判定</a:t>
+            </a:r>
+            <a:endParaRPr kumimoji="1" lang="en-US" altLang="ja-JP" dirty="0" smtClean="0"/>
+          </a:p>
+          <a:p>
+            <a:pPr algn="l"/>
+            <a:r>
+              <a:rPr lang="ja-JP" altLang="en-US" dirty="0" smtClean="0"/>
+              <a:t>体力</a:t>
+            </a:r>
+            <a:r>
+              <a:rPr lang="en-US" altLang="ja-JP" dirty="0" smtClean="0"/>
+              <a:t>3</a:t>
+            </a:r>
+            <a:r>
+              <a:rPr lang="ja-JP" altLang="en-US" dirty="0" smtClean="0"/>
+              <a:t>つ</a:t>
+            </a:r>
+            <a:endParaRPr lang="en-US" altLang="ja-JP" dirty="0" smtClean="0"/>
+          </a:p>
+          <a:p>
+            <a:pPr algn="l"/>
+            <a:r>
+              <a:rPr lang="ja-JP" altLang="en-US" dirty="0" smtClean="0"/>
+              <a:t>スコア表示</a:t>
+            </a:r>
+            <a:endParaRPr lang="en-US" altLang="ja-JP" dirty="0" smtClean="0"/>
+          </a:p>
+          <a:p>
+            <a:pPr algn="l"/>
+            <a:r>
+              <a:rPr lang="ja-JP" altLang="en-US" dirty="0" smtClean="0"/>
+              <a:t>アイテム配置・回収</a:t>
+            </a:r>
+            <a:endParaRPr lang="en-US" altLang="ja-JP" dirty="0" smtClean="0"/>
+          </a:p>
+          <a:p>
+            <a:pPr algn="l"/>
+            <a:r>
+              <a:rPr lang="ja-JP" altLang="en-US" dirty="0" smtClean="0"/>
+              <a:t>死亡エフェクト</a:t>
+            </a:r>
+            <a:endParaRPr lang="en-US" altLang="ja-JP" dirty="0" smtClean="0"/>
+          </a:p>
+          <a:p>
+            <a:pPr algn="l"/>
+            <a:r>
+              <a:rPr lang="ja-JP" altLang="en-US" dirty="0"/>
+              <a:t>敵</a:t>
+            </a:r>
+            <a:r>
+              <a:rPr lang="ja-JP" altLang="en-US" dirty="0" smtClean="0"/>
+              <a:t>のランダム移動</a:t>
+            </a:r>
+            <a:endParaRPr lang="en-US" altLang="ja-JP" dirty="0" smtClean="0"/>
+          </a:p>
+          <a:p>
+            <a:pPr algn="l"/>
+            <a:r>
+              <a:rPr lang="ja-JP" altLang="en-US" dirty="0"/>
+              <a:t>敵</a:t>
+            </a:r>
+            <a:r>
+              <a:rPr lang="ja-JP" altLang="en-US" dirty="0" smtClean="0"/>
+              <a:t>の追跡・逃亡</a:t>
+            </a:r>
+            <a:endParaRPr lang="en-US" altLang="ja-JP" dirty="0" smtClean="0"/>
+          </a:p>
+          <a:p>
+            <a:pPr algn="l"/>
+            <a:r>
+              <a:rPr lang="ja-JP" altLang="en-US" dirty="0" smtClean="0"/>
+              <a:t>マップチェンジ</a:t>
+            </a:r>
+            <a:endParaRPr lang="en-US" altLang="ja-JP" dirty="0" smtClean="0"/>
+          </a:p>
+          <a:p>
+            <a:pPr algn="l"/>
+            <a:r>
+              <a:rPr lang="en-US" altLang="ja-JP" dirty="0" smtClean="0"/>
+              <a:t>UI</a:t>
+            </a:r>
+            <a:r>
+              <a:rPr lang="ja-JP" altLang="en-US" dirty="0" smtClean="0"/>
+              <a:t>周り</a:t>
+            </a:r>
+            <a:r>
+              <a:rPr lang="en-US" altLang="ja-JP" dirty="0" smtClean="0"/>
+              <a:t>(</a:t>
+            </a:r>
+            <a:r>
+              <a:rPr lang="ja-JP" altLang="en-US" dirty="0" smtClean="0"/>
+              <a:t>スコア、体力</a:t>
+            </a:r>
+            <a:r>
+              <a:rPr lang="en-US" altLang="ja-JP" dirty="0" smtClean="0"/>
+              <a:t>)</a:t>
+            </a:r>
+          </a:p>
+          <a:p>
+            <a:pPr algn="l"/>
+            <a:r>
+              <a:rPr lang="ja-JP" altLang="en-US" dirty="0" smtClean="0"/>
+              <a:t>マルチプレイ</a:t>
+            </a:r>
+            <a:endParaRPr lang="en-US" altLang="ja-JP" dirty="0" smtClean="0"/>
+          </a:p>
+          <a:p>
+            <a:pPr algn="l"/>
+            <a:endParaRPr lang="en-US" altLang="ja-JP" dirty="0" smtClean="0"/>
+          </a:p>
+          <a:p>
+            <a:pPr algn="l"/>
+            <a:endParaRPr lang="en-US" altLang="ja-JP" dirty="0" smtClean="0"/>
+          </a:p>
+          <a:p>
+            <a:pPr algn="l"/>
+            <a:endParaRPr lang="en-US" altLang="ja-JP" dirty="0" smtClean="0"/>
+          </a:p>
+        </p:txBody>
+      </p:sp>
+    </p:spTree>
+    <p:extLst>
+      <p:ext uri="{BB962C8B-B14F-4D97-AF65-F5344CB8AC3E}">
+        <p14:creationId xmlns:p14="http://schemas.microsoft.com/office/powerpoint/2010/main" val="2055610394"/>
       </p:ext>
     </p:extLst>
   </p:cSld>

--- a/企画書.pptx
+++ b/企画書.pptx
@@ -3292,7 +3292,7 @@
           <a:p>
             <a:r>
               <a:rPr kumimoji="1" lang="ja-JP" altLang="en-US" dirty="0" smtClean="0"/>
-              <a:t>コンセプト</a:t>
+              <a:t>ゲーム名</a:t>
             </a:r>
             <a:endParaRPr kumimoji="1" lang="ja-JP" altLang="en-US" dirty="0"/>
           </a:p>
@@ -3310,10 +3310,35 @@
         </p:nvSpPr>
         <p:spPr/>
         <p:txBody>
-          <a:bodyPr/>
-          <a:lstStyle/>
-          <a:p>
-            <a:endParaRPr kumimoji="1" lang="ja-JP" altLang="en-US" dirty="0"/>
+          <a:bodyPr>
+            <a:normAutofit/>
+          </a:bodyPr>
+          <a:lstStyle/>
+          <a:p>
+            <a:r>
+              <a:rPr lang="ja-JP" altLang="en-US" sz="2400" dirty="0" smtClean="0"/>
+              <a:t>敵から逃げながらアイテムを拾っていく</a:t>
+            </a:r>
+            <a:endParaRPr lang="en-US" altLang="ja-JP" sz="2400" dirty="0" smtClean="0"/>
+          </a:p>
+          <a:p>
+            <a:r>
+              <a:rPr lang="ja-JP" altLang="en-US" sz="2400" dirty="0" smtClean="0"/>
+              <a:t>ターゲット層は学生から大人まで</a:t>
+            </a:r>
+            <a:endParaRPr lang="en-US" altLang="ja-JP" sz="2400" dirty="0" smtClean="0"/>
+          </a:p>
+          <a:p>
+            <a:endParaRPr lang="en-US" altLang="ja-JP" sz="2400" dirty="0" smtClean="0"/>
+          </a:p>
+          <a:p>
+            <a:endParaRPr lang="en-US" altLang="ja-JP" sz="2400" dirty="0" smtClean="0"/>
+          </a:p>
+          <a:p>
+            <a:endParaRPr lang="en-US" altLang="ja-JP" sz="2400" dirty="0" smtClean="0"/>
+          </a:p>
+          <a:p>
+            <a:endParaRPr kumimoji="1" lang="ja-JP" altLang="en-US" sz="2400" dirty="0"/>
           </a:p>
         </p:txBody>
       </p:sp>
@@ -3362,6 +3387,10 @@
           <a:bodyPr/>
           <a:lstStyle/>
           <a:p>
+            <a:r>
+              <a:rPr kumimoji="1" lang="ja-JP" altLang="en-US" dirty="0" smtClean="0"/>
+              <a:t>コンセプト</a:t>
+            </a:r>
             <a:endParaRPr kumimoji="1" lang="ja-JP" altLang="en-US" dirty="0"/>
           </a:p>
         </p:txBody>

--- a/企画書.pptx
+++ b/企画書.pptx
@@ -4,12 +4,14 @@
   <p:sldMasterIdLst>
     <p:sldMasterId id="2147483648" r:id="rId1"/>
   </p:sldMasterIdLst>
+  <p:notesMasterIdLst>
+    <p:notesMasterId r:id="rId6"/>
+  </p:notesMasterIdLst>
   <p:sldIdLst>
     <p:sldId id="259" r:id="rId2"/>
     <p:sldId id="260" r:id="rId3"/>
-    <p:sldId id="258" r:id="rId4"/>
-    <p:sldId id="256" r:id="rId5"/>
-    <p:sldId id="257" r:id="rId6"/>
+    <p:sldId id="261" r:id="rId4"/>
+    <p:sldId id="258" r:id="rId5"/>
   </p:sldIdLst>
   <p:sldSz cx="12192000" cy="6858000"/>
   <p:notesSz cx="6858000" cy="9144000"/>
@@ -128,6 +130,472 @@
 </p:cmAuthorLst>
 </file>
 
+<file path=ppt/notesMasters/notesMaster1.xml><?xml version="1.0" encoding="utf-8"?>
+<p:notesMaster xmlns:a="http://schemas.openxmlformats.org/drawingml/2006/main" xmlns:r="http://schemas.openxmlformats.org/officeDocument/2006/relationships" xmlns:p="http://schemas.openxmlformats.org/presentationml/2006/main">
+  <p:cSld>
+    <p:bg>
+      <p:bgRef idx="1001">
+        <a:schemeClr val="bg1"/>
+      </p:bgRef>
+    </p:bg>
+    <p:spTree>
+      <p:nvGrpSpPr>
+        <p:cNvPr id="1" name=""/>
+        <p:cNvGrpSpPr/>
+        <p:nvPr/>
+      </p:nvGrpSpPr>
+      <p:grpSpPr>
+        <a:xfrm>
+          <a:off x="0" y="0"/>
+          <a:ext cx="0" cy="0"/>
+          <a:chOff x="0" y="0"/>
+          <a:chExt cx="0" cy="0"/>
+        </a:xfrm>
+      </p:grpSpPr>
+      <p:sp>
+        <p:nvSpPr>
+          <p:cNvPr id="2" name="ヘッダー プレースホルダー 1"/>
+          <p:cNvSpPr>
+            <a:spLocks noGrp="1"/>
+          </p:cNvSpPr>
+          <p:nvPr>
+            <p:ph type="hdr" sz="quarter"/>
+          </p:nvPr>
+        </p:nvSpPr>
+        <p:spPr>
+          <a:xfrm>
+            <a:off x="0" y="0"/>
+            <a:ext cx="2971800" cy="458788"/>
+          </a:xfrm>
+          <a:prstGeom prst="rect">
+            <a:avLst/>
+          </a:prstGeom>
+        </p:spPr>
+        <p:txBody>
+          <a:bodyPr vert="horz" lIns="91440" tIns="45720" rIns="91440" bIns="45720" rtlCol="0"/>
+          <a:lstStyle>
+            <a:lvl1pPr algn="l">
+              <a:defRPr sz="1200"/>
+            </a:lvl1pPr>
+          </a:lstStyle>
+          <a:p>
+            <a:endParaRPr kumimoji="1" lang="ja-JP" altLang="en-US"/>
+          </a:p>
+        </p:txBody>
+      </p:sp>
+      <p:sp>
+        <p:nvSpPr>
+          <p:cNvPr id="3" name="日付プレースホルダー 2"/>
+          <p:cNvSpPr>
+            <a:spLocks noGrp="1"/>
+          </p:cNvSpPr>
+          <p:nvPr>
+            <p:ph type="dt" idx="1"/>
+          </p:nvPr>
+        </p:nvSpPr>
+        <p:spPr>
+          <a:xfrm>
+            <a:off x="3884613" y="0"/>
+            <a:ext cx="2971800" cy="458788"/>
+          </a:xfrm>
+          <a:prstGeom prst="rect">
+            <a:avLst/>
+          </a:prstGeom>
+        </p:spPr>
+        <p:txBody>
+          <a:bodyPr vert="horz" lIns="91440" tIns="45720" rIns="91440" bIns="45720" rtlCol="0"/>
+          <a:lstStyle>
+            <a:lvl1pPr algn="r">
+              <a:defRPr sz="1200"/>
+            </a:lvl1pPr>
+          </a:lstStyle>
+          <a:p>
+            <a:fld id="{D87D4425-97A6-46D4-B9AA-5B3737BA148B}" type="datetimeFigureOut">
+              <a:rPr kumimoji="1" lang="ja-JP" altLang="en-US" smtClean="0"/>
+              <a:t>2022/12/14</a:t>
+            </a:fld>
+            <a:endParaRPr kumimoji="1" lang="ja-JP" altLang="en-US"/>
+          </a:p>
+        </p:txBody>
+      </p:sp>
+      <p:sp>
+        <p:nvSpPr>
+          <p:cNvPr id="4" name="スライド イメージ プレースホルダー 3"/>
+          <p:cNvSpPr>
+            <a:spLocks noGrp="1" noRot="1" noChangeAspect="1"/>
+          </p:cNvSpPr>
+          <p:nvPr>
+            <p:ph type="sldImg" idx="2"/>
+          </p:nvPr>
+        </p:nvSpPr>
+        <p:spPr>
+          <a:xfrm>
+            <a:off x="685800" y="1143000"/>
+            <a:ext cx="5486400" cy="3086100"/>
+          </a:xfrm>
+          <a:prstGeom prst="rect">
+            <a:avLst/>
+          </a:prstGeom>
+          <a:noFill/>
+          <a:ln w="12700">
+            <a:solidFill>
+              <a:prstClr val="black"/>
+            </a:solidFill>
+          </a:ln>
+        </p:spPr>
+        <p:txBody>
+          <a:bodyPr vert="horz" lIns="91440" tIns="45720" rIns="91440" bIns="45720" rtlCol="0" anchor="ctr"/>
+          <a:lstStyle/>
+          <a:p>
+            <a:endParaRPr lang="ja-JP" altLang="en-US"/>
+          </a:p>
+        </p:txBody>
+      </p:sp>
+      <p:sp>
+        <p:nvSpPr>
+          <p:cNvPr id="5" name="ノート プレースホルダー 4"/>
+          <p:cNvSpPr>
+            <a:spLocks noGrp="1"/>
+          </p:cNvSpPr>
+          <p:nvPr>
+            <p:ph type="body" sz="quarter" idx="3"/>
+          </p:nvPr>
+        </p:nvSpPr>
+        <p:spPr>
+          <a:xfrm>
+            <a:off x="685800" y="4400550"/>
+            <a:ext cx="5486400" cy="3600450"/>
+          </a:xfrm>
+          <a:prstGeom prst="rect">
+            <a:avLst/>
+          </a:prstGeom>
+        </p:spPr>
+        <p:txBody>
+          <a:bodyPr vert="horz" lIns="91440" tIns="45720" rIns="91440" bIns="45720" rtlCol="0"/>
+          <a:lstStyle/>
+          <a:p>
+            <a:pPr lvl="0"/>
+            <a:r>
+              <a:rPr kumimoji="1" lang="ja-JP" altLang="en-US" smtClean="0"/>
+              <a:t>マスター テキストの書式設定</a:t>
+            </a:r>
+          </a:p>
+          <a:p>
+            <a:pPr lvl="1"/>
+            <a:r>
+              <a:rPr kumimoji="1" lang="ja-JP" altLang="en-US" smtClean="0"/>
+              <a:t>第 </a:t>
+            </a:r>
+            <a:r>
+              <a:rPr kumimoji="1" lang="en-US" altLang="ja-JP" smtClean="0"/>
+              <a:t>2 </a:t>
+            </a:r>
+            <a:r>
+              <a:rPr kumimoji="1" lang="ja-JP" altLang="en-US" smtClean="0"/>
+              <a:t>レベル</a:t>
+            </a:r>
+          </a:p>
+          <a:p>
+            <a:pPr lvl="2"/>
+            <a:r>
+              <a:rPr kumimoji="1" lang="ja-JP" altLang="en-US" smtClean="0"/>
+              <a:t>第 </a:t>
+            </a:r>
+            <a:r>
+              <a:rPr kumimoji="1" lang="en-US" altLang="ja-JP" smtClean="0"/>
+              <a:t>3 </a:t>
+            </a:r>
+            <a:r>
+              <a:rPr kumimoji="1" lang="ja-JP" altLang="en-US" smtClean="0"/>
+              <a:t>レベル</a:t>
+            </a:r>
+          </a:p>
+          <a:p>
+            <a:pPr lvl="3"/>
+            <a:r>
+              <a:rPr kumimoji="1" lang="ja-JP" altLang="en-US" smtClean="0"/>
+              <a:t>第 </a:t>
+            </a:r>
+            <a:r>
+              <a:rPr kumimoji="1" lang="en-US" altLang="ja-JP" smtClean="0"/>
+              <a:t>4 </a:t>
+            </a:r>
+            <a:r>
+              <a:rPr kumimoji="1" lang="ja-JP" altLang="en-US" smtClean="0"/>
+              <a:t>レベル</a:t>
+            </a:r>
+          </a:p>
+          <a:p>
+            <a:pPr lvl="4"/>
+            <a:r>
+              <a:rPr kumimoji="1" lang="ja-JP" altLang="en-US" smtClean="0"/>
+              <a:t>第 </a:t>
+            </a:r>
+            <a:r>
+              <a:rPr kumimoji="1" lang="en-US" altLang="ja-JP" smtClean="0"/>
+              <a:t>5 </a:t>
+            </a:r>
+            <a:r>
+              <a:rPr kumimoji="1" lang="ja-JP" altLang="en-US" smtClean="0"/>
+              <a:t>レベル</a:t>
+            </a:r>
+            <a:endParaRPr kumimoji="1" lang="ja-JP" altLang="en-US"/>
+          </a:p>
+        </p:txBody>
+      </p:sp>
+      <p:sp>
+        <p:nvSpPr>
+          <p:cNvPr id="6" name="フッター プレースホルダー 5"/>
+          <p:cNvSpPr>
+            <a:spLocks noGrp="1"/>
+          </p:cNvSpPr>
+          <p:nvPr>
+            <p:ph type="ftr" sz="quarter" idx="4"/>
+          </p:nvPr>
+        </p:nvSpPr>
+        <p:spPr>
+          <a:xfrm>
+            <a:off x="0" y="8685213"/>
+            <a:ext cx="2971800" cy="458787"/>
+          </a:xfrm>
+          <a:prstGeom prst="rect">
+            <a:avLst/>
+          </a:prstGeom>
+        </p:spPr>
+        <p:txBody>
+          <a:bodyPr vert="horz" lIns="91440" tIns="45720" rIns="91440" bIns="45720" rtlCol="0" anchor="b"/>
+          <a:lstStyle>
+            <a:lvl1pPr algn="l">
+              <a:defRPr sz="1200"/>
+            </a:lvl1pPr>
+          </a:lstStyle>
+          <a:p>
+            <a:endParaRPr kumimoji="1" lang="ja-JP" altLang="en-US"/>
+          </a:p>
+        </p:txBody>
+      </p:sp>
+      <p:sp>
+        <p:nvSpPr>
+          <p:cNvPr id="7" name="スライド番号プレースホルダー 6"/>
+          <p:cNvSpPr>
+            <a:spLocks noGrp="1"/>
+          </p:cNvSpPr>
+          <p:nvPr>
+            <p:ph type="sldNum" sz="quarter" idx="5"/>
+          </p:nvPr>
+        </p:nvSpPr>
+        <p:spPr>
+          <a:xfrm>
+            <a:off x="3884613" y="8685213"/>
+            <a:ext cx="2971800" cy="458787"/>
+          </a:xfrm>
+          <a:prstGeom prst="rect">
+            <a:avLst/>
+          </a:prstGeom>
+        </p:spPr>
+        <p:txBody>
+          <a:bodyPr vert="horz" lIns="91440" tIns="45720" rIns="91440" bIns="45720" rtlCol="0" anchor="b"/>
+          <a:lstStyle>
+            <a:lvl1pPr algn="r">
+              <a:defRPr sz="1200"/>
+            </a:lvl1pPr>
+          </a:lstStyle>
+          <a:p>
+            <a:fld id="{8AAB2E6C-AF5A-425E-905A-795FC7B5F74E}" type="slidenum">
+              <a:rPr kumimoji="1" lang="ja-JP" altLang="en-US" smtClean="0"/>
+              <a:t>‹#›</a:t>
+            </a:fld>
+            <a:endParaRPr kumimoji="1" lang="ja-JP" altLang="en-US"/>
+          </a:p>
+        </p:txBody>
+      </p:sp>
+    </p:spTree>
+    <p:extLst>
+      <p:ext uri="{BB962C8B-B14F-4D97-AF65-F5344CB8AC3E}">
+        <p14:creationId xmlns:p14="http://schemas.microsoft.com/office/powerpoint/2010/main" val="3622601500"/>
+      </p:ext>
+    </p:extLst>
+  </p:cSld>
+  <p:clrMap bg1="lt1" tx1="dk1" bg2="lt2" tx2="dk2" accent1="accent1" accent2="accent2" accent3="accent3" accent4="accent4" accent5="accent5" accent6="accent6" hlink="hlink" folHlink="folHlink"/>
+  <p:notesStyle>
+    <a:lvl1pPr marL="0" algn="l" defTabSz="914400" rtl="0" eaLnBrk="1" latinLnBrk="0" hangingPunct="1">
+      <a:defRPr kumimoji="1" sz="1200" kern="1200">
+        <a:solidFill>
+          <a:schemeClr val="tx1"/>
+        </a:solidFill>
+        <a:latin typeface="+mn-lt"/>
+        <a:ea typeface="+mn-ea"/>
+        <a:cs typeface="+mn-cs"/>
+      </a:defRPr>
+    </a:lvl1pPr>
+    <a:lvl2pPr marL="457200" algn="l" defTabSz="914400" rtl="0" eaLnBrk="1" latinLnBrk="0" hangingPunct="1">
+      <a:defRPr kumimoji="1" sz="1200" kern="1200">
+        <a:solidFill>
+          <a:schemeClr val="tx1"/>
+        </a:solidFill>
+        <a:latin typeface="+mn-lt"/>
+        <a:ea typeface="+mn-ea"/>
+        <a:cs typeface="+mn-cs"/>
+      </a:defRPr>
+    </a:lvl2pPr>
+    <a:lvl3pPr marL="914400" algn="l" defTabSz="914400" rtl="0" eaLnBrk="1" latinLnBrk="0" hangingPunct="1">
+      <a:defRPr kumimoji="1" sz="1200" kern="1200">
+        <a:solidFill>
+          <a:schemeClr val="tx1"/>
+        </a:solidFill>
+        <a:latin typeface="+mn-lt"/>
+        <a:ea typeface="+mn-ea"/>
+        <a:cs typeface="+mn-cs"/>
+      </a:defRPr>
+    </a:lvl3pPr>
+    <a:lvl4pPr marL="1371600" algn="l" defTabSz="914400" rtl="0" eaLnBrk="1" latinLnBrk="0" hangingPunct="1">
+      <a:defRPr kumimoji="1" sz="1200" kern="1200">
+        <a:solidFill>
+          <a:schemeClr val="tx1"/>
+        </a:solidFill>
+        <a:latin typeface="+mn-lt"/>
+        <a:ea typeface="+mn-ea"/>
+        <a:cs typeface="+mn-cs"/>
+      </a:defRPr>
+    </a:lvl4pPr>
+    <a:lvl5pPr marL="1828800" algn="l" defTabSz="914400" rtl="0" eaLnBrk="1" latinLnBrk="0" hangingPunct="1">
+      <a:defRPr kumimoji="1" sz="1200" kern="1200">
+        <a:solidFill>
+          <a:schemeClr val="tx1"/>
+        </a:solidFill>
+        <a:latin typeface="+mn-lt"/>
+        <a:ea typeface="+mn-ea"/>
+        <a:cs typeface="+mn-cs"/>
+      </a:defRPr>
+    </a:lvl5pPr>
+    <a:lvl6pPr marL="2286000" algn="l" defTabSz="914400" rtl="0" eaLnBrk="1" latinLnBrk="0" hangingPunct="1">
+      <a:defRPr kumimoji="1" sz="1200" kern="1200">
+        <a:solidFill>
+          <a:schemeClr val="tx1"/>
+        </a:solidFill>
+        <a:latin typeface="+mn-lt"/>
+        <a:ea typeface="+mn-ea"/>
+        <a:cs typeface="+mn-cs"/>
+      </a:defRPr>
+    </a:lvl6pPr>
+    <a:lvl7pPr marL="2743200" algn="l" defTabSz="914400" rtl="0" eaLnBrk="1" latinLnBrk="0" hangingPunct="1">
+      <a:defRPr kumimoji="1" sz="1200" kern="1200">
+        <a:solidFill>
+          <a:schemeClr val="tx1"/>
+        </a:solidFill>
+        <a:latin typeface="+mn-lt"/>
+        <a:ea typeface="+mn-ea"/>
+        <a:cs typeface="+mn-cs"/>
+      </a:defRPr>
+    </a:lvl7pPr>
+    <a:lvl8pPr marL="3200400" algn="l" defTabSz="914400" rtl="0" eaLnBrk="1" latinLnBrk="0" hangingPunct="1">
+      <a:defRPr kumimoji="1" sz="1200" kern="1200">
+        <a:solidFill>
+          <a:schemeClr val="tx1"/>
+        </a:solidFill>
+        <a:latin typeface="+mn-lt"/>
+        <a:ea typeface="+mn-ea"/>
+        <a:cs typeface="+mn-cs"/>
+      </a:defRPr>
+    </a:lvl8pPr>
+    <a:lvl9pPr marL="3657600" algn="l" defTabSz="914400" rtl="0" eaLnBrk="1" latinLnBrk="0" hangingPunct="1">
+      <a:defRPr kumimoji="1" sz="1200" kern="1200">
+        <a:solidFill>
+          <a:schemeClr val="tx1"/>
+        </a:solidFill>
+        <a:latin typeface="+mn-lt"/>
+        <a:ea typeface="+mn-ea"/>
+        <a:cs typeface="+mn-cs"/>
+      </a:defRPr>
+    </a:lvl9pPr>
+  </p:notesStyle>
+</p:notesMaster>
+</file>
+
+<file path=ppt/notesSlides/notesSlide1.xml><?xml version="1.0" encoding="utf-8"?>
+<p:notes xmlns:a="http://schemas.openxmlformats.org/drawingml/2006/main" xmlns:r="http://schemas.openxmlformats.org/officeDocument/2006/relationships" xmlns:p="http://schemas.openxmlformats.org/presentationml/2006/main">
+  <p:cSld>
+    <p:spTree>
+      <p:nvGrpSpPr>
+        <p:cNvPr id="1" name=""/>
+        <p:cNvGrpSpPr/>
+        <p:nvPr/>
+      </p:nvGrpSpPr>
+      <p:grpSpPr>
+        <a:xfrm>
+          <a:off x="0" y="0"/>
+          <a:ext cx="0" cy="0"/>
+          <a:chOff x="0" y="0"/>
+          <a:chExt cx="0" cy="0"/>
+        </a:xfrm>
+      </p:grpSpPr>
+      <p:sp>
+        <p:nvSpPr>
+          <p:cNvPr id="2" name="スライド イメージ プレースホルダー 1"/>
+          <p:cNvSpPr>
+            <a:spLocks noGrp="1" noRot="1" noChangeAspect="1"/>
+          </p:cNvSpPr>
+          <p:nvPr>
+            <p:ph type="sldImg"/>
+          </p:nvPr>
+        </p:nvSpPr>
+        <p:spPr/>
+      </p:sp>
+      <p:sp>
+        <p:nvSpPr>
+          <p:cNvPr id="3" name="ノート プレースホルダー 2"/>
+          <p:cNvSpPr>
+            <a:spLocks noGrp="1"/>
+          </p:cNvSpPr>
+          <p:nvPr>
+            <p:ph type="body" idx="1"/>
+          </p:nvPr>
+        </p:nvSpPr>
+        <p:spPr/>
+        <p:txBody>
+          <a:bodyPr/>
+          <a:lstStyle/>
+          <a:p>
+            <a:endParaRPr kumimoji="1" lang="ja-JP" altLang="en-US" dirty="0"/>
+          </a:p>
+        </p:txBody>
+      </p:sp>
+      <p:sp>
+        <p:nvSpPr>
+          <p:cNvPr id="4" name="スライド番号プレースホルダー 3"/>
+          <p:cNvSpPr>
+            <a:spLocks noGrp="1"/>
+          </p:cNvSpPr>
+          <p:nvPr>
+            <p:ph type="sldNum" sz="quarter" idx="10"/>
+          </p:nvPr>
+        </p:nvSpPr>
+        <p:spPr/>
+        <p:txBody>
+          <a:bodyPr/>
+          <a:lstStyle/>
+          <a:p>
+            <a:fld id="{8AAB2E6C-AF5A-425E-905A-795FC7B5F74E}" type="slidenum">
+              <a:rPr kumimoji="1" lang="ja-JP" altLang="en-US" smtClean="0"/>
+              <a:t>1</a:t>
+            </a:fld>
+            <a:endParaRPr kumimoji="1" lang="ja-JP" altLang="en-US"/>
+          </a:p>
+        </p:txBody>
+      </p:sp>
+    </p:spTree>
+    <p:extLst>
+      <p:ext uri="{BB962C8B-B14F-4D97-AF65-F5344CB8AC3E}">
+        <p14:creationId xmlns:p14="http://schemas.microsoft.com/office/powerpoint/2010/main" val="3312222188"/>
+      </p:ext>
+    </p:extLst>
+  </p:cSld>
+  <p:clrMapOvr>
+    <a:masterClrMapping/>
+  </p:clrMapOvr>
+</p:notes>
+</file>
+
 <file path=ppt/slideLayouts/slideLayout1.xml><?xml version="1.0" encoding="utf-8"?>
 <p:sldLayout xmlns:a="http://schemas.openxmlformats.org/drawingml/2006/main" xmlns:r="http://schemas.openxmlformats.org/officeDocument/2006/relationships" xmlns:p="http://schemas.openxmlformats.org/presentationml/2006/main" type="title" preserve="1">
   <p:cSld name="タイトル スライド">
@@ -259,7 +727,7 @@
           <a:p>
             <a:fld id="{24FBA86E-0CF7-4B0C-9D39-30686EFB7BF4}" type="datetimeFigureOut">
               <a:rPr kumimoji="1" lang="ja-JP" altLang="en-US" smtClean="0"/>
-              <a:t>2022/12/7</a:t>
+              <a:t>2022/12/14</a:t>
             </a:fld>
             <a:endParaRPr kumimoji="1" lang="ja-JP" altLang="en-US"/>
           </a:p>
@@ -461,7 +929,7 @@
           <a:p>
             <a:fld id="{24FBA86E-0CF7-4B0C-9D39-30686EFB7BF4}" type="datetimeFigureOut">
               <a:rPr kumimoji="1" lang="ja-JP" altLang="en-US" smtClean="0"/>
-              <a:t>2022/12/7</a:t>
+              <a:t>2022/12/14</a:t>
             </a:fld>
             <a:endParaRPr kumimoji="1" lang="ja-JP" altLang="en-US"/>
           </a:p>
@@ -673,7 +1141,7 @@
           <a:p>
             <a:fld id="{24FBA86E-0CF7-4B0C-9D39-30686EFB7BF4}" type="datetimeFigureOut">
               <a:rPr kumimoji="1" lang="ja-JP" altLang="en-US" smtClean="0"/>
-              <a:t>2022/12/7</a:t>
+              <a:t>2022/12/14</a:t>
             </a:fld>
             <a:endParaRPr kumimoji="1" lang="ja-JP" altLang="en-US"/>
           </a:p>
@@ -875,7 +1343,7 @@
           <a:p>
             <a:fld id="{24FBA86E-0CF7-4B0C-9D39-30686EFB7BF4}" type="datetimeFigureOut">
               <a:rPr kumimoji="1" lang="ja-JP" altLang="en-US" smtClean="0"/>
-              <a:t>2022/12/7</a:t>
+              <a:t>2022/12/14</a:t>
             </a:fld>
             <a:endParaRPr kumimoji="1" lang="ja-JP" altLang="en-US"/>
           </a:p>
@@ -1121,7 +1589,7 @@
           <a:p>
             <a:fld id="{24FBA86E-0CF7-4B0C-9D39-30686EFB7BF4}" type="datetimeFigureOut">
               <a:rPr kumimoji="1" lang="ja-JP" altLang="en-US" smtClean="0"/>
-              <a:t>2022/12/7</a:t>
+              <a:t>2022/12/14</a:t>
             </a:fld>
             <a:endParaRPr kumimoji="1" lang="ja-JP" altLang="en-US"/>
           </a:p>
@@ -1417,7 +1885,7 @@
           <a:p>
             <a:fld id="{24FBA86E-0CF7-4B0C-9D39-30686EFB7BF4}" type="datetimeFigureOut">
               <a:rPr kumimoji="1" lang="ja-JP" altLang="en-US" smtClean="0"/>
-              <a:t>2022/12/7</a:t>
+              <a:t>2022/12/14</a:t>
             </a:fld>
             <a:endParaRPr kumimoji="1" lang="ja-JP" altLang="en-US"/>
           </a:p>
@@ -1848,7 +2316,7 @@
           <a:p>
             <a:fld id="{24FBA86E-0CF7-4B0C-9D39-30686EFB7BF4}" type="datetimeFigureOut">
               <a:rPr kumimoji="1" lang="ja-JP" altLang="en-US" smtClean="0"/>
-              <a:t>2022/12/7</a:t>
+              <a:t>2022/12/14</a:t>
             </a:fld>
             <a:endParaRPr kumimoji="1" lang="ja-JP" altLang="en-US"/>
           </a:p>
@@ -1966,7 +2434,7 @@
           <a:p>
             <a:fld id="{24FBA86E-0CF7-4B0C-9D39-30686EFB7BF4}" type="datetimeFigureOut">
               <a:rPr kumimoji="1" lang="ja-JP" altLang="en-US" smtClean="0"/>
-              <a:t>2022/12/7</a:t>
+              <a:t>2022/12/14</a:t>
             </a:fld>
             <a:endParaRPr kumimoji="1" lang="ja-JP" altLang="en-US"/>
           </a:p>
@@ -2061,7 +2529,7 @@
           <a:p>
             <a:fld id="{24FBA86E-0CF7-4B0C-9D39-30686EFB7BF4}" type="datetimeFigureOut">
               <a:rPr kumimoji="1" lang="ja-JP" altLang="en-US" smtClean="0"/>
-              <a:t>2022/12/7</a:t>
+              <a:t>2022/12/14</a:t>
             </a:fld>
             <a:endParaRPr kumimoji="1" lang="ja-JP" altLang="en-US"/>
           </a:p>
@@ -2370,7 +2838,7 @@
           <a:p>
             <a:fld id="{24FBA86E-0CF7-4B0C-9D39-30686EFB7BF4}" type="datetimeFigureOut">
               <a:rPr kumimoji="1" lang="ja-JP" altLang="en-US" smtClean="0"/>
-              <a:t>2022/12/7</a:t>
+              <a:t>2022/12/14</a:t>
             </a:fld>
             <a:endParaRPr kumimoji="1" lang="ja-JP" altLang="en-US"/>
           </a:p>
@@ -2623,7 +3091,7 @@
           <a:p>
             <a:fld id="{24FBA86E-0CF7-4B0C-9D39-30686EFB7BF4}" type="datetimeFigureOut">
               <a:rPr kumimoji="1" lang="ja-JP" altLang="en-US" smtClean="0"/>
-              <a:t>2022/12/7</a:t>
+              <a:t>2022/12/14</a:t>
             </a:fld>
             <a:endParaRPr kumimoji="1" lang="ja-JP" altLang="en-US"/>
           </a:p>
@@ -2868,7 +3336,7 @@
           <a:p>
             <a:fld id="{24FBA86E-0CF7-4B0C-9D39-30686EFB7BF4}" type="datetimeFigureOut">
               <a:rPr kumimoji="1" lang="ja-JP" altLang="en-US" smtClean="0"/>
-              <a:t>2022/12/7</a:t>
+              <a:t>2022/12/14</a:t>
             </a:fld>
             <a:endParaRPr kumimoji="1" lang="ja-JP" altLang="en-US"/>
           </a:p>
@@ -3259,6 +3727,11 @@
 <file path=ppt/slides/slide1.xml><?xml version="1.0" encoding="utf-8"?>
 <p:sld xmlns:a="http://schemas.openxmlformats.org/drawingml/2006/main" xmlns:r="http://schemas.openxmlformats.org/officeDocument/2006/relationships" xmlns:p="http://schemas.openxmlformats.org/presentationml/2006/main">
   <p:cSld>
+    <p:bg>
+      <p:bgRef idx="1001">
+        <a:schemeClr val="bg1"/>
+      </p:bgRef>
+    </p:bg>
     <p:spTree>
       <p:nvGrpSpPr>
         <p:cNvPr id="1" name=""/>
@@ -3283,49 +3756,90 @@
             <p:ph type="title"/>
           </p:nvPr>
         </p:nvSpPr>
-        <p:spPr/>
+        <p:spPr>
+          <a:xfrm>
+            <a:off x="585495" y="290481"/>
+            <a:ext cx="11320366" cy="1325563"/>
+          </a:xfrm>
+        </p:spPr>
+        <p:txBody>
+          <a:bodyPr>
+            <a:normAutofit fontScale="90000"/>
+          </a:bodyPr>
+          <a:lstStyle/>
+          <a:p>
+            <a:r>
+              <a:rPr kumimoji="1" lang="en-US" altLang="ja-JP" dirty="0" smtClean="0"/>
+              <a:t/>
+            </a:r>
+            <a:br>
+              <a:rPr kumimoji="1" lang="en-US" altLang="ja-JP" dirty="0" smtClean="0"/>
+            </a:br>
+            <a:r>
+              <a:rPr kumimoji="1" lang="en-US" altLang="ja-JP" dirty="0" smtClean="0"/>
+              <a:t>				</a:t>
+            </a:r>
+            <a:r>
+              <a:rPr lang="ja-JP" altLang="en-US" dirty="0" smtClean="0"/>
+              <a:t>パックマン</a:t>
+            </a:r>
+            <a:r>
+              <a:rPr lang="en-US" altLang="ja-JP" dirty="0" smtClean="0"/>
+              <a:t>	</a:t>
+            </a:r>
+            <a:br>
+              <a:rPr lang="en-US" altLang="ja-JP" dirty="0" smtClean="0"/>
+            </a:br>
+            <a:r>
+              <a:rPr lang="en-US" altLang="ja-JP" dirty="0"/>
+              <a:t>	</a:t>
+            </a:r>
+            <a:r>
+              <a:rPr lang="en-US" altLang="ja-JP" dirty="0" smtClean="0"/>
+              <a:t>								</a:t>
+            </a:r>
+            <a:r>
+              <a:rPr lang="ja-JP" altLang="en-US" sz="2700" dirty="0" smtClean="0"/>
+              <a:t>三好　山里　森口</a:t>
+            </a:r>
+            <a:endParaRPr kumimoji="1" lang="ja-JP" altLang="en-US" sz="2700" dirty="0"/>
+          </a:p>
+        </p:txBody>
+      </p:sp>
+      <p:sp>
+        <p:nvSpPr>
+          <p:cNvPr id="3" name="コンテンツ プレースホルダー 2"/>
+          <p:cNvSpPr>
+            <a:spLocks noGrp="1"/>
+          </p:cNvSpPr>
+          <p:nvPr>
+            <p:ph idx="1"/>
+          </p:nvPr>
+        </p:nvSpPr>
+        <p:spPr>
+          <a:xfrm>
+            <a:off x="838199" y="2245502"/>
+            <a:ext cx="10515600" cy="4351338"/>
+          </a:xfrm>
+        </p:spPr>
         <p:txBody>
           <a:bodyPr>
             <a:normAutofit/>
           </a:bodyPr>
           <a:lstStyle/>
           <a:p>
-            <a:r>
-              <a:rPr kumimoji="1" lang="ja-JP" altLang="en-US" dirty="0" smtClean="0"/>
-              <a:t>ゲーム名</a:t>
-            </a:r>
-            <a:endParaRPr kumimoji="1" lang="ja-JP" altLang="en-US" dirty="0"/>
-          </a:p>
-        </p:txBody>
-      </p:sp>
-      <p:sp>
-        <p:nvSpPr>
-          <p:cNvPr id="3" name="コンテンツ プレースホルダー 2"/>
-          <p:cNvSpPr>
-            <a:spLocks noGrp="1"/>
-          </p:cNvSpPr>
-          <p:nvPr>
-            <p:ph idx="1"/>
-          </p:nvPr>
-        </p:nvSpPr>
-        <p:spPr/>
-        <p:txBody>
-          <a:bodyPr>
-            <a:normAutofit/>
-          </a:bodyPr>
-          <a:lstStyle/>
-          <a:p>
-            <a:r>
-              <a:rPr lang="ja-JP" altLang="en-US" sz="2400" dirty="0" smtClean="0"/>
-              <a:t>敵から逃げながらアイテムを拾っていく</a:t>
-            </a:r>
+            <a:pPr marL="0" indent="0">
+              <a:buNone/>
+            </a:pPr>
             <a:endParaRPr lang="en-US" altLang="ja-JP" sz="2400" dirty="0" smtClean="0"/>
           </a:p>
           <a:p>
-            <a:r>
-              <a:rPr lang="ja-JP" altLang="en-US" sz="2400" dirty="0" smtClean="0"/>
-              <a:t>ターゲット層は学生から大人まで</a:t>
-            </a:r>
+            <a:endParaRPr lang="en-US" altLang="ja-JP" sz="2400" dirty="0" smtClean="0"/>
+          </a:p>
+          <a:p>
+            <a:endParaRPr lang="en-US" altLang="ja-JP" sz="2400" dirty="0" smtClean="0"/>
+          </a:p>
+          <a:p>
             <a:endParaRPr lang="en-US" altLang="ja-JP" sz="2400" dirty="0" smtClean="0"/>
           </a:p>
           <a:p>
@@ -3350,8 +3864,15 @@
     </p:extLst>
   </p:cSld>
   <p:clrMapOvr>
-    <a:masterClrMapping/>
+    <a:overrideClrMapping bg1="lt1" tx1="dk1" bg2="lt2" tx2="dk2" accent1="accent1" accent2="accent2" accent3="accent3" accent4="accent4" accent5="accent5" accent6="accent6" hlink="hlink" folHlink="folHlink"/>
   </p:clrMapOvr>
+  <p:timing>
+    <p:tnLst>
+      <p:par>
+        <p:cTn id="1" dur="indefinite" restart="never" nodeType="tmRoot"/>
+      </p:par>
+    </p:tnLst>
+  </p:timing>
 </p:sld>
 </file>
 
@@ -3388,42 +3909,88 @@
           <a:lstStyle/>
           <a:p>
             <a:r>
+              <a:rPr lang="ja-JP" altLang="en-US" dirty="0" smtClean="0"/>
+              <a:t>目次</a:t>
+            </a:r>
+            <a:endParaRPr kumimoji="1" lang="ja-JP" altLang="en-US" dirty="0"/>
+          </a:p>
+        </p:txBody>
+      </p:sp>
+      <p:sp>
+        <p:nvSpPr>
+          <p:cNvPr id="3" name="コンテンツ プレースホルダー 2"/>
+          <p:cNvSpPr>
+            <a:spLocks noGrp="1"/>
+          </p:cNvSpPr>
+          <p:nvPr>
+            <p:ph idx="1"/>
+          </p:nvPr>
+        </p:nvSpPr>
+        <p:spPr/>
+        <p:txBody>
+          <a:bodyPr>
+            <a:normAutofit/>
+          </a:bodyPr>
+          <a:lstStyle/>
+          <a:p>
+            <a:pPr marL="0" indent="0">
+              <a:buNone/>
+            </a:pPr>
+            <a:r>
+              <a:rPr lang="ja-JP" altLang="en-US" dirty="0"/>
+              <a:t>このゲーム</a:t>
+            </a:r>
+            <a:r>
               <a:rPr kumimoji="1" lang="ja-JP" altLang="en-US" dirty="0" smtClean="0"/>
-              <a:t>コンセプト</a:t>
-            </a:r>
+              <a:t>を作った理由</a:t>
+            </a:r>
+            <a:endParaRPr kumimoji="1" lang="en-US" altLang="ja-JP" dirty="0" smtClean="0"/>
+          </a:p>
+          <a:p>
+            <a:pPr marL="0" indent="0">
+              <a:buNone/>
+            </a:pPr>
+            <a:r>
+              <a:rPr kumimoji="1" lang="ja-JP" altLang="en-US" dirty="0" smtClean="0"/>
+              <a:t>ゲーム説明</a:t>
+            </a:r>
+            <a:endParaRPr kumimoji="1" lang="en-US" altLang="ja-JP" dirty="0" smtClean="0"/>
+          </a:p>
+          <a:p>
+            <a:pPr marL="0" indent="0">
+              <a:buNone/>
+            </a:pPr>
+            <a:r>
+              <a:rPr kumimoji="1" lang="ja-JP" altLang="en-US" dirty="0" smtClean="0"/>
+              <a:t>ゲーム概要</a:t>
+            </a:r>
+            <a:endParaRPr kumimoji="1" lang="en-US" altLang="ja-JP" dirty="0" smtClean="0"/>
+          </a:p>
+          <a:p>
+            <a:endParaRPr kumimoji="1" lang="en-US" altLang="ja-JP" dirty="0" smtClean="0"/>
+          </a:p>
+          <a:p>
             <a:endParaRPr kumimoji="1" lang="ja-JP" altLang="en-US" dirty="0"/>
-          </a:p>
-        </p:txBody>
-      </p:sp>
-      <p:sp>
-        <p:nvSpPr>
-          <p:cNvPr id="3" name="コンテンツ プレースホルダー 2"/>
-          <p:cNvSpPr>
-            <a:spLocks noGrp="1"/>
-          </p:cNvSpPr>
-          <p:nvPr>
-            <p:ph idx="1"/>
-          </p:nvPr>
-        </p:nvSpPr>
-        <p:spPr/>
-        <p:txBody>
-          <a:bodyPr/>
-          <a:lstStyle/>
-          <a:p>
-            <a:endParaRPr kumimoji="1" lang="ja-JP" altLang="en-US"/>
           </a:p>
         </p:txBody>
       </p:sp>
     </p:spTree>
     <p:extLst>
       <p:ext uri="{BB962C8B-B14F-4D97-AF65-F5344CB8AC3E}">
-        <p14:creationId xmlns:p14="http://schemas.microsoft.com/office/powerpoint/2010/main" val="158800720"/>
+        <p14:creationId xmlns:p14="http://schemas.microsoft.com/office/powerpoint/2010/main" val="189628662"/>
       </p:ext>
     </p:extLst>
   </p:cSld>
   <p:clrMapOvr>
     <a:masterClrMapping/>
   </p:clrMapOvr>
+  <p:timing>
+    <p:tnLst>
+      <p:par>
+        <p:cTn id="1" dur="indefinite" restart="never" nodeType="tmRoot"/>
+      </p:par>
+    </p:tnLst>
+  </p:timing>
 </p:sld>
 </file>
 
@@ -3456,104 +4023,82 @@
         </p:nvSpPr>
         <p:spPr/>
         <p:txBody>
-          <a:bodyPr>
-            <a:normAutofit/>
-          </a:bodyPr>
-          <a:lstStyle/>
-          <a:p>
-            <a:r>
-              <a:rPr kumimoji="1" lang="ja-JP" altLang="en-US" sz="3600" dirty="0" smtClean="0"/>
-              <a:t>ゲーム説明</a:t>
-            </a:r>
-            <a:r>
-              <a:rPr kumimoji="1" lang="en-US" altLang="ja-JP" sz="3600" dirty="0" smtClean="0"/>
+          <a:bodyPr/>
+          <a:lstStyle/>
+          <a:p>
+            <a:r>
+              <a:rPr lang="ja-JP" altLang="en-US" dirty="0"/>
+              <a:t>ゲーム概要</a:t>
+            </a:r>
+            <a:r>
+              <a:rPr lang="en-US" altLang="ja-JP" dirty="0"/>
               <a:t/>
             </a:r>
             <a:br>
-              <a:rPr kumimoji="1" lang="en-US" altLang="ja-JP" sz="3600" dirty="0" smtClean="0"/>
+              <a:rPr lang="en-US" altLang="ja-JP" dirty="0"/>
             </a:br>
-            <a:endParaRPr kumimoji="1" lang="ja-JP" altLang="en-US" sz="3600" dirty="0"/>
-          </a:p>
-        </p:txBody>
-      </p:sp>
-      <p:pic>
-        <p:nvPicPr>
-          <p:cNvPr id="4" name="コンテンツ プレースホルダー 3"/>
-          <p:cNvPicPr>
-            <a:picLocks noGrp="1" noChangeAspect="1"/>
-          </p:cNvPicPr>
+            <a:endParaRPr lang="en-US" altLang="ja-JP" dirty="0"/>
+          </a:p>
+        </p:txBody>
+      </p:sp>
+      <p:sp>
+        <p:nvSpPr>
+          <p:cNvPr id="3" name="コンテンツ プレースホルダー 2"/>
+          <p:cNvSpPr>
+            <a:spLocks noGrp="1"/>
+          </p:cNvSpPr>
           <p:nvPr>
             <p:ph idx="1"/>
           </p:nvPr>
-        </p:nvPicPr>
-        <p:blipFill>
-          <a:blip r:embed="rId2">
-            <a:extLst>
-              <a:ext uri="{28A0092B-C50C-407E-A947-70E740481C1C}">
-                <a14:useLocalDpi xmlns:a14="http://schemas.microsoft.com/office/drawing/2010/main" val="0"/>
-              </a:ext>
-            </a:extLst>
-          </a:blip>
-          <a:stretch>
-            <a:fillRect/>
-          </a:stretch>
-        </p:blipFill>
-        <p:spPr>
-          <a:xfrm>
-            <a:off x="2872274" y="2155372"/>
-            <a:ext cx="7680648" cy="4702628"/>
-          </a:xfrm>
-        </p:spPr>
-      </p:pic>
-      <p:sp>
-        <p:nvSpPr>
-          <p:cNvPr id="6" name="テキスト ボックス 5"/>
-          <p:cNvSpPr txBox="1"/>
-          <p:nvPr/>
-        </p:nvSpPr>
-        <p:spPr>
-          <a:xfrm>
-            <a:off x="139959" y="2560481"/>
-            <a:ext cx="2584580" cy="2862322"/>
-          </a:xfrm>
-          <a:prstGeom prst="rect">
-            <a:avLst/>
-          </a:prstGeom>
-          <a:noFill/>
-        </p:spPr>
-        <p:txBody>
-          <a:bodyPr wrap="square" rtlCol="0">
-            <a:spAutoFit/>
-          </a:bodyPr>
-          <a:lstStyle/>
-          <a:p>
-            <a:r>
-              <a:rPr kumimoji="1" lang="ja-JP" altLang="en-US" dirty="0" smtClean="0"/>
-              <a:t>黄色の球体を動かしてマップに散らばっているアイテムを全て食べたらクリア</a:t>
-            </a:r>
-            <a:endParaRPr kumimoji="1" lang="en-US" altLang="ja-JP" dirty="0" smtClean="0"/>
-          </a:p>
-          <a:p>
+        </p:nvSpPr>
+        <p:spPr/>
+        <p:txBody>
+          <a:bodyPr/>
+          <a:lstStyle/>
+          <a:p>
+            <a:pPr marL="0" indent="0">
+              <a:buNone/>
+            </a:pPr>
             <a:r>
               <a:rPr lang="ja-JP" altLang="en-US" dirty="0" smtClean="0"/>
-              <a:t>時間</a:t>
-            </a:r>
+              <a:t>ゲームジャンル</a:t>
+            </a:r>
+            <a:endParaRPr lang="en-US" altLang="ja-JP" dirty="0" smtClean="0"/>
+          </a:p>
+          <a:p>
+            <a:pPr marL="0" indent="0">
+              <a:buNone/>
+            </a:pPr>
+            <a:r>
+              <a:rPr lang="ja-JP" altLang="en-US" sz="2400" dirty="0" smtClean="0"/>
+              <a:t>アクションゲーム</a:t>
+            </a:r>
+            <a:endParaRPr lang="en-US" altLang="ja-JP" sz="2400" dirty="0"/>
+          </a:p>
+          <a:p>
+            <a:endParaRPr lang="en-US" altLang="ja-JP" dirty="0" smtClean="0"/>
+          </a:p>
+          <a:p>
+            <a:pPr marL="0" indent="0">
+              <a:buNone/>
+            </a:pPr>
+            <a:r>
+              <a:rPr lang="ja-JP" altLang="en-US" dirty="0" smtClean="0"/>
+              <a:t>　</a:t>
+            </a:r>
+            <a:endParaRPr lang="en-US" altLang="ja-JP" dirty="0" smtClean="0"/>
+          </a:p>
+          <a:p>
+            <a:pPr marL="0" indent="0">
+              <a:buNone/>
+            </a:pPr>
             <a:r>
               <a:rPr lang="ja-JP" altLang="en-US" dirty="0"/>
-              <a:t>経過</a:t>
-            </a:r>
-            <a:r>
-              <a:rPr lang="ja-JP" altLang="en-US" dirty="0" smtClean="0"/>
-              <a:t>で待機していた敵が、プレイヤー</a:t>
-            </a:r>
-            <a:r>
-              <a:rPr lang="ja-JP" altLang="en-US" dirty="0"/>
-              <a:t>を</a:t>
-            </a:r>
-            <a:r>
-              <a:rPr lang="ja-JP" altLang="en-US" dirty="0" smtClean="0"/>
-              <a:t>追いかけてきて敵につかまると残機が減り、全て無くなるとゲームオーバー</a:t>
-            </a:r>
+              <a:t>ゲーム内容</a:t>
+            </a:r>
+            <a:endParaRPr lang="en-US" altLang="ja-JP" dirty="0"/>
+          </a:p>
+          <a:p>
             <a:endParaRPr kumimoji="1" lang="ja-JP" altLang="en-US" dirty="0"/>
           </a:p>
         </p:txBody>
@@ -3561,7 +4106,7 @@
     </p:spTree>
     <p:extLst>
       <p:ext uri="{BB962C8B-B14F-4D97-AF65-F5344CB8AC3E}">
-        <p14:creationId xmlns:p14="http://schemas.microsoft.com/office/powerpoint/2010/main" val="139298980"/>
+        <p14:creationId xmlns:p14="http://schemas.microsoft.com/office/powerpoint/2010/main" val="3666270475"/>
       </p:ext>
     </p:extLst>
   </p:cSld>
@@ -3602,15 +4147,10 @@
             <a:spLocks noGrp="1"/>
           </p:cNvSpPr>
           <p:nvPr>
-            <p:ph type="ctrTitle"/>
-          </p:nvPr>
-        </p:nvSpPr>
-        <p:spPr>
-          <a:xfrm>
-            <a:off x="8201607" y="279918"/>
-            <a:ext cx="3442996" cy="738770"/>
-          </a:xfrm>
-        </p:spPr>
+            <p:ph type="title"/>
+          </p:nvPr>
+        </p:nvSpPr>
+        <p:spPr/>
         <p:txBody>
           <a:bodyPr>
             <a:normAutofit/>
@@ -3618,300 +4158,175 @@
           <a:lstStyle/>
           <a:p>
             <a:r>
-              <a:rPr kumimoji="1" lang="ja-JP" altLang="en-US" sz="4000" dirty="0" smtClean="0"/>
-              <a:t>パックマン風</a:t>
-            </a:r>
-            <a:endParaRPr kumimoji="1" lang="ja-JP" altLang="en-US" sz="4000" dirty="0"/>
-          </a:p>
-        </p:txBody>
-      </p:sp>
-      <p:sp>
-        <p:nvSpPr>
-          <p:cNvPr id="3" name="サブタイトル 2"/>
-          <p:cNvSpPr>
-            <a:spLocks noGrp="1"/>
-          </p:cNvSpPr>
-          <p:nvPr>
-            <p:ph type="subTitle" idx="1"/>
-          </p:nvPr>
-        </p:nvSpPr>
+              <a:rPr kumimoji="1" lang="ja-JP" altLang="en-US" sz="3600" dirty="0" smtClean="0"/>
+              <a:t>ゲーム画面</a:t>
+            </a:r>
+            <a:r>
+              <a:rPr kumimoji="1" lang="en-US" altLang="ja-JP" sz="3600" dirty="0" smtClean="0"/>
+              <a:t/>
+            </a:r>
+            <a:br>
+              <a:rPr kumimoji="1" lang="en-US" altLang="ja-JP" sz="3600" dirty="0" smtClean="0"/>
+            </a:br>
+            <a:endParaRPr kumimoji="1" lang="ja-JP" altLang="en-US" sz="3600" dirty="0"/>
+          </a:p>
+        </p:txBody>
+      </p:sp>
+      <p:pic>
+        <p:nvPicPr>
+          <p:cNvPr id="4" name="コンテンツ プレースホルダー 3"/>
+          <p:cNvPicPr>
+            <a:picLocks noGrp="1" noChangeAspect="1"/>
+          </p:cNvPicPr>
+          <p:nvPr>
+            <p:ph idx="1"/>
+          </p:nvPr>
+        </p:nvPicPr>
+        <p:blipFill>
+          <a:blip r:embed="rId2">
+            <a:extLst>
+              <a:ext uri="{28A0092B-C50C-407E-A947-70E740481C1C}">
+                <a14:useLocalDpi xmlns:a14="http://schemas.microsoft.com/office/drawing/2010/main" val="0"/>
+              </a:ext>
+            </a:extLst>
+          </a:blip>
+          <a:stretch>
+            <a:fillRect/>
+          </a:stretch>
+        </p:blipFill>
         <p:spPr>
           <a:xfrm>
-            <a:off x="264368" y="1287625"/>
-            <a:ext cx="11660154" cy="5131836"/>
+            <a:off x="3217506" y="2766072"/>
+            <a:ext cx="8136294" cy="4091928"/>
           </a:xfrm>
         </p:spPr>
-        <p:txBody>
-          <a:bodyPr/>
-          <a:lstStyle/>
-          <a:p>
-            <a:pPr algn="l"/>
-            <a:r>
-              <a:rPr kumimoji="1" lang="ja-JP" altLang="en-US" dirty="0" smtClean="0"/>
-              <a:t>・マップ上のアイテムを、取りきると次のステージ</a:t>
-            </a:r>
-            <a:r>
-              <a:rPr lang="en-US" altLang="ja-JP" dirty="0" smtClean="0"/>
-              <a:t>(</a:t>
-            </a:r>
-            <a:r>
-              <a:rPr lang="ja-JP" altLang="en-US" dirty="0" smtClean="0"/>
-              <a:t>全</a:t>
-            </a:r>
-            <a:r>
-              <a:rPr lang="en-US" altLang="ja-JP" dirty="0" smtClean="0"/>
-              <a:t>3</a:t>
-            </a:r>
-            <a:r>
-              <a:rPr lang="ja-JP" altLang="en-US" dirty="0" smtClean="0"/>
-              <a:t>ステージ</a:t>
-            </a:r>
-            <a:r>
-              <a:rPr lang="en-US" altLang="ja-JP" dirty="0" smtClean="0"/>
-              <a:t>)</a:t>
-            </a:r>
-          </a:p>
-          <a:p>
-            <a:pPr algn="l"/>
-            <a:r>
-              <a:rPr kumimoji="1" lang="ja-JP" altLang="en-US" dirty="0" smtClean="0"/>
-              <a:t>・敵に当たると、ゲームオーバー</a:t>
-            </a:r>
-            <a:endParaRPr kumimoji="1" lang="en-US" altLang="ja-JP" dirty="0" smtClean="0"/>
-          </a:p>
-          <a:p>
-            <a:pPr algn="l"/>
-            <a:r>
-              <a:rPr lang="ja-JP" altLang="en-US" dirty="0" smtClean="0"/>
-              <a:t>・最終的なスコアで競う</a:t>
-            </a:r>
-            <a:endParaRPr lang="en-US" altLang="ja-JP" dirty="0"/>
-          </a:p>
-          <a:p>
-            <a:pPr algn="l"/>
-            <a:r>
-              <a:rPr lang="ja-JP" altLang="en-US" dirty="0" smtClean="0"/>
-              <a:t>・マルチをすることでクリアしやすい</a:t>
-            </a:r>
-            <a:endParaRPr lang="en-US" altLang="ja-JP" dirty="0" smtClean="0"/>
+      </p:pic>
+      <p:sp>
+        <p:nvSpPr>
+          <p:cNvPr id="3" name="テキスト ボックス 2"/>
+          <p:cNvSpPr txBox="1"/>
+          <p:nvPr/>
+        </p:nvSpPr>
+        <p:spPr>
+          <a:xfrm>
+            <a:off x="578498" y="1966770"/>
+            <a:ext cx="2509935" cy="523220"/>
+          </a:xfrm>
+          <a:prstGeom prst="rect">
+            <a:avLst/>
+          </a:prstGeom>
+          <a:noFill/>
+        </p:spPr>
+        <p:txBody>
+          <a:bodyPr wrap="square" rtlCol="0">
+            <a:spAutoFit/>
+          </a:bodyPr>
+          <a:lstStyle/>
+          <a:p>
+            <a:r>
+              <a:rPr kumimoji="1" lang="ja-JP" altLang="en-US" sz="2800" dirty="0" smtClean="0"/>
+              <a:t>操作方法</a:t>
+            </a:r>
+            <a:endParaRPr kumimoji="1" lang="ja-JP" altLang="en-US" sz="2800" dirty="0"/>
+          </a:p>
+        </p:txBody>
+      </p:sp>
+      <p:sp>
+        <p:nvSpPr>
+          <p:cNvPr id="5" name="テキスト ボックス 4"/>
+          <p:cNvSpPr txBox="1"/>
+          <p:nvPr/>
+        </p:nvSpPr>
+        <p:spPr>
+          <a:xfrm>
+            <a:off x="331236" y="3473208"/>
+            <a:ext cx="2575249" cy="2677656"/>
+          </a:xfrm>
+          <a:prstGeom prst="rect">
+            <a:avLst/>
+          </a:prstGeom>
+          <a:noFill/>
+        </p:spPr>
+        <p:txBody>
+          <a:bodyPr wrap="square" rtlCol="0">
+            <a:spAutoFit/>
+          </a:bodyPr>
+          <a:lstStyle/>
+          <a:p>
+            <a:r>
+              <a:rPr lang="ja-JP" altLang="en-US" sz="2400" dirty="0" smtClean="0"/>
+              <a:t>上移動　</a:t>
+            </a:r>
+            <a:r>
+              <a:rPr lang="en-US" altLang="ja-JP" sz="2400" dirty="0" smtClean="0"/>
+              <a:t>W</a:t>
+            </a:r>
+            <a:r>
+              <a:rPr lang="ja-JP" altLang="en-US" sz="2400" dirty="0" smtClean="0"/>
+              <a:t>キー</a:t>
+            </a:r>
+            <a:endParaRPr lang="en-US" altLang="ja-JP" sz="2400" dirty="0" smtClean="0"/>
+          </a:p>
+          <a:p>
+            <a:endParaRPr kumimoji="1" lang="en-US" altLang="ja-JP" sz="2400" dirty="0"/>
+          </a:p>
+          <a:p>
+            <a:r>
+              <a:rPr lang="ja-JP" altLang="en-US" sz="2400" dirty="0" smtClean="0"/>
+              <a:t>左移動　</a:t>
+            </a:r>
+            <a:r>
+              <a:rPr lang="en-US" altLang="ja-JP" sz="2400" dirty="0" smtClean="0"/>
+              <a:t>A</a:t>
+            </a:r>
+            <a:r>
+              <a:rPr lang="ja-JP" altLang="en-US" sz="2400" dirty="0"/>
+              <a:t>キー</a:t>
+            </a:r>
+            <a:endParaRPr lang="en-US" altLang="ja-JP" sz="2400" dirty="0" smtClean="0"/>
+          </a:p>
+          <a:p>
+            <a:endParaRPr kumimoji="1" lang="en-US" altLang="ja-JP" sz="2400" dirty="0"/>
+          </a:p>
+          <a:p>
+            <a:r>
+              <a:rPr lang="ja-JP" altLang="en-US" sz="2400" dirty="0" smtClean="0"/>
+              <a:t>下移動　</a:t>
+            </a:r>
+            <a:r>
+              <a:rPr lang="en-US" altLang="ja-JP" sz="2400" dirty="0" smtClean="0"/>
+              <a:t>S</a:t>
+            </a:r>
+            <a:r>
+              <a:rPr lang="ja-JP" altLang="en-US" sz="2400" dirty="0" smtClean="0"/>
+              <a:t>キー</a:t>
+            </a:r>
+            <a:endParaRPr lang="en-US" altLang="ja-JP" sz="2400" dirty="0" smtClean="0"/>
+          </a:p>
+          <a:p>
+            <a:endParaRPr kumimoji="1" lang="en-US" altLang="ja-JP" sz="2400" dirty="0"/>
+          </a:p>
+          <a:p>
+            <a:r>
+              <a:rPr lang="ja-JP" altLang="en-US" sz="2400" dirty="0" smtClean="0"/>
+              <a:t>右移動　</a:t>
+            </a:r>
+            <a:r>
+              <a:rPr lang="en-US" altLang="ja-JP" sz="2400" dirty="0" smtClean="0"/>
+              <a:t>D</a:t>
+            </a:r>
+            <a:r>
+              <a:rPr lang="ja-JP" altLang="en-US" sz="2400" dirty="0" smtClean="0"/>
+              <a:t>キー</a:t>
+            </a:r>
+            <a:endParaRPr kumimoji="1" lang="ja-JP" altLang="en-US" sz="2400" dirty="0"/>
           </a:p>
         </p:txBody>
       </p:sp>
     </p:spTree>
     <p:extLst>
       <p:ext uri="{BB962C8B-B14F-4D97-AF65-F5344CB8AC3E}">
-        <p14:creationId xmlns:p14="http://schemas.microsoft.com/office/powerpoint/2010/main" val="918436756"/>
-      </p:ext>
-    </p:extLst>
-  </p:cSld>
-  <p:clrMapOvr>
-    <a:masterClrMapping/>
-  </p:clrMapOvr>
-  <p:timing>
-    <p:tnLst>
-      <p:par>
-        <p:cTn id="1" dur="indefinite" restart="never" nodeType="tmRoot"/>
-      </p:par>
-    </p:tnLst>
-  </p:timing>
-</p:sld>
-</file>
-
-<file path=ppt/slides/slide5.xml><?xml version="1.0" encoding="utf-8"?>
-<p:sld xmlns:a="http://schemas.openxmlformats.org/drawingml/2006/main" xmlns:r="http://schemas.openxmlformats.org/officeDocument/2006/relationships" xmlns:p="http://schemas.openxmlformats.org/presentationml/2006/main">
-  <p:cSld>
-    <p:spTree>
-      <p:nvGrpSpPr>
-        <p:cNvPr id="1" name=""/>
-        <p:cNvGrpSpPr/>
-        <p:nvPr/>
-      </p:nvGrpSpPr>
-      <p:grpSpPr>
-        <a:xfrm>
-          <a:off x="0" y="0"/>
-          <a:ext cx="0" cy="0"/>
-          <a:chOff x="0" y="0"/>
-          <a:chExt cx="0" cy="0"/>
-        </a:xfrm>
-      </p:grpSpPr>
-      <p:sp>
-        <p:nvSpPr>
-          <p:cNvPr id="2" name="タイトル 1"/>
-          <p:cNvSpPr>
-            <a:spLocks noGrp="1"/>
-          </p:cNvSpPr>
-          <p:nvPr>
-            <p:ph type="ctrTitle"/>
-          </p:nvPr>
-        </p:nvSpPr>
-        <p:spPr>
-          <a:xfrm>
-            <a:off x="8397550" y="130628"/>
-            <a:ext cx="3119535" cy="897392"/>
-          </a:xfrm>
-        </p:spPr>
-        <p:txBody>
-          <a:bodyPr>
-            <a:normAutofit fontScale="90000"/>
-          </a:bodyPr>
-          <a:lstStyle/>
-          <a:p>
-            <a:r>
-              <a:rPr kumimoji="1" lang="ja-JP" altLang="en-US" dirty="0" smtClean="0"/>
-              <a:t>作るもの</a:t>
-            </a:r>
-            <a:endParaRPr kumimoji="1" lang="ja-JP" altLang="en-US" dirty="0"/>
-          </a:p>
-        </p:txBody>
-      </p:sp>
-      <p:sp>
-        <p:nvSpPr>
-          <p:cNvPr id="3" name="サブタイトル 2"/>
-          <p:cNvSpPr>
-            <a:spLocks noGrp="1"/>
-          </p:cNvSpPr>
-          <p:nvPr>
-            <p:ph type="subTitle" idx="1"/>
-          </p:nvPr>
-        </p:nvSpPr>
-        <p:spPr>
-          <a:xfrm>
-            <a:off x="307910" y="1129004"/>
-            <a:ext cx="10322769" cy="5141167"/>
-          </a:xfrm>
-        </p:spPr>
-        <p:txBody>
-          <a:bodyPr/>
-          <a:lstStyle/>
-          <a:p>
-            <a:pPr algn="l"/>
-            <a:r>
-              <a:rPr kumimoji="1" lang="ja-JP" altLang="en-US" dirty="0" smtClean="0"/>
-              <a:t>敵との判定</a:t>
-            </a:r>
-            <a:endParaRPr kumimoji="1" lang="en-US" altLang="ja-JP" dirty="0" smtClean="0"/>
-          </a:p>
-          <a:p>
-            <a:pPr algn="l"/>
-            <a:r>
-              <a:rPr lang="ja-JP" altLang="en-US" dirty="0" smtClean="0"/>
-              <a:t>体力</a:t>
-            </a:r>
-            <a:r>
-              <a:rPr lang="en-US" altLang="ja-JP" dirty="0" smtClean="0"/>
-              <a:t>3</a:t>
-            </a:r>
-            <a:r>
-              <a:rPr lang="ja-JP" altLang="en-US" dirty="0" smtClean="0"/>
-              <a:t>つ</a:t>
-            </a:r>
-            <a:endParaRPr lang="en-US" altLang="ja-JP" dirty="0" smtClean="0"/>
-          </a:p>
-          <a:p>
-            <a:pPr algn="l"/>
-            <a:r>
-              <a:rPr lang="ja-JP" altLang="en-US" dirty="0" smtClean="0"/>
-              <a:t>スコア表示</a:t>
-            </a:r>
-            <a:endParaRPr lang="en-US" altLang="ja-JP" dirty="0" smtClean="0"/>
-          </a:p>
-          <a:p>
-            <a:pPr algn="l"/>
-            <a:r>
-              <a:rPr lang="ja-JP" altLang="en-US" dirty="0" smtClean="0"/>
-              <a:t>アイテム配置・回収</a:t>
-            </a:r>
-            <a:endParaRPr lang="en-US" altLang="ja-JP" dirty="0" smtClean="0"/>
-          </a:p>
-          <a:p>
-            <a:pPr algn="l"/>
-            <a:r>
-              <a:rPr lang="ja-JP" altLang="en-US" dirty="0" smtClean="0"/>
-              <a:t>死亡エフェクト</a:t>
-            </a:r>
-            <a:endParaRPr lang="en-US" altLang="ja-JP" dirty="0" smtClean="0"/>
-          </a:p>
-          <a:p>
-            <a:pPr algn="l"/>
-            <a:r>
-              <a:rPr lang="ja-JP" altLang="en-US" dirty="0"/>
-              <a:t>敵</a:t>
-            </a:r>
-            <a:r>
-              <a:rPr lang="ja-JP" altLang="en-US" dirty="0" smtClean="0"/>
-              <a:t>のランダム移動</a:t>
-            </a:r>
-            <a:endParaRPr lang="en-US" altLang="ja-JP" dirty="0" smtClean="0"/>
-          </a:p>
-          <a:p>
-            <a:pPr algn="l"/>
-            <a:r>
-              <a:rPr lang="ja-JP" altLang="en-US" dirty="0"/>
-              <a:t>敵</a:t>
-            </a:r>
-            <a:r>
-              <a:rPr lang="ja-JP" altLang="en-US" dirty="0" smtClean="0"/>
-              <a:t>の追跡・逃亡</a:t>
-            </a:r>
-            <a:endParaRPr lang="en-US" altLang="ja-JP" dirty="0" smtClean="0"/>
-          </a:p>
-          <a:p>
-            <a:pPr algn="l"/>
-            <a:r>
-              <a:rPr lang="ja-JP" altLang="en-US" dirty="0" smtClean="0"/>
-              <a:t>マップチェンジ</a:t>
-            </a:r>
-            <a:endParaRPr lang="en-US" altLang="ja-JP" dirty="0" smtClean="0"/>
-          </a:p>
-          <a:p>
-            <a:pPr algn="l"/>
-            <a:r>
-              <a:rPr lang="en-US" altLang="ja-JP" dirty="0" smtClean="0"/>
-              <a:t>UI</a:t>
-            </a:r>
-            <a:r>
-              <a:rPr lang="ja-JP" altLang="en-US" dirty="0" smtClean="0"/>
-              <a:t>周り</a:t>
-            </a:r>
-            <a:r>
-              <a:rPr lang="en-US" altLang="ja-JP" dirty="0" smtClean="0"/>
-              <a:t>(</a:t>
-            </a:r>
-            <a:r>
-              <a:rPr lang="ja-JP" altLang="en-US" dirty="0" smtClean="0"/>
-              <a:t>スコア、体力</a:t>
-            </a:r>
-            <a:r>
-              <a:rPr lang="en-US" altLang="ja-JP" dirty="0" smtClean="0"/>
-              <a:t>)</a:t>
-            </a:r>
-          </a:p>
-          <a:p>
-            <a:pPr algn="l"/>
-            <a:r>
-              <a:rPr lang="ja-JP" altLang="en-US" dirty="0" smtClean="0"/>
-              <a:t>マルチプレイ</a:t>
-            </a:r>
-            <a:endParaRPr lang="en-US" altLang="ja-JP" dirty="0" smtClean="0"/>
-          </a:p>
-          <a:p>
-            <a:pPr algn="l"/>
-            <a:endParaRPr lang="en-US" altLang="ja-JP" dirty="0" smtClean="0"/>
-          </a:p>
-          <a:p>
-            <a:pPr algn="l"/>
-            <a:endParaRPr lang="en-US" altLang="ja-JP" dirty="0" smtClean="0"/>
-          </a:p>
-          <a:p>
-            <a:pPr algn="l"/>
-            <a:endParaRPr lang="en-US" altLang="ja-JP" dirty="0" smtClean="0"/>
-          </a:p>
-        </p:txBody>
-      </p:sp>
-    </p:spTree>
-    <p:extLst>
-      <p:ext uri="{BB962C8B-B14F-4D97-AF65-F5344CB8AC3E}">
-        <p14:creationId xmlns:p14="http://schemas.microsoft.com/office/powerpoint/2010/main" val="2055610394"/>
+        <p14:creationId xmlns:p14="http://schemas.microsoft.com/office/powerpoint/2010/main" val="139298980"/>
       </p:ext>
     </p:extLst>
   </p:cSld>
@@ -4187,4 +4602,308 @@
     </a:ext>
   </a:extLst>
 </a:theme>
+</file>
+
+<file path=ppt/theme/theme2.xml><?xml version="1.0" encoding="utf-8"?>
+<a:theme xmlns:a="http://schemas.openxmlformats.org/drawingml/2006/main" name="Office テーマ">
+  <a:themeElements>
+    <a:clrScheme name="Office">
+      <a:dk1>
+        <a:sysClr val="windowText" lastClr="000000"/>
+      </a:dk1>
+      <a:lt1>
+        <a:sysClr val="window" lastClr="FFFFFF"/>
+      </a:lt1>
+      <a:dk2>
+        <a:srgbClr val="44546A"/>
+      </a:dk2>
+      <a:lt2>
+        <a:srgbClr val="E7E6E6"/>
+      </a:lt2>
+      <a:accent1>
+        <a:srgbClr val="5B9BD5"/>
+      </a:accent1>
+      <a:accent2>
+        <a:srgbClr val="ED7D31"/>
+      </a:accent2>
+      <a:accent3>
+        <a:srgbClr val="A5A5A5"/>
+      </a:accent3>
+      <a:accent4>
+        <a:srgbClr val="FFC000"/>
+      </a:accent4>
+      <a:accent5>
+        <a:srgbClr val="4472C4"/>
+      </a:accent5>
+      <a:accent6>
+        <a:srgbClr val="70AD47"/>
+      </a:accent6>
+      <a:hlink>
+        <a:srgbClr val="0563C1"/>
+      </a:hlink>
+      <a:folHlink>
+        <a:srgbClr val="954F72"/>
+      </a:folHlink>
+    </a:clrScheme>
+    <a:fontScheme name="Office">
+      <a:majorFont>
+        <a:latin typeface="游ゴシック Light" panose="020F0302020204030204"/>
+        <a:ea typeface=""/>
+        <a:cs typeface=""/>
+        <a:font script="Jpan" typeface="游ゴシック Light"/>
+        <a:font script="Hang" typeface="맑은 고딕"/>
+        <a:font script="Hans" typeface="等线 Light"/>
+        <a:font script="Hant" typeface="新細明體"/>
+        <a:font script="Arab" typeface="Times New Roman"/>
+        <a:font script="Hebr" typeface="Times New Roman"/>
+        <a:font script="Thai" typeface="Angsana New"/>
+        <a:font script="Ethi" typeface="Nyala"/>
+        <a:font script="Beng" typeface="Vrinda"/>
+        <a:font script="Gujr" typeface="Shruti"/>
+        <a:font script="Khmr" typeface="MoolBoran"/>
+        <a:font script="Knda" typeface="Tunga"/>
+        <a:font script="Guru" typeface="Raavi"/>
+        <a:font script="Cans" typeface="Euphemia"/>
+        <a:font script="Cher" typeface="Plantagenet Cherokee"/>
+        <a:font script="Yiii" typeface="Microsoft Yi Baiti"/>
+        <a:font script="Tibt" typeface="Microsoft Himalaya"/>
+        <a:font script="Thaa" typeface="MV Boli"/>
+        <a:font script="Deva" typeface="Mangal"/>
+        <a:font script="Telu" typeface="Gautami"/>
+        <a:font script="Taml" typeface="Latha"/>
+        <a:font script="Syrc" typeface="Estrangelo Edessa"/>
+        <a:font script="Orya" typeface="Kalinga"/>
+        <a:font script="Mlym" typeface="Kartika"/>
+        <a:font script="Laoo" typeface="DokChampa"/>
+        <a:font script="Sinh" typeface="Iskoola Pota"/>
+        <a:font script="Mong" typeface="Mongolian Baiti"/>
+        <a:font script="Viet" typeface="Times New Roman"/>
+        <a:font script="Uigh" typeface="Microsoft Uighur"/>
+        <a:font script="Geor" typeface="Sylfaen"/>
+      </a:majorFont>
+      <a:minorFont>
+        <a:latin typeface="游ゴシック" panose="020F0502020204030204"/>
+        <a:ea typeface=""/>
+        <a:cs typeface=""/>
+        <a:font script="Jpan" typeface="游ゴシック"/>
+        <a:font script="Hang" typeface="맑은 고딕"/>
+        <a:font script="Hans" typeface="等线"/>
+        <a:font script="Hant" typeface="新細明體"/>
+        <a:font script="Arab" typeface="Arial"/>
+        <a:font script="Hebr" typeface="Arial"/>
+        <a:font script="Thai" typeface="Cordia New"/>
+        <a:font script="Ethi" typeface="Nyala"/>
+        <a:font script="Beng" typeface="Vrinda"/>
+        <a:font script="Gujr" typeface="Shruti"/>
+        <a:font script="Khmr" typeface="DaunPenh"/>
+        <a:font script="Knda" typeface="Tunga"/>
+        <a:font script="Guru" typeface="Raavi"/>
+        <a:font script="Cans" typeface="Euphemia"/>
+        <a:font script="Cher" typeface="Plantagenet Cherokee"/>
+        <a:font script="Yiii" typeface="Microsoft Yi Baiti"/>
+        <a:font script="Tibt" typeface="Microsoft Himalaya"/>
+        <a:font script="Thaa" typeface="MV Boli"/>
+        <a:font script="Deva" typeface="Mangal"/>
+        <a:font script="Telu" typeface="Gautami"/>
+        <a:font script="Taml" typeface="Latha"/>
+        <a:font script="Syrc" typeface="Estrangelo Edessa"/>
+        <a:font script="Orya" typeface="Kalinga"/>
+        <a:font script="Mlym" typeface="Kartika"/>
+        <a:font script="Laoo" typeface="DokChampa"/>
+        <a:font script="Sinh" typeface="Iskoola Pota"/>
+        <a:font script="Mong" typeface="Mongolian Baiti"/>
+        <a:font script="Viet" typeface="Arial"/>
+        <a:font script="Uigh" typeface="Microsoft Uighur"/>
+        <a:font script="Geor" typeface="Sylfaen"/>
+      </a:minorFont>
+    </a:fontScheme>
+    <a:fmtScheme name="Office">
+      <a:fillStyleLst>
+        <a:solidFill>
+          <a:schemeClr val="phClr"/>
+        </a:solidFill>
+        <a:gradFill rotWithShape="1">
+          <a:gsLst>
+            <a:gs pos="0">
+              <a:schemeClr val="phClr">
+                <a:lumMod val="110000"/>
+                <a:satMod val="105000"/>
+                <a:tint val="67000"/>
+              </a:schemeClr>
+            </a:gs>
+            <a:gs pos="50000">
+              <a:schemeClr val="phClr">
+                <a:lumMod val="105000"/>
+                <a:satMod val="103000"/>
+                <a:tint val="73000"/>
+              </a:schemeClr>
+            </a:gs>
+            <a:gs pos="100000">
+              <a:schemeClr val="phClr">
+                <a:lumMod val="105000"/>
+                <a:satMod val="109000"/>
+                <a:tint val="81000"/>
+              </a:schemeClr>
+            </a:gs>
+          </a:gsLst>
+          <a:lin ang="5400000" scaled="0"/>
+        </a:gradFill>
+        <a:gradFill rotWithShape="1">
+          <a:gsLst>
+            <a:gs pos="0">
+              <a:schemeClr val="phClr">
+                <a:satMod val="103000"/>
+                <a:lumMod val="102000"/>
+                <a:tint val="94000"/>
+              </a:schemeClr>
+            </a:gs>
+            <a:gs pos="50000">
+              <a:schemeClr val="phClr">
+                <a:satMod val="110000"/>
+                <a:lumMod val="100000"/>
+                <a:shade val="100000"/>
+              </a:schemeClr>
+            </a:gs>
+            <a:gs pos="100000">
+              <a:schemeClr val="phClr">
+                <a:lumMod val="99000"/>
+                <a:satMod val="120000"/>
+                <a:shade val="78000"/>
+              </a:schemeClr>
+            </a:gs>
+          </a:gsLst>
+          <a:lin ang="5400000" scaled="0"/>
+        </a:gradFill>
+      </a:fillStyleLst>
+      <a:lnStyleLst>
+        <a:ln w="6350" cap="flat" cmpd="sng" algn="ctr">
+          <a:solidFill>
+            <a:schemeClr val="phClr"/>
+          </a:solidFill>
+          <a:prstDash val="solid"/>
+          <a:miter lim="800000"/>
+        </a:ln>
+        <a:ln w="12700" cap="flat" cmpd="sng" algn="ctr">
+          <a:solidFill>
+            <a:schemeClr val="phClr"/>
+          </a:solidFill>
+          <a:prstDash val="solid"/>
+          <a:miter lim="800000"/>
+        </a:ln>
+        <a:ln w="19050" cap="flat" cmpd="sng" algn="ctr">
+          <a:solidFill>
+            <a:schemeClr val="phClr"/>
+          </a:solidFill>
+          <a:prstDash val="solid"/>
+          <a:miter lim="800000"/>
+        </a:ln>
+      </a:lnStyleLst>
+      <a:effectStyleLst>
+        <a:effectStyle>
+          <a:effectLst/>
+        </a:effectStyle>
+        <a:effectStyle>
+          <a:effectLst/>
+        </a:effectStyle>
+        <a:effectStyle>
+          <a:effectLst>
+            <a:outerShdw blurRad="57150" dist="19050" dir="5400000" algn="ctr" rotWithShape="0">
+              <a:srgbClr val="000000">
+                <a:alpha val="63000"/>
+              </a:srgbClr>
+            </a:outerShdw>
+          </a:effectLst>
+        </a:effectStyle>
+      </a:effectStyleLst>
+      <a:bgFillStyleLst>
+        <a:solidFill>
+          <a:schemeClr val="phClr"/>
+        </a:solidFill>
+        <a:solidFill>
+          <a:schemeClr val="phClr">
+            <a:tint val="95000"/>
+            <a:satMod val="170000"/>
+          </a:schemeClr>
+        </a:solidFill>
+        <a:gradFill rotWithShape="1">
+          <a:gsLst>
+            <a:gs pos="0">
+              <a:schemeClr val="phClr">
+                <a:tint val="93000"/>
+                <a:satMod val="150000"/>
+                <a:shade val="98000"/>
+                <a:lumMod val="102000"/>
+              </a:schemeClr>
+            </a:gs>
+            <a:gs pos="50000">
+              <a:schemeClr val="phClr">
+                <a:tint val="98000"/>
+                <a:satMod val="130000"/>
+                <a:shade val="90000"/>
+                <a:lumMod val="103000"/>
+              </a:schemeClr>
+            </a:gs>
+            <a:gs pos="100000">
+              <a:schemeClr val="phClr">
+                <a:shade val="63000"/>
+                <a:satMod val="120000"/>
+              </a:schemeClr>
+            </a:gs>
+          </a:gsLst>
+          <a:lin ang="5400000" scaled="0"/>
+        </a:gradFill>
+      </a:bgFillStyleLst>
+    </a:fmtScheme>
+  </a:themeElements>
+  <a:objectDefaults/>
+  <a:extraClrSchemeLst/>
+  <a:extLst>
+    <a:ext uri="{05A4C25C-085E-4340-85A3-A5531E510DB2}">
+      <thm15:themeFamily xmlns:thm15="http://schemas.microsoft.com/office/thememl/2012/main" name="Office Theme" id="{62F939B6-93AF-4DB8-9C6B-D6C7DFDC589F}" vid="{4A3C46E8-61CC-4603-A589-7422A47A8E4A}"/>
+    </a:ext>
+  </a:extLst>
+</a:theme>
+</file>
+
+<file path=ppt/theme/themeOverride1.xml><?xml version="1.0" encoding="utf-8"?>
+<a:themeOverride xmlns:a="http://schemas.openxmlformats.org/drawingml/2006/main">
+  <a:clrScheme name="Office">
+    <a:dk1>
+      <a:sysClr val="windowText" lastClr="000000"/>
+    </a:dk1>
+    <a:lt1>
+      <a:sysClr val="window" lastClr="FFFFFF"/>
+    </a:lt1>
+    <a:dk2>
+      <a:srgbClr val="44546A"/>
+    </a:dk2>
+    <a:lt2>
+      <a:srgbClr val="E7E6E6"/>
+    </a:lt2>
+    <a:accent1>
+      <a:srgbClr val="5B9BD5"/>
+    </a:accent1>
+    <a:accent2>
+      <a:srgbClr val="ED7D31"/>
+    </a:accent2>
+    <a:accent3>
+      <a:srgbClr val="A5A5A5"/>
+    </a:accent3>
+    <a:accent4>
+      <a:srgbClr val="FFC000"/>
+    </a:accent4>
+    <a:accent5>
+      <a:srgbClr val="4472C4"/>
+    </a:accent5>
+    <a:accent6>
+      <a:srgbClr val="70AD47"/>
+    </a:accent6>
+    <a:hlink>
+      <a:srgbClr val="0563C1"/>
+    </a:hlink>
+    <a:folHlink>
+      <a:srgbClr val="954F72"/>
+    </a:folHlink>
+  </a:clrScheme>
+</a:themeOverride>
 </file>
--- a/企画書.pptx
+++ b/企画書.pptx
@@ -5,13 +5,14 @@
     <p:sldMasterId id="2147483648" r:id="rId1"/>
   </p:sldMasterIdLst>
   <p:notesMasterIdLst>
-    <p:notesMasterId r:id="rId6"/>
+    <p:notesMasterId r:id="rId7"/>
   </p:notesMasterIdLst>
   <p:sldIdLst>
     <p:sldId id="259" r:id="rId2"/>
     <p:sldId id="260" r:id="rId3"/>
     <p:sldId id="261" r:id="rId4"/>
-    <p:sldId id="258" r:id="rId5"/>
+    <p:sldId id="262" r:id="rId5"/>
+    <p:sldId id="258" r:id="rId6"/>
   </p:sldIdLst>
   <p:sldSz cx="12192000" cy="6858000"/>
   <p:notesSz cx="6858000" cy="9144000"/>
@@ -3950,10 +3951,6 @@
             <a:pPr marL="0" indent="0">
               <a:buNone/>
             </a:pPr>
-            <a:r>
-              <a:rPr kumimoji="1" lang="ja-JP" altLang="en-US" dirty="0" smtClean="0"/>
-              <a:t>ゲーム説明</a:t>
-            </a:r>
             <a:endParaRPr kumimoji="1" lang="en-US" altLang="ja-JP" dirty="0" smtClean="0"/>
           </a:p>
           <a:p>
@@ -3970,7 +3967,50 @@
             <a:endParaRPr kumimoji="1" lang="en-US" altLang="ja-JP" dirty="0" smtClean="0"/>
           </a:p>
           <a:p>
+            <a:pPr marL="0" indent="0">
+              <a:buNone/>
+            </a:pPr>
+            <a:r>
+              <a:rPr lang="ja-JP" altLang="en-US" dirty="0"/>
+              <a:t>ゲーム説明</a:t>
+            </a:r>
+            <a:endParaRPr kumimoji="1" lang="en-US" altLang="ja-JP" dirty="0" smtClean="0"/>
+          </a:p>
+          <a:p>
+            <a:endParaRPr kumimoji="1" lang="en-US" altLang="ja-JP" dirty="0" smtClean="0"/>
+          </a:p>
+          <a:p>
             <a:endParaRPr kumimoji="1" lang="ja-JP" altLang="en-US" dirty="0"/>
+          </a:p>
+        </p:txBody>
+      </p:sp>
+      <p:sp>
+        <p:nvSpPr>
+          <p:cNvPr id="6" name="テキスト ボックス 5"/>
+          <p:cNvSpPr txBox="1"/>
+          <p:nvPr/>
+        </p:nvSpPr>
+        <p:spPr>
+          <a:xfrm>
+            <a:off x="8615762" y="1648801"/>
+            <a:ext cx="3937520" cy="523220"/>
+          </a:xfrm>
+          <a:prstGeom prst="rect">
+            <a:avLst/>
+          </a:prstGeom>
+          <a:noFill/>
+        </p:spPr>
+        <p:txBody>
+          <a:bodyPr wrap="square" rtlCol="0">
+            <a:spAutoFit/>
+          </a:bodyPr>
+          <a:lstStyle/>
+          <a:p>
+            <a:r>
+              <a:rPr kumimoji="1" lang="ja-JP" altLang="en-US" sz="2800" dirty="0" smtClean="0"/>
+              <a:t>　　　</a:t>
+            </a:r>
+            <a:endParaRPr kumimoji="1" lang="ja-JP" altLang="en-US" sz="2400" dirty="0"/>
           </a:p>
         </p:txBody>
       </p:sp>
@@ -4089,16 +4129,6 @@
             <a:endParaRPr lang="en-US" altLang="ja-JP" dirty="0" smtClean="0"/>
           </a:p>
           <a:p>
-            <a:pPr marL="0" indent="0">
-              <a:buNone/>
-            </a:pPr>
-            <a:r>
-              <a:rPr lang="ja-JP" altLang="en-US" dirty="0"/>
-              <a:t>ゲーム内容</a:t>
-            </a:r>
-            <a:endParaRPr lang="en-US" altLang="ja-JP" dirty="0"/>
-          </a:p>
-          <a:p>
             <a:endParaRPr kumimoji="1" lang="ja-JP" altLang="en-US" dirty="0"/>
           </a:p>
         </p:txBody>
@@ -4124,6 +4154,224 @@
 </file>
 
 <file path=ppt/slides/slide4.xml><?xml version="1.0" encoding="utf-8"?>
+<p:sld xmlns:a="http://schemas.openxmlformats.org/drawingml/2006/main" xmlns:r="http://schemas.openxmlformats.org/officeDocument/2006/relationships" xmlns:p="http://schemas.openxmlformats.org/presentationml/2006/main">
+  <p:cSld>
+    <p:spTree>
+      <p:nvGrpSpPr>
+        <p:cNvPr id="1" name=""/>
+        <p:cNvGrpSpPr/>
+        <p:nvPr/>
+      </p:nvGrpSpPr>
+      <p:grpSpPr>
+        <a:xfrm>
+          <a:off x="0" y="0"/>
+          <a:ext cx="0" cy="0"/>
+          <a:chOff x="0" y="0"/>
+          <a:chExt cx="0" cy="0"/>
+        </a:xfrm>
+      </p:grpSpPr>
+      <p:sp>
+        <p:nvSpPr>
+          <p:cNvPr id="2" name="タイトル 1"/>
+          <p:cNvSpPr>
+            <a:spLocks noGrp="1"/>
+          </p:cNvSpPr>
+          <p:nvPr>
+            <p:ph type="title"/>
+          </p:nvPr>
+        </p:nvSpPr>
+        <p:spPr/>
+        <p:txBody>
+          <a:bodyPr/>
+          <a:lstStyle/>
+          <a:p>
+            <a:r>
+              <a:rPr kumimoji="1" lang="ja-JP" altLang="en-US" dirty="0" smtClean="0"/>
+              <a:t>ゲーム説明</a:t>
+            </a:r>
+            <a:endParaRPr kumimoji="1" lang="ja-JP" altLang="en-US" dirty="0"/>
+          </a:p>
+        </p:txBody>
+      </p:sp>
+      <p:sp>
+        <p:nvSpPr>
+          <p:cNvPr id="3" name="コンテンツ プレースホルダー 2"/>
+          <p:cNvSpPr>
+            <a:spLocks noGrp="1"/>
+          </p:cNvSpPr>
+          <p:nvPr>
+            <p:ph idx="1"/>
+          </p:nvPr>
+        </p:nvSpPr>
+        <p:spPr/>
+        <p:txBody>
+          <a:bodyPr/>
+          <a:lstStyle/>
+          <a:p>
+            <a:pPr marL="0" indent="0">
+              <a:buNone/>
+            </a:pPr>
+            <a:r>
+              <a:rPr lang="ja-JP" altLang="en-US" dirty="0"/>
+              <a:t>敵から逃げながらマップ中のエサを全て食べたらクリア</a:t>
+            </a:r>
+            <a:endParaRPr lang="en-US" altLang="ja-JP" dirty="0"/>
+          </a:p>
+          <a:p>
+            <a:pPr marL="0" indent="0">
+              <a:buNone/>
+            </a:pPr>
+            <a:endParaRPr lang="en-US" altLang="ja-JP" dirty="0"/>
+          </a:p>
+          <a:p>
+            <a:pPr marL="0" indent="0">
+              <a:buNone/>
+            </a:pPr>
+            <a:r>
+              <a:rPr lang="ja-JP" altLang="en-US" dirty="0"/>
+              <a:t>敵に捕まると残機が減り無くなるとゲームオーバー</a:t>
+            </a:r>
+            <a:endParaRPr lang="en-US" altLang="ja-JP" dirty="0"/>
+          </a:p>
+          <a:p>
+            <a:pPr marL="0" indent="0">
+              <a:buNone/>
+            </a:pPr>
+            <a:endParaRPr lang="en-US" altLang="ja-JP" dirty="0"/>
+          </a:p>
+          <a:p>
+            <a:pPr marL="0" indent="0">
+              <a:buNone/>
+            </a:pPr>
+            <a:r>
+              <a:rPr lang="ja-JP" altLang="en-US" dirty="0"/>
+              <a:t>パワーエサを食べると一時的に敵が逃げるようになり、その時に限り敵を食べれる</a:t>
+            </a:r>
+            <a:endParaRPr lang="en-US" altLang="ja-JP" dirty="0"/>
+          </a:p>
+          <a:p>
+            <a:endParaRPr kumimoji="1" lang="ja-JP" altLang="en-US" dirty="0"/>
+          </a:p>
+        </p:txBody>
+      </p:sp>
+      <p:sp>
+        <p:nvSpPr>
+          <p:cNvPr id="4" name="テキスト ボックス 3"/>
+          <p:cNvSpPr txBox="1"/>
+          <p:nvPr/>
+        </p:nvSpPr>
+        <p:spPr>
+          <a:xfrm>
+            <a:off x="9358605" y="843240"/>
+            <a:ext cx="2640562" cy="738664"/>
+          </a:xfrm>
+          <a:prstGeom prst="rect">
+            <a:avLst/>
+          </a:prstGeom>
+          <a:noFill/>
+        </p:spPr>
+        <p:txBody>
+          <a:bodyPr wrap="square" rtlCol="0">
+            <a:spAutoFit/>
+          </a:bodyPr>
+          <a:lstStyle/>
+          <a:p>
+            <a:r>
+              <a:rPr lang="ja-JP" altLang="en-US" sz="2400" dirty="0"/>
+              <a:t>エサ　</a:t>
+            </a:r>
+            <a:r>
+              <a:rPr lang="ja-JP" altLang="en-US" sz="2400" dirty="0" smtClean="0"/>
+              <a:t>パワーエサ</a:t>
+            </a:r>
+            <a:endParaRPr lang="ja-JP" altLang="en-US" dirty="0"/>
+          </a:p>
+          <a:p>
+            <a:endParaRPr kumimoji="1" lang="ja-JP" altLang="en-US" dirty="0"/>
+          </a:p>
+        </p:txBody>
+      </p:sp>
+      <p:pic>
+        <p:nvPicPr>
+          <p:cNvPr id="5" name="図 4"/>
+          <p:cNvPicPr>
+            <a:picLocks noChangeAspect="1"/>
+          </p:cNvPicPr>
+          <p:nvPr/>
+        </p:nvPicPr>
+        <p:blipFill>
+          <a:blip r:embed="rId2" cstate="print">
+            <a:extLst>
+              <a:ext uri="{28A0092B-C50C-407E-A947-70E740481C1C}">
+                <a14:useLocalDpi xmlns:a14="http://schemas.microsoft.com/office/drawing/2010/main" val="0"/>
+              </a:ext>
+            </a:extLst>
+          </a:blip>
+          <a:stretch>
+            <a:fillRect/>
+          </a:stretch>
+        </p:blipFill>
+        <p:spPr>
+          <a:xfrm>
+            <a:off x="9435300" y="1201469"/>
+            <a:ext cx="624156" cy="624156"/>
+          </a:xfrm>
+          <a:prstGeom prst="rect">
+            <a:avLst/>
+          </a:prstGeom>
+        </p:spPr>
+      </p:pic>
+      <p:pic>
+        <p:nvPicPr>
+          <p:cNvPr id="6" name="図 5"/>
+          <p:cNvPicPr>
+            <a:picLocks noChangeAspect="1"/>
+          </p:cNvPicPr>
+          <p:nvPr/>
+        </p:nvPicPr>
+        <p:blipFill>
+          <a:blip r:embed="rId3" cstate="print">
+            <a:extLst>
+              <a:ext uri="{28A0092B-C50C-407E-A947-70E740481C1C}">
+                <a14:useLocalDpi xmlns:a14="http://schemas.microsoft.com/office/drawing/2010/main" val="0"/>
+              </a:ext>
+            </a:extLst>
+          </a:blip>
+          <a:stretch>
+            <a:fillRect/>
+          </a:stretch>
+        </p:blipFill>
+        <p:spPr>
+          <a:xfrm>
+            <a:off x="10710983" y="1229475"/>
+            <a:ext cx="642817" cy="642817"/>
+          </a:xfrm>
+          <a:prstGeom prst="rect">
+            <a:avLst/>
+          </a:prstGeom>
+        </p:spPr>
+      </p:pic>
+    </p:spTree>
+    <p:extLst>
+      <p:ext uri="{BB962C8B-B14F-4D97-AF65-F5344CB8AC3E}">
+        <p14:creationId xmlns:p14="http://schemas.microsoft.com/office/powerpoint/2010/main" val="937862210"/>
+      </p:ext>
+    </p:extLst>
+  </p:cSld>
+  <p:clrMapOvr>
+    <a:masterClrMapping/>
+  </p:clrMapOvr>
+  <p:timing>
+    <p:tnLst>
+      <p:par>
+        <p:cTn id="1" dur="indefinite" restart="never" nodeType="tmRoot"/>
+      </p:par>
+    </p:tnLst>
+  </p:timing>
+</p:sld>
+</file>
+
+<file path=ppt/slides/slide5.xml><?xml version="1.0" encoding="utf-8"?>
 <p:sld xmlns:a="http://schemas.openxmlformats.org/drawingml/2006/main" xmlns:r="http://schemas.openxmlformats.org/officeDocument/2006/relationships" xmlns:p="http://schemas.openxmlformats.org/presentationml/2006/main">
   <p:cSld>
     <p:spTree>

--- a/企画書.pptx
+++ b/企画書.pptx
@@ -2,17 +2,19 @@
 <file path=ppt/presentation.xml><?xml version="1.0" encoding="utf-8"?>
 <p:presentation xmlns:a="http://schemas.openxmlformats.org/drawingml/2006/main" xmlns:r="http://schemas.openxmlformats.org/officeDocument/2006/relationships" xmlns:p="http://schemas.openxmlformats.org/presentationml/2006/main" saveSubsetFonts="1">
   <p:sldMasterIdLst>
-    <p:sldMasterId id="2147483648" r:id="rId1"/>
+    <p:sldMasterId id="2147483690" r:id="rId1"/>
   </p:sldMasterIdLst>
   <p:notesMasterIdLst>
-    <p:notesMasterId r:id="rId7"/>
+    <p:notesMasterId r:id="rId9"/>
   </p:notesMasterIdLst>
   <p:sldIdLst>
     <p:sldId id="259" r:id="rId2"/>
     <p:sldId id="260" r:id="rId3"/>
     <p:sldId id="261" r:id="rId4"/>
     <p:sldId id="262" r:id="rId5"/>
-    <p:sldId id="258" r:id="rId6"/>
+    <p:sldId id="264" r:id="rId6"/>
+    <p:sldId id="263" r:id="rId7"/>
+    <p:sldId id="258" r:id="rId8"/>
   </p:sldIdLst>
   <p:sldSz cx="12192000" cy="6858000"/>
   <p:notesSz cx="6858000" cy="9144000"/>
@@ -213,7 +215,7 @@
           <a:p>
             <a:fld id="{D87D4425-97A6-46D4-B9AA-5B3737BA148B}" type="datetimeFigureOut">
               <a:rPr kumimoji="1" lang="ja-JP" altLang="en-US" smtClean="0"/>
-              <a:t>2022/12/14</a:t>
+              <a:t>2022/12/19</a:t>
             </a:fld>
             <a:endParaRPr kumimoji="1" lang="ja-JP" altLang="en-US"/>
           </a:p>
@@ -616,7 +618,7 @@
       </p:grpSpPr>
       <p:sp>
         <p:nvSpPr>
-          <p:cNvPr id="2" name="タイトル 1"/>
+          <p:cNvPr id="2" name="Title 1"/>
           <p:cNvSpPr>
             <a:spLocks noGrp="1"/>
           </p:cNvSpPr>
@@ -626,29 +628,31 @@
         </p:nvSpPr>
         <p:spPr>
           <a:xfrm>
-            <a:off x="1524000" y="1122363"/>
-            <a:ext cx="9144000" cy="2387600"/>
-          </a:xfrm>
-        </p:spPr>
-        <p:txBody>
-          <a:bodyPr anchor="b"/>
+            <a:off x="1370693" y="1769540"/>
+            <a:ext cx="9440034" cy="1828801"/>
+          </a:xfrm>
+        </p:spPr>
+        <p:txBody>
+          <a:bodyPr anchor="b">
+            <a:normAutofit/>
+          </a:bodyPr>
           <a:lstStyle>
             <a:lvl1pPr algn="ctr">
-              <a:defRPr sz="6000"/>
+              <a:defRPr sz="5400"/>
             </a:lvl1pPr>
           </a:lstStyle>
           <a:p>
             <a:r>
-              <a:rPr kumimoji="1" lang="ja-JP" altLang="en-US" smtClean="0"/>
+              <a:rPr lang="ja-JP" altLang="en-US" smtClean="0"/>
               <a:t>マスター タイトルの書式設定</a:t>
             </a:r>
-            <a:endParaRPr kumimoji="1" lang="ja-JP" altLang="en-US"/>
-          </a:p>
-        </p:txBody>
-      </p:sp>
-      <p:sp>
-        <p:nvSpPr>
-          <p:cNvPr id="3" name="サブタイトル 2"/>
+            <a:endParaRPr lang="en-US" dirty="0"/>
+          </a:p>
+        </p:txBody>
+      </p:sp>
+      <p:sp>
+        <p:nvSpPr>
+          <p:cNvPr id="3" name="Subtitle 2"/>
           <p:cNvSpPr>
             <a:spLocks noGrp="1"/>
           </p:cNvSpPr>
@@ -658,62 +662,114 @@
         </p:nvSpPr>
         <p:spPr>
           <a:xfrm>
-            <a:off x="1524000" y="3602038"/>
-            <a:ext cx="9144000" cy="1655762"/>
-          </a:xfrm>
-        </p:spPr>
-        <p:txBody>
-          <a:bodyPr/>
+            <a:off x="1370693" y="3598339"/>
+            <a:ext cx="9440034" cy="1049867"/>
+          </a:xfrm>
+        </p:spPr>
+        <p:txBody>
+          <a:bodyPr anchor="t"/>
           <a:lstStyle>
             <a:lvl1pPr marL="0" indent="0" algn="ctr">
               <a:buNone/>
-              <a:defRPr sz="2400"/>
+              <a:defRPr>
+                <a:solidFill>
+                  <a:schemeClr val="tx1"/>
+                </a:solidFill>
+              </a:defRPr>
             </a:lvl1pPr>
             <a:lvl2pPr marL="457200" indent="0" algn="ctr">
               <a:buNone/>
-              <a:defRPr sz="2000"/>
+              <a:defRPr>
+                <a:solidFill>
+                  <a:schemeClr val="tx1">
+                    <a:tint val="75000"/>
+                  </a:schemeClr>
+                </a:solidFill>
+              </a:defRPr>
             </a:lvl2pPr>
             <a:lvl3pPr marL="914400" indent="0" algn="ctr">
               <a:buNone/>
-              <a:defRPr sz="1800"/>
+              <a:defRPr>
+                <a:solidFill>
+                  <a:schemeClr val="tx1">
+                    <a:tint val="75000"/>
+                  </a:schemeClr>
+                </a:solidFill>
+              </a:defRPr>
             </a:lvl3pPr>
             <a:lvl4pPr marL="1371600" indent="0" algn="ctr">
               <a:buNone/>
-              <a:defRPr sz="1600"/>
+              <a:defRPr>
+                <a:solidFill>
+                  <a:schemeClr val="tx1">
+                    <a:tint val="75000"/>
+                  </a:schemeClr>
+                </a:solidFill>
+              </a:defRPr>
             </a:lvl4pPr>
             <a:lvl5pPr marL="1828800" indent="0" algn="ctr">
               <a:buNone/>
-              <a:defRPr sz="1600"/>
+              <a:defRPr>
+                <a:solidFill>
+                  <a:schemeClr val="tx1">
+                    <a:tint val="75000"/>
+                  </a:schemeClr>
+                </a:solidFill>
+              </a:defRPr>
             </a:lvl5pPr>
             <a:lvl6pPr marL="2286000" indent="0" algn="ctr">
               <a:buNone/>
-              <a:defRPr sz="1600"/>
+              <a:defRPr>
+                <a:solidFill>
+                  <a:schemeClr val="tx1">
+                    <a:tint val="75000"/>
+                  </a:schemeClr>
+                </a:solidFill>
+              </a:defRPr>
             </a:lvl6pPr>
             <a:lvl7pPr marL="2743200" indent="0" algn="ctr">
               <a:buNone/>
-              <a:defRPr sz="1600"/>
+              <a:defRPr>
+                <a:solidFill>
+                  <a:schemeClr val="tx1">
+                    <a:tint val="75000"/>
+                  </a:schemeClr>
+                </a:solidFill>
+              </a:defRPr>
             </a:lvl7pPr>
             <a:lvl8pPr marL="3200400" indent="0" algn="ctr">
               <a:buNone/>
-              <a:defRPr sz="1600"/>
+              <a:defRPr>
+                <a:solidFill>
+                  <a:schemeClr val="tx1">
+                    <a:tint val="75000"/>
+                  </a:schemeClr>
+                </a:solidFill>
+              </a:defRPr>
             </a:lvl8pPr>
             <a:lvl9pPr marL="3657600" indent="0" algn="ctr">
               <a:buNone/>
-              <a:defRPr sz="1600"/>
+              <a:defRPr>
+                <a:solidFill>
+                  <a:schemeClr val="tx1">
+                    <a:tint val="75000"/>
+                  </a:schemeClr>
+                </a:solidFill>
+              </a:defRPr>
             </a:lvl9pPr>
           </a:lstStyle>
           <a:p>
             <a:r>
-              <a:rPr kumimoji="1" lang="ja-JP" altLang="en-US" smtClean="0"/>
+              <a:rPr lang="ja-JP" altLang="en-US" smtClean="0"/>
               <a:t>マスター サブタイトルの書式設定</a:t>
             </a:r>
-            <a:endParaRPr kumimoji="1" lang="ja-JP" altLang="en-US"/>
-          </a:p>
-        </p:txBody>
-      </p:sp>
-      <p:sp>
-        <p:nvSpPr>
-          <p:cNvPr id="4" name="日付プレースホルダー 3"/>
+            <a:endParaRPr lang="en-US" dirty="0"/>
+          </a:p>
+        </p:txBody>
+      </p:sp>
+      <p:sp>
+        <p:nvSpPr>
+          <p:cNvPr id="4" name="Date Placeholder 3"/>
           <p:cNvSpPr>
             <a:spLocks noGrp="1"/>
           </p:cNvSpPr>
@@ -728,7 +784,7 @@
           <a:p>
             <a:fld id="{24FBA86E-0CF7-4B0C-9D39-30686EFB7BF4}" type="datetimeFigureOut">
               <a:rPr kumimoji="1" lang="ja-JP" altLang="en-US" smtClean="0"/>
-              <a:t>2022/12/14</a:t>
+              <a:t>2022/12/19</a:t>
             </a:fld>
             <a:endParaRPr kumimoji="1" lang="ja-JP" altLang="en-US"/>
           </a:p>
@@ -736,7 +792,7 @@
       </p:sp>
       <p:sp>
         <p:nvSpPr>
-          <p:cNvPr id="5" name="フッター プレースホルダー 4"/>
+          <p:cNvPr id="5" name="Footer Placeholder 4"/>
           <p:cNvSpPr>
             <a:spLocks noGrp="1"/>
           </p:cNvSpPr>
@@ -755,7 +811,7 @@
       </p:sp>
       <p:sp>
         <p:nvSpPr>
-          <p:cNvPr id="6" name="スライド番号プレースホルダー 5"/>
+          <p:cNvPr id="6" name="Slide Number Placeholder 5"/>
           <p:cNvSpPr>
             <a:spLocks noGrp="1"/>
           </p:cNvSpPr>
@@ -779,7 +835,7 @@
     </p:spTree>
     <p:extLst>
       <p:ext uri="{BB962C8B-B14F-4D97-AF65-F5344CB8AC3E}">
-        <p14:creationId xmlns:p14="http://schemas.microsoft.com/office/powerpoint/2010/main" val="3416922833"/>
+        <p14:creationId xmlns:p14="http://schemas.microsoft.com/office/powerpoint/2010/main" val="4139033127"/>
       </p:ext>
     </p:extLst>
   </p:cSld>
@@ -790,6 +846,2582 @@
 </file>
 
 <file path=ppt/slideLayouts/slideLayout10.xml><?xml version="1.0" encoding="utf-8"?>
+<p:sldLayout xmlns:a="http://schemas.openxmlformats.org/drawingml/2006/main" xmlns:r="http://schemas.openxmlformats.org/officeDocument/2006/relationships" xmlns:p="http://schemas.openxmlformats.org/presentationml/2006/main" preserve="1">
+  <p:cSld name="パノラマ写真 (キャプション付き)">
+    <p:spTree>
+      <p:nvGrpSpPr>
+        <p:cNvPr id="1" name=""/>
+        <p:cNvGrpSpPr/>
+        <p:nvPr/>
+      </p:nvGrpSpPr>
+      <p:grpSpPr>
+        <a:xfrm>
+          <a:off x="0" y="0"/>
+          <a:ext cx="0" cy="0"/>
+          <a:chOff x="0" y="0"/>
+          <a:chExt cx="0" cy="0"/>
+        </a:xfrm>
+      </p:grpSpPr>
+      <p:pic>
+        <p:nvPicPr>
+          <p:cNvPr id="16" name="Picture 15" descr="Slate-V2-HD-panoPhotoInset.png"/>
+          <p:cNvPicPr>
+            <a:picLocks noChangeAspect="1"/>
+          </p:cNvPicPr>
+          <p:nvPr/>
+        </p:nvPicPr>
+        <p:blipFill>
+          <a:blip r:embed="rId2">
+            <a:extLst>
+              <a:ext uri="{28A0092B-C50C-407E-A947-70E740481C1C}">
+                <a14:useLocalDpi xmlns:a14="http://schemas.microsoft.com/office/drawing/2010/main" val="0"/>
+              </a:ext>
+            </a:extLst>
+          </a:blip>
+          <a:stretch>
+            <a:fillRect/>
+          </a:stretch>
+        </p:blipFill>
+        <p:spPr>
+          <a:xfrm>
+            <a:off x="1013883" y="547807"/>
+            <a:ext cx="10141799" cy="3816806"/>
+          </a:xfrm>
+          <a:prstGeom prst="rect">
+            <a:avLst/>
+          </a:prstGeom>
+        </p:spPr>
+      </p:pic>
+      <p:sp>
+        <p:nvSpPr>
+          <p:cNvPr id="2" name="Title 1"/>
+          <p:cNvSpPr>
+            <a:spLocks noGrp="1"/>
+          </p:cNvSpPr>
+          <p:nvPr>
+            <p:ph type="title"/>
+          </p:nvPr>
+        </p:nvSpPr>
+        <p:spPr>
+          <a:xfrm>
+            <a:off x="913806" y="4565255"/>
+            <a:ext cx="10355326" cy="543472"/>
+          </a:xfrm>
+        </p:spPr>
+        <p:txBody>
+          <a:bodyPr anchor="b">
+            <a:normAutofit/>
+          </a:bodyPr>
+          <a:lstStyle>
+            <a:lvl1pPr algn="ctr">
+              <a:defRPr sz="2800"/>
+            </a:lvl1pPr>
+          </a:lstStyle>
+          <a:p>
+            <a:r>
+              <a:rPr lang="ja-JP" altLang="en-US" smtClean="0"/>
+              <a:t>マスター タイトルの書式設定</a:t>
+            </a:r>
+            <a:endParaRPr lang="en-US" dirty="0"/>
+          </a:p>
+        </p:txBody>
+      </p:sp>
+      <p:sp>
+        <p:nvSpPr>
+          <p:cNvPr id="3" name="Picture Placeholder 2"/>
+          <p:cNvSpPr>
+            <a:spLocks noGrp="1" noChangeAspect="1"/>
+          </p:cNvSpPr>
+          <p:nvPr>
+            <p:ph type="pic" idx="1"/>
+          </p:nvPr>
+        </p:nvSpPr>
+        <p:spPr>
+          <a:xfrm>
+            <a:off x="1169349" y="695009"/>
+            <a:ext cx="9845346" cy="3525671"/>
+          </a:xfrm>
+          <a:effectLst>
+            <a:outerShdw blurRad="38100" dist="25400" dir="4440000">
+              <a:srgbClr val="000000">
+                <a:alpha val="36000"/>
+              </a:srgbClr>
+            </a:outerShdw>
+          </a:effectLst>
+        </p:spPr>
+        <p:txBody>
+          <a:bodyPr anchor="t">
+            <a:normAutofit/>
+          </a:bodyPr>
+          <a:lstStyle>
+            <a:lvl1pPr marL="0" indent="0" algn="ctr">
+              <a:buNone/>
+              <a:defRPr sz="2000"/>
+            </a:lvl1pPr>
+            <a:lvl2pPr marL="457200" indent="0">
+              <a:buNone/>
+              <a:defRPr sz="2000"/>
+            </a:lvl2pPr>
+            <a:lvl3pPr marL="914400" indent="0">
+              <a:buNone/>
+              <a:defRPr sz="2000"/>
+            </a:lvl3pPr>
+            <a:lvl4pPr marL="1371600" indent="0">
+              <a:buNone/>
+              <a:defRPr sz="2000"/>
+            </a:lvl4pPr>
+            <a:lvl5pPr marL="1828800" indent="0">
+              <a:buNone/>
+              <a:defRPr sz="2000"/>
+            </a:lvl5pPr>
+            <a:lvl6pPr marL="2286000" indent="0">
+              <a:buNone/>
+              <a:defRPr sz="2000"/>
+            </a:lvl6pPr>
+            <a:lvl7pPr marL="2743200" indent="0">
+              <a:buNone/>
+              <a:defRPr sz="2000"/>
+            </a:lvl7pPr>
+            <a:lvl8pPr marL="3200400" indent="0">
+              <a:buNone/>
+              <a:defRPr sz="2000"/>
+            </a:lvl8pPr>
+            <a:lvl9pPr marL="3657600" indent="0">
+              <a:buNone/>
+              <a:defRPr sz="2000"/>
+            </a:lvl9pPr>
+          </a:lstStyle>
+          <a:p>
+            <a:r>
+              <a:rPr lang="ja-JP" altLang="en-US" smtClean="0"/>
+              <a:t>図を追加</a:t>
+            </a:r>
+            <a:endParaRPr lang="en-US" dirty="0"/>
+          </a:p>
+        </p:txBody>
+      </p:sp>
+      <p:sp>
+        <p:nvSpPr>
+          <p:cNvPr id="4" name="Text Placeholder 3"/>
+          <p:cNvSpPr>
+            <a:spLocks noGrp="1"/>
+          </p:cNvSpPr>
+          <p:nvPr>
+            <p:ph type="body" sz="half" idx="2"/>
+          </p:nvPr>
+        </p:nvSpPr>
+        <p:spPr>
+          <a:xfrm>
+            <a:off x="913795" y="5108728"/>
+            <a:ext cx="10353762" cy="682472"/>
+          </a:xfrm>
+        </p:spPr>
+        <p:txBody>
+          <a:bodyPr anchor="t"/>
+          <a:lstStyle>
+            <a:lvl1pPr marL="0" indent="0" algn="ctr">
+              <a:buNone/>
+              <a:defRPr sz="1600"/>
+            </a:lvl1pPr>
+            <a:lvl2pPr marL="457200" indent="0">
+              <a:buNone/>
+              <a:defRPr sz="1400"/>
+            </a:lvl2pPr>
+            <a:lvl3pPr marL="914400" indent="0">
+              <a:buNone/>
+              <a:defRPr sz="1200"/>
+            </a:lvl3pPr>
+            <a:lvl4pPr marL="1371600" indent="0">
+              <a:buNone/>
+              <a:defRPr sz="1000"/>
+            </a:lvl4pPr>
+            <a:lvl5pPr marL="1828800" indent="0">
+              <a:buNone/>
+              <a:defRPr sz="1000"/>
+            </a:lvl5pPr>
+            <a:lvl6pPr marL="2286000" indent="0">
+              <a:buNone/>
+              <a:defRPr sz="1000"/>
+            </a:lvl6pPr>
+            <a:lvl7pPr marL="2743200" indent="0">
+              <a:buNone/>
+              <a:defRPr sz="1000"/>
+            </a:lvl7pPr>
+            <a:lvl8pPr marL="3200400" indent="0">
+              <a:buNone/>
+              <a:defRPr sz="1000"/>
+            </a:lvl8pPr>
+            <a:lvl9pPr marL="3657600" indent="0">
+              <a:buNone/>
+              <a:defRPr sz="1000"/>
+            </a:lvl9pPr>
+          </a:lstStyle>
+          <a:p>
+            <a:pPr lvl="0"/>
+            <a:r>
+              <a:rPr lang="ja-JP" altLang="en-US" smtClean="0"/>
+              <a:t>マスター テキストの書式設定</a:t>
+            </a:r>
+          </a:p>
+        </p:txBody>
+      </p:sp>
+      <p:sp>
+        <p:nvSpPr>
+          <p:cNvPr id="5" name="Date Placeholder 4"/>
+          <p:cNvSpPr>
+            <a:spLocks noGrp="1"/>
+          </p:cNvSpPr>
+          <p:nvPr>
+            <p:ph type="dt" sz="half" idx="10"/>
+          </p:nvPr>
+        </p:nvSpPr>
+        <p:spPr/>
+        <p:txBody>
+          <a:bodyPr/>
+          <a:lstStyle/>
+          <a:p>
+            <a:fld id="{24FBA86E-0CF7-4B0C-9D39-30686EFB7BF4}" type="datetimeFigureOut">
+              <a:rPr kumimoji="1" lang="ja-JP" altLang="en-US" smtClean="0"/>
+              <a:t>2022/12/19</a:t>
+            </a:fld>
+            <a:endParaRPr kumimoji="1" lang="ja-JP" altLang="en-US"/>
+          </a:p>
+        </p:txBody>
+      </p:sp>
+      <p:sp>
+        <p:nvSpPr>
+          <p:cNvPr id="6" name="Footer Placeholder 5"/>
+          <p:cNvSpPr>
+            <a:spLocks noGrp="1"/>
+          </p:cNvSpPr>
+          <p:nvPr>
+            <p:ph type="ftr" sz="quarter" idx="11"/>
+          </p:nvPr>
+        </p:nvSpPr>
+        <p:spPr/>
+        <p:txBody>
+          <a:bodyPr/>
+          <a:lstStyle/>
+          <a:p>
+            <a:endParaRPr kumimoji="1" lang="ja-JP" altLang="en-US"/>
+          </a:p>
+        </p:txBody>
+      </p:sp>
+      <p:sp>
+        <p:nvSpPr>
+          <p:cNvPr id="7" name="Slide Number Placeholder 6"/>
+          <p:cNvSpPr>
+            <a:spLocks noGrp="1"/>
+          </p:cNvSpPr>
+          <p:nvPr>
+            <p:ph type="sldNum" sz="quarter" idx="12"/>
+          </p:nvPr>
+        </p:nvSpPr>
+        <p:spPr/>
+        <p:txBody>
+          <a:bodyPr/>
+          <a:lstStyle/>
+          <a:p>
+            <a:fld id="{0C8540DA-0598-4DA5-BEBC-9BFE12E8BF42}" type="slidenum">
+              <a:rPr kumimoji="1" lang="ja-JP" altLang="en-US" smtClean="0"/>
+              <a:t>‹#›</a:t>
+            </a:fld>
+            <a:endParaRPr kumimoji="1" lang="ja-JP" altLang="en-US"/>
+          </a:p>
+        </p:txBody>
+      </p:sp>
+    </p:spTree>
+    <p:extLst>
+      <p:ext uri="{BB962C8B-B14F-4D97-AF65-F5344CB8AC3E}">
+        <p14:creationId xmlns:p14="http://schemas.microsoft.com/office/powerpoint/2010/main" val="3561652423"/>
+      </p:ext>
+    </p:extLst>
+  </p:cSld>
+  <p:clrMapOvr>
+    <a:masterClrMapping/>
+  </p:clrMapOvr>
+</p:sldLayout>
+</file>
+
+<file path=ppt/slideLayouts/slideLayout11.xml><?xml version="1.0" encoding="utf-8"?>
+<p:sldLayout xmlns:a="http://schemas.openxmlformats.org/drawingml/2006/main" xmlns:r="http://schemas.openxmlformats.org/officeDocument/2006/relationships" xmlns:p="http://schemas.openxmlformats.org/presentationml/2006/main" preserve="1">
+  <p:cSld name="タイトルとキャプション">
+    <p:spTree>
+      <p:nvGrpSpPr>
+        <p:cNvPr id="1" name=""/>
+        <p:cNvGrpSpPr/>
+        <p:nvPr/>
+      </p:nvGrpSpPr>
+      <p:grpSpPr>
+        <a:xfrm>
+          <a:off x="0" y="0"/>
+          <a:ext cx="0" cy="0"/>
+          <a:chOff x="0" y="0"/>
+          <a:chExt cx="0" cy="0"/>
+        </a:xfrm>
+      </p:grpSpPr>
+      <p:sp>
+        <p:nvSpPr>
+          <p:cNvPr id="2" name="Title 1"/>
+          <p:cNvSpPr>
+            <a:spLocks noGrp="1"/>
+          </p:cNvSpPr>
+          <p:nvPr>
+            <p:ph type="title"/>
+          </p:nvPr>
+        </p:nvSpPr>
+        <p:spPr>
+          <a:xfrm>
+            <a:off x="913795" y="608437"/>
+            <a:ext cx="10353762" cy="3534344"/>
+          </a:xfrm>
+        </p:spPr>
+        <p:txBody>
+          <a:bodyPr anchor="ctr"/>
+          <a:lstStyle>
+            <a:lvl1pPr>
+              <a:defRPr sz="3200"/>
+            </a:lvl1pPr>
+          </a:lstStyle>
+          <a:p>
+            <a:r>
+              <a:rPr lang="ja-JP" altLang="en-US" smtClean="0"/>
+              <a:t>マスター タイトルの書式設定</a:t>
+            </a:r>
+            <a:endParaRPr lang="en-US" dirty="0"/>
+          </a:p>
+        </p:txBody>
+      </p:sp>
+      <p:sp>
+        <p:nvSpPr>
+          <p:cNvPr id="4" name="Text Placeholder 3"/>
+          <p:cNvSpPr>
+            <a:spLocks noGrp="1"/>
+          </p:cNvSpPr>
+          <p:nvPr>
+            <p:ph type="body" sz="half" idx="2"/>
+          </p:nvPr>
+        </p:nvSpPr>
+        <p:spPr>
+          <a:xfrm>
+            <a:off x="913794" y="4295180"/>
+            <a:ext cx="10353763" cy="1501826"/>
+          </a:xfrm>
+        </p:spPr>
+        <p:txBody>
+          <a:bodyPr anchor="ctr"/>
+          <a:lstStyle>
+            <a:lvl1pPr marL="0" indent="0" algn="ctr">
+              <a:buNone/>
+              <a:defRPr sz="1600"/>
+            </a:lvl1pPr>
+            <a:lvl2pPr marL="457200" indent="0">
+              <a:buNone/>
+              <a:defRPr sz="1400"/>
+            </a:lvl2pPr>
+            <a:lvl3pPr marL="914400" indent="0">
+              <a:buNone/>
+              <a:defRPr sz="1200"/>
+            </a:lvl3pPr>
+            <a:lvl4pPr marL="1371600" indent="0">
+              <a:buNone/>
+              <a:defRPr sz="1000"/>
+            </a:lvl4pPr>
+            <a:lvl5pPr marL="1828800" indent="0">
+              <a:buNone/>
+              <a:defRPr sz="1000"/>
+            </a:lvl5pPr>
+            <a:lvl6pPr marL="2286000" indent="0">
+              <a:buNone/>
+              <a:defRPr sz="1000"/>
+            </a:lvl6pPr>
+            <a:lvl7pPr marL="2743200" indent="0">
+              <a:buNone/>
+              <a:defRPr sz="1000"/>
+            </a:lvl7pPr>
+            <a:lvl8pPr marL="3200400" indent="0">
+              <a:buNone/>
+              <a:defRPr sz="1000"/>
+            </a:lvl8pPr>
+            <a:lvl9pPr marL="3657600" indent="0">
+              <a:buNone/>
+              <a:defRPr sz="1000"/>
+            </a:lvl9pPr>
+          </a:lstStyle>
+          <a:p>
+            <a:pPr lvl="0"/>
+            <a:r>
+              <a:rPr lang="ja-JP" altLang="en-US" smtClean="0"/>
+              <a:t>マスター テキストの書式設定</a:t>
+            </a:r>
+          </a:p>
+        </p:txBody>
+      </p:sp>
+      <p:sp>
+        <p:nvSpPr>
+          <p:cNvPr id="5" name="Date Placeholder 4"/>
+          <p:cNvSpPr>
+            <a:spLocks noGrp="1"/>
+          </p:cNvSpPr>
+          <p:nvPr>
+            <p:ph type="dt" sz="half" idx="10"/>
+          </p:nvPr>
+        </p:nvSpPr>
+        <p:spPr/>
+        <p:txBody>
+          <a:bodyPr/>
+          <a:lstStyle/>
+          <a:p>
+            <a:fld id="{24FBA86E-0CF7-4B0C-9D39-30686EFB7BF4}" type="datetimeFigureOut">
+              <a:rPr kumimoji="1" lang="ja-JP" altLang="en-US" smtClean="0"/>
+              <a:t>2022/12/19</a:t>
+            </a:fld>
+            <a:endParaRPr kumimoji="1" lang="ja-JP" altLang="en-US"/>
+          </a:p>
+        </p:txBody>
+      </p:sp>
+      <p:sp>
+        <p:nvSpPr>
+          <p:cNvPr id="6" name="Footer Placeholder 5"/>
+          <p:cNvSpPr>
+            <a:spLocks noGrp="1"/>
+          </p:cNvSpPr>
+          <p:nvPr>
+            <p:ph type="ftr" sz="quarter" idx="11"/>
+          </p:nvPr>
+        </p:nvSpPr>
+        <p:spPr/>
+        <p:txBody>
+          <a:bodyPr/>
+          <a:lstStyle/>
+          <a:p>
+            <a:endParaRPr kumimoji="1" lang="ja-JP" altLang="en-US"/>
+          </a:p>
+        </p:txBody>
+      </p:sp>
+      <p:sp>
+        <p:nvSpPr>
+          <p:cNvPr id="7" name="Slide Number Placeholder 6"/>
+          <p:cNvSpPr>
+            <a:spLocks noGrp="1"/>
+          </p:cNvSpPr>
+          <p:nvPr>
+            <p:ph type="sldNum" sz="quarter" idx="12"/>
+          </p:nvPr>
+        </p:nvSpPr>
+        <p:spPr/>
+        <p:txBody>
+          <a:bodyPr/>
+          <a:lstStyle/>
+          <a:p>
+            <a:fld id="{0C8540DA-0598-4DA5-BEBC-9BFE12E8BF42}" type="slidenum">
+              <a:rPr kumimoji="1" lang="ja-JP" altLang="en-US" smtClean="0"/>
+              <a:t>‹#›</a:t>
+            </a:fld>
+            <a:endParaRPr kumimoji="1" lang="ja-JP" altLang="en-US"/>
+          </a:p>
+        </p:txBody>
+      </p:sp>
+    </p:spTree>
+    <p:extLst>
+      <p:ext uri="{BB962C8B-B14F-4D97-AF65-F5344CB8AC3E}">
+        <p14:creationId xmlns:p14="http://schemas.microsoft.com/office/powerpoint/2010/main" val="783174029"/>
+      </p:ext>
+    </p:extLst>
+  </p:cSld>
+  <p:clrMapOvr>
+    <a:masterClrMapping/>
+  </p:clrMapOvr>
+</p:sldLayout>
+</file>
+
+<file path=ppt/slideLayouts/slideLayout12.xml><?xml version="1.0" encoding="utf-8"?>
+<p:sldLayout xmlns:a="http://schemas.openxmlformats.org/drawingml/2006/main" xmlns:r="http://schemas.openxmlformats.org/officeDocument/2006/relationships" xmlns:p="http://schemas.openxmlformats.org/presentationml/2006/main" preserve="1">
+  <p:cSld name="引用 (キャプション付き)">
+    <p:spTree>
+      <p:nvGrpSpPr>
+        <p:cNvPr id="1" name=""/>
+        <p:cNvGrpSpPr/>
+        <p:nvPr/>
+      </p:nvGrpSpPr>
+      <p:grpSpPr>
+        <a:xfrm>
+          <a:off x="0" y="0"/>
+          <a:ext cx="0" cy="0"/>
+          <a:chOff x="0" y="0"/>
+          <a:chExt cx="0" cy="0"/>
+        </a:xfrm>
+      </p:grpSpPr>
+      <p:sp>
+        <p:nvSpPr>
+          <p:cNvPr id="2" name="Title 1"/>
+          <p:cNvSpPr>
+            <a:spLocks noGrp="1"/>
+          </p:cNvSpPr>
+          <p:nvPr>
+            <p:ph type="title"/>
+          </p:nvPr>
+        </p:nvSpPr>
+        <p:spPr>
+          <a:xfrm>
+            <a:off x="1446212" y="609600"/>
+            <a:ext cx="9302752" cy="2992904"/>
+          </a:xfrm>
+        </p:spPr>
+        <p:txBody>
+          <a:bodyPr anchor="ctr"/>
+          <a:lstStyle>
+            <a:lvl1pPr>
+              <a:defRPr sz="3200"/>
+            </a:lvl1pPr>
+          </a:lstStyle>
+          <a:p>
+            <a:r>
+              <a:rPr lang="ja-JP" altLang="en-US" smtClean="0"/>
+              <a:t>マスター タイトルの書式設定</a:t>
+            </a:r>
+            <a:endParaRPr lang="en-US" dirty="0"/>
+          </a:p>
+        </p:txBody>
+      </p:sp>
+      <p:sp>
+        <p:nvSpPr>
+          <p:cNvPr id="12" name="Text Placeholder 3"/>
+          <p:cNvSpPr>
+            <a:spLocks noGrp="1"/>
+          </p:cNvSpPr>
+          <p:nvPr>
+            <p:ph type="body" sz="half" idx="13"/>
+          </p:nvPr>
+        </p:nvSpPr>
+        <p:spPr>
+          <a:xfrm>
+            <a:off x="1720644" y="3610032"/>
+            <a:ext cx="8752299" cy="532749"/>
+          </a:xfrm>
+        </p:spPr>
+        <p:txBody>
+          <a:bodyPr anchor="t">
+            <a:normAutofit/>
+          </a:bodyPr>
+          <a:lstStyle>
+            <a:lvl1pPr marL="0" indent="0" algn="r">
+              <a:buNone/>
+              <a:defRPr sz="1400"/>
+            </a:lvl1pPr>
+            <a:lvl2pPr marL="457200" indent="0">
+              <a:buNone/>
+              <a:defRPr sz="1400"/>
+            </a:lvl2pPr>
+            <a:lvl3pPr marL="914400" indent="0">
+              <a:buNone/>
+              <a:defRPr sz="1200"/>
+            </a:lvl3pPr>
+            <a:lvl4pPr marL="1371600" indent="0">
+              <a:buNone/>
+              <a:defRPr sz="1000"/>
+            </a:lvl4pPr>
+            <a:lvl5pPr marL="1828800" indent="0">
+              <a:buNone/>
+              <a:defRPr sz="1000"/>
+            </a:lvl5pPr>
+            <a:lvl6pPr marL="2286000" indent="0">
+              <a:buNone/>
+              <a:defRPr sz="1000"/>
+            </a:lvl6pPr>
+            <a:lvl7pPr marL="2743200" indent="0">
+              <a:buNone/>
+              <a:defRPr sz="1000"/>
+            </a:lvl7pPr>
+            <a:lvl8pPr marL="3200400" indent="0">
+              <a:buNone/>
+              <a:defRPr sz="1000"/>
+            </a:lvl8pPr>
+            <a:lvl9pPr marL="3657600" indent="0">
+              <a:buNone/>
+              <a:defRPr sz="1000"/>
+            </a:lvl9pPr>
+          </a:lstStyle>
+          <a:p>
+            <a:pPr lvl="0"/>
+            <a:r>
+              <a:rPr lang="ja-JP" altLang="en-US" smtClean="0"/>
+              <a:t>マスター テキストの書式設定</a:t>
+            </a:r>
+          </a:p>
+        </p:txBody>
+      </p:sp>
+      <p:sp>
+        <p:nvSpPr>
+          <p:cNvPr id="4" name="Text Placeholder 3"/>
+          <p:cNvSpPr>
+            <a:spLocks noGrp="1"/>
+          </p:cNvSpPr>
+          <p:nvPr>
+            <p:ph type="body" sz="half" idx="2"/>
+          </p:nvPr>
+        </p:nvSpPr>
+        <p:spPr>
+          <a:xfrm>
+            <a:off x="913794" y="4304353"/>
+            <a:ext cx="10353763" cy="1489496"/>
+          </a:xfrm>
+        </p:spPr>
+        <p:txBody>
+          <a:bodyPr anchor="ctr">
+            <a:normAutofit/>
+          </a:bodyPr>
+          <a:lstStyle>
+            <a:lvl1pPr marL="0" indent="0" algn="ctr">
+              <a:buNone/>
+              <a:defRPr sz="1600"/>
+            </a:lvl1pPr>
+            <a:lvl2pPr marL="457200" indent="0">
+              <a:buNone/>
+              <a:defRPr sz="1400"/>
+            </a:lvl2pPr>
+            <a:lvl3pPr marL="914400" indent="0">
+              <a:buNone/>
+              <a:defRPr sz="1200"/>
+            </a:lvl3pPr>
+            <a:lvl4pPr marL="1371600" indent="0">
+              <a:buNone/>
+              <a:defRPr sz="1000"/>
+            </a:lvl4pPr>
+            <a:lvl5pPr marL="1828800" indent="0">
+              <a:buNone/>
+              <a:defRPr sz="1000"/>
+            </a:lvl5pPr>
+            <a:lvl6pPr marL="2286000" indent="0">
+              <a:buNone/>
+              <a:defRPr sz="1000"/>
+            </a:lvl6pPr>
+            <a:lvl7pPr marL="2743200" indent="0">
+              <a:buNone/>
+              <a:defRPr sz="1000"/>
+            </a:lvl7pPr>
+            <a:lvl8pPr marL="3200400" indent="0">
+              <a:buNone/>
+              <a:defRPr sz="1000"/>
+            </a:lvl8pPr>
+            <a:lvl9pPr marL="3657600" indent="0">
+              <a:buNone/>
+              <a:defRPr sz="1000"/>
+            </a:lvl9pPr>
+          </a:lstStyle>
+          <a:p>
+            <a:pPr lvl="0"/>
+            <a:r>
+              <a:rPr lang="ja-JP" altLang="en-US" smtClean="0"/>
+              <a:t>マスター テキストの書式設定</a:t>
+            </a:r>
+          </a:p>
+        </p:txBody>
+      </p:sp>
+      <p:sp>
+        <p:nvSpPr>
+          <p:cNvPr id="5" name="Date Placeholder 4"/>
+          <p:cNvSpPr>
+            <a:spLocks noGrp="1"/>
+          </p:cNvSpPr>
+          <p:nvPr>
+            <p:ph type="dt" sz="half" idx="10"/>
+          </p:nvPr>
+        </p:nvSpPr>
+        <p:spPr/>
+        <p:txBody>
+          <a:bodyPr/>
+          <a:lstStyle/>
+          <a:p>
+            <a:fld id="{24FBA86E-0CF7-4B0C-9D39-30686EFB7BF4}" type="datetimeFigureOut">
+              <a:rPr kumimoji="1" lang="ja-JP" altLang="en-US" smtClean="0"/>
+              <a:t>2022/12/19</a:t>
+            </a:fld>
+            <a:endParaRPr kumimoji="1" lang="ja-JP" altLang="en-US"/>
+          </a:p>
+        </p:txBody>
+      </p:sp>
+      <p:sp>
+        <p:nvSpPr>
+          <p:cNvPr id="6" name="Footer Placeholder 5"/>
+          <p:cNvSpPr>
+            <a:spLocks noGrp="1"/>
+          </p:cNvSpPr>
+          <p:nvPr>
+            <p:ph type="ftr" sz="quarter" idx="11"/>
+          </p:nvPr>
+        </p:nvSpPr>
+        <p:spPr/>
+        <p:txBody>
+          <a:bodyPr/>
+          <a:lstStyle/>
+          <a:p>
+            <a:endParaRPr kumimoji="1" lang="ja-JP" altLang="en-US"/>
+          </a:p>
+        </p:txBody>
+      </p:sp>
+      <p:sp>
+        <p:nvSpPr>
+          <p:cNvPr id="7" name="Slide Number Placeholder 6"/>
+          <p:cNvSpPr>
+            <a:spLocks noGrp="1"/>
+          </p:cNvSpPr>
+          <p:nvPr>
+            <p:ph type="sldNum" sz="quarter" idx="12"/>
+          </p:nvPr>
+        </p:nvSpPr>
+        <p:spPr/>
+        <p:txBody>
+          <a:bodyPr/>
+          <a:lstStyle/>
+          <a:p>
+            <a:fld id="{0C8540DA-0598-4DA5-BEBC-9BFE12E8BF42}" type="slidenum">
+              <a:rPr kumimoji="1" lang="ja-JP" altLang="en-US" smtClean="0"/>
+              <a:t>‹#›</a:t>
+            </a:fld>
+            <a:endParaRPr kumimoji="1" lang="ja-JP" altLang="en-US"/>
+          </a:p>
+        </p:txBody>
+      </p:sp>
+      <p:sp>
+        <p:nvSpPr>
+          <p:cNvPr id="11" name="TextBox 10"/>
+          <p:cNvSpPr txBox="1"/>
+          <p:nvPr/>
+        </p:nvSpPr>
+        <p:spPr>
+          <a:xfrm>
+            <a:off x="990600" y="884796"/>
+            <a:ext cx="609600" cy="584776"/>
+          </a:xfrm>
+          <a:prstGeom prst="rect">
+            <a:avLst/>
+          </a:prstGeom>
+        </p:spPr>
+        <p:txBody>
+          <a:bodyPr vert="horz" lIns="91440" tIns="45720" rIns="91440" bIns="45720" rtlCol="0" anchor="ctr">
+            <a:noAutofit/>
+          </a:bodyPr>
+          <a:lstStyle>
+            <a:lvl1pPr>
+              <a:spcBef>
+                <a:spcPct val="0"/>
+              </a:spcBef>
+              <a:buNone/>
+              <a:defRPr sz="3200" b="0" cap="all">
+                <a:ln w="3175" cmpd="sng">
+                  <a:noFill/>
+                </a:ln>
+                <a:effectLst>
+                  <a:glow rad="38100">
+                    <a:schemeClr val="bg1">
+                      <a:lumMod val="65000"/>
+                      <a:lumOff val="35000"/>
+                      <a:alpha val="40000"/>
+                    </a:schemeClr>
+                  </a:glow>
+                  <a:outerShdw blurRad="28575" dist="38100" dir="14040000" algn="tl" rotWithShape="0">
+                    <a:srgbClr val="000000">
+                      <a:alpha val="25000"/>
+                    </a:srgbClr>
+                  </a:outerShdw>
+                </a:effectLst>
+              </a:defRPr>
+            </a:lvl1pPr>
+            <a:lvl2pPr>
+              <a:defRPr>
+                <a:solidFill>
+                  <a:schemeClr val="tx2"/>
+                </a:solidFill>
+              </a:defRPr>
+            </a:lvl2pPr>
+            <a:lvl3pPr>
+              <a:defRPr>
+                <a:solidFill>
+                  <a:schemeClr val="tx2"/>
+                </a:solidFill>
+              </a:defRPr>
+            </a:lvl3pPr>
+            <a:lvl4pPr>
+              <a:defRPr>
+                <a:solidFill>
+                  <a:schemeClr val="tx2"/>
+                </a:solidFill>
+              </a:defRPr>
+            </a:lvl4pPr>
+            <a:lvl5pPr>
+              <a:defRPr>
+                <a:solidFill>
+                  <a:schemeClr val="tx2"/>
+                </a:solidFill>
+              </a:defRPr>
+            </a:lvl5pPr>
+            <a:lvl6pPr>
+              <a:defRPr>
+                <a:solidFill>
+                  <a:schemeClr val="tx2"/>
+                </a:solidFill>
+              </a:defRPr>
+            </a:lvl6pPr>
+            <a:lvl7pPr>
+              <a:defRPr>
+                <a:solidFill>
+                  <a:schemeClr val="tx2"/>
+                </a:solidFill>
+              </a:defRPr>
+            </a:lvl7pPr>
+            <a:lvl8pPr>
+              <a:defRPr>
+                <a:solidFill>
+                  <a:schemeClr val="tx2"/>
+                </a:solidFill>
+              </a:defRPr>
+            </a:lvl8pPr>
+            <a:lvl9pPr>
+              <a:defRPr>
+                <a:solidFill>
+                  <a:schemeClr val="tx2"/>
+                </a:solidFill>
+              </a:defRPr>
+            </a:lvl9pPr>
+          </a:lstStyle>
+          <a:p>
+            <a:pPr lvl="0"/>
+            <a:r>
+              <a:rPr lang="en-US" sz="8000" dirty="0">
+                <a:solidFill>
+                  <a:schemeClr val="tx1"/>
+                </a:solidFill>
+                <a:effectLst/>
+              </a:rPr>
+              <a:t>“</a:t>
+            </a:r>
+          </a:p>
+        </p:txBody>
+      </p:sp>
+      <p:sp>
+        <p:nvSpPr>
+          <p:cNvPr id="13" name="TextBox 12"/>
+          <p:cNvSpPr txBox="1"/>
+          <p:nvPr/>
+        </p:nvSpPr>
+        <p:spPr>
+          <a:xfrm>
+            <a:off x="10504716" y="2928258"/>
+            <a:ext cx="609600" cy="584776"/>
+          </a:xfrm>
+          <a:prstGeom prst="rect">
+            <a:avLst/>
+          </a:prstGeom>
+        </p:spPr>
+        <p:txBody>
+          <a:bodyPr vert="horz" lIns="91440" tIns="45720" rIns="91440" bIns="45720" rtlCol="0" anchor="ctr">
+            <a:noAutofit/>
+          </a:bodyPr>
+          <a:lstStyle>
+            <a:lvl1pPr>
+              <a:spcBef>
+                <a:spcPct val="0"/>
+              </a:spcBef>
+              <a:buNone/>
+              <a:defRPr sz="3200" b="0" cap="all">
+                <a:ln w="3175" cmpd="sng">
+                  <a:noFill/>
+                </a:ln>
+                <a:effectLst>
+                  <a:glow rad="38100">
+                    <a:schemeClr val="bg1">
+                      <a:lumMod val="65000"/>
+                      <a:lumOff val="35000"/>
+                      <a:alpha val="40000"/>
+                    </a:schemeClr>
+                  </a:glow>
+                  <a:outerShdw blurRad="28575" dist="38100" dir="14040000" algn="tl" rotWithShape="0">
+                    <a:srgbClr val="000000">
+                      <a:alpha val="25000"/>
+                    </a:srgbClr>
+                  </a:outerShdw>
+                </a:effectLst>
+              </a:defRPr>
+            </a:lvl1pPr>
+            <a:lvl2pPr>
+              <a:defRPr>
+                <a:solidFill>
+                  <a:schemeClr val="tx2"/>
+                </a:solidFill>
+              </a:defRPr>
+            </a:lvl2pPr>
+            <a:lvl3pPr>
+              <a:defRPr>
+                <a:solidFill>
+                  <a:schemeClr val="tx2"/>
+                </a:solidFill>
+              </a:defRPr>
+            </a:lvl3pPr>
+            <a:lvl4pPr>
+              <a:defRPr>
+                <a:solidFill>
+                  <a:schemeClr val="tx2"/>
+                </a:solidFill>
+              </a:defRPr>
+            </a:lvl4pPr>
+            <a:lvl5pPr>
+              <a:defRPr>
+                <a:solidFill>
+                  <a:schemeClr val="tx2"/>
+                </a:solidFill>
+              </a:defRPr>
+            </a:lvl5pPr>
+            <a:lvl6pPr>
+              <a:defRPr>
+                <a:solidFill>
+                  <a:schemeClr val="tx2"/>
+                </a:solidFill>
+              </a:defRPr>
+            </a:lvl6pPr>
+            <a:lvl7pPr>
+              <a:defRPr>
+                <a:solidFill>
+                  <a:schemeClr val="tx2"/>
+                </a:solidFill>
+              </a:defRPr>
+            </a:lvl7pPr>
+            <a:lvl8pPr>
+              <a:defRPr>
+                <a:solidFill>
+                  <a:schemeClr val="tx2"/>
+                </a:solidFill>
+              </a:defRPr>
+            </a:lvl8pPr>
+            <a:lvl9pPr>
+              <a:defRPr>
+                <a:solidFill>
+                  <a:schemeClr val="tx2"/>
+                </a:solidFill>
+              </a:defRPr>
+            </a:lvl9pPr>
+          </a:lstStyle>
+          <a:p>
+            <a:pPr lvl="0" algn="r"/>
+            <a:r>
+              <a:rPr lang="en-US" sz="8000" dirty="0">
+                <a:solidFill>
+                  <a:schemeClr val="tx1"/>
+                </a:solidFill>
+                <a:effectLst/>
+              </a:rPr>
+              <a:t>”</a:t>
+            </a:r>
+          </a:p>
+        </p:txBody>
+      </p:sp>
+    </p:spTree>
+    <p:extLst>
+      <p:ext uri="{BB962C8B-B14F-4D97-AF65-F5344CB8AC3E}">
+        <p14:creationId xmlns:p14="http://schemas.microsoft.com/office/powerpoint/2010/main" val="2831962547"/>
+      </p:ext>
+    </p:extLst>
+  </p:cSld>
+  <p:clrMapOvr>
+    <a:masterClrMapping/>
+  </p:clrMapOvr>
+</p:sldLayout>
+</file>
+
+<file path=ppt/slideLayouts/slideLayout13.xml><?xml version="1.0" encoding="utf-8"?>
+<p:sldLayout xmlns:a="http://schemas.openxmlformats.org/drawingml/2006/main" xmlns:r="http://schemas.openxmlformats.org/officeDocument/2006/relationships" xmlns:p="http://schemas.openxmlformats.org/presentationml/2006/main" preserve="1">
+  <p:cSld name="名札">
+    <p:spTree>
+      <p:nvGrpSpPr>
+        <p:cNvPr id="1" name=""/>
+        <p:cNvGrpSpPr/>
+        <p:nvPr/>
+      </p:nvGrpSpPr>
+      <p:grpSpPr>
+        <a:xfrm>
+          <a:off x="0" y="0"/>
+          <a:ext cx="0" cy="0"/>
+          <a:chOff x="0" y="0"/>
+          <a:chExt cx="0" cy="0"/>
+        </a:xfrm>
+      </p:grpSpPr>
+      <p:sp>
+        <p:nvSpPr>
+          <p:cNvPr id="2" name="Title 1"/>
+          <p:cNvSpPr>
+            <a:spLocks noGrp="1"/>
+          </p:cNvSpPr>
+          <p:nvPr>
+            <p:ph type="title"/>
+          </p:nvPr>
+        </p:nvSpPr>
+        <p:spPr>
+          <a:xfrm>
+            <a:off x="913794" y="2126942"/>
+            <a:ext cx="10353763" cy="2511835"/>
+          </a:xfrm>
+        </p:spPr>
+        <p:txBody>
+          <a:bodyPr anchor="b"/>
+          <a:lstStyle>
+            <a:lvl1pPr>
+              <a:defRPr sz="3200"/>
+            </a:lvl1pPr>
+          </a:lstStyle>
+          <a:p>
+            <a:r>
+              <a:rPr lang="ja-JP" altLang="en-US" smtClean="0"/>
+              <a:t>マスター タイトルの書式設定</a:t>
+            </a:r>
+            <a:endParaRPr lang="en-US" dirty="0"/>
+          </a:p>
+        </p:txBody>
+      </p:sp>
+      <p:sp>
+        <p:nvSpPr>
+          <p:cNvPr id="4" name="Text Placeholder 3"/>
+          <p:cNvSpPr>
+            <a:spLocks noGrp="1"/>
+          </p:cNvSpPr>
+          <p:nvPr>
+            <p:ph type="body" sz="half" idx="2"/>
+          </p:nvPr>
+        </p:nvSpPr>
+        <p:spPr>
+          <a:xfrm>
+            <a:off x="913784" y="4650556"/>
+            <a:ext cx="10352199" cy="1140644"/>
+          </a:xfrm>
+        </p:spPr>
+        <p:txBody>
+          <a:bodyPr anchor="t"/>
+          <a:lstStyle>
+            <a:lvl1pPr marL="0" indent="0" algn="ctr">
+              <a:buNone/>
+              <a:defRPr sz="1600"/>
+            </a:lvl1pPr>
+            <a:lvl2pPr marL="457200" indent="0">
+              <a:buNone/>
+              <a:defRPr sz="1400"/>
+            </a:lvl2pPr>
+            <a:lvl3pPr marL="914400" indent="0">
+              <a:buNone/>
+              <a:defRPr sz="1200"/>
+            </a:lvl3pPr>
+            <a:lvl4pPr marL="1371600" indent="0">
+              <a:buNone/>
+              <a:defRPr sz="1000"/>
+            </a:lvl4pPr>
+            <a:lvl5pPr marL="1828800" indent="0">
+              <a:buNone/>
+              <a:defRPr sz="1000"/>
+            </a:lvl5pPr>
+            <a:lvl6pPr marL="2286000" indent="0">
+              <a:buNone/>
+              <a:defRPr sz="1000"/>
+            </a:lvl6pPr>
+            <a:lvl7pPr marL="2743200" indent="0">
+              <a:buNone/>
+              <a:defRPr sz="1000"/>
+            </a:lvl7pPr>
+            <a:lvl8pPr marL="3200400" indent="0">
+              <a:buNone/>
+              <a:defRPr sz="1000"/>
+            </a:lvl8pPr>
+            <a:lvl9pPr marL="3657600" indent="0">
+              <a:buNone/>
+              <a:defRPr sz="1000"/>
+            </a:lvl9pPr>
+          </a:lstStyle>
+          <a:p>
+            <a:pPr lvl="0"/>
+            <a:r>
+              <a:rPr lang="ja-JP" altLang="en-US" smtClean="0"/>
+              <a:t>マスター テキストの書式設定</a:t>
+            </a:r>
+          </a:p>
+        </p:txBody>
+      </p:sp>
+      <p:sp>
+        <p:nvSpPr>
+          <p:cNvPr id="5" name="Date Placeholder 4"/>
+          <p:cNvSpPr>
+            <a:spLocks noGrp="1"/>
+          </p:cNvSpPr>
+          <p:nvPr>
+            <p:ph type="dt" sz="half" idx="10"/>
+          </p:nvPr>
+        </p:nvSpPr>
+        <p:spPr/>
+        <p:txBody>
+          <a:bodyPr/>
+          <a:lstStyle/>
+          <a:p>
+            <a:fld id="{24FBA86E-0CF7-4B0C-9D39-30686EFB7BF4}" type="datetimeFigureOut">
+              <a:rPr kumimoji="1" lang="ja-JP" altLang="en-US" smtClean="0"/>
+              <a:t>2022/12/19</a:t>
+            </a:fld>
+            <a:endParaRPr kumimoji="1" lang="ja-JP" altLang="en-US"/>
+          </a:p>
+        </p:txBody>
+      </p:sp>
+      <p:sp>
+        <p:nvSpPr>
+          <p:cNvPr id="6" name="Footer Placeholder 5"/>
+          <p:cNvSpPr>
+            <a:spLocks noGrp="1"/>
+          </p:cNvSpPr>
+          <p:nvPr>
+            <p:ph type="ftr" sz="quarter" idx="11"/>
+          </p:nvPr>
+        </p:nvSpPr>
+        <p:spPr/>
+        <p:txBody>
+          <a:bodyPr/>
+          <a:lstStyle/>
+          <a:p>
+            <a:endParaRPr kumimoji="1" lang="ja-JP" altLang="en-US"/>
+          </a:p>
+        </p:txBody>
+      </p:sp>
+      <p:sp>
+        <p:nvSpPr>
+          <p:cNvPr id="7" name="Slide Number Placeholder 6"/>
+          <p:cNvSpPr>
+            <a:spLocks noGrp="1"/>
+          </p:cNvSpPr>
+          <p:nvPr>
+            <p:ph type="sldNum" sz="quarter" idx="12"/>
+          </p:nvPr>
+        </p:nvSpPr>
+        <p:spPr/>
+        <p:txBody>
+          <a:bodyPr/>
+          <a:lstStyle/>
+          <a:p>
+            <a:fld id="{0C8540DA-0598-4DA5-BEBC-9BFE12E8BF42}" type="slidenum">
+              <a:rPr kumimoji="1" lang="ja-JP" altLang="en-US" smtClean="0"/>
+              <a:t>‹#›</a:t>
+            </a:fld>
+            <a:endParaRPr kumimoji="1" lang="ja-JP" altLang="en-US"/>
+          </a:p>
+        </p:txBody>
+      </p:sp>
+    </p:spTree>
+    <p:extLst>
+      <p:ext uri="{BB962C8B-B14F-4D97-AF65-F5344CB8AC3E}">
+        <p14:creationId xmlns:p14="http://schemas.microsoft.com/office/powerpoint/2010/main" val="3139771979"/>
+      </p:ext>
+    </p:extLst>
+  </p:cSld>
+  <p:clrMapOvr>
+    <a:masterClrMapping/>
+  </p:clrMapOvr>
+</p:sldLayout>
+</file>
+
+<file path=ppt/slideLayouts/slideLayout14.xml><?xml version="1.0" encoding="utf-8"?>
+<p:sldLayout xmlns:a="http://schemas.openxmlformats.org/drawingml/2006/main" xmlns:r="http://schemas.openxmlformats.org/officeDocument/2006/relationships" xmlns:p="http://schemas.openxmlformats.org/presentationml/2006/main" preserve="1">
+  <p:cSld name="3 段">
+    <p:spTree>
+      <p:nvGrpSpPr>
+        <p:cNvPr id="1" name=""/>
+        <p:cNvGrpSpPr/>
+        <p:nvPr/>
+      </p:nvGrpSpPr>
+      <p:grpSpPr>
+        <a:xfrm>
+          <a:off x="0" y="0"/>
+          <a:ext cx="0" cy="0"/>
+          <a:chOff x="0" y="0"/>
+          <a:chExt cx="0" cy="0"/>
+        </a:xfrm>
+      </p:grpSpPr>
+      <p:sp>
+        <p:nvSpPr>
+          <p:cNvPr id="15" name="Title 1"/>
+          <p:cNvSpPr>
+            <a:spLocks noGrp="1"/>
+          </p:cNvSpPr>
+          <p:nvPr>
+            <p:ph type="title"/>
+          </p:nvPr>
+        </p:nvSpPr>
+        <p:spPr>
+          <a:xfrm>
+            <a:off x="913795" y="609600"/>
+            <a:ext cx="10353762" cy="970450"/>
+          </a:xfrm>
+        </p:spPr>
+        <p:txBody>
+          <a:bodyPr/>
+          <a:lstStyle/>
+          <a:p>
+            <a:r>
+              <a:rPr lang="ja-JP" altLang="en-US" smtClean="0"/>
+              <a:t>マスター タイトルの書式設定</a:t>
+            </a:r>
+            <a:endParaRPr lang="en-US" dirty="0"/>
+          </a:p>
+        </p:txBody>
+      </p:sp>
+      <p:sp>
+        <p:nvSpPr>
+          <p:cNvPr id="7" name="Text Placeholder 2"/>
+          <p:cNvSpPr>
+            <a:spLocks noGrp="1"/>
+          </p:cNvSpPr>
+          <p:nvPr>
+            <p:ph type="body" idx="1"/>
+          </p:nvPr>
+        </p:nvSpPr>
+        <p:spPr>
+          <a:xfrm>
+            <a:off x="913795" y="1885950"/>
+            <a:ext cx="3300984" cy="576262"/>
+          </a:xfrm>
+        </p:spPr>
+        <p:txBody>
+          <a:bodyPr anchor="b">
+            <a:noAutofit/>
+          </a:bodyPr>
+          <a:lstStyle>
+            <a:lvl1pPr marL="0" indent="0" algn="ctr">
+              <a:buNone/>
+              <a:defRPr sz="2400" b="0">
+                <a:solidFill>
+                  <a:schemeClr val="tx1"/>
+                </a:solidFill>
+              </a:defRPr>
+            </a:lvl1pPr>
+            <a:lvl2pPr marL="457200" indent="0">
+              <a:buNone/>
+              <a:defRPr sz="2000" b="1"/>
+            </a:lvl2pPr>
+            <a:lvl3pPr marL="914400" indent="0">
+              <a:buNone/>
+              <a:defRPr sz="1800" b="1"/>
+            </a:lvl3pPr>
+            <a:lvl4pPr marL="1371600" indent="0">
+              <a:buNone/>
+              <a:defRPr sz="1600" b="1"/>
+            </a:lvl4pPr>
+            <a:lvl5pPr marL="1828800" indent="0">
+              <a:buNone/>
+              <a:defRPr sz="1600" b="1"/>
+            </a:lvl5pPr>
+            <a:lvl6pPr marL="2286000" indent="0">
+              <a:buNone/>
+              <a:defRPr sz="1600" b="1"/>
+            </a:lvl6pPr>
+            <a:lvl7pPr marL="2743200" indent="0">
+              <a:buNone/>
+              <a:defRPr sz="1600" b="1"/>
+            </a:lvl7pPr>
+            <a:lvl8pPr marL="3200400" indent="0">
+              <a:buNone/>
+              <a:defRPr sz="1600" b="1"/>
+            </a:lvl8pPr>
+            <a:lvl9pPr marL="3657600" indent="0">
+              <a:buNone/>
+              <a:defRPr sz="1600" b="1"/>
+            </a:lvl9pPr>
+          </a:lstStyle>
+          <a:p>
+            <a:pPr lvl="0"/>
+            <a:r>
+              <a:rPr lang="ja-JP" altLang="en-US" smtClean="0"/>
+              <a:t>マスター テキストの書式設定</a:t>
+            </a:r>
+          </a:p>
+        </p:txBody>
+      </p:sp>
+      <p:sp>
+        <p:nvSpPr>
+          <p:cNvPr id="8" name="Text Placeholder 3"/>
+          <p:cNvSpPr>
+            <a:spLocks noGrp="1"/>
+          </p:cNvSpPr>
+          <p:nvPr>
+            <p:ph type="body" sz="half" idx="15"/>
+          </p:nvPr>
+        </p:nvSpPr>
+        <p:spPr>
+          <a:xfrm>
+            <a:off x="913795" y="2571750"/>
+            <a:ext cx="3300984" cy="3219450"/>
+          </a:xfrm>
+        </p:spPr>
+        <p:txBody>
+          <a:bodyPr anchor="t">
+            <a:normAutofit/>
+          </a:bodyPr>
+          <a:lstStyle>
+            <a:lvl1pPr marL="0" indent="0" algn="ctr">
+              <a:buNone/>
+              <a:defRPr sz="1400"/>
+            </a:lvl1pPr>
+            <a:lvl2pPr marL="457200" indent="0">
+              <a:buNone/>
+              <a:defRPr sz="1200"/>
+            </a:lvl2pPr>
+            <a:lvl3pPr marL="914400" indent="0">
+              <a:buNone/>
+              <a:defRPr sz="1000"/>
+            </a:lvl3pPr>
+            <a:lvl4pPr marL="1371600" indent="0">
+              <a:buNone/>
+              <a:defRPr sz="900"/>
+            </a:lvl4pPr>
+            <a:lvl5pPr marL="1828800" indent="0">
+              <a:buNone/>
+              <a:defRPr sz="900"/>
+            </a:lvl5pPr>
+            <a:lvl6pPr marL="2286000" indent="0">
+              <a:buNone/>
+              <a:defRPr sz="900"/>
+            </a:lvl6pPr>
+            <a:lvl7pPr marL="2743200" indent="0">
+              <a:buNone/>
+              <a:defRPr sz="900"/>
+            </a:lvl7pPr>
+            <a:lvl8pPr marL="3200400" indent="0">
+              <a:buNone/>
+              <a:defRPr sz="900"/>
+            </a:lvl8pPr>
+            <a:lvl9pPr marL="3657600" indent="0">
+              <a:buNone/>
+              <a:defRPr sz="900"/>
+            </a:lvl9pPr>
+          </a:lstStyle>
+          <a:p>
+            <a:pPr lvl="0"/>
+            <a:r>
+              <a:rPr lang="ja-JP" altLang="en-US" smtClean="0"/>
+              <a:t>マスター テキストの書式設定</a:t>
+            </a:r>
+          </a:p>
+        </p:txBody>
+      </p:sp>
+      <p:sp>
+        <p:nvSpPr>
+          <p:cNvPr id="9" name="Text Placeholder 4"/>
+          <p:cNvSpPr>
+            <a:spLocks noGrp="1"/>
+          </p:cNvSpPr>
+          <p:nvPr>
+            <p:ph type="body" sz="quarter" idx="3"/>
+          </p:nvPr>
+        </p:nvSpPr>
+        <p:spPr>
+          <a:xfrm>
+            <a:off x="4446711" y="1885950"/>
+            <a:ext cx="3300984" cy="576262"/>
+          </a:xfrm>
+        </p:spPr>
+        <p:txBody>
+          <a:bodyPr anchor="b">
+            <a:noAutofit/>
+          </a:bodyPr>
+          <a:lstStyle>
+            <a:lvl1pPr marL="0" indent="0" algn="ctr">
+              <a:buNone/>
+              <a:defRPr sz="2400" b="0">
+                <a:solidFill>
+                  <a:schemeClr val="tx1"/>
+                </a:solidFill>
+              </a:defRPr>
+            </a:lvl1pPr>
+            <a:lvl2pPr marL="457200" indent="0">
+              <a:buNone/>
+              <a:defRPr sz="2000" b="1"/>
+            </a:lvl2pPr>
+            <a:lvl3pPr marL="914400" indent="0">
+              <a:buNone/>
+              <a:defRPr sz="1800" b="1"/>
+            </a:lvl3pPr>
+            <a:lvl4pPr marL="1371600" indent="0">
+              <a:buNone/>
+              <a:defRPr sz="1600" b="1"/>
+            </a:lvl4pPr>
+            <a:lvl5pPr marL="1828800" indent="0">
+              <a:buNone/>
+              <a:defRPr sz="1600" b="1"/>
+            </a:lvl5pPr>
+            <a:lvl6pPr marL="2286000" indent="0">
+              <a:buNone/>
+              <a:defRPr sz="1600" b="1"/>
+            </a:lvl6pPr>
+            <a:lvl7pPr marL="2743200" indent="0">
+              <a:buNone/>
+              <a:defRPr sz="1600" b="1"/>
+            </a:lvl7pPr>
+            <a:lvl8pPr marL="3200400" indent="0">
+              <a:buNone/>
+              <a:defRPr sz="1600" b="1"/>
+            </a:lvl8pPr>
+            <a:lvl9pPr marL="3657600" indent="0">
+              <a:buNone/>
+              <a:defRPr sz="1600" b="1"/>
+            </a:lvl9pPr>
+          </a:lstStyle>
+          <a:p>
+            <a:pPr lvl="0"/>
+            <a:r>
+              <a:rPr lang="ja-JP" altLang="en-US" smtClean="0"/>
+              <a:t>マスター テキストの書式設定</a:t>
+            </a:r>
+          </a:p>
+        </p:txBody>
+      </p:sp>
+      <p:sp>
+        <p:nvSpPr>
+          <p:cNvPr id="10" name="Text Placeholder 3"/>
+          <p:cNvSpPr>
+            <a:spLocks noGrp="1"/>
+          </p:cNvSpPr>
+          <p:nvPr>
+            <p:ph type="body" sz="half" idx="16"/>
+          </p:nvPr>
+        </p:nvSpPr>
+        <p:spPr>
+          <a:xfrm>
+            <a:off x="4441435" y="2571750"/>
+            <a:ext cx="3300984" cy="3219450"/>
+          </a:xfrm>
+        </p:spPr>
+        <p:txBody>
+          <a:bodyPr anchor="t">
+            <a:normAutofit/>
+          </a:bodyPr>
+          <a:lstStyle>
+            <a:lvl1pPr marL="0" indent="0" algn="ctr">
+              <a:buNone/>
+              <a:defRPr sz="1400"/>
+            </a:lvl1pPr>
+            <a:lvl2pPr marL="457200" indent="0">
+              <a:buNone/>
+              <a:defRPr sz="1200"/>
+            </a:lvl2pPr>
+            <a:lvl3pPr marL="914400" indent="0">
+              <a:buNone/>
+              <a:defRPr sz="1000"/>
+            </a:lvl3pPr>
+            <a:lvl4pPr marL="1371600" indent="0">
+              <a:buNone/>
+              <a:defRPr sz="900"/>
+            </a:lvl4pPr>
+            <a:lvl5pPr marL="1828800" indent="0">
+              <a:buNone/>
+              <a:defRPr sz="900"/>
+            </a:lvl5pPr>
+            <a:lvl6pPr marL="2286000" indent="0">
+              <a:buNone/>
+              <a:defRPr sz="900"/>
+            </a:lvl6pPr>
+            <a:lvl7pPr marL="2743200" indent="0">
+              <a:buNone/>
+              <a:defRPr sz="900"/>
+            </a:lvl7pPr>
+            <a:lvl8pPr marL="3200400" indent="0">
+              <a:buNone/>
+              <a:defRPr sz="900"/>
+            </a:lvl8pPr>
+            <a:lvl9pPr marL="3657600" indent="0">
+              <a:buNone/>
+              <a:defRPr sz="900"/>
+            </a:lvl9pPr>
+          </a:lstStyle>
+          <a:p>
+            <a:pPr lvl="0"/>
+            <a:r>
+              <a:rPr lang="ja-JP" altLang="en-US" smtClean="0"/>
+              <a:t>マスター テキストの書式設定</a:t>
+            </a:r>
+          </a:p>
+        </p:txBody>
+      </p:sp>
+      <p:sp>
+        <p:nvSpPr>
+          <p:cNvPr id="11" name="Text Placeholder 4"/>
+          <p:cNvSpPr>
+            <a:spLocks noGrp="1"/>
+          </p:cNvSpPr>
+          <p:nvPr>
+            <p:ph type="body" sz="quarter" idx="13"/>
+          </p:nvPr>
+        </p:nvSpPr>
+        <p:spPr>
+          <a:xfrm>
+            <a:off x="7966572" y="1885950"/>
+            <a:ext cx="3300984" cy="576262"/>
+          </a:xfrm>
+        </p:spPr>
+        <p:txBody>
+          <a:bodyPr anchor="b">
+            <a:noAutofit/>
+          </a:bodyPr>
+          <a:lstStyle>
+            <a:lvl1pPr marL="0" indent="0" algn="ctr">
+              <a:buNone/>
+              <a:defRPr sz="2400" b="0">
+                <a:solidFill>
+                  <a:schemeClr val="tx1"/>
+                </a:solidFill>
+              </a:defRPr>
+            </a:lvl1pPr>
+            <a:lvl2pPr marL="457200" indent="0">
+              <a:buNone/>
+              <a:defRPr sz="2000" b="1"/>
+            </a:lvl2pPr>
+            <a:lvl3pPr marL="914400" indent="0">
+              <a:buNone/>
+              <a:defRPr sz="1800" b="1"/>
+            </a:lvl3pPr>
+            <a:lvl4pPr marL="1371600" indent="0">
+              <a:buNone/>
+              <a:defRPr sz="1600" b="1"/>
+            </a:lvl4pPr>
+            <a:lvl5pPr marL="1828800" indent="0">
+              <a:buNone/>
+              <a:defRPr sz="1600" b="1"/>
+            </a:lvl5pPr>
+            <a:lvl6pPr marL="2286000" indent="0">
+              <a:buNone/>
+              <a:defRPr sz="1600" b="1"/>
+            </a:lvl6pPr>
+            <a:lvl7pPr marL="2743200" indent="0">
+              <a:buNone/>
+              <a:defRPr sz="1600" b="1"/>
+            </a:lvl7pPr>
+            <a:lvl8pPr marL="3200400" indent="0">
+              <a:buNone/>
+              <a:defRPr sz="1600" b="1"/>
+            </a:lvl8pPr>
+            <a:lvl9pPr marL="3657600" indent="0">
+              <a:buNone/>
+              <a:defRPr sz="1600" b="1"/>
+            </a:lvl9pPr>
+          </a:lstStyle>
+          <a:p>
+            <a:pPr lvl="0"/>
+            <a:r>
+              <a:rPr lang="ja-JP" altLang="en-US" smtClean="0"/>
+              <a:t>マスター テキストの書式設定</a:t>
+            </a:r>
+          </a:p>
+        </p:txBody>
+      </p:sp>
+      <p:sp>
+        <p:nvSpPr>
+          <p:cNvPr id="12" name="Text Placeholder 3"/>
+          <p:cNvSpPr>
+            <a:spLocks noGrp="1"/>
+          </p:cNvSpPr>
+          <p:nvPr>
+            <p:ph type="body" sz="half" idx="17"/>
+          </p:nvPr>
+        </p:nvSpPr>
+        <p:spPr>
+          <a:xfrm>
+            <a:off x="7966572" y="2571750"/>
+            <a:ext cx="3300984" cy="3219450"/>
+          </a:xfrm>
+        </p:spPr>
+        <p:txBody>
+          <a:bodyPr anchor="t">
+            <a:normAutofit/>
+          </a:bodyPr>
+          <a:lstStyle>
+            <a:lvl1pPr marL="0" indent="0" algn="ctr">
+              <a:buNone/>
+              <a:defRPr sz="1400"/>
+            </a:lvl1pPr>
+            <a:lvl2pPr marL="457200" indent="0">
+              <a:buNone/>
+              <a:defRPr sz="1200"/>
+            </a:lvl2pPr>
+            <a:lvl3pPr marL="914400" indent="0">
+              <a:buNone/>
+              <a:defRPr sz="1000"/>
+            </a:lvl3pPr>
+            <a:lvl4pPr marL="1371600" indent="0">
+              <a:buNone/>
+              <a:defRPr sz="900"/>
+            </a:lvl4pPr>
+            <a:lvl5pPr marL="1828800" indent="0">
+              <a:buNone/>
+              <a:defRPr sz="900"/>
+            </a:lvl5pPr>
+            <a:lvl6pPr marL="2286000" indent="0">
+              <a:buNone/>
+              <a:defRPr sz="900"/>
+            </a:lvl6pPr>
+            <a:lvl7pPr marL="2743200" indent="0">
+              <a:buNone/>
+              <a:defRPr sz="900"/>
+            </a:lvl7pPr>
+            <a:lvl8pPr marL="3200400" indent="0">
+              <a:buNone/>
+              <a:defRPr sz="900"/>
+            </a:lvl8pPr>
+            <a:lvl9pPr marL="3657600" indent="0">
+              <a:buNone/>
+              <a:defRPr sz="900"/>
+            </a:lvl9pPr>
+          </a:lstStyle>
+          <a:p>
+            <a:pPr lvl="0"/>
+            <a:r>
+              <a:rPr lang="ja-JP" altLang="en-US" smtClean="0"/>
+              <a:t>マスター テキストの書式設定</a:t>
+            </a:r>
+          </a:p>
+        </p:txBody>
+      </p:sp>
+      <p:sp>
+        <p:nvSpPr>
+          <p:cNvPr id="3" name="Date Placeholder 2"/>
+          <p:cNvSpPr>
+            <a:spLocks noGrp="1"/>
+          </p:cNvSpPr>
+          <p:nvPr>
+            <p:ph type="dt" sz="half" idx="10"/>
+          </p:nvPr>
+        </p:nvSpPr>
+        <p:spPr/>
+        <p:txBody>
+          <a:bodyPr/>
+          <a:lstStyle/>
+          <a:p>
+            <a:fld id="{24FBA86E-0CF7-4B0C-9D39-30686EFB7BF4}" type="datetimeFigureOut">
+              <a:rPr kumimoji="1" lang="ja-JP" altLang="en-US" smtClean="0"/>
+              <a:t>2022/12/19</a:t>
+            </a:fld>
+            <a:endParaRPr kumimoji="1" lang="ja-JP" altLang="en-US"/>
+          </a:p>
+        </p:txBody>
+      </p:sp>
+      <p:sp>
+        <p:nvSpPr>
+          <p:cNvPr id="4" name="Footer Placeholder 3"/>
+          <p:cNvSpPr>
+            <a:spLocks noGrp="1"/>
+          </p:cNvSpPr>
+          <p:nvPr>
+            <p:ph type="ftr" sz="quarter" idx="11"/>
+          </p:nvPr>
+        </p:nvSpPr>
+        <p:spPr/>
+        <p:txBody>
+          <a:bodyPr/>
+          <a:lstStyle/>
+          <a:p>
+            <a:endParaRPr kumimoji="1" lang="ja-JP" altLang="en-US"/>
+          </a:p>
+        </p:txBody>
+      </p:sp>
+      <p:sp>
+        <p:nvSpPr>
+          <p:cNvPr id="5" name="Slide Number Placeholder 4"/>
+          <p:cNvSpPr>
+            <a:spLocks noGrp="1"/>
+          </p:cNvSpPr>
+          <p:nvPr>
+            <p:ph type="sldNum" sz="quarter" idx="12"/>
+          </p:nvPr>
+        </p:nvSpPr>
+        <p:spPr/>
+        <p:txBody>
+          <a:bodyPr/>
+          <a:lstStyle/>
+          <a:p>
+            <a:fld id="{0C8540DA-0598-4DA5-BEBC-9BFE12E8BF42}" type="slidenum">
+              <a:rPr kumimoji="1" lang="ja-JP" altLang="en-US" smtClean="0"/>
+              <a:t>‹#›</a:t>
+            </a:fld>
+            <a:endParaRPr kumimoji="1" lang="ja-JP" altLang="en-US"/>
+          </a:p>
+        </p:txBody>
+      </p:sp>
+    </p:spTree>
+    <p:extLst>
+      <p:ext uri="{BB962C8B-B14F-4D97-AF65-F5344CB8AC3E}">
+        <p14:creationId xmlns:p14="http://schemas.microsoft.com/office/powerpoint/2010/main" val="2251725009"/>
+      </p:ext>
+    </p:extLst>
+  </p:cSld>
+  <p:clrMapOvr>
+    <a:masterClrMapping/>
+  </p:clrMapOvr>
+</p:sldLayout>
+</file>
+
+<file path=ppt/slideLayouts/slideLayout15.xml><?xml version="1.0" encoding="utf-8"?>
+<p:sldLayout xmlns:a="http://schemas.openxmlformats.org/drawingml/2006/main" xmlns:r="http://schemas.openxmlformats.org/officeDocument/2006/relationships" xmlns:p="http://schemas.openxmlformats.org/presentationml/2006/main" preserve="1">
+  <p:cSld name="3 つの画像列">
+    <p:spTree>
+      <p:nvGrpSpPr>
+        <p:cNvPr id="1" name=""/>
+        <p:cNvGrpSpPr/>
+        <p:nvPr/>
+      </p:nvGrpSpPr>
+      <p:grpSpPr>
+        <a:xfrm>
+          <a:off x="0" y="0"/>
+          <a:ext cx="0" cy="0"/>
+          <a:chOff x="0" y="0"/>
+          <a:chExt cx="0" cy="0"/>
+        </a:xfrm>
+      </p:grpSpPr>
+      <p:pic>
+        <p:nvPicPr>
+          <p:cNvPr id="2" name="Picture 1" descr="Slate-V2-HD-3colPhotoInset.png"/>
+          <p:cNvPicPr>
+            <a:picLocks noChangeAspect="1"/>
+          </p:cNvPicPr>
+          <p:nvPr/>
+        </p:nvPicPr>
+        <p:blipFill>
+          <a:blip r:embed="rId2">
+            <a:extLst>
+              <a:ext uri="{28A0092B-C50C-407E-A947-70E740481C1C}">
+                <a14:useLocalDpi xmlns:a14="http://schemas.microsoft.com/office/drawing/2010/main" val="0"/>
+              </a:ext>
+            </a:extLst>
+          </a:blip>
+          <a:stretch>
+            <a:fillRect/>
+          </a:stretch>
+        </p:blipFill>
+        <p:spPr>
+          <a:xfrm>
+            <a:off x="897962" y="1818214"/>
+            <a:ext cx="3339972" cy="1847851"/>
+          </a:xfrm>
+          <a:prstGeom prst="rect">
+            <a:avLst/>
+          </a:prstGeom>
+        </p:spPr>
+      </p:pic>
+      <p:pic>
+        <p:nvPicPr>
+          <p:cNvPr id="36" name="Picture 35" descr="Slate-V2-HD-3colPhotoInset.png"/>
+          <p:cNvPicPr>
+            <a:picLocks noChangeAspect="1"/>
+          </p:cNvPicPr>
+          <p:nvPr/>
+        </p:nvPicPr>
+        <p:blipFill>
+          <a:blip r:embed="rId2">
+            <a:extLst>
+              <a:ext uri="{28A0092B-C50C-407E-A947-70E740481C1C}">
+                <a14:useLocalDpi xmlns:a14="http://schemas.microsoft.com/office/drawing/2010/main" val="0"/>
+              </a:ext>
+            </a:extLst>
+          </a:blip>
+          <a:stretch>
+            <a:fillRect/>
+          </a:stretch>
+        </p:blipFill>
+        <p:spPr>
+          <a:xfrm>
+            <a:off x="4403800" y="1818214"/>
+            <a:ext cx="3339972" cy="1847851"/>
+          </a:xfrm>
+          <a:prstGeom prst="rect">
+            <a:avLst/>
+          </a:prstGeom>
+        </p:spPr>
+      </p:pic>
+      <p:pic>
+        <p:nvPicPr>
+          <p:cNvPr id="37" name="Picture 36" descr="Slate-V2-HD-3colPhotoInset.png"/>
+          <p:cNvPicPr>
+            <a:picLocks noChangeAspect="1"/>
+          </p:cNvPicPr>
+          <p:nvPr/>
+        </p:nvPicPr>
+        <p:blipFill>
+          <a:blip r:embed="rId2">
+            <a:extLst>
+              <a:ext uri="{28A0092B-C50C-407E-A947-70E740481C1C}">
+                <a14:useLocalDpi xmlns:a14="http://schemas.microsoft.com/office/drawing/2010/main" val="0"/>
+              </a:ext>
+            </a:extLst>
+          </a:blip>
+          <a:stretch>
+            <a:fillRect/>
+          </a:stretch>
+        </p:blipFill>
+        <p:spPr>
+          <a:xfrm>
+            <a:off x="7936051" y="1818214"/>
+            <a:ext cx="3339972" cy="1847851"/>
+          </a:xfrm>
+          <a:prstGeom prst="rect">
+            <a:avLst/>
+          </a:prstGeom>
+        </p:spPr>
+      </p:pic>
+      <p:sp>
+        <p:nvSpPr>
+          <p:cNvPr id="30" name="Title 1"/>
+          <p:cNvSpPr>
+            <a:spLocks noGrp="1"/>
+          </p:cNvSpPr>
+          <p:nvPr>
+            <p:ph type="title"/>
+          </p:nvPr>
+        </p:nvSpPr>
+        <p:spPr>
+          <a:xfrm>
+            <a:off x="913794" y="609600"/>
+            <a:ext cx="10353763" cy="970450"/>
+          </a:xfrm>
+        </p:spPr>
+        <p:txBody>
+          <a:bodyPr/>
+          <a:lstStyle/>
+          <a:p>
+            <a:r>
+              <a:rPr lang="ja-JP" altLang="en-US" smtClean="0"/>
+              <a:t>マスター タイトルの書式設定</a:t>
+            </a:r>
+            <a:endParaRPr lang="en-US" dirty="0"/>
+          </a:p>
+        </p:txBody>
+      </p:sp>
+      <p:sp>
+        <p:nvSpPr>
+          <p:cNvPr id="19" name="Text Placeholder 2"/>
+          <p:cNvSpPr>
+            <a:spLocks noGrp="1"/>
+          </p:cNvSpPr>
+          <p:nvPr>
+            <p:ph type="body" idx="1"/>
+          </p:nvPr>
+        </p:nvSpPr>
+        <p:spPr>
+          <a:xfrm>
+            <a:off x="913795" y="3904106"/>
+            <a:ext cx="3300984" cy="576262"/>
+          </a:xfrm>
+        </p:spPr>
+        <p:txBody>
+          <a:bodyPr anchor="b">
+            <a:noAutofit/>
+          </a:bodyPr>
+          <a:lstStyle>
+            <a:lvl1pPr marL="0" indent="0" algn="ctr">
+              <a:buNone/>
+              <a:defRPr sz="2000" b="0">
+                <a:solidFill>
+                  <a:schemeClr val="tx1"/>
+                </a:solidFill>
+              </a:defRPr>
+            </a:lvl1pPr>
+            <a:lvl2pPr marL="457200" indent="0">
+              <a:buNone/>
+              <a:defRPr sz="2000" b="1"/>
+            </a:lvl2pPr>
+            <a:lvl3pPr marL="914400" indent="0">
+              <a:buNone/>
+              <a:defRPr sz="1800" b="1"/>
+            </a:lvl3pPr>
+            <a:lvl4pPr marL="1371600" indent="0">
+              <a:buNone/>
+              <a:defRPr sz="1600" b="1"/>
+            </a:lvl4pPr>
+            <a:lvl5pPr marL="1828800" indent="0">
+              <a:buNone/>
+              <a:defRPr sz="1600" b="1"/>
+            </a:lvl5pPr>
+            <a:lvl6pPr marL="2286000" indent="0">
+              <a:buNone/>
+              <a:defRPr sz="1600" b="1"/>
+            </a:lvl6pPr>
+            <a:lvl7pPr marL="2743200" indent="0">
+              <a:buNone/>
+              <a:defRPr sz="1600" b="1"/>
+            </a:lvl7pPr>
+            <a:lvl8pPr marL="3200400" indent="0">
+              <a:buNone/>
+              <a:defRPr sz="1600" b="1"/>
+            </a:lvl8pPr>
+            <a:lvl9pPr marL="3657600" indent="0">
+              <a:buNone/>
+              <a:defRPr sz="1600" b="1"/>
+            </a:lvl9pPr>
+          </a:lstStyle>
+          <a:p>
+            <a:pPr lvl="0"/>
+            <a:r>
+              <a:rPr lang="ja-JP" altLang="en-US" smtClean="0"/>
+              <a:t>マスター テキストの書式設定</a:t>
+            </a:r>
+          </a:p>
+        </p:txBody>
+      </p:sp>
+      <p:sp>
+        <p:nvSpPr>
+          <p:cNvPr id="20" name="Picture Placeholder 2"/>
+          <p:cNvSpPr>
+            <a:spLocks noGrp="1" noChangeAspect="1"/>
+          </p:cNvSpPr>
+          <p:nvPr>
+            <p:ph type="pic" idx="15"/>
+          </p:nvPr>
+        </p:nvSpPr>
+        <p:spPr>
+          <a:xfrm>
+            <a:off x="1018102" y="1938918"/>
+            <a:ext cx="3092368" cy="1602954"/>
+          </a:xfrm>
+          <a:prstGeom prst="roundRect">
+            <a:avLst>
+              <a:gd name="adj" fmla="val 1858"/>
+            </a:avLst>
+          </a:prstGeom>
+          <a:effectLst>
+            <a:outerShdw blurRad="38100" dist="25400" dir="4440000">
+              <a:srgbClr val="000000">
+                <a:alpha val="36000"/>
+              </a:srgbClr>
+            </a:outerShdw>
+          </a:effectLst>
+        </p:spPr>
+        <p:txBody>
+          <a:bodyPr anchor="t">
+            <a:normAutofit/>
+          </a:bodyPr>
+          <a:lstStyle>
+            <a:lvl1pPr marL="0" indent="0" algn="ctr">
+              <a:buNone/>
+              <a:defRPr sz="1600"/>
+            </a:lvl1pPr>
+            <a:lvl2pPr marL="457200" indent="0">
+              <a:buNone/>
+              <a:defRPr sz="1600"/>
+            </a:lvl2pPr>
+            <a:lvl3pPr marL="914400" indent="0">
+              <a:buNone/>
+              <a:defRPr sz="1600"/>
+            </a:lvl3pPr>
+            <a:lvl4pPr marL="1371600" indent="0">
+              <a:buNone/>
+              <a:defRPr sz="1600"/>
+            </a:lvl4pPr>
+            <a:lvl5pPr marL="1828800" indent="0">
+              <a:buNone/>
+              <a:defRPr sz="1600"/>
+            </a:lvl5pPr>
+            <a:lvl6pPr marL="2286000" indent="0">
+              <a:buNone/>
+              <a:defRPr sz="1600"/>
+            </a:lvl6pPr>
+            <a:lvl7pPr marL="2743200" indent="0">
+              <a:buNone/>
+              <a:defRPr sz="1600"/>
+            </a:lvl7pPr>
+            <a:lvl8pPr marL="3200400" indent="0">
+              <a:buNone/>
+              <a:defRPr sz="1600"/>
+            </a:lvl8pPr>
+            <a:lvl9pPr marL="3657600" indent="0">
+              <a:buNone/>
+              <a:defRPr sz="1600"/>
+            </a:lvl9pPr>
+          </a:lstStyle>
+          <a:p>
+            <a:r>
+              <a:rPr lang="ja-JP" altLang="en-US" smtClean="0"/>
+              <a:t>図を追加</a:t>
+            </a:r>
+            <a:endParaRPr lang="en-US" dirty="0"/>
+          </a:p>
+        </p:txBody>
+      </p:sp>
+      <p:sp>
+        <p:nvSpPr>
+          <p:cNvPr id="21" name="Text Placeholder 3"/>
+          <p:cNvSpPr>
+            <a:spLocks noGrp="1"/>
+          </p:cNvSpPr>
+          <p:nvPr>
+            <p:ph type="body" sz="half" idx="18"/>
+          </p:nvPr>
+        </p:nvSpPr>
+        <p:spPr>
+          <a:xfrm>
+            <a:off x="913795" y="4480368"/>
+            <a:ext cx="3300984" cy="1310833"/>
+          </a:xfrm>
+        </p:spPr>
+        <p:txBody>
+          <a:bodyPr anchor="t">
+            <a:normAutofit/>
+          </a:bodyPr>
+          <a:lstStyle>
+            <a:lvl1pPr marL="0" indent="0" algn="ctr">
+              <a:buNone/>
+              <a:defRPr sz="1400"/>
+            </a:lvl1pPr>
+            <a:lvl2pPr marL="457200" indent="0">
+              <a:buNone/>
+              <a:defRPr sz="1200"/>
+            </a:lvl2pPr>
+            <a:lvl3pPr marL="914400" indent="0">
+              <a:buNone/>
+              <a:defRPr sz="1000"/>
+            </a:lvl3pPr>
+            <a:lvl4pPr marL="1371600" indent="0">
+              <a:buNone/>
+              <a:defRPr sz="900"/>
+            </a:lvl4pPr>
+            <a:lvl5pPr marL="1828800" indent="0">
+              <a:buNone/>
+              <a:defRPr sz="900"/>
+            </a:lvl5pPr>
+            <a:lvl6pPr marL="2286000" indent="0">
+              <a:buNone/>
+              <a:defRPr sz="900"/>
+            </a:lvl6pPr>
+            <a:lvl7pPr marL="2743200" indent="0">
+              <a:buNone/>
+              <a:defRPr sz="900"/>
+            </a:lvl7pPr>
+            <a:lvl8pPr marL="3200400" indent="0">
+              <a:buNone/>
+              <a:defRPr sz="900"/>
+            </a:lvl8pPr>
+            <a:lvl9pPr marL="3657600" indent="0">
+              <a:buNone/>
+              <a:defRPr sz="900"/>
+            </a:lvl9pPr>
+          </a:lstStyle>
+          <a:p>
+            <a:pPr lvl="0"/>
+            <a:r>
+              <a:rPr lang="ja-JP" altLang="en-US" smtClean="0"/>
+              <a:t>マスター テキストの書式設定</a:t>
+            </a:r>
+          </a:p>
+        </p:txBody>
+      </p:sp>
+      <p:sp>
+        <p:nvSpPr>
+          <p:cNvPr id="22" name="Text Placeholder 4"/>
+          <p:cNvSpPr>
+            <a:spLocks noGrp="1"/>
+          </p:cNvSpPr>
+          <p:nvPr>
+            <p:ph type="body" sz="quarter" idx="3"/>
+          </p:nvPr>
+        </p:nvSpPr>
+        <p:spPr>
+          <a:xfrm>
+            <a:off x="4442788" y="3904106"/>
+            <a:ext cx="3300984" cy="576262"/>
+          </a:xfrm>
+        </p:spPr>
+        <p:txBody>
+          <a:bodyPr anchor="b">
+            <a:noAutofit/>
+          </a:bodyPr>
+          <a:lstStyle>
+            <a:lvl1pPr marL="0" indent="0" algn="ctr">
+              <a:buNone/>
+              <a:defRPr sz="2000" b="0">
+                <a:solidFill>
+                  <a:schemeClr val="tx1"/>
+                </a:solidFill>
+              </a:defRPr>
+            </a:lvl1pPr>
+            <a:lvl2pPr marL="457200" indent="0">
+              <a:buNone/>
+              <a:defRPr sz="2000" b="1"/>
+            </a:lvl2pPr>
+            <a:lvl3pPr marL="914400" indent="0">
+              <a:buNone/>
+              <a:defRPr sz="1800" b="1"/>
+            </a:lvl3pPr>
+            <a:lvl4pPr marL="1371600" indent="0">
+              <a:buNone/>
+              <a:defRPr sz="1600" b="1"/>
+            </a:lvl4pPr>
+            <a:lvl5pPr marL="1828800" indent="0">
+              <a:buNone/>
+              <a:defRPr sz="1600" b="1"/>
+            </a:lvl5pPr>
+            <a:lvl6pPr marL="2286000" indent="0">
+              <a:buNone/>
+              <a:defRPr sz="1600" b="1"/>
+            </a:lvl6pPr>
+            <a:lvl7pPr marL="2743200" indent="0">
+              <a:buNone/>
+              <a:defRPr sz="1600" b="1"/>
+            </a:lvl7pPr>
+            <a:lvl8pPr marL="3200400" indent="0">
+              <a:buNone/>
+              <a:defRPr sz="1600" b="1"/>
+            </a:lvl8pPr>
+            <a:lvl9pPr marL="3657600" indent="0">
+              <a:buNone/>
+              <a:defRPr sz="1600" b="1"/>
+            </a:lvl9pPr>
+          </a:lstStyle>
+          <a:p>
+            <a:pPr lvl="0"/>
+            <a:r>
+              <a:rPr lang="ja-JP" altLang="en-US" smtClean="0"/>
+              <a:t>マスター テキストの書式設定</a:t>
+            </a:r>
+          </a:p>
+        </p:txBody>
+      </p:sp>
+      <p:sp>
+        <p:nvSpPr>
+          <p:cNvPr id="23" name="Picture Placeholder 2"/>
+          <p:cNvSpPr>
+            <a:spLocks noGrp="1" noChangeAspect="1"/>
+          </p:cNvSpPr>
+          <p:nvPr>
+            <p:ph type="pic" idx="21"/>
+          </p:nvPr>
+        </p:nvSpPr>
+        <p:spPr>
+          <a:xfrm>
+            <a:off x="4545743" y="1939094"/>
+            <a:ext cx="3092368" cy="1608164"/>
+          </a:xfrm>
+          <a:prstGeom prst="roundRect">
+            <a:avLst>
+              <a:gd name="adj" fmla="val 1858"/>
+            </a:avLst>
+          </a:prstGeom>
+          <a:effectLst>
+            <a:outerShdw blurRad="38100" dist="25400" dir="4440000">
+              <a:srgbClr val="000000">
+                <a:alpha val="36000"/>
+              </a:srgbClr>
+            </a:outerShdw>
+          </a:effectLst>
+        </p:spPr>
+        <p:txBody>
+          <a:bodyPr anchor="t">
+            <a:normAutofit/>
+          </a:bodyPr>
+          <a:lstStyle>
+            <a:lvl1pPr marL="0" indent="0" algn="ctr">
+              <a:buNone/>
+              <a:defRPr sz="1600"/>
+            </a:lvl1pPr>
+            <a:lvl2pPr marL="457200" indent="0">
+              <a:buNone/>
+              <a:defRPr sz="1600"/>
+            </a:lvl2pPr>
+            <a:lvl3pPr marL="914400" indent="0">
+              <a:buNone/>
+              <a:defRPr sz="1600"/>
+            </a:lvl3pPr>
+            <a:lvl4pPr marL="1371600" indent="0">
+              <a:buNone/>
+              <a:defRPr sz="1600"/>
+            </a:lvl4pPr>
+            <a:lvl5pPr marL="1828800" indent="0">
+              <a:buNone/>
+              <a:defRPr sz="1600"/>
+            </a:lvl5pPr>
+            <a:lvl6pPr marL="2286000" indent="0">
+              <a:buNone/>
+              <a:defRPr sz="1600"/>
+            </a:lvl6pPr>
+            <a:lvl7pPr marL="2743200" indent="0">
+              <a:buNone/>
+              <a:defRPr sz="1600"/>
+            </a:lvl7pPr>
+            <a:lvl8pPr marL="3200400" indent="0">
+              <a:buNone/>
+              <a:defRPr sz="1600"/>
+            </a:lvl8pPr>
+            <a:lvl9pPr marL="3657600" indent="0">
+              <a:buNone/>
+              <a:defRPr sz="1600"/>
+            </a:lvl9pPr>
+          </a:lstStyle>
+          <a:p>
+            <a:r>
+              <a:rPr lang="ja-JP" altLang="en-US" smtClean="0"/>
+              <a:t>図を追加</a:t>
+            </a:r>
+            <a:endParaRPr lang="en-US" dirty="0"/>
+          </a:p>
+        </p:txBody>
+      </p:sp>
+      <p:sp>
+        <p:nvSpPr>
+          <p:cNvPr id="24" name="Text Placeholder 3"/>
+          <p:cNvSpPr>
+            <a:spLocks noGrp="1"/>
+          </p:cNvSpPr>
+          <p:nvPr>
+            <p:ph type="body" sz="half" idx="19"/>
+          </p:nvPr>
+        </p:nvSpPr>
+        <p:spPr>
+          <a:xfrm>
+            <a:off x="4441435" y="4480367"/>
+            <a:ext cx="3300984" cy="1310833"/>
+          </a:xfrm>
+        </p:spPr>
+        <p:txBody>
+          <a:bodyPr anchor="t">
+            <a:normAutofit/>
+          </a:bodyPr>
+          <a:lstStyle>
+            <a:lvl1pPr marL="0" indent="0" algn="ctr">
+              <a:buNone/>
+              <a:defRPr sz="1400"/>
+            </a:lvl1pPr>
+            <a:lvl2pPr marL="457200" indent="0">
+              <a:buNone/>
+              <a:defRPr sz="1200"/>
+            </a:lvl2pPr>
+            <a:lvl3pPr marL="914400" indent="0">
+              <a:buNone/>
+              <a:defRPr sz="1000"/>
+            </a:lvl3pPr>
+            <a:lvl4pPr marL="1371600" indent="0">
+              <a:buNone/>
+              <a:defRPr sz="900"/>
+            </a:lvl4pPr>
+            <a:lvl5pPr marL="1828800" indent="0">
+              <a:buNone/>
+              <a:defRPr sz="900"/>
+            </a:lvl5pPr>
+            <a:lvl6pPr marL="2286000" indent="0">
+              <a:buNone/>
+              <a:defRPr sz="900"/>
+            </a:lvl6pPr>
+            <a:lvl7pPr marL="2743200" indent="0">
+              <a:buNone/>
+              <a:defRPr sz="900"/>
+            </a:lvl7pPr>
+            <a:lvl8pPr marL="3200400" indent="0">
+              <a:buNone/>
+              <a:defRPr sz="900"/>
+            </a:lvl8pPr>
+            <a:lvl9pPr marL="3657600" indent="0">
+              <a:buNone/>
+              <a:defRPr sz="900"/>
+            </a:lvl9pPr>
+          </a:lstStyle>
+          <a:p>
+            <a:pPr lvl="0"/>
+            <a:r>
+              <a:rPr lang="ja-JP" altLang="en-US" smtClean="0"/>
+              <a:t>マスター テキストの書式設定</a:t>
+            </a:r>
+          </a:p>
+        </p:txBody>
+      </p:sp>
+      <p:sp>
+        <p:nvSpPr>
+          <p:cNvPr id="25" name="Text Placeholder 4"/>
+          <p:cNvSpPr>
+            <a:spLocks noGrp="1"/>
+          </p:cNvSpPr>
+          <p:nvPr>
+            <p:ph type="body" sz="quarter" idx="13"/>
+          </p:nvPr>
+        </p:nvSpPr>
+        <p:spPr>
+          <a:xfrm>
+            <a:off x="7966697" y="3904106"/>
+            <a:ext cx="3300984" cy="576262"/>
+          </a:xfrm>
+        </p:spPr>
+        <p:txBody>
+          <a:bodyPr anchor="b">
+            <a:noAutofit/>
+          </a:bodyPr>
+          <a:lstStyle>
+            <a:lvl1pPr marL="0" indent="0" algn="ctr">
+              <a:buNone/>
+              <a:defRPr sz="2000" b="0">
+                <a:solidFill>
+                  <a:schemeClr val="tx1"/>
+                </a:solidFill>
+              </a:defRPr>
+            </a:lvl1pPr>
+            <a:lvl2pPr marL="457200" indent="0">
+              <a:buNone/>
+              <a:defRPr sz="2000" b="1"/>
+            </a:lvl2pPr>
+            <a:lvl3pPr marL="914400" indent="0">
+              <a:buNone/>
+              <a:defRPr sz="1800" b="1"/>
+            </a:lvl3pPr>
+            <a:lvl4pPr marL="1371600" indent="0">
+              <a:buNone/>
+              <a:defRPr sz="1600" b="1"/>
+            </a:lvl4pPr>
+            <a:lvl5pPr marL="1828800" indent="0">
+              <a:buNone/>
+              <a:defRPr sz="1600" b="1"/>
+            </a:lvl5pPr>
+            <a:lvl6pPr marL="2286000" indent="0">
+              <a:buNone/>
+              <a:defRPr sz="1600" b="1"/>
+            </a:lvl6pPr>
+            <a:lvl7pPr marL="2743200" indent="0">
+              <a:buNone/>
+              <a:defRPr sz="1600" b="1"/>
+            </a:lvl7pPr>
+            <a:lvl8pPr marL="3200400" indent="0">
+              <a:buNone/>
+              <a:defRPr sz="1600" b="1"/>
+            </a:lvl8pPr>
+            <a:lvl9pPr marL="3657600" indent="0">
+              <a:buNone/>
+              <a:defRPr sz="1600" b="1"/>
+            </a:lvl9pPr>
+          </a:lstStyle>
+          <a:p>
+            <a:pPr lvl="0"/>
+            <a:r>
+              <a:rPr lang="ja-JP" altLang="en-US" smtClean="0"/>
+              <a:t>マスター テキストの書式設定</a:t>
+            </a:r>
+          </a:p>
+        </p:txBody>
+      </p:sp>
+      <p:sp>
+        <p:nvSpPr>
+          <p:cNvPr id="26" name="Picture Placeholder 2"/>
+          <p:cNvSpPr>
+            <a:spLocks noGrp="1" noChangeAspect="1"/>
+          </p:cNvSpPr>
+          <p:nvPr>
+            <p:ph type="pic" idx="22"/>
+          </p:nvPr>
+        </p:nvSpPr>
+        <p:spPr>
+          <a:xfrm>
+            <a:off x="8075698" y="1934432"/>
+            <a:ext cx="3092368" cy="1607294"/>
+          </a:xfrm>
+          <a:prstGeom prst="roundRect">
+            <a:avLst>
+              <a:gd name="adj" fmla="val 1858"/>
+            </a:avLst>
+          </a:prstGeom>
+          <a:effectLst>
+            <a:outerShdw blurRad="38100" dist="25400" dir="4440000">
+              <a:srgbClr val="000000">
+                <a:alpha val="36000"/>
+              </a:srgbClr>
+            </a:outerShdw>
+          </a:effectLst>
+        </p:spPr>
+        <p:txBody>
+          <a:bodyPr anchor="t">
+            <a:normAutofit/>
+          </a:bodyPr>
+          <a:lstStyle>
+            <a:lvl1pPr marL="0" indent="0" algn="ctr">
+              <a:buNone/>
+              <a:defRPr sz="1600"/>
+            </a:lvl1pPr>
+            <a:lvl2pPr marL="457200" indent="0">
+              <a:buNone/>
+              <a:defRPr sz="1600"/>
+            </a:lvl2pPr>
+            <a:lvl3pPr marL="914400" indent="0">
+              <a:buNone/>
+              <a:defRPr sz="1600"/>
+            </a:lvl3pPr>
+            <a:lvl4pPr marL="1371600" indent="0">
+              <a:buNone/>
+              <a:defRPr sz="1600"/>
+            </a:lvl4pPr>
+            <a:lvl5pPr marL="1828800" indent="0">
+              <a:buNone/>
+              <a:defRPr sz="1600"/>
+            </a:lvl5pPr>
+            <a:lvl6pPr marL="2286000" indent="0">
+              <a:buNone/>
+              <a:defRPr sz="1600"/>
+            </a:lvl6pPr>
+            <a:lvl7pPr marL="2743200" indent="0">
+              <a:buNone/>
+              <a:defRPr sz="1600"/>
+            </a:lvl7pPr>
+            <a:lvl8pPr marL="3200400" indent="0">
+              <a:buNone/>
+              <a:defRPr sz="1600"/>
+            </a:lvl8pPr>
+            <a:lvl9pPr marL="3657600" indent="0">
+              <a:buNone/>
+              <a:defRPr sz="1600"/>
+            </a:lvl9pPr>
+          </a:lstStyle>
+          <a:p>
+            <a:r>
+              <a:rPr lang="ja-JP" altLang="en-US" smtClean="0"/>
+              <a:t>図を追加</a:t>
+            </a:r>
+            <a:endParaRPr lang="en-US" dirty="0"/>
+          </a:p>
+        </p:txBody>
+      </p:sp>
+      <p:sp>
+        <p:nvSpPr>
+          <p:cNvPr id="27" name="Text Placeholder 3"/>
+          <p:cNvSpPr>
+            <a:spLocks noGrp="1"/>
+          </p:cNvSpPr>
+          <p:nvPr>
+            <p:ph type="body" sz="half" idx="20"/>
+          </p:nvPr>
+        </p:nvSpPr>
+        <p:spPr>
+          <a:xfrm>
+            <a:off x="7966572" y="4480365"/>
+            <a:ext cx="3300984" cy="1310835"/>
+          </a:xfrm>
+        </p:spPr>
+        <p:txBody>
+          <a:bodyPr anchor="t">
+            <a:normAutofit/>
+          </a:bodyPr>
+          <a:lstStyle>
+            <a:lvl1pPr marL="0" indent="0" algn="ctr">
+              <a:buNone/>
+              <a:defRPr sz="1400"/>
+            </a:lvl1pPr>
+            <a:lvl2pPr marL="457200" indent="0">
+              <a:buNone/>
+              <a:defRPr sz="1200"/>
+            </a:lvl2pPr>
+            <a:lvl3pPr marL="914400" indent="0">
+              <a:buNone/>
+              <a:defRPr sz="1000"/>
+            </a:lvl3pPr>
+            <a:lvl4pPr marL="1371600" indent="0">
+              <a:buNone/>
+              <a:defRPr sz="900"/>
+            </a:lvl4pPr>
+            <a:lvl5pPr marL="1828800" indent="0">
+              <a:buNone/>
+              <a:defRPr sz="900"/>
+            </a:lvl5pPr>
+            <a:lvl6pPr marL="2286000" indent="0">
+              <a:buNone/>
+              <a:defRPr sz="900"/>
+            </a:lvl6pPr>
+            <a:lvl7pPr marL="2743200" indent="0">
+              <a:buNone/>
+              <a:defRPr sz="900"/>
+            </a:lvl7pPr>
+            <a:lvl8pPr marL="3200400" indent="0">
+              <a:buNone/>
+              <a:defRPr sz="900"/>
+            </a:lvl8pPr>
+            <a:lvl9pPr marL="3657600" indent="0">
+              <a:buNone/>
+              <a:defRPr sz="900"/>
+            </a:lvl9pPr>
+          </a:lstStyle>
+          <a:p>
+            <a:pPr lvl="0"/>
+            <a:r>
+              <a:rPr lang="ja-JP" altLang="en-US" smtClean="0"/>
+              <a:t>マスター テキストの書式設定</a:t>
+            </a:r>
+          </a:p>
+        </p:txBody>
+      </p:sp>
+      <p:sp>
+        <p:nvSpPr>
+          <p:cNvPr id="3" name="Date Placeholder 2"/>
+          <p:cNvSpPr>
+            <a:spLocks noGrp="1"/>
+          </p:cNvSpPr>
+          <p:nvPr>
+            <p:ph type="dt" sz="half" idx="10"/>
+          </p:nvPr>
+        </p:nvSpPr>
+        <p:spPr/>
+        <p:txBody>
+          <a:bodyPr/>
+          <a:lstStyle/>
+          <a:p>
+            <a:fld id="{24FBA86E-0CF7-4B0C-9D39-30686EFB7BF4}" type="datetimeFigureOut">
+              <a:rPr kumimoji="1" lang="ja-JP" altLang="en-US" smtClean="0"/>
+              <a:t>2022/12/19</a:t>
+            </a:fld>
+            <a:endParaRPr kumimoji="1" lang="ja-JP" altLang="en-US"/>
+          </a:p>
+        </p:txBody>
+      </p:sp>
+      <p:sp>
+        <p:nvSpPr>
+          <p:cNvPr id="4" name="Footer Placeholder 3"/>
+          <p:cNvSpPr>
+            <a:spLocks noGrp="1"/>
+          </p:cNvSpPr>
+          <p:nvPr>
+            <p:ph type="ftr" sz="quarter" idx="11"/>
+          </p:nvPr>
+        </p:nvSpPr>
+        <p:spPr/>
+        <p:txBody>
+          <a:bodyPr/>
+          <a:lstStyle/>
+          <a:p>
+            <a:endParaRPr kumimoji="1" lang="ja-JP" altLang="en-US"/>
+          </a:p>
+        </p:txBody>
+      </p:sp>
+      <p:sp>
+        <p:nvSpPr>
+          <p:cNvPr id="5" name="Slide Number Placeholder 4"/>
+          <p:cNvSpPr>
+            <a:spLocks noGrp="1"/>
+          </p:cNvSpPr>
+          <p:nvPr>
+            <p:ph type="sldNum" sz="quarter" idx="12"/>
+          </p:nvPr>
+        </p:nvSpPr>
+        <p:spPr/>
+        <p:txBody>
+          <a:bodyPr/>
+          <a:lstStyle/>
+          <a:p>
+            <a:fld id="{0C8540DA-0598-4DA5-BEBC-9BFE12E8BF42}" type="slidenum">
+              <a:rPr kumimoji="1" lang="ja-JP" altLang="en-US" smtClean="0"/>
+              <a:t>‹#›</a:t>
+            </a:fld>
+            <a:endParaRPr kumimoji="1" lang="ja-JP" altLang="en-US"/>
+          </a:p>
+        </p:txBody>
+      </p:sp>
+    </p:spTree>
+    <p:extLst>
+      <p:ext uri="{BB962C8B-B14F-4D97-AF65-F5344CB8AC3E}">
+        <p14:creationId xmlns:p14="http://schemas.microsoft.com/office/powerpoint/2010/main" val="633705292"/>
+      </p:ext>
+    </p:extLst>
+  </p:cSld>
+  <p:clrMapOvr>
+    <a:masterClrMapping/>
+  </p:clrMapOvr>
+</p:sldLayout>
+</file>
+
+<file path=ppt/slideLayouts/slideLayout16.xml><?xml version="1.0" encoding="utf-8"?>
 <p:sldLayout xmlns:a="http://schemas.openxmlformats.org/drawingml/2006/main" xmlns:r="http://schemas.openxmlformats.org/officeDocument/2006/relationships" xmlns:p="http://schemas.openxmlformats.org/presentationml/2006/main" type="vertTx" preserve="1">
   <p:cSld name="タイトルと&#10;縦書きテキスト">
     <p:spTree>
@@ -808,7 +3440,7 @@
       </p:grpSpPr>
       <p:sp>
         <p:nvSpPr>
-          <p:cNvPr id="2" name="タイトル 1"/>
+          <p:cNvPr id="2" name="Title 1"/>
           <p:cNvSpPr>
             <a:spLocks noGrp="1"/>
           </p:cNvSpPr>
@@ -822,16 +3454,16 @@
           <a:lstStyle/>
           <a:p>
             <a:r>
-              <a:rPr kumimoji="1" lang="ja-JP" altLang="en-US" smtClean="0"/>
+              <a:rPr lang="ja-JP" altLang="en-US" smtClean="0"/>
               <a:t>マスター タイトルの書式設定</a:t>
             </a:r>
-            <a:endParaRPr kumimoji="1" lang="ja-JP" altLang="en-US"/>
-          </a:p>
-        </p:txBody>
-      </p:sp>
-      <p:sp>
-        <p:nvSpPr>
-          <p:cNvPr id="3" name="縦書きテキスト プレースホルダー 2"/>
+            <a:endParaRPr lang="en-US" dirty="0"/>
+          </a:p>
+        </p:txBody>
+      </p:sp>
+      <p:sp>
+        <p:nvSpPr>
+          <p:cNvPr id="3" name="Vertical Text Placeholder 2"/>
           <p:cNvSpPr>
             <a:spLocks noGrp="1"/>
           </p:cNvSpPr>
@@ -841,81 +3473,81 @@
         </p:nvSpPr>
         <p:spPr/>
         <p:txBody>
-          <a:bodyPr vert="eaVert"/>
+          <a:bodyPr vert="eaVert" anchor="t"/>
           <a:lstStyle/>
           <a:p>
             <a:pPr lvl="0"/>
             <a:r>
-              <a:rPr kumimoji="1" lang="ja-JP" altLang="en-US" smtClean="0"/>
+              <a:rPr lang="ja-JP" altLang="en-US" smtClean="0"/>
               <a:t>マスター テキストの書式設定</a:t>
             </a:r>
           </a:p>
           <a:p>
             <a:pPr lvl="1"/>
             <a:r>
-              <a:rPr kumimoji="1" lang="ja-JP" altLang="en-US" smtClean="0"/>
+              <a:rPr lang="ja-JP" altLang="en-US" smtClean="0"/>
               <a:t>第 </a:t>
             </a:r>
             <a:r>
-              <a:rPr kumimoji="1" lang="en-US" altLang="ja-JP" smtClean="0"/>
+              <a:rPr lang="en-US" altLang="ja-JP" smtClean="0"/>
               <a:t>2 </a:t>
             </a:r>
             <a:r>
-              <a:rPr kumimoji="1" lang="ja-JP" altLang="en-US" smtClean="0"/>
+              <a:rPr lang="ja-JP" altLang="en-US" smtClean="0"/>
               <a:t>レベル</a:t>
             </a:r>
           </a:p>
           <a:p>
             <a:pPr lvl="2"/>
             <a:r>
-              <a:rPr kumimoji="1" lang="ja-JP" altLang="en-US" smtClean="0"/>
+              <a:rPr lang="ja-JP" altLang="en-US" smtClean="0"/>
               <a:t>第 </a:t>
             </a:r>
             <a:r>
-              <a:rPr kumimoji="1" lang="en-US" altLang="ja-JP" smtClean="0"/>
+              <a:rPr lang="en-US" altLang="ja-JP" smtClean="0"/>
               <a:t>3 </a:t>
             </a:r>
             <a:r>
-              <a:rPr kumimoji="1" lang="ja-JP" altLang="en-US" smtClean="0"/>
+              <a:rPr lang="ja-JP" altLang="en-US" smtClean="0"/>
               <a:t>レベル</a:t>
             </a:r>
           </a:p>
           <a:p>
             <a:pPr lvl="3"/>
             <a:r>
-              <a:rPr kumimoji="1" lang="ja-JP" altLang="en-US" smtClean="0"/>
+              <a:rPr lang="ja-JP" altLang="en-US" smtClean="0"/>
               <a:t>第 </a:t>
             </a:r>
             <a:r>
-              <a:rPr kumimoji="1" lang="en-US" altLang="ja-JP" smtClean="0"/>
+              <a:rPr lang="en-US" altLang="ja-JP" smtClean="0"/>
               <a:t>4 </a:t>
             </a:r>
             <a:r>
-              <a:rPr kumimoji="1" lang="ja-JP" altLang="en-US" smtClean="0"/>
+              <a:rPr lang="ja-JP" altLang="en-US" smtClean="0"/>
               <a:t>レベル</a:t>
             </a:r>
           </a:p>
           <a:p>
             <a:pPr lvl="4"/>
             <a:r>
-              <a:rPr kumimoji="1" lang="ja-JP" altLang="en-US" smtClean="0"/>
+              <a:rPr lang="ja-JP" altLang="en-US" smtClean="0"/>
               <a:t>第 </a:t>
             </a:r>
             <a:r>
-              <a:rPr kumimoji="1" lang="en-US" altLang="ja-JP" smtClean="0"/>
+              <a:rPr lang="en-US" altLang="ja-JP" smtClean="0"/>
               <a:t>5 </a:t>
             </a:r>
             <a:r>
-              <a:rPr kumimoji="1" lang="ja-JP" altLang="en-US" smtClean="0"/>
+              <a:rPr lang="ja-JP" altLang="en-US" smtClean="0"/>
               <a:t>レベル</a:t>
             </a:r>
-            <a:endParaRPr kumimoji="1" lang="ja-JP" altLang="en-US"/>
-          </a:p>
-        </p:txBody>
-      </p:sp>
-      <p:sp>
-        <p:nvSpPr>
-          <p:cNvPr id="4" name="日付プレースホルダー 3"/>
+            <a:endParaRPr lang="en-US" dirty="0"/>
+          </a:p>
+        </p:txBody>
+      </p:sp>
+      <p:sp>
+        <p:nvSpPr>
+          <p:cNvPr id="4" name="Date Placeholder 3"/>
           <p:cNvSpPr>
             <a:spLocks noGrp="1"/>
           </p:cNvSpPr>
@@ -930,7 +3562,7 @@
           <a:p>
             <a:fld id="{24FBA86E-0CF7-4B0C-9D39-30686EFB7BF4}" type="datetimeFigureOut">
               <a:rPr kumimoji="1" lang="ja-JP" altLang="en-US" smtClean="0"/>
-              <a:t>2022/12/14</a:t>
+              <a:t>2022/12/19</a:t>
             </a:fld>
             <a:endParaRPr kumimoji="1" lang="ja-JP" altLang="en-US"/>
           </a:p>
@@ -938,7 +3570,7 @@
       </p:sp>
       <p:sp>
         <p:nvSpPr>
-          <p:cNvPr id="5" name="フッター プレースホルダー 4"/>
+          <p:cNvPr id="5" name="Footer Placeholder 4"/>
           <p:cNvSpPr>
             <a:spLocks noGrp="1"/>
           </p:cNvSpPr>
@@ -957,7 +3589,7 @@
       </p:sp>
       <p:sp>
         <p:nvSpPr>
-          <p:cNvPr id="6" name="スライド番号プレースホルダー 5"/>
+          <p:cNvPr id="6" name="Slide Number Placeholder 5"/>
           <p:cNvSpPr>
             <a:spLocks noGrp="1"/>
           </p:cNvSpPr>
@@ -981,7 +3613,7 @@
     </p:spTree>
     <p:extLst>
       <p:ext uri="{BB962C8B-B14F-4D97-AF65-F5344CB8AC3E}">
-        <p14:creationId xmlns:p14="http://schemas.microsoft.com/office/powerpoint/2010/main" val="319850734"/>
+        <p14:creationId xmlns:p14="http://schemas.microsoft.com/office/powerpoint/2010/main" val="3072689987"/>
       </p:ext>
     </p:extLst>
   </p:cSld>
@@ -991,7 +3623,7 @@
 </p:sldLayout>
 </file>
 
-<file path=ppt/slideLayouts/slideLayout11.xml><?xml version="1.0" encoding="utf-8"?>
+<file path=ppt/slideLayouts/slideLayout17.xml><?xml version="1.0" encoding="utf-8"?>
 <p:sldLayout xmlns:a="http://schemas.openxmlformats.org/drawingml/2006/main" xmlns:r="http://schemas.openxmlformats.org/officeDocument/2006/relationships" xmlns:p="http://schemas.openxmlformats.org/presentationml/2006/main" type="vertTitleAndTx" preserve="1">
   <p:cSld name="縦書きタイトルと&#10;縦書きテキスト">
     <p:spTree>
@@ -1010,7 +3642,7 @@
       </p:grpSpPr>
       <p:sp>
         <p:nvSpPr>
-          <p:cNvPr id="2" name="縦書きタイトル 1"/>
+          <p:cNvPr id="2" name="Vertical Title 1"/>
           <p:cNvSpPr>
             <a:spLocks noGrp="1"/>
           </p:cNvSpPr>
@@ -1020,114 +3652,118 @@
         </p:nvSpPr>
         <p:spPr>
           <a:xfrm>
-            <a:off x="8724900" y="365125"/>
-            <a:ext cx="2628900" cy="5811838"/>
+            <a:off x="8983068" y="609599"/>
+            <a:ext cx="2284487" cy="5181601"/>
           </a:xfrm>
         </p:spPr>
         <p:txBody>
           <a:bodyPr vert="eaVert"/>
+          <a:lstStyle>
+            <a:lvl1pPr algn="l">
+              <a:defRPr/>
+            </a:lvl1pPr>
+          </a:lstStyle>
+          <a:p>
+            <a:r>
+              <a:rPr lang="ja-JP" altLang="en-US" smtClean="0"/>
+              <a:t>マスター タイトルの書式設定</a:t>
+            </a:r>
+            <a:endParaRPr lang="en-US" dirty="0"/>
+          </a:p>
+        </p:txBody>
+      </p:sp>
+      <p:sp>
+        <p:nvSpPr>
+          <p:cNvPr id="3" name="Vertical Text Placeholder 2"/>
+          <p:cNvSpPr>
+            <a:spLocks noGrp="1"/>
+          </p:cNvSpPr>
+          <p:nvPr>
+            <p:ph type="body" orient="vert" idx="1"/>
+          </p:nvPr>
+        </p:nvSpPr>
+        <p:spPr>
+          <a:xfrm>
+            <a:off x="913796" y="609599"/>
+            <a:ext cx="7916872" cy="5181601"/>
+          </a:xfrm>
+        </p:spPr>
+        <p:txBody>
+          <a:bodyPr vert="eaVert" anchor="t"/>
           <a:lstStyle/>
           <a:p>
-            <a:r>
-              <a:rPr kumimoji="1" lang="ja-JP" altLang="en-US" smtClean="0"/>
-              <a:t>マスター タイトルの書式設定</a:t>
-            </a:r>
-            <a:endParaRPr kumimoji="1" lang="ja-JP" altLang="en-US"/>
-          </a:p>
-        </p:txBody>
-      </p:sp>
-      <p:sp>
-        <p:nvSpPr>
-          <p:cNvPr id="3" name="縦書きテキスト プレースホルダー 2"/>
-          <p:cNvSpPr>
-            <a:spLocks noGrp="1"/>
-          </p:cNvSpPr>
-          <p:nvPr>
-            <p:ph type="body" orient="vert" idx="1"/>
-          </p:nvPr>
-        </p:nvSpPr>
-        <p:spPr>
-          <a:xfrm>
-            <a:off x="838200" y="365125"/>
-            <a:ext cx="7734300" cy="5811838"/>
-          </a:xfrm>
-        </p:spPr>
-        <p:txBody>
-          <a:bodyPr vert="eaVert"/>
-          <a:lstStyle/>
-          <a:p>
             <a:pPr lvl="0"/>
             <a:r>
-              <a:rPr kumimoji="1" lang="ja-JP" altLang="en-US" smtClean="0"/>
+              <a:rPr lang="ja-JP" altLang="en-US" smtClean="0"/>
               <a:t>マスター テキストの書式設定</a:t>
             </a:r>
           </a:p>
           <a:p>
             <a:pPr lvl="1"/>
             <a:r>
-              <a:rPr kumimoji="1" lang="ja-JP" altLang="en-US" smtClean="0"/>
+              <a:rPr lang="ja-JP" altLang="en-US" smtClean="0"/>
               <a:t>第 </a:t>
             </a:r>
             <a:r>
-              <a:rPr kumimoji="1" lang="en-US" altLang="ja-JP" smtClean="0"/>
+              <a:rPr lang="en-US" altLang="ja-JP" smtClean="0"/>
               <a:t>2 </a:t>
             </a:r>
             <a:r>
-              <a:rPr kumimoji="1" lang="ja-JP" altLang="en-US" smtClean="0"/>
+              <a:rPr lang="ja-JP" altLang="en-US" smtClean="0"/>
               <a:t>レベル</a:t>
             </a:r>
           </a:p>
           <a:p>
             <a:pPr lvl="2"/>
             <a:r>
-              <a:rPr kumimoji="1" lang="ja-JP" altLang="en-US" smtClean="0"/>
+              <a:rPr lang="ja-JP" altLang="en-US" smtClean="0"/>
               <a:t>第 </a:t>
             </a:r>
             <a:r>
-              <a:rPr kumimoji="1" lang="en-US" altLang="ja-JP" smtClean="0"/>
+              <a:rPr lang="en-US" altLang="ja-JP" smtClean="0"/>
               <a:t>3 </a:t>
             </a:r>
             <a:r>
-              <a:rPr kumimoji="1" lang="ja-JP" altLang="en-US" smtClean="0"/>
+              <a:rPr lang="ja-JP" altLang="en-US" smtClean="0"/>
               <a:t>レベル</a:t>
             </a:r>
           </a:p>
           <a:p>
             <a:pPr lvl="3"/>
             <a:r>
-              <a:rPr kumimoji="1" lang="ja-JP" altLang="en-US" smtClean="0"/>
+              <a:rPr lang="ja-JP" altLang="en-US" smtClean="0"/>
               <a:t>第 </a:t>
             </a:r>
             <a:r>
-              <a:rPr kumimoji="1" lang="en-US" altLang="ja-JP" smtClean="0"/>
+              <a:rPr lang="en-US" altLang="ja-JP" smtClean="0"/>
               <a:t>4 </a:t>
             </a:r>
             <a:r>
-              <a:rPr kumimoji="1" lang="ja-JP" altLang="en-US" smtClean="0"/>
+              <a:rPr lang="ja-JP" altLang="en-US" smtClean="0"/>
               <a:t>レベル</a:t>
             </a:r>
           </a:p>
           <a:p>
             <a:pPr lvl="4"/>
             <a:r>
-              <a:rPr kumimoji="1" lang="ja-JP" altLang="en-US" smtClean="0"/>
+              <a:rPr lang="ja-JP" altLang="en-US" smtClean="0"/>
               <a:t>第 </a:t>
             </a:r>
             <a:r>
-              <a:rPr kumimoji="1" lang="en-US" altLang="ja-JP" smtClean="0"/>
+              <a:rPr lang="en-US" altLang="ja-JP" smtClean="0"/>
               <a:t>5 </a:t>
             </a:r>
             <a:r>
-              <a:rPr kumimoji="1" lang="ja-JP" altLang="en-US" smtClean="0"/>
+              <a:rPr lang="ja-JP" altLang="en-US" smtClean="0"/>
               <a:t>レベル</a:t>
             </a:r>
-            <a:endParaRPr kumimoji="1" lang="ja-JP" altLang="en-US"/>
-          </a:p>
-        </p:txBody>
-      </p:sp>
-      <p:sp>
-        <p:nvSpPr>
-          <p:cNvPr id="4" name="日付プレースホルダー 3"/>
+            <a:endParaRPr lang="en-US" dirty="0"/>
+          </a:p>
+        </p:txBody>
+      </p:sp>
+      <p:sp>
+        <p:nvSpPr>
+          <p:cNvPr id="4" name="Date Placeholder 3"/>
           <p:cNvSpPr>
             <a:spLocks noGrp="1"/>
           </p:cNvSpPr>
@@ -1142,7 +3778,7 @@
           <a:p>
             <a:fld id="{24FBA86E-0CF7-4B0C-9D39-30686EFB7BF4}" type="datetimeFigureOut">
               <a:rPr kumimoji="1" lang="ja-JP" altLang="en-US" smtClean="0"/>
-              <a:t>2022/12/14</a:t>
+              <a:t>2022/12/19</a:t>
             </a:fld>
             <a:endParaRPr kumimoji="1" lang="ja-JP" altLang="en-US"/>
           </a:p>
@@ -1150,7 +3786,7 @@
       </p:sp>
       <p:sp>
         <p:nvSpPr>
-          <p:cNvPr id="5" name="フッター プレースホルダー 4"/>
+          <p:cNvPr id="5" name="Footer Placeholder 4"/>
           <p:cNvSpPr>
             <a:spLocks noGrp="1"/>
           </p:cNvSpPr>
@@ -1169,7 +3805,7 @@
       </p:sp>
       <p:sp>
         <p:nvSpPr>
-          <p:cNvPr id="6" name="スライド番号プレースホルダー 5"/>
+          <p:cNvPr id="6" name="Slide Number Placeholder 5"/>
           <p:cNvSpPr>
             <a:spLocks noGrp="1"/>
           </p:cNvSpPr>
@@ -1193,7 +3829,7 @@
     </p:spTree>
     <p:extLst>
       <p:ext uri="{BB962C8B-B14F-4D97-AF65-F5344CB8AC3E}">
-        <p14:creationId xmlns:p14="http://schemas.microsoft.com/office/powerpoint/2010/main" val="3057927070"/>
+        <p14:creationId xmlns:p14="http://schemas.microsoft.com/office/powerpoint/2010/main" val="3814182393"/>
       </p:ext>
     </p:extLst>
   </p:cSld>
@@ -1222,7 +3858,7 @@
       </p:grpSpPr>
       <p:sp>
         <p:nvSpPr>
-          <p:cNvPr id="2" name="タイトル 1"/>
+          <p:cNvPr id="2" name="Title 1"/>
           <p:cNvSpPr>
             <a:spLocks noGrp="1"/>
           </p:cNvSpPr>
@@ -1236,16 +3872,16 @@
           <a:lstStyle/>
           <a:p>
             <a:r>
-              <a:rPr kumimoji="1" lang="ja-JP" altLang="en-US" smtClean="0"/>
+              <a:rPr lang="ja-JP" altLang="en-US" smtClean="0"/>
               <a:t>マスター タイトルの書式設定</a:t>
             </a:r>
-            <a:endParaRPr kumimoji="1" lang="ja-JP" altLang="en-US"/>
-          </a:p>
-        </p:txBody>
-      </p:sp>
-      <p:sp>
-        <p:nvSpPr>
-          <p:cNvPr id="3" name="コンテンツ プレースホルダー 2"/>
+            <a:endParaRPr lang="en-US" dirty="0"/>
+          </a:p>
+        </p:txBody>
+      </p:sp>
+      <p:sp>
+        <p:nvSpPr>
+          <p:cNvPr id="3" name="Content Placeholder 2"/>
           <p:cNvSpPr>
             <a:spLocks noGrp="1"/>
           </p:cNvSpPr>
@@ -1260,76 +3896,76 @@
           <a:p>
             <a:pPr lvl="0"/>
             <a:r>
-              <a:rPr kumimoji="1" lang="ja-JP" altLang="en-US" smtClean="0"/>
+              <a:rPr lang="ja-JP" altLang="en-US" smtClean="0"/>
               <a:t>マスター テキストの書式設定</a:t>
             </a:r>
           </a:p>
           <a:p>
             <a:pPr lvl="1"/>
             <a:r>
-              <a:rPr kumimoji="1" lang="ja-JP" altLang="en-US" smtClean="0"/>
+              <a:rPr lang="ja-JP" altLang="en-US" smtClean="0"/>
               <a:t>第 </a:t>
             </a:r>
             <a:r>
-              <a:rPr kumimoji="1" lang="en-US" altLang="ja-JP" smtClean="0"/>
+              <a:rPr lang="en-US" altLang="ja-JP" smtClean="0"/>
               <a:t>2 </a:t>
             </a:r>
             <a:r>
-              <a:rPr kumimoji="1" lang="ja-JP" altLang="en-US" smtClean="0"/>
+              <a:rPr lang="ja-JP" altLang="en-US" smtClean="0"/>
               <a:t>レベル</a:t>
             </a:r>
           </a:p>
           <a:p>
             <a:pPr lvl="2"/>
             <a:r>
-              <a:rPr kumimoji="1" lang="ja-JP" altLang="en-US" smtClean="0"/>
+              <a:rPr lang="ja-JP" altLang="en-US" smtClean="0"/>
               <a:t>第 </a:t>
             </a:r>
             <a:r>
-              <a:rPr kumimoji="1" lang="en-US" altLang="ja-JP" smtClean="0"/>
+              <a:rPr lang="en-US" altLang="ja-JP" smtClean="0"/>
               <a:t>3 </a:t>
             </a:r>
             <a:r>
-              <a:rPr kumimoji="1" lang="ja-JP" altLang="en-US" smtClean="0"/>
+              <a:rPr lang="ja-JP" altLang="en-US" smtClean="0"/>
               <a:t>レベル</a:t>
             </a:r>
           </a:p>
           <a:p>
             <a:pPr lvl="3"/>
             <a:r>
-              <a:rPr kumimoji="1" lang="ja-JP" altLang="en-US" smtClean="0"/>
+              <a:rPr lang="ja-JP" altLang="en-US" smtClean="0"/>
               <a:t>第 </a:t>
             </a:r>
             <a:r>
-              <a:rPr kumimoji="1" lang="en-US" altLang="ja-JP" smtClean="0"/>
+              <a:rPr lang="en-US" altLang="ja-JP" smtClean="0"/>
               <a:t>4 </a:t>
             </a:r>
             <a:r>
-              <a:rPr kumimoji="1" lang="ja-JP" altLang="en-US" smtClean="0"/>
+              <a:rPr lang="ja-JP" altLang="en-US" smtClean="0"/>
               <a:t>レベル</a:t>
             </a:r>
           </a:p>
           <a:p>
             <a:pPr lvl="4"/>
             <a:r>
-              <a:rPr kumimoji="1" lang="ja-JP" altLang="en-US" smtClean="0"/>
+              <a:rPr lang="ja-JP" altLang="en-US" smtClean="0"/>
               <a:t>第 </a:t>
             </a:r>
             <a:r>
-              <a:rPr kumimoji="1" lang="en-US" altLang="ja-JP" smtClean="0"/>
+              <a:rPr lang="en-US" altLang="ja-JP" smtClean="0"/>
               <a:t>5 </a:t>
             </a:r>
             <a:r>
-              <a:rPr kumimoji="1" lang="ja-JP" altLang="en-US" smtClean="0"/>
+              <a:rPr lang="ja-JP" altLang="en-US" smtClean="0"/>
               <a:t>レベル</a:t>
             </a:r>
-            <a:endParaRPr kumimoji="1" lang="ja-JP" altLang="en-US"/>
-          </a:p>
-        </p:txBody>
-      </p:sp>
-      <p:sp>
-        <p:nvSpPr>
-          <p:cNvPr id="4" name="日付プレースホルダー 3"/>
+            <a:endParaRPr lang="en-US" dirty="0"/>
+          </a:p>
+        </p:txBody>
+      </p:sp>
+      <p:sp>
+        <p:nvSpPr>
+          <p:cNvPr id="4" name="Date Placeholder 3"/>
           <p:cNvSpPr>
             <a:spLocks noGrp="1"/>
           </p:cNvSpPr>
@@ -1344,7 +3980,7 @@
           <a:p>
             <a:fld id="{24FBA86E-0CF7-4B0C-9D39-30686EFB7BF4}" type="datetimeFigureOut">
               <a:rPr kumimoji="1" lang="ja-JP" altLang="en-US" smtClean="0"/>
-              <a:t>2022/12/14</a:t>
+              <a:t>2022/12/19</a:t>
             </a:fld>
             <a:endParaRPr kumimoji="1" lang="ja-JP" altLang="en-US"/>
           </a:p>
@@ -1352,7 +3988,7 @@
       </p:sp>
       <p:sp>
         <p:nvSpPr>
-          <p:cNvPr id="5" name="フッター プレースホルダー 4"/>
+          <p:cNvPr id="5" name="Footer Placeholder 4"/>
           <p:cNvSpPr>
             <a:spLocks noGrp="1"/>
           </p:cNvSpPr>
@@ -1371,7 +4007,7 @@
       </p:sp>
       <p:sp>
         <p:nvSpPr>
-          <p:cNvPr id="6" name="スライド番号プレースホルダー 5"/>
+          <p:cNvPr id="6" name="Slide Number Placeholder 5"/>
           <p:cNvSpPr>
             <a:spLocks noGrp="1"/>
           </p:cNvSpPr>
@@ -1395,7 +4031,7 @@
     </p:spTree>
     <p:extLst>
       <p:ext uri="{BB962C8B-B14F-4D97-AF65-F5344CB8AC3E}">
-        <p14:creationId xmlns:p14="http://schemas.microsoft.com/office/powerpoint/2010/main" val="1650283899"/>
+        <p14:creationId xmlns:p14="http://schemas.microsoft.com/office/powerpoint/2010/main" val="549742921"/>
       </p:ext>
     </p:extLst>
   </p:cSld>
@@ -1424,7 +4060,7 @@
       </p:grpSpPr>
       <p:sp>
         <p:nvSpPr>
-          <p:cNvPr id="2" name="タイトル 1"/>
+          <p:cNvPr id="2" name="Title 1"/>
           <p:cNvSpPr>
             <a:spLocks noGrp="1"/>
           </p:cNvSpPr>
@@ -1434,29 +4070,29 @@
         </p:nvSpPr>
         <p:spPr>
           <a:xfrm>
-            <a:off x="831850" y="1709738"/>
-            <a:ext cx="10515600" cy="2852737"/>
+            <a:off x="1295401" y="1761067"/>
+            <a:ext cx="9590550" cy="1828813"/>
           </a:xfrm>
         </p:spPr>
         <p:txBody>
           <a:bodyPr anchor="b"/>
           <a:lstStyle>
-            <a:lvl1pPr>
-              <a:defRPr sz="6000"/>
+            <a:lvl1pPr algn="ctr">
+              <a:defRPr sz="4000" b="0" cap="none"/>
             </a:lvl1pPr>
           </a:lstStyle>
           <a:p>
             <a:r>
-              <a:rPr kumimoji="1" lang="ja-JP" altLang="en-US" smtClean="0"/>
+              <a:rPr lang="ja-JP" altLang="en-US" smtClean="0"/>
               <a:t>マスター タイトルの書式設定</a:t>
             </a:r>
-            <a:endParaRPr kumimoji="1" lang="ja-JP" altLang="en-US"/>
-          </a:p>
-        </p:txBody>
-      </p:sp>
-      <p:sp>
-        <p:nvSpPr>
-          <p:cNvPr id="3" name="テキスト プレースホルダー 2"/>
+            <a:endParaRPr lang="en-US" dirty="0"/>
+          </a:p>
+        </p:txBody>
+      </p:sp>
+      <p:sp>
+        <p:nvSpPr>
+          <p:cNvPr id="3" name="Text Placeholder 2"/>
           <p:cNvSpPr>
             <a:spLocks noGrp="1"/>
           </p:cNvSpPr>
@@ -1466,26 +4102,24 @@
         </p:nvSpPr>
         <p:spPr>
           <a:xfrm>
-            <a:off x="831850" y="4589463"/>
-            <a:ext cx="10515600" cy="1500187"/>
-          </a:xfrm>
-        </p:spPr>
-        <p:txBody>
-          <a:bodyPr/>
+            <a:off x="1295401" y="3589879"/>
+            <a:ext cx="9590550" cy="1507054"/>
+          </a:xfrm>
+        </p:spPr>
+        <p:txBody>
+          <a:bodyPr anchor="t"/>
           <a:lstStyle>
-            <a:lvl1pPr marL="0" indent="0">
-              <a:buNone/>
-              <a:defRPr sz="2400">
+            <a:lvl1pPr marL="0" indent="0" algn="ctr">
+              <a:buNone/>
+              <a:defRPr sz="2000">
                 <a:solidFill>
-                  <a:schemeClr val="tx1">
-                    <a:tint val="75000"/>
-                  </a:schemeClr>
+                  <a:schemeClr val="tx1"/>
                 </a:solidFill>
               </a:defRPr>
             </a:lvl1pPr>
             <a:lvl2pPr marL="457200" indent="0">
               <a:buNone/>
-              <a:defRPr sz="2000">
+              <a:defRPr sz="1800">
                 <a:solidFill>
                   <a:schemeClr val="tx1">
                     <a:tint val="75000"/>
@@ -1495,7 +4129,7 @@
             </a:lvl2pPr>
             <a:lvl3pPr marL="914400" indent="0">
               <a:buNone/>
-              <a:defRPr sz="1800">
+              <a:defRPr sz="1600">
                 <a:solidFill>
                   <a:schemeClr val="tx1">
                     <a:tint val="75000"/>
@@ -1505,7 +4139,7 @@
             </a:lvl3pPr>
             <a:lvl4pPr marL="1371600" indent="0">
               <a:buNone/>
-              <a:defRPr sz="1600">
+              <a:defRPr sz="1400">
                 <a:solidFill>
                   <a:schemeClr val="tx1">
                     <a:tint val="75000"/>
@@ -1515,7 +4149,7 @@
             </a:lvl4pPr>
             <a:lvl5pPr marL="1828800" indent="0">
               <a:buNone/>
-              <a:defRPr sz="1600">
+              <a:defRPr sz="1400">
                 <a:solidFill>
                   <a:schemeClr val="tx1">
                     <a:tint val="75000"/>
@@ -1525,7 +4159,7 @@
             </a:lvl5pPr>
             <a:lvl6pPr marL="2286000" indent="0">
               <a:buNone/>
-              <a:defRPr sz="1600">
+              <a:defRPr sz="1400">
                 <a:solidFill>
                   <a:schemeClr val="tx1">
                     <a:tint val="75000"/>
@@ -1535,7 +4169,7 @@
             </a:lvl6pPr>
             <a:lvl7pPr marL="2743200" indent="0">
               <a:buNone/>
-              <a:defRPr sz="1600">
+              <a:defRPr sz="1400">
                 <a:solidFill>
                   <a:schemeClr val="tx1">
                     <a:tint val="75000"/>
@@ -1545,7 +4179,7 @@
             </a:lvl7pPr>
             <a:lvl8pPr marL="3200400" indent="0">
               <a:buNone/>
-              <a:defRPr sz="1600">
+              <a:defRPr sz="1400">
                 <a:solidFill>
                   <a:schemeClr val="tx1">
                     <a:tint val="75000"/>
@@ -1555,7 +4189,7 @@
             </a:lvl8pPr>
             <a:lvl9pPr marL="3657600" indent="0">
               <a:buNone/>
-              <a:defRPr sz="1600">
+              <a:defRPr sz="1400">
                 <a:solidFill>
                   <a:schemeClr val="tx1">
                     <a:tint val="75000"/>
@@ -1567,7 +4201,7 @@
           <a:p>
             <a:pPr lvl="0"/>
             <a:r>
-              <a:rPr kumimoji="1" lang="ja-JP" altLang="en-US" smtClean="0"/>
+              <a:rPr lang="ja-JP" altLang="en-US" smtClean="0"/>
               <a:t>マスター テキストの書式設定</a:t>
             </a:r>
           </a:p>
@@ -1575,7 +4209,7 @@
       </p:sp>
       <p:sp>
         <p:nvSpPr>
-          <p:cNvPr id="4" name="日付プレースホルダー 3"/>
+          <p:cNvPr id="4" name="Date Placeholder 3"/>
           <p:cNvSpPr>
             <a:spLocks noGrp="1"/>
           </p:cNvSpPr>
@@ -1590,7 +4224,7 @@
           <a:p>
             <a:fld id="{24FBA86E-0CF7-4B0C-9D39-30686EFB7BF4}" type="datetimeFigureOut">
               <a:rPr kumimoji="1" lang="ja-JP" altLang="en-US" smtClean="0"/>
-              <a:t>2022/12/14</a:t>
+              <a:t>2022/12/19</a:t>
             </a:fld>
             <a:endParaRPr kumimoji="1" lang="ja-JP" altLang="en-US"/>
           </a:p>
@@ -1598,7 +4232,7 @@
       </p:sp>
       <p:sp>
         <p:nvSpPr>
-          <p:cNvPr id="5" name="フッター プレースホルダー 4"/>
+          <p:cNvPr id="5" name="Footer Placeholder 4"/>
           <p:cNvSpPr>
             <a:spLocks noGrp="1"/>
           </p:cNvSpPr>
@@ -1617,7 +4251,7 @@
       </p:sp>
       <p:sp>
         <p:nvSpPr>
-          <p:cNvPr id="6" name="スライド番号プレースホルダー 5"/>
+          <p:cNvPr id="6" name="Slide Number Placeholder 5"/>
           <p:cNvSpPr>
             <a:spLocks noGrp="1"/>
           </p:cNvSpPr>
@@ -1641,7 +4275,7 @@
     </p:spTree>
     <p:extLst>
       <p:ext uri="{BB962C8B-B14F-4D97-AF65-F5344CB8AC3E}">
-        <p14:creationId xmlns:p14="http://schemas.microsoft.com/office/powerpoint/2010/main" val="492721822"/>
+        <p14:creationId xmlns:p14="http://schemas.microsoft.com/office/powerpoint/2010/main" val="2019731744"/>
       </p:ext>
     </p:extLst>
   </p:cSld>
@@ -1670,7 +4304,7 @@
       </p:grpSpPr>
       <p:sp>
         <p:nvSpPr>
-          <p:cNvPr id="2" name="タイトル 1"/>
+          <p:cNvPr id="2" name="Title 1"/>
           <p:cNvSpPr>
             <a:spLocks noGrp="1"/>
           </p:cNvSpPr>
@@ -1684,16 +4318,16 @@
           <a:lstStyle/>
           <a:p>
             <a:r>
-              <a:rPr kumimoji="1" lang="ja-JP" altLang="en-US" smtClean="0"/>
+              <a:rPr lang="ja-JP" altLang="en-US" smtClean="0"/>
               <a:t>マスター タイトルの書式設定</a:t>
             </a:r>
-            <a:endParaRPr kumimoji="1" lang="ja-JP" altLang="en-US"/>
-          </a:p>
-        </p:txBody>
-      </p:sp>
-      <p:sp>
-        <p:nvSpPr>
-          <p:cNvPr id="3" name="コンテンツ プレースホルダー 2"/>
+            <a:endParaRPr lang="en-US" dirty="0"/>
+          </a:p>
+        </p:txBody>
+      </p:sp>
+      <p:sp>
+        <p:nvSpPr>
+          <p:cNvPr id="3" name="Content Placeholder 2"/>
           <p:cNvSpPr>
             <a:spLocks noGrp="1"/>
           </p:cNvSpPr>
@@ -1703,217 +4337,221 @@
         </p:nvSpPr>
         <p:spPr>
           <a:xfrm>
-            <a:off x="838200" y="1825625"/>
-            <a:ext cx="5181600" cy="4351338"/>
-          </a:xfrm>
-        </p:spPr>
+            <a:off x="913795" y="1732449"/>
+            <a:ext cx="5060497" cy="4058750"/>
+          </a:xfrm>
+        </p:spPr>
+        <p:txBody>
+          <a:bodyPr anchor="t">
+            <a:normAutofit/>
+          </a:bodyPr>
+          <a:lstStyle/>
+          <a:p>
+            <a:pPr lvl="0"/>
+            <a:r>
+              <a:rPr lang="ja-JP" altLang="en-US" smtClean="0"/>
+              <a:t>マスター テキストの書式設定</a:t>
+            </a:r>
+          </a:p>
+          <a:p>
+            <a:pPr lvl="1"/>
+            <a:r>
+              <a:rPr lang="ja-JP" altLang="en-US" smtClean="0"/>
+              <a:t>第 </a:t>
+            </a:r>
+            <a:r>
+              <a:rPr lang="en-US" altLang="ja-JP" smtClean="0"/>
+              <a:t>2 </a:t>
+            </a:r>
+            <a:r>
+              <a:rPr lang="ja-JP" altLang="en-US" smtClean="0"/>
+              <a:t>レベル</a:t>
+            </a:r>
+          </a:p>
+          <a:p>
+            <a:pPr lvl="2"/>
+            <a:r>
+              <a:rPr lang="ja-JP" altLang="en-US" smtClean="0"/>
+              <a:t>第 </a:t>
+            </a:r>
+            <a:r>
+              <a:rPr lang="en-US" altLang="ja-JP" smtClean="0"/>
+              <a:t>3 </a:t>
+            </a:r>
+            <a:r>
+              <a:rPr lang="ja-JP" altLang="en-US" smtClean="0"/>
+              <a:t>レベル</a:t>
+            </a:r>
+          </a:p>
+          <a:p>
+            <a:pPr lvl="3"/>
+            <a:r>
+              <a:rPr lang="ja-JP" altLang="en-US" smtClean="0"/>
+              <a:t>第 </a:t>
+            </a:r>
+            <a:r>
+              <a:rPr lang="en-US" altLang="ja-JP" smtClean="0"/>
+              <a:t>4 </a:t>
+            </a:r>
+            <a:r>
+              <a:rPr lang="ja-JP" altLang="en-US" smtClean="0"/>
+              <a:t>レベル</a:t>
+            </a:r>
+          </a:p>
+          <a:p>
+            <a:pPr lvl="4"/>
+            <a:r>
+              <a:rPr lang="ja-JP" altLang="en-US" smtClean="0"/>
+              <a:t>第 </a:t>
+            </a:r>
+            <a:r>
+              <a:rPr lang="en-US" altLang="ja-JP" smtClean="0"/>
+              <a:t>5 </a:t>
+            </a:r>
+            <a:r>
+              <a:rPr lang="ja-JP" altLang="en-US" smtClean="0"/>
+              <a:t>レベル</a:t>
+            </a:r>
+            <a:endParaRPr lang="en-US" dirty="0"/>
+          </a:p>
+        </p:txBody>
+      </p:sp>
+      <p:sp>
+        <p:nvSpPr>
+          <p:cNvPr id="4" name="Content Placeholder 3"/>
+          <p:cNvSpPr>
+            <a:spLocks noGrp="1"/>
+          </p:cNvSpPr>
+          <p:nvPr>
+            <p:ph sz="half" idx="2"/>
+          </p:nvPr>
+        </p:nvSpPr>
+        <p:spPr>
+          <a:xfrm>
+            <a:off x="6202892" y="1732449"/>
+            <a:ext cx="5064665" cy="4058751"/>
+          </a:xfrm>
+        </p:spPr>
+        <p:txBody>
+          <a:bodyPr anchor="t">
+            <a:normAutofit/>
+          </a:bodyPr>
+          <a:lstStyle/>
+          <a:p>
+            <a:pPr lvl="0"/>
+            <a:r>
+              <a:rPr lang="ja-JP" altLang="en-US" smtClean="0"/>
+              <a:t>マスター テキストの書式設定</a:t>
+            </a:r>
+          </a:p>
+          <a:p>
+            <a:pPr lvl="1"/>
+            <a:r>
+              <a:rPr lang="ja-JP" altLang="en-US" smtClean="0"/>
+              <a:t>第 </a:t>
+            </a:r>
+            <a:r>
+              <a:rPr lang="en-US" altLang="ja-JP" smtClean="0"/>
+              <a:t>2 </a:t>
+            </a:r>
+            <a:r>
+              <a:rPr lang="ja-JP" altLang="en-US" smtClean="0"/>
+              <a:t>レベル</a:t>
+            </a:r>
+          </a:p>
+          <a:p>
+            <a:pPr lvl="2"/>
+            <a:r>
+              <a:rPr lang="ja-JP" altLang="en-US" smtClean="0"/>
+              <a:t>第 </a:t>
+            </a:r>
+            <a:r>
+              <a:rPr lang="en-US" altLang="ja-JP" smtClean="0"/>
+              <a:t>3 </a:t>
+            </a:r>
+            <a:r>
+              <a:rPr lang="ja-JP" altLang="en-US" smtClean="0"/>
+              <a:t>レベル</a:t>
+            </a:r>
+          </a:p>
+          <a:p>
+            <a:pPr lvl="3"/>
+            <a:r>
+              <a:rPr lang="ja-JP" altLang="en-US" smtClean="0"/>
+              <a:t>第 </a:t>
+            </a:r>
+            <a:r>
+              <a:rPr lang="en-US" altLang="ja-JP" smtClean="0"/>
+              <a:t>4 </a:t>
+            </a:r>
+            <a:r>
+              <a:rPr lang="ja-JP" altLang="en-US" smtClean="0"/>
+              <a:t>レベル</a:t>
+            </a:r>
+          </a:p>
+          <a:p>
+            <a:pPr lvl="4"/>
+            <a:r>
+              <a:rPr lang="ja-JP" altLang="en-US" smtClean="0"/>
+              <a:t>第 </a:t>
+            </a:r>
+            <a:r>
+              <a:rPr lang="en-US" altLang="ja-JP" smtClean="0"/>
+              <a:t>5 </a:t>
+            </a:r>
+            <a:r>
+              <a:rPr lang="ja-JP" altLang="en-US" smtClean="0"/>
+              <a:t>レベル</a:t>
+            </a:r>
+            <a:endParaRPr lang="en-US" dirty="0"/>
+          </a:p>
+        </p:txBody>
+      </p:sp>
+      <p:sp>
+        <p:nvSpPr>
+          <p:cNvPr id="5" name="Date Placeholder 4"/>
+          <p:cNvSpPr>
+            <a:spLocks noGrp="1"/>
+          </p:cNvSpPr>
+          <p:nvPr>
+            <p:ph type="dt" sz="half" idx="10"/>
+          </p:nvPr>
+        </p:nvSpPr>
+        <p:spPr/>
         <p:txBody>
           <a:bodyPr/>
           <a:lstStyle/>
           <a:p>
-            <a:pPr lvl="0"/>
-            <a:r>
+            <a:fld id="{24FBA86E-0CF7-4B0C-9D39-30686EFB7BF4}" type="datetimeFigureOut">
               <a:rPr kumimoji="1" lang="ja-JP" altLang="en-US" smtClean="0"/>
-              <a:t>マスター テキストの書式設定</a:t>
-            </a:r>
-          </a:p>
-          <a:p>
-            <a:pPr lvl="1"/>
-            <a:r>
-              <a:rPr kumimoji="1" lang="ja-JP" altLang="en-US" smtClean="0"/>
-              <a:t>第 </a:t>
-            </a:r>
-            <a:r>
-              <a:rPr kumimoji="1" lang="en-US" altLang="ja-JP" smtClean="0"/>
-              <a:t>2 </a:t>
-            </a:r>
-            <a:r>
-              <a:rPr kumimoji="1" lang="ja-JP" altLang="en-US" smtClean="0"/>
-              <a:t>レベル</a:t>
-            </a:r>
-          </a:p>
-          <a:p>
-            <a:pPr lvl="2"/>
-            <a:r>
-              <a:rPr kumimoji="1" lang="ja-JP" altLang="en-US" smtClean="0"/>
-              <a:t>第 </a:t>
-            </a:r>
-            <a:r>
-              <a:rPr kumimoji="1" lang="en-US" altLang="ja-JP" smtClean="0"/>
-              <a:t>3 </a:t>
-            </a:r>
-            <a:r>
-              <a:rPr kumimoji="1" lang="ja-JP" altLang="en-US" smtClean="0"/>
-              <a:t>レベル</a:t>
-            </a:r>
-          </a:p>
-          <a:p>
-            <a:pPr lvl="3"/>
-            <a:r>
-              <a:rPr kumimoji="1" lang="ja-JP" altLang="en-US" smtClean="0"/>
-              <a:t>第 </a:t>
-            </a:r>
-            <a:r>
-              <a:rPr kumimoji="1" lang="en-US" altLang="ja-JP" smtClean="0"/>
-              <a:t>4 </a:t>
-            </a:r>
-            <a:r>
-              <a:rPr kumimoji="1" lang="ja-JP" altLang="en-US" smtClean="0"/>
-              <a:t>レベル</a:t>
-            </a:r>
-          </a:p>
-          <a:p>
-            <a:pPr lvl="4"/>
-            <a:r>
-              <a:rPr kumimoji="1" lang="ja-JP" altLang="en-US" smtClean="0"/>
-              <a:t>第 </a:t>
-            </a:r>
-            <a:r>
-              <a:rPr kumimoji="1" lang="en-US" altLang="ja-JP" smtClean="0"/>
-              <a:t>5 </a:t>
-            </a:r>
-            <a:r>
-              <a:rPr kumimoji="1" lang="ja-JP" altLang="en-US" smtClean="0"/>
-              <a:t>レベル</a:t>
-            </a:r>
+              <a:t>2022/12/19</a:t>
+            </a:fld>
             <a:endParaRPr kumimoji="1" lang="ja-JP" altLang="en-US"/>
           </a:p>
         </p:txBody>
       </p:sp>
       <p:sp>
         <p:nvSpPr>
-          <p:cNvPr id="4" name="コンテンツ プレースホルダー 3"/>
-          <p:cNvSpPr>
-            <a:spLocks noGrp="1"/>
-          </p:cNvSpPr>
-          <p:nvPr>
-            <p:ph sz="half" idx="2"/>
-          </p:nvPr>
-        </p:nvSpPr>
-        <p:spPr>
-          <a:xfrm>
-            <a:off x="6172200" y="1825625"/>
-            <a:ext cx="5181600" cy="4351338"/>
-          </a:xfrm>
-        </p:spPr>
+          <p:cNvPr id="6" name="Footer Placeholder 5"/>
+          <p:cNvSpPr>
+            <a:spLocks noGrp="1"/>
+          </p:cNvSpPr>
+          <p:nvPr>
+            <p:ph type="ftr" sz="quarter" idx="11"/>
+          </p:nvPr>
+        </p:nvSpPr>
+        <p:spPr/>
         <p:txBody>
           <a:bodyPr/>
           <a:lstStyle/>
           <a:p>
-            <a:pPr lvl="0"/>
-            <a:r>
-              <a:rPr kumimoji="1" lang="ja-JP" altLang="en-US" smtClean="0"/>
-              <a:t>マスター テキストの書式設定</a:t>
-            </a:r>
-          </a:p>
-          <a:p>
-            <a:pPr lvl="1"/>
-            <a:r>
-              <a:rPr kumimoji="1" lang="ja-JP" altLang="en-US" smtClean="0"/>
-              <a:t>第 </a:t>
-            </a:r>
-            <a:r>
-              <a:rPr kumimoji="1" lang="en-US" altLang="ja-JP" smtClean="0"/>
-              <a:t>2 </a:t>
-            </a:r>
-            <a:r>
-              <a:rPr kumimoji="1" lang="ja-JP" altLang="en-US" smtClean="0"/>
-              <a:t>レベル</a:t>
-            </a:r>
-          </a:p>
-          <a:p>
-            <a:pPr lvl="2"/>
-            <a:r>
-              <a:rPr kumimoji="1" lang="ja-JP" altLang="en-US" smtClean="0"/>
-              <a:t>第 </a:t>
-            </a:r>
-            <a:r>
-              <a:rPr kumimoji="1" lang="en-US" altLang="ja-JP" smtClean="0"/>
-              <a:t>3 </a:t>
-            </a:r>
-            <a:r>
-              <a:rPr kumimoji="1" lang="ja-JP" altLang="en-US" smtClean="0"/>
-              <a:t>レベル</a:t>
-            </a:r>
-          </a:p>
-          <a:p>
-            <a:pPr lvl="3"/>
-            <a:r>
-              <a:rPr kumimoji="1" lang="ja-JP" altLang="en-US" smtClean="0"/>
-              <a:t>第 </a:t>
-            </a:r>
-            <a:r>
-              <a:rPr kumimoji="1" lang="en-US" altLang="ja-JP" smtClean="0"/>
-              <a:t>4 </a:t>
-            </a:r>
-            <a:r>
-              <a:rPr kumimoji="1" lang="ja-JP" altLang="en-US" smtClean="0"/>
-              <a:t>レベル</a:t>
-            </a:r>
-          </a:p>
-          <a:p>
-            <a:pPr lvl="4"/>
-            <a:r>
-              <a:rPr kumimoji="1" lang="ja-JP" altLang="en-US" smtClean="0"/>
-              <a:t>第 </a:t>
-            </a:r>
-            <a:r>
-              <a:rPr kumimoji="1" lang="en-US" altLang="ja-JP" smtClean="0"/>
-              <a:t>5 </a:t>
-            </a:r>
-            <a:r>
-              <a:rPr kumimoji="1" lang="ja-JP" altLang="en-US" smtClean="0"/>
-              <a:t>レベル</a:t>
-            </a:r>
             <a:endParaRPr kumimoji="1" lang="ja-JP" altLang="en-US"/>
           </a:p>
         </p:txBody>
       </p:sp>
       <p:sp>
         <p:nvSpPr>
-          <p:cNvPr id="5" name="日付プレースホルダー 4"/>
-          <p:cNvSpPr>
-            <a:spLocks noGrp="1"/>
-          </p:cNvSpPr>
-          <p:nvPr>
-            <p:ph type="dt" sz="half" idx="10"/>
-          </p:nvPr>
-        </p:nvSpPr>
-        <p:spPr/>
-        <p:txBody>
-          <a:bodyPr/>
-          <a:lstStyle/>
-          <a:p>
-            <a:fld id="{24FBA86E-0CF7-4B0C-9D39-30686EFB7BF4}" type="datetimeFigureOut">
-              <a:rPr kumimoji="1" lang="ja-JP" altLang="en-US" smtClean="0"/>
-              <a:t>2022/12/14</a:t>
-            </a:fld>
-            <a:endParaRPr kumimoji="1" lang="ja-JP" altLang="en-US"/>
-          </a:p>
-        </p:txBody>
-      </p:sp>
-      <p:sp>
-        <p:nvSpPr>
-          <p:cNvPr id="6" name="フッター プレースホルダー 5"/>
-          <p:cNvSpPr>
-            <a:spLocks noGrp="1"/>
-          </p:cNvSpPr>
-          <p:nvPr>
-            <p:ph type="ftr" sz="quarter" idx="11"/>
-          </p:nvPr>
-        </p:nvSpPr>
-        <p:spPr/>
-        <p:txBody>
-          <a:bodyPr/>
-          <a:lstStyle/>
-          <a:p>
-            <a:endParaRPr kumimoji="1" lang="ja-JP" altLang="en-US"/>
-          </a:p>
-        </p:txBody>
-      </p:sp>
-      <p:sp>
-        <p:nvSpPr>
-          <p:cNvPr id="7" name="スライド番号プレースホルダー 6"/>
+          <p:cNvPr id="7" name="Slide Number Placeholder 6"/>
           <p:cNvSpPr>
             <a:spLocks noGrp="1"/>
           </p:cNvSpPr>
@@ -1937,7 +4575,7 @@
     </p:spTree>
     <p:extLst>
       <p:ext uri="{BB962C8B-B14F-4D97-AF65-F5344CB8AC3E}">
-        <p14:creationId xmlns:p14="http://schemas.microsoft.com/office/powerpoint/2010/main" val="4018927765"/>
+        <p14:creationId xmlns:p14="http://schemas.microsoft.com/office/powerpoint/2010/main" val="4207783676"/>
       </p:ext>
     </p:extLst>
   </p:cSld>
@@ -1964,9 +4602,69 @@
           <a:chExt cx="0" cy="0"/>
         </a:xfrm>
       </p:grpSpPr>
-      <p:sp>
-        <p:nvSpPr>
-          <p:cNvPr id="2" name="タイトル 1"/>
+      <p:pic>
+        <p:nvPicPr>
+          <p:cNvPr id="20" name="Picture 19" descr="Slate-V2-HD-compPhotoInset.png"/>
+          <p:cNvPicPr>
+            <a:picLocks noChangeAspect="1"/>
+          </p:cNvPicPr>
+          <p:nvPr/>
+        </p:nvPicPr>
+        <p:blipFill>
+          <a:blip r:embed="rId2">
+            <a:extLst>
+              <a:ext uri="{28A0092B-C50C-407E-A947-70E740481C1C}">
+                <a14:useLocalDpi xmlns:a14="http://schemas.microsoft.com/office/drawing/2010/main" val="0"/>
+              </a:ext>
+            </a:extLst>
+          </a:blip>
+          <a:stretch>
+            <a:fillRect/>
+          </a:stretch>
+        </p:blipFill>
+        <p:spPr>
+          <a:xfrm>
+            <a:off x="913795" y="1734506"/>
+            <a:ext cx="5089072" cy="4148769"/>
+          </a:xfrm>
+          <a:prstGeom prst="rect">
+            <a:avLst/>
+          </a:prstGeom>
+        </p:spPr>
+      </p:pic>
+      <p:pic>
+        <p:nvPicPr>
+          <p:cNvPr id="21" name="Picture 20" descr="Slate-V2-HD-compPhotoInset.png"/>
+          <p:cNvPicPr>
+            <a:picLocks noChangeAspect="1"/>
+          </p:cNvPicPr>
+          <p:nvPr/>
+        </p:nvPicPr>
+        <p:blipFill>
+          <a:blip r:embed="rId2">
+            <a:extLst>
+              <a:ext uri="{28A0092B-C50C-407E-A947-70E740481C1C}">
+                <a14:useLocalDpi xmlns:a14="http://schemas.microsoft.com/office/drawing/2010/main" val="0"/>
+              </a:ext>
+            </a:extLst>
+          </a:blip>
+          <a:stretch>
+            <a:fillRect/>
+          </a:stretch>
+        </p:blipFill>
+        <p:spPr>
+          <a:xfrm>
+            <a:off x="6178485" y="1734506"/>
+            <a:ext cx="5089072" cy="4148769"/>
+          </a:xfrm>
+          <a:prstGeom prst="rect">
+            <a:avLst/>
+          </a:prstGeom>
+        </p:spPr>
+      </p:pic>
+      <p:sp>
+        <p:nvSpPr>
+          <p:cNvPr id="2" name="Title 1"/>
           <p:cNvSpPr>
             <a:spLocks noGrp="1"/>
           </p:cNvSpPr>
@@ -1974,27 +4672,26 @@
             <p:ph type="title"/>
           </p:nvPr>
         </p:nvSpPr>
-        <p:spPr>
-          <a:xfrm>
-            <a:off x="839788" y="365125"/>
-            <a:ext cx="10515600" cy="1325563"/>
-          </a:xfrm>
-        </p:spPr>
+        <p:spPr/>
         <p:txBody>
           <a:bodyPr/>
-          <a:lstStyle/>
-          <a:p>
-            <a:r>
-              <a:rPr kumimoji="1" lang="ja-JP" altLang="en-US" smtClean="0"/>
+          <a:lstStyle>
+            <a:lvl1pPr>
+              <a:defRPr/>
+            </a:lvl1pPr>
+          </a:lstStyle>
+          <a:p>
+            <a:r>
+              <a:rPr lang="ja-JP" altLang="en-US" smtClean="0"/>
               <a:t>マスター タイトルの書式設定</a:t>
             </a:r>
-            <a:endParaRPr kumimoji="1" lang="ja-JP" altLang="en-US"/>
-          </a:p>
-        </p:txBody>
-      </p:sp>
-      <p:sp>
-        <p:nvSpPr>
-          <p:cNvPr id="3" name="テキスト プレースホルダー 2"/>
+            <a:endParaRPr lang="en-US" dirty="0"/>
+          </a:p>
+        </p:txBody>
+      </p:sp>
+      <p:sp>
+        <p:nvSpPr>
+          <p:cNvPr id="3" name="Text Placeholder 2"/>
           <p:cNvSpPr>
             <a:spLocks noGrp="1"/>
           </p:cNvSpPr>
@@ -2004,16 +4701,18 @@
         </p:nvSpPr>
         <p:spPr>
           <a:xfrm>
-            <a:off x="839788" y="1681163"/>
-            <a:ext cx="5157787" cy="823912"/>
-          </a:xfrm>
-        </p:spPr>
-        <p:txBody>
-          <a:bodyPr anchor="b"/>
+            <a:off x="1005872" y="1835254"/>
+            <a:ext cx="4876344" cy="544884"/>
+          </a:xfrm>
+        </p:spPr>
+        <p:txBody>
+          <a:bodyPr anchor="b">
+            <a:noAutofit/>
+          </a:bodyPr>
           <a:lstStyle>
-            <a:lvl1pPr marL="0" indent="0">
-              <a:buNone/>
-              <a:defRPr sz="2400" b="1"/>
+            <a:lvl1pPr marL="0" indent="0" algn="ctr">
+              <a:buNone/>
+              <a:defRPr sz="2400" b="0"/>
             </a:lvl1pPr>
             <a:lvl2pPr marL="457200" indent="0">
               <a:buNone/>
@@ -2051,7 +4750,7 @@
           <a:p>
             <a:pPr lvl="0"/>
             <a:r>
-              <a:rPr kumimoji="1" lang="ja-JP" altLang="en-US" smtClean="0"/>
+              <a:rPr lang="ja-JP" altLang="en-US" smtClean="0"/>
               <a:t>マスター テキストの書式設定</a:t>
             </a:r>
           </a:p>
@@ -2059,7 +4758,7 @@
       </p:sp>
       <p:sp>
         <p:nvSpPr>
-          <p:cNvPr id="4" name="コンテンツ プレースホルダー 3"/>
+          <p:cNvPr id="4" name="Content Placeholder 3"/>
           <p:cNvSpPr>
             <a:spLocks noGrp="1"/>
           </p:cNvSpPr>
@@ -2069,86 +4768,104 @@
         </p:nvSpPr>
         <p:spPr>
           <a:xfrm>
-            <a:off x="839788" y="2505075"/>
-            <a:ext cx="5157787" cy="3684588"/>
-          </a:xfrm>
-        </p:spPr>
-        <p:txBody>
-          <a:bodyPr/>
-          <a:lstStyle/>
+            <a:off x="1005872" y="2380137"/>
+            <a:ext cx="4876344" cy="3411063"/>
+          </a:xfrm>
+        </p:spPr>
+        <p:txBody>
+          <a:bodyPr anchor="t">
+            <a:normAutofit/>
+          </a:bodyPr>
+          <a:lstStyle>
+            <a:lvl1pPr>
+              <a:defRPr sz="1800"/>
+            </a:lvl1pPr>
+            <a:lvl2pPr>
+              <a:defRPr sz="1600"/>
+            </a:lvl2pPr>
+            <a:lvl3pPr>
+              <a:defRPr sz="1400"/>
+            </a:lvl3pPr>
+            <a:lvl4pPr>
+              <a:defRPr sz="1200"/>
+            </a:lvl4pPr>
+            <a:lvl5pPr>
+              <a:defRPr sz="1200"/>
+            </a:lvl5pPr>
+          </a:lstStyle>
           <a:p>
             <a:pPr lvl="0"/>
             <a:r>
-              <a:rPr kumimoji="1" lang="ja-JP" altLang="en-US" smtClean="0"/>
+              <a:rPr lang="ja-JP" altLang="en-US" smtClean="0"/>
               <a:t>マスター テキストの書式設定</a:t>
             </a:r>
           </a:p>
           <a:p>
             <a:pPr lvl="1"/>
             <a:r>
-              <a:rPr kumimoji="1" lang="ja-JP" altLang="en-US" smtClean="0"/>
+              <a:rPr lang="ja-JP" altLang="en-US" smtClean="0"/>
               <a:t>第 </a:t>
             </a:r>
             <a:r>
-              <a:rPr kumimoji="1" lang="en-US" altLang="ja-JP" smtClean="0"/>
+              <a:rPr lang="en-US" altLang="ja-JP" smtClean="0"/>
               <a:t>2 </a:t>
             </a:r>
             <a:r>
-              <a:rPr kumimoji="1" lang="ja-JP" altLang="en-US" smtClean="0"/>
+              <a:rPr lang="ja-JP" altLang="en-US" smtClean="0"/>
               <a:t>レベル</a:t>
             </a:r>
           </a:p>
           <a:p>
             <a:pPr lvl="2"/>
             <a:r>
-              <a:rPr kumimoji="1" lang="ja-JP" altLang="en-US" smtClean="0"/>
+              <a:rPr lang="ja-JP" altLang="en-US" smtClean="0"/>
               <a:t>第 </a:t>
             </a:r>
             <a:r>
-              <a:rPr kumimoji="1" lang="en-US" altLang="ja-JP" smtClean="0"/>
+              <a:rPr lang="en-US" altLang="ja-JP" smtClean="0"/>
               <a:t>3 </a:t>
             </a:r>
             <a:r>
-              <a:rPr kumimoji="1" lang="ja-JP" altLang="en-US" smtClean="0"/>
+              <a:rPr lang="ja-JP" altLang="en-US" smtClean="0"/>
               <a:t>レベル</a:t>
             </a:r>
           </a:p>
           <a:p>
             <a:pPr lvl="3"/>
             <a:r>
-              <a:rPr kumimoji="1" lang="ja-JP" altLang="en-US" smtClean="0"/>
+              <a:rPr lang="ja-JP" altLang="en-US" smtClean="0"/>
               <a:t>第 </a:t>
             </a:r>
             <a:r>
-              <a:rPr kumimoji="1" lang="en-US" altLang="ja-JP" smtClean="0"/>
+              <a:rPr lang="en-US" altLang="ja-JP" smtClean="0"/>
               <a:t>4 </a:t>
             </a:r>
             <a:r>
-              <a:rPr kumimoji="1" lang="ja-JP" altLang="en-US" smtClean="0"/>
+              <a:rPr lang="ja-JP" altLang="en-US" smtClean="0"/>
               <a:t>レベル</a:t>
             </a:r>
           </a:p>
           <a:p>
             <a:pPr lvl="4"/>
             <a:r>
-              <a:rPr kumimoji="1" lang="ja-JP" altLang="en-US" smtClean="0"/>
+              <a:rPr lang="ja-JP" altLang="en-US" smtClean="0"/>
               <a:t>第 </a:t>
             </a:r>
             <a:r>
-              <a:rPr kumimoji="1" lang="en-US" altLang="ja-JP" smtClean="0"/>
+              <a:rPr lang="en-US" altLang="ja-JP" smtClean="0"/>
               <a:t>5 </a:t>
             </a:r>
             <a:r>
-              <a:rPr kumimoji="1" lang="ja-JP" altLang="en-US" smtClean="0"/>
+              <a:rPr lang="ja-JP" altLang="en-US" smtClean="0"/>
               <a:t>レベル</a:t>
             </a:r>
-            <a:endParaRPr kumimoji="1" lang="ja-JP" altLang="en-US"/>
-          </a:p>
-        </p:txBody>
-      </p:sp>
-      <p:sp>
-        <p:nvSpPr>
-          <p:cNvPr id="5" name="テキスト プレースホルダー 4"/>
+            <a:endParaRPr lang="en-US" dirty="0"/>
+          </a:p>
+        </p:txBody>
+      </p:sp>
+      <p:sp>
+        <p:nvSpPr>
+          <p:cNvPr id="5" name="Text Placeholder 4"/>
           <p:cNvSpPr>
             <a:spLocks noGrp="1"/>
           </p:cNvSpPr>
@@ -2158,16 +4875,18 @@
         </p:nvSpPr>
         <p:spPr>
           <a:xfrm>
-            <a:off x="6172200" y="1681163"/>
-            <a:ext cx="5183188" cy="823912"/>
-          </a:xfrm>
-        </p:spPr>
-        <p:txBody>
-          <a:bodyPr anchor="b"/>
+            <a:off x="6294967" y="1835254"/>
+            <a:ext cx="4895330" cy="544883"/>
+          </a:xfrm>
+        </p:spPr>
+        <p:txBody>
+          <a:bodyPr anchor="b">
+            <a:noAutofit/>
+          </a:bodyPr>
           <a:lstStyle>
-            <a:lvl1pPr marL="0" indent="0">
-              <a:buNone/>
-              <a:defRPr sz="2400" b="1"/>
+            <a:lvl1pPr marL="0" indent="0" algn="ctr">
+              <a:buNone/>
+              <a:defRPr sz="2400" b="0"/>
             </a:lvl1pPr>
             <a:lvl2pPr marL="457200" indent="0">
               <a:buNone/>
@@ -2205,7 +4924,7 @@
           <a:p>
             <a:pPr lvl="0"/>
             <a:r>
-              <a:rPr kumimoji="1" lang="ja-JP" altLang="en-US" smtClean="0"/>
+              <a:rPr lang="ja-JP" altLang="en-US" smtClean="0"/>
               <a:t>マスター テキストの書式設定</a:t>
             </a:r>
           </a:p>
@@ -2213,7 +4932,7 @@
       </p:sp>
       <p:sp>
         <p:nvSpPr>
-          <p:cNvPr id="6" name="コンテンツ プレースホルダー 5"/>
+          <p:cNvPr id="6" name="Content Placeholder 5"/>
           <p:cNvSpPr>
             <a:spLocks noGrp="1"/>
           </p:cNvSpPr>
@@ -2223,91 +4942,132 @@
         </p:nvSpPr>
         <p:spPr>
           <a:xfrm>
-            <a:off x="6172200" y="2505075"/>
-            <a:ext cx="5183188" cy="3684588"/>
-          </a:xfrm>
-        </p:spPr>
+            <a:off x="6294967" y="2380137"/>
+            <a:ext cx="4895330" cy="3411063"/>
+          </a:xfrm>
+        </p:spPr>
+        <p:txBody>
+          <a:bodyPr anchor="t">
+            <a:normAutofit/>
+          </a:bodyPr>
+          <a:lstStyle>
+            <a:lvl1pPr>
+              <a:defRPr sz="1800"/>
+            </a:lvl1pPr>
+            <a:lvl2pPr>
+              <a:defRPr sz="1600"/>
+            </a:lvl2pPr>
+            <a:lvl3pPr>
+              <a:defRPr sz="1400"/>
+            </a:lvl3pPr>
+            <a:lvl4pPr>
+              <a:defRPr sz="1200"/>
+            </a:lvl4pPr>
+            <a:lvl5pPr>
+              <a:defRPr sz="1200"/>
+            </a:lvl5pPr>
+          </a:lstStyle>
+          <a:p>
+            <a:pPr lvl="0"/>
+            <a:r>
+              <a:rPr lang="ja-JP" altLang="en-US" smtClean="0"/>
+              <a:t>マスター テキストの書式設定</a:t>
+            </a:r>
+          </a:p>
+          <a:p>
+            <a:pPr lvl="1"/>
+            <a:r>
+              <a:rPr lang="ja-JP" altLang="en-US" smtClean="0"/>
+              <a:t>第 </a:t>
+            </a:r>
+            <a:r>
+              <a:rPr lang="en-US" altLang="ja-JP" smtClean="0"/>
+              <a:t>2 </a:t>
+            </a:r>
+            <a:r>
+              <a:rPr lang="ja-JP" altLang="en-US" smtClean="0"/>
+              <a:t>レベル</a:t>
+            </a:r>
+          </a:p>
+          <a:p>
+            <a:pPr lvl="2"/>
+            <a:r>
+              <a:rPr lang="ja-JP" altLang="en-US" smtClean="0"/>
+              <a:t>第 </a:t>
+            </a:r>
+            <a:r>
+              <a:rPr lang="en-US" altLang="ja-JP" smtClean="0"/>
+              <a:t>3 </a:t>
+            </a:r>
+            <a:r>
+              <a:rPr lang="ja-JP" altLang="en-US" smtClean="0"/>
+              <a:t>レベル</a:t>
+            </a:r>
+          </a:p>
+          <a:p>
+            <a:pPr lvl="3"/>
+            <a:r>
+              <a:rPr lang="ja-JP" altLang="en-US" smtClean="0"/>
+              <a:t>第 </a:t>
+            </a:r>
+            <a:r>
+              <a:rPr lang="en-US" altLang="ja-JP" smtClean="0"/>
+              <a:t>4 </a:t>
+            </a:r>
+            <a:r>
+              <a:rPr lang="ja-JP" altLang="en-US" smtClean="0"/>
+              <a:t>レベル</a:t>
+            </a:r>
+          </a:p>
+          <a:p>
+            <a:pPr lvl="4"/>
+            <a:r>
+              <a:rPr lang="ja-JP" altLang="en-US" smtClean="0"/>
+              <a:t>第 </a:t>
+            </a:r>
+            <a:r>
+              <a:rPr lang="en-US" altLang="ja-JP" smtClean="0"/>
+              <a:t>5 </a:t>
+            </a:r>
+            <a:r>
+              <a:rPr lang="ja-JP" altLang="en-US" smtClean="0"/>
+              <a:t>レベル</a:t>
+            </a:r>
+            <a:endParaRPr lang="en-US" dirty="0"/>
+          </a:p>
+        </p:txBody>
+      </p:sp>
+      <p:sp>
+        <p:nvSpPr>
+          <p:cNvPr id="7" name="Date Placeholder 6"/>
+          <p:cNvSpPr>
+            <a:spLocks noGrp="1"/>
+          </p:cNvSpPr>
+          <p:nvPr>
+            <p:ph type="dt" sz="half" idx="10"/>
+          </p:nvPr>
+        </p:nvSpPr>
+        <p:spPr/>
         <p:txBody>
           <a:bodyPr/>
           <a:lstStyle/>
           <a:p>
-            <a:pPr lvl="0"/>
-            <a:r>
+            <a:fld id="{24FBA86E-0CF7-4B0C-9D39-30686EFB7BF4}" type="datetimeFigureOut">
               <a:rPr kumimoji="1" lang="ja-JP" altLang="en-US" smtClean="0"/>
-              <a:t>マスター テキストの書式設定</a:t>
-            </a:r>
-          </a:p>
-          <a:p>
-            <a:pPr lvl="1"/>
-            <a:r>
-              <a:rPr kumimoji="1" lang="ja-JP" altLang="en-US" smtClean="0"/>
-              <a:t>第 </a:t>
-            </a:r>
-            <a:r>
-              <a:rPr kumimoji="1" lang="en-US" altLang="ja-JP" smtClean="0"/>
-              <a:t>2 </a:t>
-            </a:r>
-            <a:r>
-              <a:rPr kumimoji="1" lang="ja-JP" altLang="en-US" smtClean="0"/>
-              <a:t>レベル</a:t>
-            </a:r>
-          </a:p>
-          <a:p>
-            <a:pPr lvl="2"/>
-            <a:r>
-              <a:rPr kumimoji="1" lang="ja-JP" altLang="en-US" smtClean="0"/>
-              <a:t>第 </a:t>
-            </a:r>
-            <a:r>
-              <a:rPr kumimoji="1" lang="en-US" altLang="ja-JP" smtClean="0"/>
-              <a:t>3 </a:t>
-            </a:r>
-            <a:r>
-              <a:rPr kumimoji="1" lang="ja-JP" altLang="en-US" smtClean="0"/>
-              <a:t>レベル</a:t>
-            </a:r>
-          </a:p>
-          <a:p>
-            <a:pPr lvl="3"/>
-            <a:r>
-              <a:rPr kumimoji="1" lang="ja-JP" altLang="en-US" smtClean="0"/>
-              <a:t>第 </a:t>
-            </a:r>
-            <a:r>
-              <a:rPr kumimoji="1" lang="en-US" altLang="ja-JP" smtClean="0"/>
-              <a:t>4 </a:t>
-            </a:r>
-            <a:r>
-              <a:rPr kumimoji="1" lang="ja-JP" altLang="en-US" smtClean="0"/>
-              <a:t>レベル</a:t>
-            </a:r>
-          </a:p>
-          <a:p>
-            <a:pPr lvl="4"/>
-            <a:r>
-              <a:rPr kumimoji="1" lang="ja-JP" altLang="en-US" smtClean="0"/>
-              <a:t>第 </a:t>
-            </a:r>
-            <a:r>
-              <a:rPr kumimoji="1" lang="en-US" altLang="ja-JP" smtClean="0"/>
-              <a:t>5 </a:t>
-            </a:r>
-            <a:r>
-              <a:rPr kumimoji="1" lang="ja-JP" altLang="en-US" smtClean="0"/>
-              <a:t>レベル</a:t>
-            </a:r>
+              <a:t>2022/12/19</a:t>
+            </a:fld>
             <a:endParaRPr kumimoji="1" lang="ja-JP" altLang="en-US"/>
           </a:p>
         </p:txBody>
       </p:sp>
       <p:sp>
         <p:nvSpPr>
-          <p:cNvPr id="7" name="日付プレースホルダー 6"/>
-          <p:cNvSpPr>
-            <a:spLocks noGrp="1"/>
-          </p:cNvSpPr>
-          <p:nvPr>
-            <p:ph type="dt" sz="half" idx="10"/>
+          <p:cNvPr id="8" name="Footer Placeholder 7"/>
+          <p:cNvSpPr>
+            <a:spLocks noGrp="1"/>
+          </p:cNvSpPr>
+          <p:nvPr>
+            <p:ph type="ftr" sz="quarter" idx="11"/>
           </p:nvPr>
         </p:nvSpPr>
         <p:spPr/>
@@ -2315,36 +5075,13 @@
           <a:bodyPr/>
           <a:lstStyle/>
           <a:p>
-            <a:fld id="{24FBA86E-0CF7-4B0C-9D39-30686EFB7BF4}" type="datetimeFigureOut">
-              <a:rPr kumimoji="1" lang="ja-JP" altLang="en-US" smtClean="0"/>
-              <a:t>2022/12/14</a:t>
-            </a:fld>
             <a:endParaRPr kumimoji="1" lang="ja-JP" altLang="en-US"/>
           </a:p>
         </p:txBody>
       </p:sp>
       <p:sp>
         <p:nvSpPr>
-          <p:cNvPr id="8" name="フッター プレースホルダー 7"/>
-          <p:cNvSpPr>
-            <a:spLocks noGrp="1"/>
-          </p:cNvSpPr>
-          <p:nvPr>
-            <p:ph type="ftr" sz="quarter" idx="11"/>
-          </p:nvPr>
-        </p:nvSpPr>
-        <p:spPr/>
-        <p:txBody>
-          <a:bodyPr/>
-          <a:lstStyle/>
-          <a:p>
-            <a:endParaRPr kumimoji="1" lang="ja-JP" altLang="en-US"/>
-          </a:p>
-        </p:txBody>
-      </p:sp>
-      <p:sp>
-        <p:nvSpPr>
-          <p:cNvPr id="9" name="スライド番号プレースホルダー 8"/>
+          <p:cNvPr id="9" name="Slide Number Placeholder 8"/>
           <p:cNvSpPr>
             <a:spLocks noGrp="1"/>
           </p:cNvSpPr>
@@ -2368,7 +5105,7 @@
     </p:spTree>
     <p:extLst>
       <p:ext uri="{BB962C8B-B14F-4D97-AF65-F5344CB8AC3E}">
-        <p14:creationId xmlns:p14="http://schemas.microsoft.com/office/powerpoint/2010/main" val="2040612277"/>
+        <p14:creationId xmlns:p14="http://schemas.microsoft.com/office/powerpoint/2010/main" val="1554720571"/>
       </p:ext>
     </p:extLst>
   </p:cSld>
@@ -2397,7 +5134,7 @@
       </p:grpSpPr>
       <p:sp>
         <p:nvSpPr>
-          <p:cNvPr id="2" name="タイトル 1"/>
+          <p:cNvPr id="2" name="Title 1"/>
           <p:cNvSpPr>
             <a:spLocks noGrp="1"/>
           </p:cNvSpPr>
@@ -2411,16 +5148,16 @@
           <a:lstStyle/>
           <a:p>
             <a:r>
-              <a:rPr kumimoji="1" lang="ja-JP" altLang="en-US" smtClean="0"/>
+              <a:rPr lang="ja-JP" altLang="en-US" smtClean="0"/>
               <a:t>マスター タイトルの書式設定</a:t>
             </a:r>
-            <a:endParaRPr kumimoji="1" lang="ja-JP" altLang="en-US"/>
-          </a:p>
-        </p:txBody>
-      </p:sp>
-      <p:sp>
-        <p:nvSpPr>
-          <p:cNvPr id="3" name="日付プレースホルダー 2"/>
+            <a:endParaRPr lang="en-US" dirty="0"/>
+          </a:p>
+        </p:txBody>
+      </p:sp>
+      <p:sp>
+        <p:nvSpPr>
+          <p:cNvPr id="3" name="Date Placeholder 2"/>
           <p:cNvSpPr>
             <a:spLocks noGrp="1"/>
           </p:cNvSpPr>
@@ -2435,7 +5172,7 @@
           <a:p>
             <a:fld id="{24FBA86E-0CF7-4B0C-9D39-30686EFB7BF4}" type="datetimeFigureOut">
               <a:rPr kumimoji="1" lang="ja-JP" altLang="en-US" smtClean="0"/>
-              <a:t>2022/12/14</a:t>
+              <a:t>2022/12/19</a:t>
             </a:fld>
             <a:endParaRPr kumimoji="1" lang="ja-JP" altLang="en-US"/>
           </a:p>
@@ -2443,7 +5180,7 @@
       </p:sp>
       <p:sp>
         <p:nvSpPr>
-          <p:cNvPr id="4" name="フッター プレースホルダー 3"/>
+          <p:cNvPr id="4" name="Footer Placeholder 3"/>
           <p:cNvSpPr>
             <a:spLocks noGrp="1"/>
           </p:cNvSpPr>
@@ -2462,7 +5199,7 @@
       </p:sp>
       <p:sp>
         <p:nvSpPr>
-          <p:cNvPr id="5" name="スライド番号プレースホルダー 4"/>
+          <p:cNvPr id="5" name="Slide Number Placeholder 4"/>
           <p:cNvSpPr>
             <a:spLocks noGrp="1"/>
           </p:cNvSpPr>
@@ -2486,7 +5223,7 @@
     </p:spTree>
     <p:extLst>
       <p:ext uri="{BB962C8B-B14F-4D97-AF65-F5344CB8AC3E}">
-        <p14:creationId xmlns:p14="http://schemas.microsoft.com/office/powerpoint/2010/main" val="738037299"/>
+        <p14:creationId xmlns:p14="http://schemas.microsoft.com/office/powerpoint/2010/main" val="2499339928"/>
       </p:ext>
     </p:extLst>
   </p:cSld>
@@ -2515,7 +5252,7 @@
       </p:grpSpPr>
       <p:sp>
         <p:nvSpPr>
-          <p:cNvPr id="2" name="日付プレースホルダー 1"/>
+          <p:cNvPr id="2" name="Date Placeholder 1"/>
           <p:cNvSpPr>
             <a:spLocks noGrp="1"/>
           </p:cNvSpPr>
@@ -2530,7 +5267,7 @@
           <a:p>
             <a:fld id="{24FBA86E-0CF7-4B0C-9D39-30686EFB7BF4}" type="datetimeFigureOut">
               <a:rPr kumimoji="1" lang="ja-JP" altLang="en-US" smtClean="0"/>
-              <a:t>2022/12/14</a:t>
+              <a:t>2022/12/19</a:t>
             </a:fld>
             <a:endParaRPr kumimoji="1" lang="ja-JP" altLang="en-US"/>
           </a:p>
@@ -2538,7 +5275,7 @@
       </p:sp>
       <p:sp>
         <p:nvSpPr>
-          <p:cNvPr id="3" name="フッター プレースホルダー 2"/>
+          <p:cNvPr id="3" name="Footer Placeholder 2"/>
           <p:cNvSpPr>
             <a:spLocks noGrp="1"/>
           </p:cNvSpPr>
@@ -2557,7 +5294,7 @@
       </p:sp>
       <p:sp>
         <p:nvSpPr>
-          <p:cNvPr id="4" name="スライド番号プレースホルダー 3"/>
+          <p:cNvPr id="4" name="Slide Number Placeholder 3"/>
           <p:cNvSpPr>
             <a:spLocks noGrp="1"/>
           </p:cNvSpPr>
@@ -2581,7 +5318,7 @@
     </p:spTree>
     <p:extLst>
       <p:ext uri="{BB962C8B-B14F-4D97-AF65-F5344CB8AC3E}">
-        <p14:creationId xmlns:p14="http://schemas.microsoft.com/office/powerpoint/2010/main" val="3807890013"/>
+        <p14:creationId xmlns:p14="http://schemas.microsoft.com/office/powerpoint/2010/main" val="1870478860"/>
       </p:ext>
     </p:extLst>
   </p:cSld>
@@ -2610,7 +5347,7 @@
       </p:grpSpPr>
       <p:sp>
         <p:nvSpPr>
-          <p:cNvPr id="2" name="タイトル 1"/>
+          <p:cNvPr id="2" name="Title 1"/>
           <p:cNvSpPr>
             <a:spLocks noGrp="1"/>
           </p:cNvSpPr>
@@ -2620,29 +5357,31 @@
         </p:nvSpPr>
         <p:spPr>
           <a:xfrm>
-            <a:off x="839788" y="457200"/>
-            <a:ext cx="3932237" cy="1600200"/>
-          </a:xfrm>
-        </p:spPr>
-        <p:txBody>
-          <a:bodyPr anchor="b"/>
+            <a:off x="913795" y="609600"/>
+            <a:ext cx="3706889" cy="1821918"/>
+          </a:xfrm>
+        </p:spPr>
+        <p:txBody>
+          <a:bodyPr anchor="b">
+            <a:normAutofit/>
+          </a:bodyPr>
           <a:lstStyle>
-            <a:lvl1pPr>
-              <a:defRPr sz="3200"/>
+            <a:lvl1pPr algn="ctr">
+              <a:defRPr sz="2400" b="0"/>
             </a:lvl1pPr>
           </a:lstStyle>
           <a:p>
             <a:r>
-              <a:rPr kumimoji="1" lang="ja-JP" altLang="en-US" smtClean="0"/>
+              <a:rPr lang="ja-JP" altLang="en-US" smtClean="0"/>
               <a:t>マスター タイトルの書式設定</a:t>
             </a:r>
-            <a:endParaRPr kumimoji="1" lang="ja-JP" altLang="en-US"/>
-          </a:p>
-        </p:txBody>
-      </p:sp>
-      <p:sp>
-        <p:nvSpPr>
-          <p:cNvPr id="3" name="コンテンツ プレースホルダー 2"/>
+            <a:endParaRPr lang="en-US" dirty="0"/>
+          </a:p>
+        </p:txBody>
+      </p:sp>
+      <p:sp>
+        <p:nvSpPr>
+          <p:cNvPr id="3" name="Content Placeholder 2"/>
           <p:cNvSpPr>
             <a:spLocks noGrp="1"/>
           </p:cNvSpPr>
@@ -2652,171 +5391,147 @@
         </p:nvSpPr>
         <p:spPr>
           <a:xfrm>
-            <a:off x="5183188" y="987425"/>
-            <a:ext cx="6172200" cy="4873625"/>
-          </a:xfrm>
-        </p:spPr>
-        <p:txBody>
-          <a:bodyPr/>
+            <a:off x="4855633" y="609600"/>
+            <a:ext cx="6411924" cy="5181600"/>
+          </a:xfrm>
+        </p:spPr>
+        <p:txBody>
+          <a:bodyPr>
+            <a:normAutofit/>
+          </a:bodyPr>
+          <a:lstStyle/>
+          <a:p>
+            <a:pPr lvl="0"/>
+            <a:r>
+              <a:rPr lang="ja-JP" altLang="en-US" smtClean="0"/>
+              <a:t>マスター テキストの書式設定</a:t>
+            </a:r>
+          </a:p>
+          <a:p>
+            <a:pPr lvl="1"/>
+            <a:r>
+              <a:rPr lang="ja-JP" altLang="en-US" smtClean="0"/>
+              <a:t>第 </a:t>
+            </a:r>
+            <a:r>
+              <a:rPr lang="en-US" altLang="ja-JP" smtClean="0"/>
+              <a:t>2 </a:t>
+            </a:r>
+            <a:r>
+              <a:rPr lang="ja-JP" altLang="en-US" smtClean="0"/>
+              <a:t>レベル</a:t>
+            </a:r>
+          </a:p>
+          <a:p>
+            <a:pPr lvl="2"/>
+            <a:r>
+              <a:rPr lang="ja-JP" altLang="en-US" smtClean="0"/>
+              <a:t>第 </a:t>
+            </a:r>
+            <a:r>
+              <a:rPr lang="en-US" altLang="ja-JP" smtClean="0"/>
+              <a:t>3 </a:t>
+            </a:r>
+            <a:r>
+              <a:rPr lang="ja-JP" altLang="en-US" smtClean="0"/>
+              <a:t>レベル</a:t>
+            </a:r>
+          </a:p>
+          <a:p>
+            <a:pPr lvl="3"/>
+            <a:r>
+              <a:rPr lang="ja-JP" altLang="en-US" smtClean="0"/>
+              <a:t>第 </a:t>
+            </a:r>
+            <a:r>
+              <a:rPr lang="en-US" altLang="ja-JP" smtClean="0"/>
+              <a:t>4 </a:t>
+            </a:r>
+            <a:r>
+              <a:rPr lang="ja-JP" altLang="en-US" smtClean="0"/>
+              <a:t>レベル</a:t>
+            </a:r>
+          </a:p>
+          <a:p>
+            <a:pPr lvl="4"/>
+            <a:r>
+              <a:rPr lang="ja-JP" altLang="en-US" smtClean="0"/>
+              <a:t>第 </a:t>
+            </a:r>
+            <a:r>
+              <a:rPr lang="en-US" altLang="ja-JP" smtClean="0"/>
+              <a:t>5 </a:t>
+            </a:r>
+            <a:r>
+              <a:rPr lang="ja-JP" altLang="en-US" smtClean="0"/>
+              <a:t>レベル</a:t>
+            </a:r>
+            <a:endParaRPr lang="en-US" dirty="0"/>
+          </a:p>
+        </p:txBody>
+      </p:sp>
+      <p:sp>
+        <p:nvSpPr>
+          <p:cNvPr id="4" name="Text Placeholder 3"/>
+          <p:cNvSpPr>
+            <a:spLocks noGrp="1"/>
+          </p:cNvSpPr>
+          <p:nvPr>
+            <p:ph type="body" sz="half" idx="2"/>
+          </p:nvPr>
+        </p:nvSpPr>
+        <p:spPr>
+          <a:xfrm>
+            <a:off x="913795" y="2431518"/>
+            <a:ext cx="3706889" cy="3359681"/>
+          </a:xfrm>
+        </p:spPr>
+        <p:txBody>
+          <a:bodyPr anchor="t">
+            <a:normAutofit/>
+          </a:bodyPr>
           <a:lstStyle>
-            <a:lvl1pPr>
-              <a:defRPr sz="3200"/>
-            </a:lvl1pPr>
-            <a:lvl2pPr>
-              <a:defRPr sz="2800"/>
-            </a:lvl2pPr>
-            <a:lvl3pPr>
-              <a:defRPr sz="2400"/>
-            </a:lvl3pPr>
-            <a:lvl4pPr>
-              <a:defRPr sz="2000"/>
-            </a:lvl4pPr>
-            <a:lvl5pPr>
-              <a:defRPr sz="2000"/>
-            </a:lvl5pPr>
-            <a:lvl6pPr>
-              <a:defRPr sz="2000"/>
-            </a:lvl6pPr>
-            <a:lvl7pPr>
-              <a:defRPr sz="2000"/>
-            </a:lvl7pPr>
-            <a:lvl8pPr>
-              <a:defRPr sz="2000"/>
-            </a:lvl8pPr>
-            <a:lvl9pPr>
-              <a:defRPr sz="2000"/>
-            </a:lvl9pPr>
-          </a:lstStyle>
-          <a:p>
-            <a:pPr lvl="0"/>
-            <a:r>
-              <a:rPr kumimoji="1" lang="ja-JP" altLang="en-US" smtClean="0"/>
-              <a:t>マスター テキストの書式設定</a:t>
-            </a:r>
-          </a:p>
-          <a:p>
-            <a:pPr lvl="1"/>
-            <a:r>
-              <a:rPr kumimoji="1" lang="ja-JP" altLang="en-US" smtClean="0"/>
-              <a:t>第 </a:t>
-            </a:r>
-            <a:r>
-              <a:rPr kumimoji="1" lang="en-US" altLang="ja-JP" smtClean="0"/>
-              <a:t>2 </a:t>
-            </a:r>
-            <a:r>
-              <a:rPr kumimoji="1" lang="ja-JP" altLang="en-US" smtClean="0"/>
-              <a:t>レベル</a:t>
-            </a:r>
-          </a:p>
-          <a:p>
-            <a:pPr lvl="2"/>
-            <a:r>
-              <a:rPr kumimoji="1" lang="ja-JP" altLang="en-US" smtClean="0"/>
-              <a:t>第 </a:t>
-            </a:r>
-            <a:r>
-              <a:rPr kumimoji="1" lang="en-US" altLang="ja-JP" smtClean="0"/>
-              <a:t>3 </a:t>
-            </a:r>
-            <a:r>
-              <a:rPr kumimoji="1" lang="ja-JP" altLang="en-US" smtClean="0"/>
-              <a:t>レベル</a:t>
-            </a:r>
-          </a:p>
-          <a:p>
-            <a:pPr lvl="3"/>
-            <a:r>
-              <a:rPr kumimoji="1" lang="ja-JP" altLang="en-US" smtClean="0"/>
-              <a:t>第 </a:t>
-            </a:r>
-            <a:r>
-              <a:rPr kumimoji="1" lang="en-US" altLang="ja-JP" smtClean="0"/>
-              <a:t>4 </a:t>
-            </a:r>
-            <a:r>
-              <a:rPr kumimoji="1" lang="ja-JP" altLang="en-US" smtClean="0"/>
-              <a:t>レベル</a:t>
-            </a:r>
-          </a:p>
-          <a:p>
-            <a:pPr lvl="4"/>
-            <a:r>
-              <a:rPr kumimoji="1" lang="ja-JP" altLang="en-US" smtClean="0"/>
-              <a:t>第 </a:t>
-            </a:r>
-            <a:r>
-              <a:rPr kumimoji="1" lang="en-US" altLang="ja-JP" smtClean="0"/>
-              <a:t>5 </a:t>
-            </a:r>
-            <a:r>
-              <a:rPr kumimoji="1" lang="ja-JP" altLang="en-US" smtClean="0"/>
-              <a:t>レベル</a:t>
-            </a:r>
-            <a:endParaRPr kumimoji="1" lang="ja-JP" altLang="en-US"/>
-          </a:p>
-        </p:txBody>
-      </p:sp>
-      <p:sp>
-        <p:nvSpPr>
-          <p:cNvPr id="4" name="テキスト プレースホルダー 3"/>
-          <p:cNvSpPr>
-            <a:spLocks noGrp="1"/>
-          </p:cNvSpPr>
-          <p:nvPr>
-            <p:ph type="body" sz="half" idx="2"/>
-          </p:nvPr>
-        </p:nvSpPr>
-        <p:spPr>
-          <a:xfrm>
-            <a:off x="839788" y="2057400"/>
-            <a:ext cx="3932237" cy="3811588"/>
-          </a:xfrm>
-        </p:spPr>
-        <p:txBody>
-          <a:bodyPr/>
-          <a:lstStyle>
-            <a:lvl1pPr marL="0" indent="0">
+            <a:lvl1pPr marL="0" indent="0" algn="ctr">
               <a:buNone/>
               <a:defRPr sz="1600"/>
             </a:lvl1pPr>
             <a:lvl2pPr marL="457200" indent="0">
               <a:buNone/>
-              <a:defRPr sz="1400"/>
+              <a:defRPr sz="1200"/>
             </a:lvl2pPr>
             <a:lvl3pPr marL="914400" indent="0">
               <a:buNone/>
-              <a:defRPr sz="1200"/>
+              <a:defRPr sz="1000"/>
             </a:lvl3pPr>
             <a:lvl4pPr marL="1371600" indent="0">
               <a:buNone/>
-              <a:defRPr sz="1000"/>
+              <a:defRPr sz="900"/>
             </a:lvl4pPr>
             <a:lvl5pPr marL="1828800" indent="0">
               <a:buNone/>
-              <a:defRPr sz="1000"/>
+              <a:defRPr sz="900"/>
             </a:lvl5pPr>
             <a:lvl6pPr marL="2286000" indent="0">
               <a:buNone/>
-              <a:defRPr sz="1000"/>
+              <a:defRPr sz="900"/>
             </a:lvl6pPr>
             <a:lvl7pPr marL="2743200" indent="0">
               <a:buNone/>
-              <a:defRPr sz="1000"/>
+              <a:defRPr sz="900"/>
             </a:lvl7pPr>
             <a:lvl8pPr marL="3200400" indent="0">
               <a:buNone/>
-              <a:defRPr sz="1000"/>
+              <a:defRPr sz="900"/>
             </a:lvl8pPr>
             <a:lvl9pPr marL="3657600" indent="0">
               <a:buNone/>
-              <a:defRPr sz="1000"/>
+              <a:defRPr sz="900"/>
             </a:lvl9pPr>
           </a:lstStyle>
           <a:p>
             <a:pPr lvl="0"/>
             <a:r>
-              <a:rPr kumimoji="1" lang="ja-JP" altLang="en-US" smtClean="0"/>
+              <a:rPr lang="ja-JP" altLang="en-US" smtClean="0"/>
               <a:t>マスター テキストの書式設定</a:t>
             </a:r>
           </a:p>
@@ -2824,7 +5539,7 @@
       </p:sp>
       <p:sp>
         <p:nvSpPr>
-          <p:cNvPr id="5" name="日付プレースホルダー 4"/>
+          <p:cNvPr id="5" name="Date Placeholder 4"/>
           <p:cNvSpPr>
             <a:spLocks noGrp="1"/>
           </p:cNvSpPr>
@@ -2839,7 +5554,7 @@
           <a:p>
             <a:fld id="{24FBA86E-0CF7-4B0C-9D39-30686EFB7BF4}" type="datetimeFigureOut">
               <a:rPr kumimoji="1" lang="ja-JP" altLang="en-US" smtClean="0"/>
-              <a:t>2022/12/14</a:t>
+              <a:t>2022/12/19</a:t>
             </a:fld>
             <a:endParaRPr kumimoji="1" lang="ja-JP" altLang="en-US"/>
           </a:p>
@@ -2847,7 +5562,7 @@
       </p:sp>
       <p:sp>
         <p:nvSpPr>
-          <p:cNvPr id="6" name="フッター プレースホルダー 5"/>
+          <p:cNvPr id="6" name="Footer Placeholder 5"/>
           <p:cNvSpPr>
             <a:spLocks noGrp="1"/>
           </p:cNvSpPr>
@@ -2866,7 +5581,7 @@
       </p:sp>
       <p:sp>
         <p:nvSpPr>
-          <p:cNvPr id="7" name="スライド番号プレースホルダー 6"/>
+          <p:cNvPr id="7" name="Slide Number Placeholder 6"/>
           <p:cNvSpPr>
             <a:spLocks noGrp="1"/>
           </p:cNvSpPr>
@@ -2890,7 +5605,7 @@
     </p:spTree>
     <p:extLst>
       <p:ext uri="{BB962C8B-B14F-4D97-AF65-F5344CB8AC3E}">
-        <p14:creationId xmlns:p14="http://schemas.microsoft.com/office/powerpoint/2010/main" val="2479520735"/>
+        <p14:creationId xmlns:p14="http://schemas.microsoft.com/office/powerpoint/2010/main" val="2342880101"/>
       </p:ext>
     </p:extLst>
   </p:cSld>
@@ -2917,9 +5632,39 @@
           <a:chExt cx="0" cy="0"/>
         </a:xfrm>
       </p:grpSpPr>
-      <p:sp>
-        <p:nvSpPr>
-          <p:cNvPr id="2" name="タイトル 1"/>
+      <p:pic>
+        <p:nvPicPr>
+          <p:cNvPr id="22" name="Picture 21" descr="Slate-V2-HD-vertPhotoInset.png"/>
+          <p:cNvPicPr>
+            <a:picLocks noChangeAspect="1"/>
+          </p:cNvPicPr>
+          <p:nvPr/>
+        </p:nvPicPr>
+        <p:blipFill>
+          <a:blip r:embed="rId2">
+            <a:extLst>
+              <a:ext uri="{28A0092B-C50C-407E-A947-70E740481C1C}">
+                <a14:useLocalDpi xmlns:a14="http://schemas.microsoft.com/office/drawing/2010/main" val="0"/>
+              </a:ext>
+            </a:extLst>
+          </a:blip>
+          <a:stretch>
+            <a:fillRect/>
+          </a:stretch>
+        </p:blipFill>
+        <p:spPr>
+          <a:xfrm>
+            <a:off x="7293665" y="609600"/>
+            <a:ext cx="3584166" cy="5204832"/>
+          </a:xfrm>
+          <a:prstGeom prst="rect">
+            <a:avLst/>
+          </a:prstGeom>
+        </p:spPr>
+      </p:pic>
+      <p:sp>
+        <p:nvSpPr>
+          <p:cNvPr id="2" name="Title 1"/>
           <p:cNvSpPr>
             <a:spLocks noGrp="1"/>
           </p:cNvSpPr>
@@ -2929,31 +5674,33 @@
         </p:nvSpPr>
         <p:spPr>
           <a:xfrm>
-            <a:off x="839788" y="457200"/>
-            <a:ext cx="3932237" cy="1600200"/>
-          </a:xfrm>
-        </p:spPr>
-        <p:txBody>
-          <a:bodyPr anchor="b"/>
+            <a:off x="913795" y="609923"/>
+            <a:ext cx="5934949" cy="1829338"/>
+          </a:xfrm>
+        </p:spPr>
+        <p:txBody>
+          <a:bodyPr anchor="b">
+            <a:noAutofit/>
+          </a:bodyPr>
           <a:lstStyle>
-            <a:lvl1pPr>
-              <a:defRPr sz="3200"/>
+            <a:lvl1pPr algn="ctr">
+              <a:defRPr sz="3200" b="0"/>
             </a:lvl1pPr>
           </a:lstStyle>
           <a:p>
             <a:r>
-              <a:rPr kumimoji="1" lang="ja-JP" altLang="en-US" smtClean="0"/>
+              <a:rPr lang="ja-JP" altLang="en-US" smtClean="0"/>
               <a:t>マスター タイトルの書式設定</a:t>
             </a:r>
-            <a:endParaRPr kumimoji="1" lang="ja-JP" altLang="en-US"/>
-          </a:p>
-        </p:txBody>
-      </p:sp>
-      <p:sp>
-        <p:nvSpPr>
-          <p:cNvPr id="3" name="図プレースホルダー 2"/>
-          <p:cNvSpPr>
-            <a:spLocks noGrp="1"/>
+            <a:endParaRPr lang="en-US" dirty="0"/>
+          </a:p>
+        </p:txBody>
+      </p:sp>
+      <p:sp>
+        <p:nvSpPr>
+          <p:cNvPr id="3" name="Picture Placeholder 2"/>
+          <p:cNvSpPr>
+            <a:spLocks noGrp="1" noChangeAspect="1"/>
           </p:cNvSpPr>
           <p:nvPr>
             <p:ph type="pic" idx="1"/>
@@ -2961,115 +5708,130 @@
         </p:nvSpPr>
         <p:spPr>
           <a:xfrm>
-            <a:off x="5183188" y="987425"/>
-            <a:ext cx="6172200" cy="4873625"/>
-          </a:xfrm>
-        </p:spPr>
-        <p:txBody>
-          <a:bodyPr/>
+            <a:off x="7442551" y="763702"/>
+            <a:ext cx="3275751" cy="4912822"/>
+          </a:xfrm>
+          <a:effectLst>
+            <a:outerShdw blurRad="38100" dist="25400" dir="4440000">
+              <a:srgbClr val="000000">
+                <a:alpha val="36000"/>
+              </a:srgbClr>
+            </a:outerShdw>
+          </a:effectLst>
+        </p:spPr>
+        <p:txBody>
+          <a:bodyPr anchor="t">
+            <a:normAutofit/>
+          </a:bodyPr>
           <a:lstStyle>
-            <a:lvl1pPr marL="0" indent="0">
-              <a:buNone/>
-              <a:defRPr sz="3200"/>
-            </a:lvl1pPr>
-            <a:lvl2pPr marL="457200" indent="0">
-              <a:buNone/>
-              <a:defRPr sz="2800"/>
-            </a:lvl2pPr>
-            <a:lvl3pPr marL="914400" indent="0">
-              <a:buNone/>
-              <a:defRPr sz="2400"/>
-            </a:lvl3pPr>
-            <a:lvl4pPr marL="1371600" indent="0">
-              <a:buNone/>
-              <a:defRPr sz="2000"/>
-            </a:lvl4pPr>
-            <a:lvl5pPr marL="1828800" indent="0">
-              <a:buNone/>
-              <a:defRPr sz="2000"/>
-            </a:lvl5pPr>
-            <a:lvl6pPr marL="2286000" indent="0">
-              <a:buNone/>
-              <a:defRPr sz="2000"/>
-            </a:lvl6pPr>
-            <a:lvl7pPr marL="2743200" indent="0">
-              <a:buNone/>
-              <a:defRPr sz="2000"/>
-            </a:lvl7pPr>
-            <a:lvl8pPr marL="3200400" indent="0">
-              <a:buNone/>
-              <a:defRPr sz="2000"/>
-            </a:lvl8pPr>
-            <a:lvl9pPr marL="3657600" indent="0">
-              <a:buNone/>
-              <a:defRPr sz="2000"/>
-            </a:lvl9pPr>
-          </a:lstStyle>
-          <a:p>
-            <a:endParaRPr kumimoji="1" lang="ja-JP" altLang="en-US"/>
-          </a:p>
-        </p:txBody>
-      </p:sp>
-      <p:sp>
-        <p:nvSpPr>
-          <p:cNvPr id="4" name="テキスト プレースホルダー 3"/>
-          <p:cNvSpPr>
-            <a:spLocks noGrp="1"/>
-          </p:cNvSpPr>
-          <p:nvPr>
-            <p:ph type="body" sz="half" idx="2"/>
-          </p:nvPr>
-        </p:nvSpPr>
-        <p:spPr>
-          <a:xfrm>
-            <a:off x="839788" y="2057400"/>
-            <a:ext cx="3932237" cy="3811588"/>
-          </a:xfrm>
-        </p:spPr>
-        <p:txBody>
-          <a:bodyPr/>
-          <a:lstStyle>
-            <a:lvl1pPr marL="0" indent="0">
+            <a:lvl1pPr marL="0" indent="0" algn="ctr">
               <a:buNone/>
               <a:defRPr sz="1600"/>
             </a:lvl1pPr>
             <a:lvl2pPr marL="457200" indent="0">
               <a:buNone/>
-              <a:defRPr sz="1400"/>
+              <a:defRPr sz="1600"/>
             </a:lvl2pPr>
             <a:lvl3pPr marL="914400" indent="0">
               <a:buNone/>
-              <a:defRPr sz="1200"/>
+              <a:defRPr sz="1600"/>
             </a:lvl3pPr>
             <a:lvl4pPr marL="1371600" indent="0">
               <a:buNone/>
-              <a:defRPr sz="1000"/>
+              <a:defRPr sz="1600"/>
             </a:lvl4pPr>
             <a:lvl5pPr marL="1828800" indent="0">
               <a:buNone/>
-              <a:defRPr sz="1000"/>
+              <a:defRPr sz="1600"/>
             </a:lvl5pPr>
             <a:lvl6pPr marL="2286000" indent="0">
               <a:buNone/>
-              <a:defRPr sz="1000"/>
+              <a:defRPr sz="1600"/>
             </a:lvl6pPr>
             <a:lvl7pPr marL="2743200" indent="0">
               <a:buNone/>
-              <a:defRPr sz="1000"/>
+              <a:defRPr sz="1600"/>
             </a:lvl7pPr>
             <a:lvl8pPr marL="3200400" indent="0">
               <a:buNone/>
-              <a:defRPr sz="1000"/>
+              <a:defRPr sz="1600"/>
             </a:lvl8pPr>
             <a:lvl9pPr marL="3657600" indent="0">
               <a:buNone/>
-              <a:defRPr sz="1000"/>
+              <a:defRPr sz="1600"/>
             </a:lvl9pPr>
           </a:lstStyle>
           <a:p>
+            <a:r>
+              <a:rPr lang="ja-JP" altLang="en-US" smtClean="0"/>
+              <a:t>図を追加</a:t>
+            </a:r>
+            <a:endParaRPr lang="en-US" dirty="0"/>
+          </a:p>
+        </p:txBody>
+      </p:sp>
+      <p:sp>
+        <p:nvSpPr>
+          <p:cNvPr id="4" name="Text Placeholder 3"/>
+          <p:cNvSpPr>
+            <a:spLocks noGrp="1"/>
+          </p:cNvSpPr>
+          <p:nvPr>
+            <p:ph type="body" sz="half" idx="2"/>
+          </p:nvPr>
+        </p:nvSpPr>
+        <p:spPr>
+          <a:xfrm>
+            <a:off x="913795" y="2439261"/>
+            <a:ext cx="5934949" cy="3376134"/>
+          </a:xfrm>
+        </p:spPr>
+        <p:txBody>
+          <a:bodyPr anchor="t">
+            <a:normAutofit/>
+          </a:bodyPr>
+          <a:lstStyle>
+            <a:lvl1pPr marL="0" indent="0" algn="ctr">
+              <a:buNone/>
+              <a:defRPr sz="1600"/>
+            </a:lvl1pPr>
+            <a:lvl2pPr marL="457200" indent="0">
+              <a:buNone/>
+              <a:defRPr sz="1200"/>
+            </a:lvl2pPr>
+            <a:lvl3pPr marL="914400" indent="0">
+              <a:buNone/>
+              <a:defRPr sz="1000"/>
+            </a:lvl3pPr>
+            <a:lvl4pPr marL="1371600" indent="0">
+              <a:buNone/>
+              <a:defRPr sz="900"/>
+            </a:lvl4pPr>
+            <a:lvl5pPr marL="1828800" indent="0">
+              <a:buNone/>
+              <a:defRPr sz="900"/>
+            </a:lvl5pPr>
+            <a:lvl6pPr marL="2286000" indent="0">
+              <a:buNone/>
+              <a:defRPr sz="900"/>
+            </a:lvl6pPr>
+            <a:lvl7pPr marL="2743200" indent="0">
+              <a:buNone/>
+              <a:defRPr sz="900"/>
+            </a:lvl7pPr>
+            <a:lvl8pPr marL="3200400" indent="0">
+              <a:buNone/>
+              <a:defRPr sz="900"/>
+            </a:lvl8pPr>
+            <a:lvl9pPr marL="3657600" indent="0">
+              <a:buNone/>
+              <a:defRPr sz="900"/>
+            </a:lvl9pPr>
+          </a:lstStyle>
+          <a:p>
             <a:pPr lvl="0"/>
             <a:r>
-              <a:rPr kumimoji="1" lang="ja-JP" altLang="en-US" smtClean="0"/>
+              <a:rPr lang="ja-JP" altLang="en-US" smtClean="0"/>
               <a:t>マスター テキストの書式設定</a:t>
             </a:r>
           </a:p>
@@ -3077,7 +5839,7 @@
       </p:sp>
       <p:sp>
         <p:nvSpPr>
-          <p:cNvPr id="5" name="日付プレースホルダー 4"/>
+          <p:cNvPr id="5" name="Date Placeholder 4"/>
           <p:cNvSpPr>
             <a:spLocks noGrp="1"/>
           </p:cNvSpPr>
@@ -3092,7 +5854,7 @@
           <a:p>
             <a:fld id="{24FBA86E-0CF7-4B0C-9D39-30686EFB7BF4}" type="datetimeFigureOut">
               <a:rPr kumimoji="1" lang="ja-JP" altLang="en-US" smtClean="0"/>
-              <a:t>2022/12/14</a:t>
+              <a:t>2022/12/19</a:t>
             </a:fld>
             <a:endParaRPr kumimoji="1" lang="ja-JP" altLang="en-US"/>
           </a:p>
@@ -3100,7 +5862,7 @@
       </p:sp>
       <p:sp>
         <p:nvSpPr>
-          <p:cNvPr id="6" name="フッター プレースホルダー 5"/>
+          <p:cNvPr id="6" name="Footer Placeholder 5"/>
           <p:cNvSpPr>
             <a:spLocks noGrp="1"/>
           </p:cNvSpPr>
@@ -3119,7 +5881,7 @@
       </p:sp>
       <p:sp>
         <p:nvSpPr>
-          <p:cNvPr id="7" name="スライド番号プレースホルダー 6"/>
+          <p:cNvPr id="7" name="Slide Number Placeholder 6"/>
           <p:cNvSpPr>
             <a:spLocks noGrp="1"/>
           </p:cNvSpPr>
@@ -3143,7 +5905,7 @@
     </p:spTree>
     <p:extLst>
       <p:ext uri="{BB962C8B-B14F-4D97-AF65-F5344CB8AC3E}">
-        <p14:creationId xmlns:p14="http://schemas.microsoft.com/office/powerpoint/2010/main" val="542376840"/>
+        <p14:creationId xmlns:p14="http://schemas.microsoft.com/office/powerpoint/2010/main" val="3380991289"/>
       </p:ext>
     </p:extLst>
   </p:cSld>
@@ -3157,8 +5919,8 @@
 <p:sldMaster xmlns:a="http://schemas.openxmlformats.org/drawingml/2006/main" xmlns:r="http://schemas.openxmlformats.org/officeDocument/2006/relationships" xmlns:p="http://schemas.openxmlformats.org/presentationml/2006/main">
   <p:cSld>
     <p:bg>
-      <p:bgRef idx="1001">
-        <a:schemeClr val="bg1"/>
+      <p:bgRef idx="1003">
+        <a:schemeClr val="bg2"/>
       </p:bgRef>
     </p:bg>
     <p:spTree>
@@ -3177,7 +5939,7 @@
       </p:grpSpPr>
       <p:sp>
         <p:nvSpPr>
-          <p:cNvPr id="2" name="タイトル プレースホルダー 1"/>
+          <p:cNvPr id="2" name="Title Placeholder 1"/>
           <p:cNvSpPr>
             <a:spLocks noGrp="1"/>
           </p:cNvSpPr>
@@ -3187,12 +5949,19 @@
         </p:nvSpPr>
         <p:spPr>
           <a:xfrm>
-            <a:off x="838200" y="365125"/>
-            <a:ext cx="10515600" cy="1325563"/>
+            <a:off x="913795" y="609600"/>
+            <a:ext cx="10353762" cy="970450"/>
           </a:xfrm>
           <a:prstGeom prst="rect">
             <a:avLst/>
           </a:prstGeom>
+          <a:effectLst>
+            <a:outerShdw blurRad="25400" dir="17880000">
+              <a:srgbClr val="000000">
+                <a:alpha val="46000"/>
+              </a:srgbClr>
+            </a:outerShdw>
+          </a:effectLst>
         </p:spPr>
         <p:txBody>
           <a:bodyPr vert="horz" lIns="91440" tIns="45720" rIns="91440" bIns="45720" rtlCol="0" anchor="ctr">
@@ -3201,16 +5970,16 @@
           <a:lstStyle/>
           <a:p>
             <a:r>
-              <a:rPr kumimoji="1" lang="ja-JP" altLang="en-US" smtClean="0"/>
+              <a:rPr lang="ja-JP" altLang="en-US" smtClean="0"/>
               <a:t>マスター タイトルの書式設定</a:t>
             </a:r>
-            <a:endParaRPr kumimoji="1" lang="ja-JP" altLang="en-US"/>
-          </a:p>
-        </p:txBody>
-      </p:sp>
-      <p:sp>
-        <p:nvSpPr>
-          <p:cNvPr id="3" name="テキスト プレースホルダー 2"/>
+            <a:endParaRPr lang="en-US" dirty="0"/>
+          </a:p>
+        </p:txBody>
+      </p:sp>
+      <p:sp>
+        <p:nvSpPr>
+          <p:cNvPr id="3" name="Text Placeholder 2"/>
           <p:cNvSpPr>
             <a:spLocks noGrp="1"/>
           </p:cNvSpPr>
@@ -3220,91 +5989,98 @@
         </p:nvSpPr>
         <p:spPr>
           <a:xfrm>
-            <a:off x="838200" y="1825625"/>
-            <a:ext cx="10515600" cy="4351338"/>
+            <a:off x="913795" y="1732449"/>
+            <a:ext cx="10353762" cy="4058751"/>
           </a:xfrm>
           <a:prstGeom prst="rect">
             <a:avLst/>
           </a:prstGeom>
-        </p:spPr>
-        <p:txBody>
-          <a:bodyPr vert="horz" lIns="91440" tIns="45720" rIns="91440" bIns="45720" rtlCol="0">
+          <a:effectLst>
+            <a:outerShdw blurRad="25400" dir="17880000">
+              <a:srgbClr val="000000">
+                <a:alpha val="46000"/>
+              </a:srgbClr>
+            </a:outerShdw>
+          </a:effectLst>
+        </p:spPr>
+        <p:txBody>
+          <a:bodyPr vert="horz" lIns="91440" tIns="45720" rIns="91440" bIns="45720" rtlCol="0" anchor="t">
             <a:normAutofit/>
           </a:bodyPr>
           <a:lstStyle/>
           <a:p>
             <a:pPr lvl="0"/>
             <a:r>
-              <a:rPr kumimoji="1" lang="ja-JP" altLang="en-US" smtClean="0"/>
+              <a:rPr lang="ja-JP" altLang="en-US" smtClean="0"/>
               <a:t>マスター テキストの書式設定</a:t>
             </a:r>
           </a:p>
           <a:p>
             <a:pPr lvl="1"/>
             <a:r>
-              <a:rPr kumimoji="1" lang="ja-JP" altLang="en-US" smtClean="0"/>
+              <a:rPr lang="ja-JP" altLang="en-US" smtClean="0"/>
               <a:t>第 </a:t>
             </a:r>
             <a:r>
-              <a:rPr kumimoji="1" lang="en-US" altLang="ja-JP" smtClean="0"/>
+              <a:rPr lang="en-US" altLang="ja-JP" smtClean="0"/>
               <a:t>2 </a:t>
             </a:r>
             <a:r>
-              <a:rPr kumimoji="1" lang="ja-JP" altLang="en-US" smtClean="0"/>
+              <a:rPr lang="ja-JP" altLang="en-US" smtClean="0"/>
               <a:t>レベル</a:t>
             </a:r>
           </a:p>
           <a:p>
             <a:pPr lvl="2"/>
             <a:r>
-              <a:rPr kumimoji="1" lang="ja-JP" altLang="en-US" smtClean="0"/>
+              <a:rPr lang="ja-JP" altLang="en-US" smtClean="0"/>
               <a:t>第 </a:t>
             </a:r>
             <a:r>
-              <a:rPr kumimoji="1" lang="en-US" altLang="ja-JP" smtClean="0"/>
+              <a:rPr lang="en-US" altLang="ja-JP" smtClean="0"/>
               <a:t>3 </a:t>
             </a:r>
             <a:r>
-              <a:rPr kumimoji="1" lang="ja-JP" altLang="en-US" smtClean="0"/>
+              <a:rPr lang="ja-JP" altLang="en-US" smtClean="0"/>
               <a:t>レベル</a:t>
             </a:r>
           </a:p>
           <a:p>
             <a:pPr lvl="3"/>
             <a:r>
-              <a:rPr kumimoji="1" lang="ja-JP" altLang="en-US" smtClean="0"/>
+              <a:rPr lang="ja-JP" altLang="en-US" smtClean="0"/>
               <a:t>第 </a:t>
             </a:r>
             <a:r>
-              <a:rPr kumimoji="1" lang="en-US" altLang="ja-JP" smtClean="0"/>
+              <a:rPr lang="en-US" altLang="ja-JP" smtClean="0"/>
               <a:t>4 </a:t>
             </a:r>
             <a:r>
-              <a:rPr kumimoji="1" lang="ja-JP" altLang="en-US" smtClean="0"/>
+              <a:rPr lang="ja-JP" altLang="en-US" smtClean="0"/>
               <a:t>レベル</a:t>
             </a:r>
           </a:p>
           <a:p>
             <a:pPr lvl="4"/>
             <a:r>
-              <a:rPr kumimoji="1" lang="ja-JP" altLang="en-US" smtClean="0"/>
+              <a:rPr lang="ja-JP" altLang="en-US" smtClean="0"/>
               <a:t>第 </a:t>
             </a:r>
             <a:r>
-              <a:rPr kumimoji="1" lang="en-US" altLang="ja-JP" smtClean="0"/>
+              <a:rPr lang="en-US" altLang="ja-JP" smtClean="0"/>
               <a:t>5 </a:t>
             </a:r>
             <a:r>
-              <a:rPr kumimoji="1" lang="ja-JP" altLang="en-US" smtClean="0"/>
+              <a:rPr lang="ja-JP" altLang="en-US" smtClean="0"/>
               <a:t>レベル</a:t>
             </a:r>
-            <a:endParaRPr kumimoji="1" lang="ja-JP" altLang="en-US"/>
-          </a:p>
-        </p:txBody>
-      </p:sp>
-      <p:sp>
-        <p:nvSpPr>
-          <p:cNvPr id="4" name="日付プレースホルダー 3"/>
+            <a:endParaRPr lang="en-US" dirty="0"/>
+          </a:p>
+        </p:txBody>
+      </p:sp>
+      <p:sp>
+        <p:nvSpPr>
+          <p:cNvPr id="4" name="Date Placeholder 3"/>
           <p:cNvSpPr>
             <a:spLocks noGrp="1"/>
           </p:cNvSpPr>
@@ -3314,7 +6090,7 @@
         </p:nvSpPr>
         <p:spPr>
           <a:xfrm>
-            <a:off x="838200" y="6356350"/>
+            <a:off x="7678736" y="5883275"/>
             <a:ext cx="2743200" cy="365125"/>
           </a:xfrm>
           <a:prstGeom prst="rect">
@@ -3324,20 +6100,27 @@
         <p:txBody>
           <a:bodyPr vert="horz" lIns="91440" tIns="45720" rIns="91440" bIns="45720" rtlCol="0" anchor="ctr"/>
           <a:lstStyle>
-            <a:lvl1pPr algn="l">
-              <a:defRPr sz="1200">
+            <a:lvl1pPr algn="r">
+              <a:defRPr sz="1000">
                 <a:solidFill>
                   <a:schemeClr val="tx1">
-                    <a:tint val="75000"/>
+                    <a:lumMod val="95000"/>
                   </a:schemeClr>
                 </a:solidFill>
+                <a:effectLst>
+                  <a:outerShdw blurRad="50800" dist="38100" dir="2700000" algn="tl" rotWithShape="0">
+                    <a:schemeClr val="bg1">
+                      <a:alpha val="43000"/>
+                    </a:schemeClr>
+                  </a:outerShdw>
+                </a:effectLst>
               </a:defRPr>
             </a:lvl1pPr>
           </a:lstStyle>
           <a:p>
             <a:fld id="{24FBA86E-0CF7-4B0C-9D39-30686EFB7BF4}" type="datetimeFigureOut">
               <a:rPr kumimoji="1" lang="ja-JP" altLang="en-US" smtClean="0"/>
-              <a:t>2022/12/14</a:t>
+              <a:t>2022/12/19</a:t>
             </a:fld>
             <a:endParaRPr kumimoji="1" lang="ja-JP" altLang="en-US"/>
           </a:p>
@@ -3345,7 +6128,7 @@
       </p:sp>
       <p:sp>
         <p:nvSpPr>
-          <p:cNvPr id="5" name="フッター プレースホルダー 4"/>
+          <p:cNvPr id="5" name="Footer Placeholder 4"/>
           <p:cNvSpPr>
             <a:spLocks noGrp="1"/>
           </p:cNvSpPr>
@@ -3355,8 +6138,8 @@
         </p:nvSpPr>
         <p:spPr>
           <a:xfrm>
-            <a:off x="4038600" y="6356350"/>
-            <a:ext cx="4114800" cy="365125"/>
+            <a:off x="913795" y="5883275"/>
+            <a:ext cx="6672865" cy="365125"/>
           </a:xfrm>
           <a:prstGeom prst="rect">
             <a:avLst/>
@@ -3365,13 +6148,20 @@
         <p:txBody>
           <a:bodyPr vert="horz" lIns="91440" tIns="45720" rIns="91440" bIns="45720" rtlCol="0" anchor="ctr"/>
           <a:lstStyle>
-            <a:lvl1pPr algn="ctr">
-              <a:defRPr sz="1200">
+            <a:lvl1pPr algn="l">
+              <a:defRPr sz="1000">
                 <a:solidFill>
                   <a:schemeClr val="tx1">
-                    <a:tint val="75000"/>
+                    <a:lumMod val="95000"/>
                   </a:schemeClr>
                 </a:solidFill>
+                <a:effectLst>
+                  <a:outerShdw blurRad="50800" dist="38100" dir="2700000" algn="tl" rotWithShape="0">
+                    <a:schemeClr val="bg1">
+                      <a:alpha val="43000"/>
+                    </a:schemeClr>
+                  </a:outerShdw>
+                </a:effectLst>
               </a:defRPr>
             </a:lvl1pPr>
           </a:lstStyle>
@@ -3382,7 +6172,7 @@
       </p:sp>
       <p:sp>
         <p:nvSpPr>
-          <p:cNvPr id="6" name="スライド番号プレースホルダー 5"/>
+          <p:cNvPr id="6" name="Slide Number Placeholder 5"/>
           <p:cNvSpPr>
             <a:spLocks noGrp="1"/>
           </p:cNvSpPr>
@@ -3392,8 +6182,8 @@
         </p:nvSpPr>
         <p:spPr>
           <a:xfrm>
-            <a:off x="8610600" y="6356350"/>
-            <a:ext cx="2743200" cy="365125"/>
+            <a:off x="10514011" y="5883275"/>
+            <a:ext cx="753545" cy="365125"/>
           </a:xfrm>
           <a:prstGeom prst="rect">
             <a:avLst/>
@@ -3403,12 +6193,19 @@
           <a:bodyPr vert="horz" lIns="91440" tIns="45720" rIns="91440" bIns="45720" rtlCol="0" anchor="ctr"/>
           <a:lstStyle>
             <a:lvl1pPr algn="r">
-              <a:defRPr sz="1200">
+              <a:defRPr sz="1000">
                 <a:solidFill>
                   <a:schemeClr val="tx1">
-                    <a:tint val="75000"/>
+                    <a:lumMod val="95000"/>
                   </a:schemeClr>
                 </a:solidFill>
+                <a:effectLst>
+                  <a:outerShdw blurRad="50800" dist="38100" dir="2700000" algn="tl" rotWithShape="0">
+                    <a:schemeClr val="bg1">
+                      <a:alpha val="43000"/>
+                    </a:schemeClr>
+                  </a:outerShdw>
+                </a:effectLst>
               </a:defRPr>
             </a:lvl1pPr>
           </a:lstStyle>
@@ -3424,55 +6221,469 @@
     </p:spTree>
     <p:extLst>
       <p:ext uri="{BB962C8B-B14F-4D97-AF65-F5344CB8AC3E}">
-        <p14:creationId xmlns:p14="http://schemas.microsoft.com/office/powerpoint/2010/main" val="3496801332"/>
+        <p14:creationId xmlns:p14="http://schemas.microsoft.com/office/powerpoint/2010/main" val="247033504"/>
       </p:ext>
     </p:extLst>
   </p:cSld>
-  <p:clrMap bg1="lt1" tx1="dk1" bg2="lt2" tx2="dk2" accent1="accent1" accent2="accent2" accent3="accent3" accent4="accent4" accent5="accent5" accent6="accent6" hlink="hlink" folHlink="folHlink"/>
+  <p:clrMap bg1="dk1" tx1="lt1" bg2="dk2" tx2="lt2" accent1="accent1" accent2="accent2" accent3="accent3" accent4="accent4" accent5="accent5" accent6="accent6" hlink="hlink" folHlink="folHlink"/>
   <p:sldLayoutIdLst>
-    <p:sldLayoutId id="2147483649" r:id="rId1"/>
-    <p:sldLayoutId id="2147483650" r:id="rId2"/>
-    <p:sldLayoutId id="2147483651" r:id="rId3"/>
-    <p:sldLayoutId id="2147483652" r:id="rId4"/>
-    <p:sldLayoutId id="2147483653" r:id="rId5"/>
-    <p:sldLayoutId id="2147483654" r:id="rId6"/>
-    <p:sldLayoutId id="2147483655" r:id="rId7"/>
-    <p:sldLayoutId id="2147483656" r:id="rId8"/>
-    <p:sldLayoutId id="2147483657" r:id="rId9"/>
-    <p:sldLayoutId id="2147483658" r:id="rId10"/>
-    <p:sldLayoutId id="2147483659" r:id="rId11"/>
+    <p:sldLayoutId id="2147483691" r:id="rId1"/>
+    <p:sldLayoutId id="2147483692" r:id="rId2"/>
+    <p:sldLayoutId id="2147483693" r:id="rId3"/>
+    <p:sldLayoutId id="2147483694" r:id="rId4"/>
+    <p:sldLayoutId id="2147483695" r:id="rId5"/>
+    <p:sldLayoutId id="2147483696" r:id="rId6"/>
+    <p:sldLayoutId id="2147483697" r:id="rId7"/>
+    <p:sldLayoutId id="2147483698" r:id="rId8"/>
+    <p:sldLayoutId id="2147483699" r:id="rId9"/>
+    <p:sldLayoutId id="2147483700" r:id="rId10"/>
+    <p:sldLayoutId id="2147483701" r:id="rId11"/>
+    <p:sldLayoutId id="2147483702" r:id="rId12"/>
+    <p:sldLayoutId id="2147483703" r:id="rId13"/>
+    <p:sldLayoutId id="2147483704" r:id="rId14"/>
+    <p:sldLayoutId id="2147483705" r:id="rId15"/>
+    <p:sldLayoutId id="2147483706" r:id="rId16"/>
+    <p:sldLayoutId id="2147483707" r:id="rId17"/>
   </p:sldLayoutIdLst>
   <p:txStyles>
     <p:titleStyle>
-      <a:lvl1pPr algn="l" defTabSz="914400" rtl="0" eaLnBrk="1" latinLnBrk="0" hangingPunct="1">
-        <a:lnSpc>
-          <a:spcPct val="90000"/>
-        </a:lnSpc>
+      <a:lvl1pPr algn="ctr" defTabSz="457200" rtl="0" eaLnBrk="1" latinLnBrk="0" hangingPunct="1">
         <a:spcBef>
           <a:spcPct val="0"/>
         </a:spcBef>
         <a:buNone/>
-        <a:defRPr kumimoji="1" sz="4400" kern="1200">
+        <a:defRPr kumimoji="1" sz="4000" kern="1200">
+          <a:ln>
+            <a:solidFill>
+              <a:schemeClr val="bg1">
+                <a:lumMod val="75000"/>
+                <a:lumOff val="25000"/>
+                <a:alpha val="10000"/>
+              </a:schemeClr>
+            </a:solidFill>
+          </a:ln>
           <a:solidFill>
-            <a:schemeClr val="tx1"/>
+            <a:schemeClr val="tx2"/>
           </a:solidFill>
+          <a:effectLst>
+            <a:outerShdw blurRad="9525" dist="25400" dir="14640000" algn="tl" rotWithShape="0">
+              <a:schemeClr val="bg1">
+                <a:alpha val="30000"/>
+              </a:schemeClr>
+            </a:outerShdw>
+          </a:effectLst>
           <a:latin typeface="+mj-lt"/>
           <a:ea typeface="+mj-ea"/>
-          <a:cs typeface="+mj-cs"/>
+          <a:cs typeface="Trebuchet MS"/>
         </a:defRPr>
       </a:lvl1pPr>
+      <a:lvl2pPr eaLnBrk="1" hangingPunct="1">
+        <a:defRPr kumimoji="1">
+          <a:solidFill>
+            <a:schemeClr val="tx2"/>
+          </a:solidFill>
+        </a:defRPr>
+      </a:lvl2pPr>
+      <a:lvl3pPr eaLnBrk="1" hangingPunct="1">
+        <a:defRPr kumimoji="1">
+          <a:solidFill>
+            <a:schemeClr val="tx2"/>
+          </a:solidFill>
+        </a:defRPr>
+      </a:lvl3pPr>
+      <a:lvl4pPr eaLnBrk="1" hangingPunct="1">
+        <a:defRPr kumimoji="1">
+          <a:solidFill>
+            <a:schemeClr val="tx2"/>
+          </a:solidFill>
+        </a:defRPr>
+      </a:lvl4pPr>
+      <a:lvl5pPr eaLnBrk="1" hangingPunct="1">
+        <a:defRPr kumimoji="1">
+          <a:solidFill>
+            <a:schemeClr val="tx2"/>
+          </a:solidFill>
+        </a:defRPr>
+      </a:lvl5pPr>
+      <a:lvl6pPr eaLnBrk="1" hangingPunct="1">
+        <a:defRPr kumimoji="1">
+          <a:solidFill>
+            <a:schemeClr val="tx2"/>
+          </a:solidFill>
+        </a:defRPr>
+      </a:lvl6pPr>
+      <a:lvl7pPr eaLnBrk="1" hangingPunct="1">
+        <a:defRPr kumimoji="1">
+          <a:solidFill>
+            <a:schemeClr val="tx2"/>
+          </a:solidFill>
+        </a:defRPr>
+      </a:lvl7pPr>
+      <a:lvl8pPr eaLnBrk="1" hangingPunct="1">
+        <a:defRPr kumimoji="1">
+          <a:solidFill>
+            <a:schemeClr val="tx2"/>
+          </a:solidFill>
+        </a:defRPr>
+      </a:lvl8pPr>
+      <a:lvl9pPr eaLnBrk="1" hangingPunct="1">
+        <a:defRPr kumimoji="1">
+          <a:solidFill>
+            <a:schemeClr val="tx2"/>
+          </a:solidFill>
+        </a:defRPr>
+      </a:lvl9pPr>
     </p:titleStyle>
     <p:bodyStyle>
-      <a:lvl1pPr marL="228600" indent="-228600" algn="l" defTabSz="914400" rtl="0" eaLnBrk="1" latinLnBrk="0" hangingPunct="1">
-        <a:lnSpc>
-          <a:spcPct val="90000"/>
-        </a:lnSpc>
+      <a:lvl1pPr marL="342900" indent="-306000" algn="l" defTabSz="457200" rtl="0" eaLnBrk="1" latinLnBrk="0" hangingPunct="1">
         <a:spcBef>
-          <a:spcPts val="1000"/>
+          <a:spcPct val="20000"/>
         </a:spcBef>
-        <a:buFont typeface="Arial" panose="020B0604020202020204" pitchFamily="34" charset="0"/>
-        <a:buChar char="•"/>
-        <a:defRPr kumimoji="1" sz="2800" kern="1200">
+        <a:spcAft>
+          <a:spcPts val="600"/>
+        </a:spcAft>
+        <a:buClr>
+          <a:schemeClr val="tx2"/>
+        </a:buClr>
+        <a:buSzPct val="70000"/>
+        <a:buFont typeface="Wingdings 2" charset="2"/>
+        <a:buChar char=""/>
+        <a:defRPr kumimoji="1" sz="2000" kern="1200">
+          <a:ln>
+            <a:solidFill>
+              <a:schemeClr val="bg1">
+                <a:lumMod val="75000"/>
+                <a:lumOff val="25000"/>
+                <a:alpha val="10000"/>
+              </a:schemeClr>
+            </a:solidFill>
+          </a:ln>
+          <a:solidFill>
+            <a:schemeClr val="tx2"/>
+          </a:solidFill>
+          <a:effectLst>
+            <a:outerShdw blurRad="9525" dist="25400" dir="14640000" algn="tl" rotWithShape="0">
+              <a:schemeClr val="bg1">
+                <a:alpha val="30000"/>
+              </a:schemeClr>
+            </a:outerShdw>
+          </a:effectLst>
+          <a:latin typeface="+mn-lt"/>
+          <a:ea typeface="+mn-ea"/>
+          <a:cs typeface="+mn-cs"/>
+        </a:defRPr>
+      </a:lvl1pPr>
+      <a:lvl2pPr marL="720000" indent="-270000" algn="l" defTabSz="457200" rtl="0" eaLnBrk="1" latinLnBrk="0" hangingPunct="1">
+        <a:spcBef>
+          <a:spcPct val="20000"/>
+        </a:spcBef>
+        <a:spcAft>
+          <a:spcPts val="600"/>
+        </a:spcAft>
+        <a:buClr>
+          <a:schemeClr val="tx2"/>
+        </a:buClr>
+        <a:buSzPct val="70000"/>
+        <a:buFont typeface="Wingdings 2" charset="2"/>
+        <a:buChar char=""/>
+        <a:defRPr kumimoji="1" sz="1800" kern="1200">
+          <a:ln>
+            <a:solidFill>
+              <a:schemeClr val="bg1">
+                <a:lumMod val="75000"/>
+                <a:lumOff val="25000"/>
+                <a:alpha val="10000"/>
+              </a:schemeClr>
+            </a:solidFill>
+          </a:ln>
+          <a:solidFill>
+            <a:schemeClr val="tx2"/>
+          </a:solidFill>
+          <a:effectLst>
+            <a:outerShdw blurRad="9525" dist="25400" dir="14640000" algn="tl" rotWithShape="0">
+              <a:schemeClr val="bg1">
+                <a:alpha val="30000"/>
+              </a:schemeClr>
+            </a:outerShdw>
+          </a:effectLst>
+          <a:latin typeface="+mn-lt"/>
+          <a:ea typeface="+mn-ea"/>
+          <a:cs typeface="+mn-cs"/>
+        </a:defRPr>
+      </a:lvl2pPr>
+      <a:lvl3pPr marL="1026000" indent="-216000" algn="l" defTabSz="457200" rtl="0" eaLnBrk="1" latinLnBrk="0" hangingPunct="1">
+        <a:spcBef>
+          <a:spcPct val="20000"/>
+        </a:spcBef>
+        <a:spcAft>
+          <a:spcPts val="600"/>
+        </a:spcAft>
+        <a:buClr>
+          <a:schemeClr val="tx2"/>
+        </a:buClr>
+        <a:buSzPct val="70000"/>
+        <a:buFont typeface="Wingdings 2" charset="2"/>
+        <a:buChar char=""/>
+        <a:defRPr kumimoji="1" sz="1600" kern="1200">
+          <a:ln>
+            <a:solidFill>
+              <a:schemeClr val="bg1">
+                <a:lumMod val="75000"/>
+                <a:lumOff val="25000"/>
+                <a:alpha val="10000"/>
+              </a:schemeClr>
+            </a:solidFill>
+          </a:ln>
+          <a:solidFill>
+            <a:schemeClr val="tx2"/>
+          </a:solidFill>
+          <a:effectLst>
+            <a:outerShdw blurRad="9525" dist="25400" dir="14640000" algn="tl" rotWithShape="0">
+              <a:schemeClr val="bg1">
+                <a:alpha val="30000"/>
+              </a:schemeClr>
+            </a:outerShdw>
+          </a:effectLst>
+          <a:latin typeface="+mn-lt"/>
+          <a:ea typeface="+mn-ea"/>
+          <a:cs typeface="+mn-cs"/>
+        </a:defRPr>
+      </a:lvl3pPr>
+      <a:lvl4pPr marL="1386000" indent="-216000" algn="l" defTabSz="457200" rtl="0" eaLnBrk="1" latinLnBrk="0" hangingPunct="1">
+        <a:spcBef>
+          <a:spcPct val="20000"/>
+        </a:spcBef>
+        <a:spcAft>
+          <a:spcPts val="600"/>
+        </a:spcAft>
+        <a:buClr>
+          <a:schemeClr val="tx2"/>
+        </a:buClr>
+        <a:buSzPct val="70000"/>
+        <a:buFont typeface="Wingdings 2" charset="2"/>
+        <a:buChar char=""/>
+        <a:defRPr kumimoji="1" sz="1400" kern="1200">
+          <a:ln>
+            <a:solidFill>
+              <a:schemeClr val="bg1">
+                <a:lumMod val="75000"/>
+                <a:lumOff val="25000"/>
+                <a:alpha val="10000"/>
+              </a:schemeClr>
+            </a:solidFill>
+          </a:ln>
+          <a:solidFill>
+            <a:schemeClr val="tx2"/>
+          </a:solidFill>
+          <a:effectLst>
+            <a:outerShdw blurRad="9525" dist="25400" dir="14640000" algn="tl" rotWithShape="0">
+              <a:schemeClr val="bg1">
+                <a:alpha val="30000"/>
+              </a:schemeClr>
+            </a:outerShdw>
+          </a:effectLst>
+          <a:latin typeface="+mn-lt"/>
+          <a:ea typeface="+mn-ea"/>
+          <a:cs typeface="+mn-cs"/>
+        </a:defRPr>
+      </a:lvl4pPr>
+      <a:lvl5pPr marL="1674000" indent="-216000" algn="l" defTabSz="457200" rtl="0" eaLnBrk="1" latinLnBrk="0" hangingPunct="1">
+        <a:spcBef>
+          <a:spcPct val="20000"/>
+        </a:spcBef>
+        <a:spcAft>
+          <a:spcPts val="600"/>
+        </a:spcAft>
+        <a:buClr>
+          <a:schemeClr val="tx2"/>
+        </a:buClr>
+        <a:buSzPct val="70000"/>
+        <a:buFont typeface="Wingdings 2" charset="2"/>
+        <a:buChar char=""/>
+        <a:defRPr kumimoji="1" sz="1400" kern="1200">
+          <a:ln>
+            <a:solidFill>
+              <a:schemeClr val="bg1">
+                <a:lumMod val="75000"/>
+                <a:lumOff val="25000"/>
+                <a:alpha val="10000"/>
+              </a:schemeClr>
+            </a:solidFill>
+          </a:ln>
+          <a:solidFill>
+            <a:schemeClr val="tx2"/>
+          </a:solidFill>
+          <a:effectLst>
+            <a:outerShdw blurRad="9525" dist="25400" dir="14640000" algn="tl" rotWithShape="0">
+              <a:schemeClr val="bg1">
+                <a:alpha val="30000"/>
+              </a:schemeClr>
+            </a:outerShdw>
+          </a:effectLst>
+          <a:latin typeface="+mn-lt"/>
+          <a:ea typeface="+mn-ea"/>
+          <a:cs typeface="+mn-cs"/>
+        </a:defRPr>
+      </a:lvl5pPr>
+      <a:lvl6pPr marL="2014600" indent="-228600" algn="l" defTabSz="457200" rtl="0" eaLnBrk="1" latinLnBrk="0" hangingPunct="1">
+        <a:spcBef>
+          <a:spcPct val="20000"/>
+        </a:spcBef>
+        <a:spcAft>
+          <a:spcPts val="600"/>
+        </a:spcAft>
+        <a:buClr>
+          <a:schemeClr val="tx2"/>
+        </a:buClr>
+        <a:buSzPct val="70000"/>
+        <a:buFont typeface="Wingdings 2" charset="2"/>
+        <a:buChar char=""/>
+        <a:defRPr kumimoji="1" sz="1400" kern="1200">
+          <a:ln>
+            <a:solidFill>
+              <a:schemeClr val="bg1">
+                <a:lumMod val="75000"/>
+                <a:lumOff val="25000"/>
+                <a:alpha val="10000"/>
+              </a:schemeClr>
+            </a:solidFill>
+          </a:ln>
+          <a:solidFill>
+            <a:schemeClr val="tx2"/>
+          </a:solidFill>
+          <a:effectLst>
+            <a:outerShdw blurRad="9525" dist="25400" dir="14640000" algn="tl" rotWithShape="0">
+              <a:schemeClr val="bg1">
+                <a:alpha val="30000"/>
+              </a:schemeClr>
+            </a:outerShdw>
+          </a:effectLst>
+          <a:latin typeface="+mn-lt"/>
+          <a:ea typeface="+mn-ea"/>
+          <a:cs typeface="+mn-cs"/>
+        </a:defRPr>
+      </a:lvl6pPr>
+      <a:lvl7pPr marL="2401800" indent="-228600" algn="l" defTabSz="457200" rtl="0" eaLnBrk="1" latinLnBrk="0" hangingPunct="1">
+        <a:spcBef>
+          <a:spcPct val="20000"/>
+        </a:spcBef>
+        <a:spcAft>
+          <a:spcPts val="600"/>
+        </a:spcAft>
+        <a:buClr>
+          <a:schemeClr val="tx2"/>
+        </a:buClr>
+        <a:buSzPct val="70000"/>
+        <a:buFont typeface="Wingdings 2" charset="2"/>
+        <a:buChar char=""/>
+        <a:defRPr kumimoji="1" sz="1400" kern="1200">
+          <a:ln>
+            <a:solidFill>
+              <a:schemeClr val="bg1">
+                <a:lumMod val="75000"/>
+                <a:lumOff val="25000"/>
+                <a:alpha val="10000"/>
+              </a:schemeClr>
+            </a:solidFill>
+          </a:ln>
+          <a:solidFill>
+            <a:schemeClr val="tx2"/>
+          </a:solidFill>
+          <a:effectLst>
+            <a:outerShdw blurRad="9525" dist="25400" dir="14640000" algn="tl" rotWithShape="0">
+              <a:schemeClr val="bg1">
+                <a:alpha val="30000"/>
+              </a:schemeClr>
+            </a:outerShdw>
+          </a:effectLst>
+          <a:latin typeface="+mn-lt"/>
+          <a:ea typeface="+mn-ea"/>
+          <a:cs typeface="+mn-cs"/>
+        </a:defRPr>
+      </a:lvl7pPr>
+      <a:lvl8pPr marL="2789000" indent="-228600" algn="l" defTabSz="457200" rtl="0" eaLnBrk="1" latinLnBrk="0" hangingPunct="1">
+        <a:spcBef>
+          <a:spcPct val="20000"/>
+        </a:spcBef>
+        <a:spcAft>
+          <a:spcPts val="600"/>
+        </a:spcAft>
+        <a:buClr>
+          <a:schemeClr val="tx2"/>
+        </a:buClr>
+        <a:buSzPct val="70000"/>
+        <a:buFont typeface="Wingdings 2" charset="2"/>
+        <a:buChar char=""/>
+        <a:defRPr kumimoji="1" sz="1400" kern="1200">
+          <a:ln>
+            <a:solidFill>
+              <a:schemeClr val="bg1">
+                <a:lumMod val="75000"/>
+                <a:lumOff val="25000"/>
+                <a:alpha val="10000"/>
+              </a:schemeClr>
+            </a:solidFill>
+          </a:ln>
+          <a:solidFill>
+            <a:schemeClr val="tx2"/>
+          </a:solidFill>
+          <a:effectLst>
+            <a:outerShdw blurRad="9525" dist="25400" dir="14640000" algn="tl" rotWithShape="0">
+              <a:schemeClr val="bg1">
+                <a:alpha val="30000"/>
+              </a:schemeClr>
+            </a:outerShdw>
+          </a:effectLst>
+          <a:latin typeface="+mn-lt"/>
+          <a:ea typeface="+mn-ea"/>
+          <a:cs typeface="+mn-cs"/>
+        </a:defRPr>
+      </a:lvl8pPr>
+      <a:lvl9pPr marL="3106200" indent="-228600" algn="l" defTabSz="457200" rtl="0" eaLnBrk="1" latinLnBrk="0" hangingPunct="1">
+        <a:spcBef>
+          <a:spcPct val="20000"/>
+        </a:spcBef>
+        <a:spcAft>
+          <a:spcPts val="600"/>
+        </a:spcAft>
+        <a:buClr>
+          <a:schemeClr val="tx2"/>
+        </a:buClr>
+        <a:buSzPct val="70000"/>
+        <a:buFont typeface="Wingdings 2" charset="2"/>
+        <a:buChar char=""/>
+        <a:defRPr kumimoji="1" sz="1400" kern="1200">
+          <a:ln>
+            <a:solidFill>
+              <a:schemeClr val="bg1">
+                <a:lumMod val="75000"/>
+                <a:lumOff val="25000"/>
+                <a:alpha val="10000"/>
+              </a:schemeClr>
+            </a:solidFill>
+          </a:ln>
+          <a:solidFill>
+            <a:schemeClr val="tx2"/>
+          </a:solidFill>
+          <a:effectLst>
+            <a:outerShdw blurRad="9525" dist="25400" dir="14640000" algn="tl" rotWithShape="0">
+              <a:schemeClr val="bg1">
+                <a:alpha val="30000"/>
+              </a:schemeClr>
+            </a:outerShdw>
+          </a:effectLst>
+          <a:latin typeface="+mn-lt"/>
+          <a:ea typeface="+mn-ea"/>
+          <a:cs typeface="+mn-cs"/>
+        </a:defRPr>
+      </a:lvl9pPr>
+    </p:bodyStyle>
+    <p:otherStyle>
+      <a:defPPr>
+        <a:defRPr lang="en-US"/>
+      </a:defPPr>
+      <a:lvl1pPr marL="0" algn="l" defTabSz="457200" rtl="0" eaLnBrk="1" latinLnBrk="0" hangingPunct="1">
+        <a:defRPr kumimoji="1" sz="1800" kern="1200">
           <a:solidFill>
             <a:schemeClr val="tx1"/>
           </a:solidFill>
@@ -3481,16 +6692,8 @@
           <a:cs typeface="+mn-cs"/>
         </a:defRPr>
       </a:lvl1pPr>
-      <a:lvl2pPr marL="685800" indent="-228600" algn="l" defTabSz="914400" rtl="0" eaLnBrk="1" latinLnBrk="0" hangingPunct="1">
-        <a:lnSpc>
-          <a:spcPct val="90000"/>
-        </a:lnSpc>
-        <a:spcBef>
-          <a:spcPts val="500"/>
-        </a:spcBef>
-        <a:buFont typeface="Arial" panose="020B0604020202020204" pitchFamily="34" charset="0"/>
-        <a:buChar char="•"/>
-        <a:defRPr kumimoji="1" sz="2400" kern="1200">
+      <a:lvl2pPr marL="457200" algn="l" defTabSz="457200" rtl="0" eaLnBrk="1" latinLnBrk="0" hangingPunct="1">
+        <a:defRPr kumimoji="1" sz="1800" kern="1200">
           <a:solidFill>
             <a:schemeClr val="tx1"/>
           </a:solidFill>
@@ -3499,16 +6702,8 @@
           <a:cs typeface="+mn-cs"/>
         </a:defRPr>
       </a:lvl2pPr>
-      <a:lvl3pPr marL="1143000" indent="-228600" algn="l" defTabSz="914400" rtl="0" eaLnBrk="1" latinLnBrk="0" hangingPunct="1">
-        <a:lnSpc>
-          <a:spcPct val="90000"/>
-        </a:lnSpc>
-        <a:spcBef>
-          <a:spcPts val="500"/>
-        </a:spcBef>
-        <a:buFont typeface="Arial" panose="020B0604020202020204" pitchFamily="34" charset="0"/>
-        <a:buChar char="•"/>
-        <a:defRPr kumimoji="1" sz="2000" kern="1200">
+      <a:lvl3pPr marL="914400" algn="l" defTabSz="457200" rtl="0" eaLnBrk="1" latinLnBrk="0" hangingPunct="1">
+        <a:defRPr kumimoji="1" sz="1800" kern="1200">
           <a:solidFill>
             <a:schemeClr val="tx1"/>
           </a:solidFill>
@@ -3517,15 +6712,7 @@
           <a:cs typeface="+mn-cs"/>
         </a:defRPr>
       </a:lvl3pPr>
-      <a:lvl4pPr marL="1600200" indent="-228600" algn="l" defTabSz="914400" rtl="0" eaLnBrk="1" latinLnBrk="0" hangingPunct="1">
-        <a:lnSpc>
-          <a:spcPct val="90000"/>
-        </a:lnSpc>
-        <a:spcBef>
-          <a:spcPts val="500"/>
-        </a:spcBef>
-        <a:buFont typeface="Arial" panose="020B0604020202020204" pitchFamily="34" charset="0"/>
-        <a:buChar char="•"/>
+      <a:lvl4pPr marL="1371600" algn="l" defTabSz="457200" rtl="0" eaLnBrk="1" latinLnBrk="0" hangingPunct="1">
         <a:defRPr kumimoji="1" sz="1800" kern="1200">
           <a:solidFill>
             <a:schemeClr val="tx1"/>
@@ -3535,15 +6722,7 @@
           <a:cs typeface="+mn-cs"/>
         </a:defRPr>
       </a:lvl4pPr>
-      <a:lvl5pPr marL="2057400" indent="-228600" algn="l" defTabSz="914400" rtl="0" eaLnBrk="1" latinLnBrk="0" hangingPunct="1">
-        <a:lnSpc>
-          <a:spcPct val="90000"/>
-        </a:lnSpc>
-        <a:spcBef>
-          <a:spcPts val="500"/>
-        </a:spcBef>
-        <a:buFont typeface="Arial" panose="020B0604020202020204" pitchFamily="34" charset="0"/>
-        <a:buChar char="•"/>
+      <a:lvl5pPr marL="1828800" algn="l" defTabSz="457200" rtl="0" eaLnBrk="1" latinLnBrk="0" hangingPunct="1">
         <a:defRPr kumimoji="1" sz="1800" kern="1200">
           <a:solidFill>
             <a:schemeClr val="tx1"/>
@@ -3553,15 +6732,7 @@
           <a:cs typeface="+mn-cs"/>
         </a:defRPr>
       </a:lvl5pPr>
-      <a:lvl6pPr marL="2514600" indent="-228600" algn="l" defTabSz="914400" rtl="0" eaLnBrk="1" latinLnBrk="0" hangingPunct="1">
-        <a:lnSpc>
-          <a:spcPct val="90000"/>
-        </a:lnSpc>
-        <a:spcBef>
-          <a:spcPts val="500"/>
-        </a:spcBef>
-        <a:buFont typeface="Arial" panose="020B0604020202020204" pitchFamily="34" charset="0"/>
-        <a:buChar char="•"/>
+      <a:lvl6pPr marL="2286000" algn="l" defTabSz="457200" rtl="0" eaLnBrk="1" latinLnBrk="0" hangingPunct="1">
         <a:defRPr kumimoji="1" sz="1800" kern="1200">
           <a:solidFill>
             <a:schemeClr val="tx1"/>
@@ -3571,15 +6742,7 @@
           <a:cs typeface="+mn-cs"/>
         </a:defRPr>
       </a:lvl6pPr>
-      <a:lvl7pPr marL="2971800" indent="-228600" algn="l" defTabSz="914400" rtl="0" eaLnBrk="1" latinLnBrk="0" hangingPunct="1">
-        <a:lnSpc>
-          <a:spcPct val="90000"/>
-        </a:lnSpc>
-        <a:spcBef>
-          <a:spcPts val="500"/>
-        </a:spcBef>
-        <a:buFont typeface="Arial" panose="020B0604020202020204" pitchFamily="34" charset="0"/>
-        <a:buChar char="•"/>
+      <a:lvl7pPr marL="2743200" algn="l" defTabSz="457200" rtl="0" eaLnBrk="1" latinLnBrk="0" hangingPunct="1">
         <a:defRPr kumimoji="1" sz="1800" kern="1200">
           <a:solidFill>
             <a:schemeClr val="tx1"/>
@@ -3589,15 +6752,7 @@
           <a:cs typeface="+mn-cs"/>
         </a:defRPr>
       </a:lvl7pPr>
-      <a:lvl8pPr marL="3429000" indent="-228600" algn="l" defTabSz="914400" rtl="0" eaLnBrk="1" latinLnBrk="0" hangingPunct="1">
-        <a:lnSpc>
-          <a:spcPct val="90000"/>
-        </a:lnSpc>
-        <a:spcBef>
-          <a:spcPts val="500"/>
-        </a:spcBef>
-        <a:buFont typeface="Arial" panose="020B0604020202020204" pitchFamily="34" charset="0"/>
-        <a:buChar char="•"/>
+      <a:lvl8pPr marL="3200400" algn="l" defTabSz="457200" rtl="0" eaLnBrk="1" latinLnBrk="0" hangingPunct="1">
         <a:defRPr kumimoji="1" sz="1800" kern="1200">
           <a:solidFill>
             <a:schemeClr val="tx1"/>
@@ -3607,110 +6762,7 @@
           <a:cs typeface="+mn-cs"/>
         </a:defRPr>
       </a:lvl8pPr>
-      <a:lvl9pPr marL="3886200" indent="-228600" algn="l" defTabSz="914400" rtl="0" eaLnBrk="1" latinLnBrk="0" hangingPunct="1">
-        <a:lnSpc>
-          <a:spcPct val="90000"/>
-        </a:lnSpc>
-        <a:spcBef>
-          <a:spcPts val="500"/>
-        </a:spcBef>
-        <a:buFont typeface="Arial" panose="020B0604020202020204" pitchFamily="34" charset="0"/>
-        <a:buChar char="•"/>
-        <a:defRPr kumimoji="1" sz="1800" kern="1200">
-          <a:solidFill>
-            <a:schemeClr val="tx1"/>
-          </a:solidFill>
-          <a:latin typeface="+mn-lt"/>
-          <a:ea typeface="+mn-ea"/>
-          <a:cs typeface="+mn-cs"/>
-        </a:defRPr>
-      </a:lvl9pPr>
-    </p:bodyStyle>
-    <p:otherStyle>
-      <a:defPPr>
-        <a:defRPr lang="ja-JP"/>
-      </a:defPPr>
-      <a:lvl1pPr marL="0" algn="l" defTabSz="914400" rtl="0" eaLnBrk="1" latinLnBrk="0" hangingPunct="1">
-        <a:defRPr kumimoji="1" sz="1800" kern="1200">
-          <a:solidFill>
-            <a:schemeClr val="tx1"/>
-          </a:solidFill>
-          <a:latin typeface="+mn-lt"/>
-          <a:ea typeface="+mn-ea"/>
-          <a:cs typeface="+mn-cs"/>
-        </a:defRPr>
-      </a:lvl1pPr>
-      <a:lvl2pPr marL="457200" algn="l" defTabSz="914400" rtl="0" eaLnBrk="1" latinLnBrk="0" hangingPunct="1">
-        <a:defRPr kumimoji="1" sz="1800" kern="1200">
-          <a:solidFill>
-            <a:schemeClr val="tx1"/>
-          </a:solidFill>
-          <a:latin typeface="+mn-lt"/>
-          <a:ea typeface="+mn-ea"/>
-          <a:cs typeface="+mn-cs"/>
-        </a:defRPr>
-      </a:lvl2pPr>
-      <a:lvl3pPr marL="914400" algn="l" defTabSz="914400" rtl="0" eaLnBrk="1" latinLnBrk="0" hangingPunct="1">
-        <a:defRPr kumimoji="1" sz="1800" kern="1200">
-          <a:solidFill>
-            <a:schemeClr val="tx1"/>
-          </a:solidFill>
-          <a:latin typeface="+mn-lt"/>
-          <a:ea typeface="+mn-ea"/>
-          <a:cs typeface="+mn-cs"/>
-        </a:defRPr>
-      </a:lvl3pPr>
-      <a:lvl4pPr marL="1371600" algn="l" defTabSz="914400" rtl="0" eaLnBrk="1" latinLnBrk="0" hangingPunct="1">
-        <a:defRPr kumimoji="1" sz="1800" kern="1200">
-          <a:solidFill>
-            <a:schemeClr val="tx1"/>
-          </a:solidFill>
-          <a:latin typeface="+mn-lt"/>
-          <a:ea typeface="+mn-ea"/>
-          <a:cs typeface="+mn-cs"/>
-        </a:defRPr>
-      </a:lvl4pPr>
-      <a:lvl5pPr marL="1828800" algn="l" defTabSz="914400" rtl="0" eaLnBrk="1" latinLnBrk="0" hangingPunct="1">
-        <a:defRPr kumimoji="1" sz="1800" kern="1200">
-          <a:solidFill>
-            <a:schemeClr val="tx1"/>
-          </a:solidFill>
-          <a:latin typeface="+mn-lt"/>
-          <a:ea typeface="+mn-ea"/>
-          <a:cs typeface="+mn-cs"/>
-        </a:defRPr>
-      </a:lvl5pPr>
-      <a:lvl6pPr marL="2286000" algn="l" defTabSz="914400" rtl="0" eaLnBrk="1" latinLnBrk="0" hangingPunct="1">
-        <a:defRPr kumimoji="1" sz="1800" kern="1200">
-          <a:solidFill>
-            <a:schemeClr val="tx1"/>
-          </a:solidFill>
-          <a:latin typeface="+mn-lt"/>
-          <a:ea typeface="+mn-ea"/>
-          <a:cs typeface="+mn-cs"/>
-        </a:defRPr>
-      </a:lvl6pPr>
-      <a:lvl7pPr marL="2743200" algn="l" defTabSz="914400" rtl="0" eaLnBrk="1" latinLnBrk="0" hangingPunct="1">
-        <a:defRPr kumimoji="1" sz="1800" kern="1200">
-          <a:solidFill>
-            <a:schemeClr val="tx1"/>
-          </a:solidFill>
-          <a:latin typeface="+mn-lt"/>
-          <a:ea typeface="+mn-ea"/>
-          <a:cs typeface="+mn-cs"/>
-        </a:defRPr>
-      </a:lvl7pPr>
-      <a:lvl8pPr marL="3200400" algn="l" defTabSz="914400" rtl="0" eaLnBrk="1" latinLnBrk="0" hangingPunct="1">
-        <a:defRPr kumimoji="1" sz="1800" kern="1200">
-          <a:solidFill>
-            <a:schemeClr val="tx1"/>
-          </a:solidFill>
-          <a:latin typeface="+mn-lt"/>
-          <a:ea typeface="+mn-ea"/>
-          <a:cs typeface="+mn-cs"/>
-        </a:defRPr>
-      </a:lvl8pPr>
-      <a:lvl9pPr marL="3657600" algn="l" defTabSz="914400" rtl="0" eaLnBrk="1" latinLnBrk="0" hangingPunct="1">
+      <a:lvl9pPr marL="3657600" algn="l" defTabSz="457200" rtl="0" eaLnBrk="1" latinLnBrk="0" hangingPunct="1">
         <a:defRPr kumimoji="1" sz="1800" kern="1200">
           <a:solidFill>
             <a:schemeClr val="tx1"/>
@@ -3729,9 +6781,18 @@
 <p:sld xmlns:a="http://schemas.openxmlformats.org/drawingml/2006/main" xmlns:r="http://schemas.openxmlformats.org/officeDocument/2006/relationships" xmlns:p="http://schemas.openxmlformats.org/presentationml/2006/main">
   <p:cSld>
     <p:bg>
-      <p:bgRef idx="1001">
-        <a:schemeClr val="bg1"/>
-      </p:bgRef>
+      <p:bgPr>
+        <a:blipFill dpi="0" rotWithShape="1">
+          <a:blip r:embed="rId3">
+            <a:lum/>
+          </a:blip>
+          <a:srcRect/>
+          <a:stretch>
+            <a:fillRect/>
+          </a:stretch>
+        </a:blipFill>
+        <a:effectLst/>
+      </p:bgPr>
     </p:bg>
     <p:spTree>
       <p:nvGrpSpPr>
@@ -3759,9 +6820,21 @@
         </p:nvSpPr>
         <p:spPr>
           <a:xfrm>
-            <a:off x="585495" y="290481"/>
-            <a:ext cx="11320366" cy="1325563"/>
-          </a:xfrm>
+            <a:off x="3696511" y="2352507"/>
+            <a:ext cx="4260715" cy="1391056"/>
+          </a:xfrm>
+          <a:prstGeom prst="roundRect">
+            <a:avLst>
+              <a:gd name="adj" fmla="val 32052"/>
+            </a:avLst>
+          </a:prstGeom>
+          <a:solidFill>
+            <a:schemeClr val="accent4">
+              <a:lumMod val="20000"/>
+              <a:lumOff val="80000"/>
+              <a:alpha val="54000"/>
+            </a:schemeClr>
+          </a:solidFill>
         </p:spPr>
         <p:txBody>
           <a:bodyPr>
@@ -3769,91 +6842,101 @@
           </a:bodyPr>
           <a:lstStyle/>
           <a:p>
-            <a:r>
-              <a:rPr kumimoji="1" lang="en-US" altLang="ja-JP" dirty="0" smtClean="0"/>
+            <a:pPr algn="ctr"/>
+            <a:r>
+              <a:rPr kumimoji="1" lang="en-US" altLang="ja-JP" dirty="0" smtClean="0">
+                <a:solidFill>
+                  <a:schemeClr val="accent4">
+                    <a:lumMod val="60000"/>
+                    <a:lumOff val="40000"/>
+                  </a:schemeClr>
+                </a:solidFill>
+              </a:rPr>
               <a:t/>
             </a:r>
             <a:br>
-              <a:rPr kumimoji="1" lang="en-US" altLang="ja-JP" dirty="0" smtClean="0"/>
+              <a:rPr kumimoji="1" lang="en-US" altLang="ja-JP" dirty="0" smtClean="0">
+                <a:solidFill>
+                  <a:schemeClr val="accent4">
+                    <a:lumMod val="60000"/>
+                    <a:lumOff val="40000"/>
+                  </a:schemeClr>
+                </a:solidFill>
+              </a:rPr>
             </a:br>
             <a:r>
-              <a:rPr kumimoji="1" lang="en-US" altLang="ja-JP" dirty="0" smtClean="0"/>
+              <a:rPr lang="ja-JP" altLang="en-US" sz="7300" dirty="0" smtClean="0">
+                <a:solidFill>
+                  <a:srgbClr val="FFFF00"/>
+                </a:solidFill>
+                <a:latin typeface="HGP創英角ﾎﾟｯﾌﾟ体" panose="040B0A00000000000000" pitchFamily="50" charset="-128"/>
+                <a:ea typeface="HGP創英角ﾎﾟｯﾌﾟ体" panose="040B0A00000000000000" pitchFamily="50" charset="-128"/>
+              </a:rPr>
+              <a:t>パックマン</a:t>
+            </a:r>
+            <a:r>
+              <a:rPr lang="en-US" altLang="ja-JP" dirty="0" smtClean="0">
+                <a:solidFill>
+                  <a:schemeClr val="accent4">
+                    <a:lumMod val="60000"/>
+                    <a:lumOff val="40000"/>
+                  </a:schemeClr>
+                </a:solidFill>
+              </a:rPr>
               <a:t>				</a:t>
             </a:r>
-            <a:r>
-              <a:rPr lang="ja-JP" altLang="en-US" dirty="0" smtClean="0"/>
-              <a:t>パックマン</a:t>
-            </a:r>
-            <a:r>
-              <a:rPr lang="en-US" altLang="ja-JP" dirty="0" smtClean="0"/>
-              <a:t>	</a:t>
-            </a:r>
-            <a:br>
-              <a:rPr lang="en-US" altLang="ja-JP" dirty="0" smtClean="0"/>
-            </a:br>
-            <a:r>
-              <a:rPr lang="en-US" altLang="ja-JP" dirty="0"/>
-              <a:t>	</a:t>
-            </a:r>
-            <a:r>
-              <a:rPr lang="en-US" altLang="ja-JP" dirty="0" smtClean="0"/>
-              <a:t>								</a:t>
-            </a:r>
-            <a:r>
-              <a:rPr lang="ja-JP" altLang="en-US" sz="2700" dirty="0" smtClean="0"/>
-              <a:t>三好　山里　森口</a:t>
-            </a:r>
-            <a:endParaRPr kumimoji="1" lang="ja-JP" altLang="en-US" sz="2700" dirty="0"/>
-          </a:p>
-        </p:txBody>
-      </p:sp>
-      <p:sp>
-        <p:nvSpPr>
-          <p:cNvPr id="3" name="コンテンツ プレースホルダー 2"/>
-          <p:cNvSpPr>
-            <a:spLocks noGrp="1"/>
-          </p:cNvSpPr>
-          <p:nvPr>
-            <p:ph idx="1"/>
-          </p:nvPr>
-        </p:nvSpPr>
-        <p:spPr>
-          <a:xfrm>
-            <a:off x="838199" y="2245502"/>
-            <a:ext cx="10515600" cy="4351338"/>
-          </a:xfrm>
-        </p:spPr>
-        <p:txBody>
-          <a:bodyPr>
-            <a:normAutofit/>
+            <a:endParaRPr kumimoji="1" lang="ja-JP" altLang="en-US" sz="2700" dirty="0">
+              <a:solidFill>
+                <a:schemeClr val="accent4">
+                  <a:lumMod val="60000"/>
+                  <a:lumOff val="40000"/>
+                </a:schemeClr>
+              </a:solidFill>
+            </a:endParaRPr>
+          </a:p>
+        </p:txBody>
+      </p:sp>
+      <p:sp>
+        <p:nvSpPr>
+          <p:cNvPr id="4" name="テキスト ボックス 3"/>
+          <p:cNvSpPr txBox="1"/>
+          <p:nvPr/>
+        </p:nvSpPr>
+        <p:spPr>
+          <a:xfrm>
+            <a:off x="8900809" y="6335230"/>
+            <a:ext cx="3291191" cy="523220"/>
+          </a:xfrm>
+          <a:prstGeom prst="rect">
+            <a:avLst/>
+          </a:prstGeom>
+          <a:noFill/>
+        </p:spPr>
+        <p:txBody>
+          <a:bodyPr wrap="square" rtlCol="0">
+            <a:spAutoFit/>
           </a:bodyPr>
           <a:lstStyle/>
           <a:p>
-            <a:pPr marL="0" indent="0">
-              <a:buNone/>
-            </a:pPr>
-            <a:endParaRPr lang="en-US" altLang="ja-JP" sz="2400" dirty="0" smtClean="0"/>
-          </a:p>
-          <a:p>
-            <a:endParaRPr lang="en-US" altLang="ja-JP" sz="2400" dirty="0" smtClean="0"/>
-          </a:p>
-          <a:p>
-            <a:endParaRPr lang="en-US" altLang="ja-JP" sz="2400" dirty="0" smtClean="0"/>
-          </a:p>
-          <a:p>
-            <a:endParaRPr lang="en-US" altLang="ja-JP" sz="2400" dirty="0" smtClean="0"/>
-          </a:p>
-          <a:p>
-            <a:endParaRPr lang="en-US" altLang="ja-JP" sz="2400" dirty="0" smtClean="0"/>
-          </a:p>
-          <a:p>
-            <a:endParaRPr lang="en-US" altLang="ja-JP" sz="2400" dirty="0" smtClean="0"/>
-          </a:p>
-          <a:p>
-            <a:endParaRPr lang="en-US" altLang="ja-JP" sz="2400" dirty="0" smtClean="0"/>
-          </a:p>
-          <a:p>
-            <a:endParaRPr kumimoji="1" lang="ja-JP" altLang="en-US" sz="2400" dirty="0"/>
+            <a:r>
+              <a:rPr kumimoji="1" lang="ja-JP" altLang="en-US" sz="2800" dirty="0" smtClean="0">
+                <a:solidFill>
+                  <a:schemeClr val="accent4">
+                    <a:lumMod val="60000"/>
+                    <a:lumOff val="40000"/>
+                  </a:schemeClr>
+                </a:solidFill>
+              </a:rPr>
+              <a:t>三好　山里　森口</a:t>
+            </a:r>
+            <a:endParaRPr kumimoji="1" lang="ja-JP" altLang="en-US" sz="2800" dirty="0">
+              <a:solidFill>
+                <a:schemeClr val="accent4">
+                  <a:lumMod val="60000"/>
+                  <a:lumOff val="40000"/>
+                </a:schemeClr>
+              </a:solidFill>
+            </a:endParaRPr>
           </a:p>
         </p:txBody>
       </p:sp>
@@ -3904,49 +6987,63 @@
             <p:ph type="title"/>
           </p:nvPr>
         </p:nvSpPr>
-        <p:spPr/>
-        <p:txBody>
-          <a:bodyPr/>
-          <a:lstStyle/>
-          <a:p>
-            <a:r>
-              <a:rPr lang="ja-JP" altLang="en-US" dirty="0" smtClean="0"/>
-              <a:t>目次</a:t>
-            </a:r>
-            <a:endParaRPr kumimoji="1" lang="ja-JP" altLang="en-US" dirty="0"/>
-          </a:p>
-        </p:txBody>
-      </p:sp>
-      <p:sp>
-        <p:nvSpPr>
-          <p:cNvPr id="3" name="コンテンツ プレースホルダー 2"/>
-          <p:cNvSpPr>
-            <a:spLocks noGrp="1"/>
-          </p:cNvSpPr>
-          <p:nvPr>
-            <p:ph idx="1"/>
-          </p:nvPr>
-        </p:nvSpPr>
-        <p:spPr/>
+        <p:spPr>
+          <a:xfrm>
+            <a:off x="1141413" y="298559"/>
+            <a:ext cx="9905998" cy="1724397"/>
+          </a:xfrm>
+        </p:spPr>
         <p:txBody>
           <a:bodyPr>
             <a:normAutofit/>
           </a:bodyPr>
           <a:lstStyle/>
           <a:p>
-            <a:pPr marL="0" indent="0">
-              <a:buNone/>
-            </a:pPr>
-            <a:r>
-              <a:rPr lang="ja-JP" altLang="en-US" dirty="0"/>
-              <a:t>このゲーム</a:t>
-            </a:r>
-            <a:r>
-              <a:rPr kumimoji="1" lang="ja-JP" altLang="en-US" dirty="0" smtClean="0"/>
-              <a:t>を作った理由</a:t>
-            </a:r>
-            <a:endParaRPr kumimoji="1" lang="en-US" altLang="ja-JP" dirty="0" smtClean="0"/>
-          </a:p>
+            <a:r>
+              <a:rPr lang="en-US" altLang="ja-JP" sz="6000" dirty="0" smtClean="0">
+                <a:solidFill>
+                  <a:srgbClr val="FFFF00"/>
+                </a:solidFill>
+              </a:rPr>
+              <a:t>	</a:t>
+            </a:r>
+            <a:r>
+              <a:rPr lang="ja-JP" altLang="en-US" sz="6000" dirty="0" smtClean="0">
+                <a:solidFill>
+                  <a:srgbClr val="FFFF00"/>
+                </a:solidFill>
+              </a:rPr>
+              <a:t>目次</a:t>
+            </a:r>
+            <a:endParaRPr kumimoji="1" lang="ja-JP" altLang="en-US" sz="6000" dirty="0">
+              <a:solidFill>
+                <a:srgbClr val="FFFF00"/>
+              </a:solidFill>
+            </a:endParaRPr>
+          </a:p>
+        </p:txBody>
+      </p:sp>
+      <p:sp>
+        <p:nvSpPr>
+          <p:cNvPr id="3" name="コンテンツ プレースホルダー 2"/>
+          <p:cNvSpPr>
+            <a:spLocks noGrp="1"/>
+          </p:cNvSpPr>
+          <p:nvPr>
+            <p:ph idx="1"/>
+          </p:nvPr>
+        </p:nvSpPr>
+        <p:spPr>
+          <a:xfrm>
+            <a:off x="1141413" y="1838529"/>
+            <a:ext cx="9905998" cy="4717914"/>
+          </a:xfrm>
+        </p:spPr>
+        <p:txBody>
+          <a:bodyPr>
+            <a:normAutofit fontScale="62500" lnSpcReduction="20000"/>
+          </a:bodyPr>
+          <a:lstStyle/>
           <a:p>
             <a:pPr marL="0" indent="0">
               <a:buNone/>
@@ -3955,32 +7052,134 @@
           </a:p>
           <a:p>
             <a:pPr marL="0" indent="0">
+              <a:lnSpc>
+                <a:spcPct val="100000"/>
+              </a:lnSpc>
               <a:buNone/>
             </a:pPr>
             <a:r>
-              <a:rPr kumimoji="1" lang="ja-JP" altLang="en-US" dirty="0" smtClean="0"/>
+              <a:rPr kumimoji="1" lang="ja-JP" altLang="en-US" sz="5800" dirty="0" smtClean="0">
+                <a:solidFill>
+                  <a:srgbClr val="FFFF66"/>
+                </a:solidFill>
+              </a:rPr>
               <a:t>ゲーム概要</a:t>
             </a:r>
-            <a:endParaRPr kumimoji="1" lang="en-US" altLang="ja-JP" dirty="0" smtClean="0"/>
-          </a:p>
-          <a:p>
-            <a:endParaRPr kumimoji="1" lang="en-US" altLang="ja-JP" dirty="0" smtClean="0"/>
+            <a:endParaRPr kumimoji="1" lang="en-US" altLang="ja-JP" sz="5800" dirty="0" smtClean="0">
+              <a:solidFill>
+                <a:srgbClr val="FFFF66"/>
+              </a:solidFill>
+            </a:endParaRPr>
           </a:p>
           <a:p>
             <a:pPr marL="0" indent="0">
+              <a:lnSpc>
+                <a:spcPct val="100000"/>
+              </a:lnSpc>
               <a:buNone/>
             </a:pPr>
-            <a:r>
-              <a:rPr lang="ja-JP" altLang="en-US" dirty="0"/>
-              <a:t>ゲーム説明</a:t>
-            </a:r>
-            <a:endParaRPr kumimoji="1" lang="en-US" altLang="ja-JP" dirty="0" smtClean="0"/>
-          </a:p>
-          <a:p>
-            <a:endParaRPr kumimoji="1" lang="en-US" altLang="ja-JP" dirty="0" smtClean="0"/>
-          </a:p>
-          <a:p>
-            <a:endParaRPr kumimoji="1" lang="ja-JP" altLang="en-US" dirty="0"/>
+            <a:endParaRPr kumimoji="1" lang="en-US" altLang="ja-JP" sz="5800" dirty="0" smtClean="0">
+              <a:solidFill>
+                <a:srgbClr val="FFFF66"/>
+              </a:solidFill>
+            </a:endParaRPr>
+          </a:p>
+          <a:p>
+            <a:pPr marL="0" indent="0">
+              <a:lnSpc>
+                <a:spcPct val="100000"/>
+              </a:lnSpc>
+              <a:buNone/>
+            </a:pPr>
+            <a:r>
+              <a:rPr lang="ja-JP" altLang="en-US" sz="5800" dirty="0">
+                <a:solidFill>
+                  <a:srgbClr val="FFFF66"/>
+                </a:solidFill>
+              </a:rPr>
+              <a:t>ゲーム</a:t>
+            </a:r>
+            <a:r>
+              <a:rPr lang="ja-JP" altLang="en-US" sz="5800" dirty="0" smtClean="0">
+                <a:solidFill>
+                  <a:srgbClr val="FFFF66"/>
+                </a:solidFill>
+              </a:rPr>
+              <a:t>説明</a:t>
+            </a:r>
+            <a:endParaRPr lang="en-US" altLang="ja-JP" sz="5800" dirty="0" smtClean="0">
+              <a:solidFill>
+                <a:srgbClr val="FFFF66"/>
+              </a:solidFill>
+            </a:endParaRPr>
+          </a:p>
+          <a:p>
+            <a:pPr marL="0" indent="0">
+              <a:lnSpc>
+                <a:spcPct val="100000"/>
+              </a:lnSpc>
+              <a:buNone/>
+            </a:pPr>
+            <a:endParaRPr lang="en-US" altLang="ja-JP" sz="5800" dirty="0" smtClean="0">
+              <a:solidFill>
+                <a:srgbClr val="FFFF66"/>
+              </a:solidFill>
+            </a:endParaRPr>
+          </a:p>
+          <a:p>
+            <a:pPr marL="0" indent="0">
+              <a:lnSpc>
+                <a:spcPct val="100000"/>
+              </a:lnSpc>
+              <a:buNone/>
+            </a:pPr>
+            <a:r>
+              <a:rPr lang="ja-JP" altLang="en-US" sz="5800" dirty="0" smtClean="0">
+                <a:solidFill>
+                  <a:srgbClr val="FFFF66"/>
+                </a:solidFill>
+              </a:rPr>
+              <a:t>ゲーム画面</a:t>
+            </a:r>
+            <a:endParaRPr lang="en-US" altLang="ja-JP" sz="5800" dirty="0" smtClean="0">
+              <a:solidFill>
+                <a:srgbClr val="FFFF66"/>
+              </a:solidFill>
+            </a:endParaRPr>
+          </a:p>
+          <a:p>
+            <a:pPr marL="0" indent="0">
+              <a:lnSpc>
+                <a:spcPct val="100000"/>
+              </a:lnSpc>
+              <a:buNone/>
+            </a:pPr>
+            <a:endParaRPr kumimoji="1" lang="en-US" altLang="ja-JP" sz="5800" dirty="0" smtClean="0">
+              <a:solidFill>
+                <a:srgbClr val="FFFF66"/>
+              </a:solidFill>
+            </a:endParaRPr>
+          </a:p>
+          <a:p>
+            <a:pPr marL="0" indent="0">
+              <a:lnSpc>
+                <a:spcPct val="100000"/>
+              </a:lnSpc>
+              <a:buNone/>
+            </a:pPr>
+            <a:r>
+              <a:rPr kumimoji="1" lang="ja-JP" altLang="en-US" sz="5800" dirty="0" smtClean="0">
+                <a:solidFill>
+                  <a:srgbClr val="FFFF66"/>
+                </a:solidFill>
+              </a:rPr>
+              <a:t>操作説明</a:t>
+            </a:r>
+            <a:endParaRPr kumimoji="1" lang="en-US" altLang="ja-JP" sz="5800" dirty="0" smtClean="0">
+              <a:solidFill>
+                <a:srgbClr val="FFFF66"/>
+              </a:solidFill>
+            </a:endParaRPr>
           </a:p>
         </p:txBody>
       </p:sp>
@@ -4061,23 +7260,31 @@
             <p:ph type="title"/>
           </p:nvPr>
         </p:nvSpPr>
-        <p:spPr/>
-        <p:txBody>
-          <a:bodyPr/>
+        <p:spPr>
+          <a:xfrm>
+            <a:off x="4216205" y="534955"/>
+            <a:ext cx="3756413" cy="970450"/>
+          </a:xfrm>
+        </p:spPr>
+        <p:txBody>
+          <a:bodyPr>
+            <a:normAutofit/>
+          </a:bodyPr>
           <a:lstStyle/>
           <a:p>
             <a:r>
-              <a:rPr lang="ja-JP" altLang="en-US" dirty="0"/>
+              <a:rPr lang="ja-JP" altLang="en-US" sz="5300" dirty="0" smtClean="0">
+                <a:solidFill>
+                  <a:srgbClr val="FFFF00"/>
+                </a:solidFill>
+              </a:rPr>
               <a:t>ゲーム概要</a:t>
             </a:r>
-            <a:r>
-              <a:rPr lang="en-US" altLang="ja-JP" dirty="0"/>
-              <a:t/>
-            </a:r>
-            <a:br>
-              <a:rPr lang="en-US" altLang="ja-JP" dirty="0"/>
-            </a:br>
-            <a:endParaRPr lang="en-US" altLang="ja-JP" dirty="0"/>
+            <a:endParaRPr lang="en-US" altLang="ja-JP" sz="5300" dirty="0">
+              <a:solidFill>
+                <a:srgbClr val="FFFF00"/>
+              </a:solidFill>
+            </a:endParaRPr>
           </a:p>
         </p:txBody>
       </p:sp>
@@ -4091,48 +7298,230 @@
             <p:ph idx="1"/>
           </p:nvPr>
         </p:nvSpPr>
-        <p:spPr/>
-        <p:txBody>
-          <a:bodyPr/>
+        <p:spPr>
+          <a:xfrm>
+            <a:off x="1141413" y="2598905"/>
+            <a:ext cx="9905998" cy="3124201"/>
+          </a:xfrm>
+        </p:spPr>
+        <p:txBody>
+          <a:bodyPr>
+            <a:normAutofit lnSpcReduction="10000"/>
+          </a:bodyPr>
           <a:lstStyle/>
           <a:p>
             <a:pPr marL="0" indent="0">
               <a:buNone/>
             </a:pPr>
             <a:r>
-              <a:rPr lang="ja-JP" altLang="en-US" dirty="0" smtClean="0"/>
+              <a:rPr lang="ja-JP" altLang="en-US" sz="3200" dirty="0" smtClean="0">
+                <a:solidFill>
+                  <a:schemeClr val="tx1"/>
+                </a:solidFill>
+              </a:rPr>
               <a:t>ゲームジャンル</a:t>
             </a:r>
-            <a:endParaRPr lang="en-US" altLang="ja-JP" dirty="0" smtClean="0"/>
+            <a:endParaRPr lang="en-US" altLang="ja-JP" sz="3200" dirty="0" smtClean="0">
+              <a:solidFill>
+                <a:schemeClr val="tx1"/>
+              </a:solidFill>
+            </a:endParaRPr>
           </a:p>
           <a:p>
             <a:pPr marL="0" indent="0">
               <a:buNone/>
             </a:pPr>
             <a:r>
-              <a:rPr lang="ja-JP" altLang="en-US" sz="2400" dirty="0" smtClean="0"/>
+              <a:rPr lang="ja-JP" altLang="en-US" sz="3200" dirty="0" smtClean="0">
+                <a:solidFill>
+                  <a:schemeClr val="tx1"/>
+                </a:solidFill>
+              </a:rPr>
               <a:t>アクションゲーム</a:t>
             </a:r>
+            <a:endParaRPr lang="en-US" altLang="ja-JP" sz="3200" dirty="0">
+              <a:solidFill>
+                <a:schemeClr val="tx1"/>
+              </a:solidFill>
+            </a:endParaRPr>
+          </a:p>
+          <a:p>
+            <a:endParaRPr lang="en-US" altLang="ja-JP" sz="3200" dirty="0" smtClean="0">
+              <a:solidFill>
+                <a:schemeClr val="tx1"/>
+              </a:solidFill>
+            </a:endParaRPr>
+          </a:p>
+          <a:p>
+            <a:pPr marL="0" indent="0">
+              <a:buNone/>
+            </a:pPr>
+            <a:r>
+              <a:rPr lang="ja-JP" altLang="en-US" sz="3200" dirty="0" smtClean="0">
+                <a:solidFill>
+                  <a:schemeClr val="tx1"/>
+                </a:solidFill>
+              </a:rPr>
+              <a:t>ターゲット層</a:t>
+            </a:r>
+            <a:endParaRPr lang="en-US" altLang="ja-JP" sz="3200" dirty="0" smtClean="0">
+              <a:solidFill>
+                <a:schemeClr val="tx1"/>
+              </a:solidFill>
+            </a:endParaRPr>
+          </a:p>
+          <a:p>
+            <a:pPr marL="0" indent="0">
+              <a:buNone/>
+            </a:pPr>
+            <a:r>
+              <a:rPr kumimoji="1" lang="ja-JP" altLang="en-US" sz="3200" dirty="0" smtClean="0">
+                <a:solidFill>
+                  <a:schemeClr val="tx1"/>
+                </a:solidFill>
+              </a:rPr>
+              <a:t>全年齢</a:t>
+            </a:r>
+            <a:endParaRPr kumimoji="1" lang="en-US" altLang="ja-JP" sz="3200" dirty="0" smtClean="0">
+              <a:solidFill>
+                <a:schemeClr val="tx1"/>
+              </a:solidFill>
+            </a:endParaRPr>
+          </a:p>
+          <a:p>
+            <a:pPr marL="0" indent="0">
+              <a:buNone/>
+            </a:pPr>
             <a:endParaRPr lang="en-US" altLang="ja-JP" sz="2400" dirty="0"/>
           </a:p>
           <a:p>
-            <a:endParaRPr lang="en-US" altLang="ja-JP" dirty="0" smtClean="0"/>
-          </a:p>
-          <a:p>
             <a:pPr marL="0" indent="0">
               <a:buNone/>
             </a:pPr>
-            <a:r>
-              <a:rPr lang="ja-JP" altLang="en-US" dirty="0" smtClean="0"/>
-              <a:t>　</a:t>
-            </a:r>
-            <a:endParaRPr lang="en-US" altLang="ja-JP" dirty="0" smtClean="0"/>
-          </a:p>
-          <a:p>
-            <a:endParaRPr kumimoji="1" lang="ja-JP" altLang="en-US" dirty="0"/>
-          </a:p>
-        </p:txBody>
-      </p:sp>
+            <a:endParaRPr kumimoji="1" lang="ja-JP" altLang="en-US" sz="2400" dirty="0"/>
+          </a:p>
+        </p:txBody>
+      </p:sp>
+      <p:pic>
+        <p:nvPicPr>
+          <p:cNvPr id="4" name="図 3"/>
+          <p:cNvPicPr>
+            <a:picLocks noChangeAspect="1"/>
+          </p:cNvPicPr>
+          <p:nvPr/>
+        </p:nvPicPr>
+        <p:blipFill>
+          <a:blip r:embed="rId2">
+            <a:extLst>
+              <a:ext uri="{28A0092B-C50C-407E-A947-70E740481C1C}">
+                <a14:useLocalDpi xmlns:a14="http://schemas.microsoft.com/office/drawing/2010/main" val="0"/>
+              </a:ext>
+            </a:extLst>
+          </a:blip>
+          <a:stretch>
+            <a:fillRect/>
+          </a:stretch>
+        </p:blipFill>
+        <p:spPr>
+          <a:xfrm>
+            <a:off x="9060088" y="5975961"/>
+            <a:ext cx="705431" cy="705431"/>
+          </a:xfrm>
+          <a:prstGeom prst="rect">
+            <a:avLst/>
+          </a:prstGeom>
+        </p:spPr>
+      </p:pic>
+      <p:pic>
+        <p:nvPicPr>
+          <p:cNvPr id="5" name="図 4"/>
+          <p:cNvPicPr>
+            <a:picLocks noChangeAspect="1"/>
+          </p:cNvPicPr>
+          <p:nvPr/>
+        </p:nvPicPr>
+        <p:blipFill>
+          <a:blip r:embed="rId3" cstate="print">
+            <a:extLst>
+              <a:ext uri="{28A0092B-C50C-407E-A947-70E740481C1C}">
+                <a14:useLocalDpi xmlns:a14="http://schemas.microsoft.com/office/drawing/2010/main" val="0"/>
+              </a:ext>
+            </a:extLst>
+          </a:blip>
+          <a:stretch>
+            <a:fillRect/>
+          </a:stretch>
+        </p:blipFill>
+        <p:spPr>
+          <a:xfrm>
+            <a:off x="10566447" y="5366749"/>
+            <a:ext cx="961928" cy="961928"/>
+          </a:xfrm>
+          <a:prstGeom prst="rect">
+            <a:avLst/>
+          </a:prstGeom>
+        </p:spPr>
+      </p:pic>
+      <p:pic>
+        <p:nvPicPr>
+          <p:cNvPr id="6" name="図 5"/>
+          <p:cNvPicPr>
+            <a:picLocks noChangeAspect="1"/>
+          </p:cNvPicPr>
+          <p:nvPr/>
+        </p:nvPicPr>
+        <p:blipFill>
+          <a:blip r:embed="rId4" cstate="print">
+            <a:extLst>
+              <a:ext uri="{28A0092B-C50C-407E-A947-70E740481C1C}">
+                <a14:useLocalDpi xmlns:a14="http://schemas.microsoft.com/office/drawing/2010/main" val="0"/>
+              </a:ext>
+            </a:extLst>
+          </a:blip>
+          <a:stretch>
+            <a:fillRect/>
+          </a:stretch>
+        </p:blipFill>
+        <p:spPr>
+          <a:xfrm>
+            <a:off x="11047411" y="5905807"/>
+            <a:ext cx="952193" cy="952193"/>
+          </a:xfrm>
+          <a:prstGeom prst="rect">
+            <a:avLst/>
+          </a:prstGeom>
+        </p:spPr>
+      </p:pic>
+      <p:pic>
+        <p:nvPicPr>
+          <p:cNvPr id="7" name="図 6"/>
+          <p:cNvPicPr>
+            <a:picLocks noChangeAspect="1"/>
+          </p:cNvPicPr>
+          <p:nvPr/>
+        </p:nvPicPr>
+        <p:blipFill>
+          <a:blip r:embed="rId5" cstate="print">
+            <a:extLst>
+              <a:ext uri="{28A0092B-C50C-407E-A947-70E740481C1C}">
+                <a14:useLocalDpi xmlns:a14="http://schemas.microsoft.com/office/drawing/2010/main" val="0"/>
+              </a:ext>
+            </a:extLst>
+          </a:blip>
+          <a:stretch>
+            <a:fillRect/>
+          </a:stretch>
+        </p:blipFill>
+        <p:spPr>
+          <a:xfrm>
+            <a:off x="9965446" y="5847713"/>
+            <a:ext cx="1010287" cy="1010287"/>
+          </a:xfrm>
+          <a:prstGeom prst="rect">
+            <a:avLst/>
+          </a:prstGeom>
+        </p:spPr>
+      </p:pic>
     </p:spTree>
     <p:extLst>
       <p:ext uri="{BB962C8B-B14F-4D97-AF65-F5344CB8AC3E}">
@@ -4182,14 +7571,24 @@
         </p:nvSpPr>
         <p:spPr/>
         <p:txBody>
-          <a:bodyPr/>
+          <a:bodyPr>
+            <a:normAutofit/>
+          </a:bodyPr>
           <a:lstStyle/>
           <a:p>
             <a:r>
-              <a:rPr kumimoji="1" lang="ja-JP" altLang="en-US" dirty="0" smtClean="0"/>
+              <a:rPr kumimoji="1" lang="ja-JP" altLang="en-US" sz="4800" dirty="0" smtClean="0">
+                <a:solidFill>
+                  <a:srgbClr val="FFFF00"/>
+                </a:solidFill>
+              </a:rPr>
               <a:t>ゲーム説明</a:t>
             </a:r>
-            <a:endParaRPr kumimoji="1" lang="ja-JP" altLang="en-US" dirty="0"/>
+            <a:endParaRPr kumimoji="1" lang="ja-JP" altLang="en-US" sz="4800" dirty="0">
+              <a:solidFill>
+                <a:srgbClr val="FFFF00"/>
+              </a:solidFill>
+            </a:endParaRPr>
           </a:p>
         </p:txBody>
       </p:sp>
@@ -4205,51 +7604,91 @@
         </p:nvSpPr>
         <p:spPr/>
         <p:txBody>
-          <a:bodyPr/>
+          <a:bodyPr>
+            <a:normAutofit/>
+          </a:bodyPr>
           <a:lstStyle/>
           <a:p>
             <a:pPr marL="0" indent="0">
               <a:buNone/>
             </a:pPr>
             <a:r>
-              <a:rPr lang="ja-JP" altLang="en-US" dirty="0"/>
+              <a:rPr lang="ja-JP" altLang="en-US" sz="3200" dirty="0">
+                <a:solidFill>
+                  <a:schemeClr val="tx1"/>
+                </a:solidFill>
+              </a:rPr>
               <a:t>敵から逃げながらマップ中のエサを全て食べたらクリア</a:t>
             </a:r>
-            <a:endParaRPr lang="en-US" altLang="ja-JP" dirty="0"/>
+            <a:endParaRPr lang="en-US" altLang="ja-JP" sz="3200" dirty="0">
+              <a:solidFill>
+                <a:schemeClr val="tx1"/>
+              </a:solidFill>
+            </a:endParaRPr>
           </a:p>
           <a:p>
             <a:pPr marL="0" indent="0">
               <a:buNone/>
             </a:pPr>
-            <a:endParaRPr lang="en-US" altLang="ja-JP" dirty="0"/>
+            <a:endParaRPr lang="en-US" altLang="ja-JP" sz="3200" dirty="0">
+              <a:solidFill>
+                <a:schemeClr val="tx1"/>
+              </a:solidFill>
+            </a:endParaRPr>
           </a:p>
           <a:p>
             <a:pPr marL="0" indent="0">
               <a:buNone/>
             </a:pPr>
             <a:r>
-              <a:rPr lang="ja-JP" altLang="en-US" dirty="0"/>
+              <a:rPr lang="ja-JP" altLang="en-US" sz="3200" dirty="0">
+                <a:solidFill>
+                  <a:schemeClr val="tx1"/>
+                </a:solidFill>
+              </a:rPr>
               <a:t>敵に捕まると残機が減り無くなるとゲームオーバー</a:t>
             </a:r>
-            <a:endParaRPr lang="en-US" altLang="ja-JP" dirty="0"/>
+            <a:endParaRPr lang="en-US" altLang="ja-JP" sz="3200" dirty="0">
+              <a:solidFill>
+                <a:schemeClr val="tx1"/>
+              </a:solidFill>
+            </a:endParaRPr>
           </a:p>
           <a:p>
             <a:pPr marL="0" indent="0">
               <a:buNone/>
             </a:pPr>
-            <a:endParaRPr lang="en-US" altLang="ja-JP" dirty="0"/>
+            <a:endParaRPr lang="en-US" altLang="ja-JP" sz="3200" dirty="0">
+              <a:solidFill>
+                <a:schemeClr val="tx1"/>
+              </a:solidFill>
+            </a:endParaRPr>
           </a:p>
           <a:p>
             <a:pPr marL="0" indent="0">
               <a:buNone/>
             </a:pPr>
             <a:r>
-              <a:rPr lang="ja-JP" altLang="en-US" dirty="0"/>
+              <a:rPr lang="ja-JP" altLang="en-US" sz="3200" dirty="0">
+                <a:solidFill>
+                  <a:schemeClr val="tx1"/>
+                </a:solidFill>
+              </a:rPr>
               <a:t>パワーエサを食べると一時的に敵が逃げるようになり、その時に限り敵を食べれる</a:t>
             </a:r>
-            <a:endParaRPr lang="en-US" altLang="ja-JP" dirty="0"/>
-          </a:p>
-          <a:p>
+            <a:endParaRPr lang="en-US" altLang="ja-JP" sz="3200" dirty="0">
+              <a:solidFill>
+                <a:schemeClr val="tx1"/>
+              </a:solidFill>
+            </a:endParaRPr>
+          </a:p>
+          <a:p>
+            <a:endParaRPr kumimoji="1" lang="en-US" altLang="ja-JP" dirty="0" smtClean="0"/>
+          </a:p>
+          <a:p>
+            <a:pPr marL="0" indent="0">
+              <a:buNone/>
+            </a:pPr>
             <a:endParaRPr kumimoji="1" lang="ja-JP" altLang="en-US" dirty="0"/>
           </a:p>
         </p:txBody>
@@ -4400,35 +7839,355 @@
         </p:nvSpPr>
         <p:spPr/>
         <p:txBody>
+          <a:bodyPr/>
+          <a:lstStyle/>
+          <a:p>
+            <a:r>
+              <a:rPr lang="ja-JP" altLang="en-US" dirty="0" smtClean="0">
+                <a:solidFill>
+                  <a:srgbClr val="FFFF00"/>
+                </a:solidFill>
+              </a:rPr>
+              <a:t>敵キャラクター</a:t>
+            </a:r>
+            <a:endParaRPr kumimoji="1" lang="ja-JP" altLang="en-US" dirty="0">
+              <a:solidFill>
+                <a:srgbClr val="FFFF00"/>
+              </a:solidFill>
+            </a:endParaRPr>
+          </a:p>
+        </p:txBody>
+      </p:sp>
+      <p:pic>
+        <p:nvPicPr>
+          <p:cNvPr id="5" name="図 4"/>
+          <p:cNvPicPr>
+            <a:picLocks noChangeAspect="1"/>
+          </p:cNvPicPr>
+          <p:nvPr/>
+        </p:nvPicPr>
+        <p:blipFill>
+          <a:blip r:embed="rId2" cstate="print">
+            <a:extLst>
+              <a:ext uri="{28A0092B-C50C-407E-A947-70E740481C1C}">
+                <a14:useLocalDpi xmlns:a14="http://schemas.microsoft.com/office/drawing/2010/main" val="0"/>
+              </a:ext>
+            </a:extLst>
+          </a:blip>
+          <a:stretch>
+            <a:fillRect/>
+          </a:stretch>
+        </p:blipFill>
+        <p:spPr>
+          <a:xfrm>
+            <a:off x="7617685" y="858708"/>
+            <a:ext cx="546401" cy="546401"/>
+          </a:xfrm>
+          <a:prstGeom prst="rect">
+            <a:avLst/>
+          </a:prstGeom>
+        </p:spPr>
+      </p:pic>
+      <p:pic>
+        <p:nvPicPr>
+          <p:cNvPr id="6" name="図 5"/>
+          <p:cNvPicPr>
+            <a:picLocks noChangeAspect="1"/>
+          </p:cNvPicPr>
+          <p:nvPr/>
+        </p:nvPicPr>
+        <p:blipFill>
+          <a:blip r:embed="rId3" cstate="print">
+            <a:extLst>
+              <a:ext uri="{28A0092B-C50C-407E-A947-70E740481C1C}">
+                <a14:useLocalDpi xmlns:a14="http://schemas.microsoft.com/office/drawing/2010/main" val="0"/>
+              </a:ext>
+            </a:extLst>
+          </a:blip>
+          <a:stretch>
+            <a:fillRect/>
+          </a:stretch>
+        </p:blipFill>
+        <p:spPr>
+          <a:xfrm>
+            <a:off x="4002352" y="888469"/>
+            <a:ext cx="526777" cy="516640"/>
+          </a:xfrm>
+          <a:prstGeom prst="rect">
+            <a:avLst/>
+          </a:prstGeom>
+        </p:spPr>
+      </p:pic>
+      <p:pic>
+        <p:nvPicPr>
+          <p:cNvPr id="11" name="図 10"/>
+          <p:cNvPicPr>
+            <a:picLocks noChangeAspect="1"/>
+          </p:cNvPicPr>
+          <p:nvPr/>
+        </p:nvPicPr>
+        <p:blipFill>
+          <a:blip r:embed="rId4" cstate="print">
+            <a:extLst>
+              <a:ext uri="{28A0092B-C50C-407E-A947-70E740481C1C}">
+                <a14:useLocalDpi xmlns:a14="http://schemas.microsoft.com/office/drawing/2010/main" val="0"/>
+              </a:ext>
+            </a:extLst>
+          </a:blip>
+          <a:stretch>
+            <a:fillRect/>
+          </a:stretch>
+        </p:blipFill>
+        <p:spPr>
+          <a:xfrm>
+            <a:off x="1399307" y="2784162"/>
+            <a:ext cx="284695" cy="284695"/>
+          </a:xfrm>
+          <a:prstGeom prst="rect">
+            <a:avLst/>
+          </a:prstGeom>
+        </p:spPr>
+      </p:pic>
+      <p:pic>
+        <p:nvPicPr>
+          <p:cNvPr id="12" name="図 11"/>
+          <p:cNvPicPr>
+            <a:picLocks noChangeAspect="1"/>
+          </p:cNvPicPr>
+          <p:nvPr/>
+        </p:nvPicPr>
+        <p:blipFill>
+          <a:blip r:embed="rId5" cstate="print">
+            <a:extLst>
+              <a:ext uri="{28A0092B-C50C-407E-A947-70E740481C1C}">
+                <a14:useLocalDpi xmlns:a14="http://schemas.microsoft.com/office/drawing/2010/main" val="0"/>
+              </a:ext>
+            </a:extLst>
+          </a:blip>
+          <a:stretch>
+            <a:fillRect/>
+          </a:stretch>
+        </p:blipFill>
+        <p:spPr>
+          <a:xfrm>
+            <a:off x="1354506" y="4713929"/>
+            <a:ext cx="296610" cy="296610"/>
+          </a:xfrm>
+          <a:prstGeom prst="rect">
+            <a:avLst/>
+          </a:prstGeom>
+        </p:spPr>
+      </p:pic>
+      <p:pic>
+        <p:nvPicPr>
+          <p:cNvPr id="13" name="図 12"/>
+          <p:cNvPicPr>
+            <a:picLocks noChangeAspect="1"/>
+          </p:cNvPicPr>
+          <p:nvPr/>
+        </p:nvPicPr>
+        <p:blipFill>
+          <a:blip r:embed="rId6" cstate="print">
+            <a:extLst>
+              <a:ext uri="{28A0092B-C50C-407E-A947-70E740481C1C}">
+                <a14:useLocalDpi xmlns:a14="http://schemas.microsoft.com/office/drawing/2010/main" val="0"/>
+              </a:ext>
+            </a:extLst>
+          </a:blip>
+          <a:stretch>
+            <a:fillRect/>
+          </a:stretch>
+        </p:blipFill>
+        <p:spPr>
+          <a:xfrm>
+            <a:off x="1393755" y="1811959"/>
+            <a:ext cx="267020" cy="267020"/>
+          </a:xfrm>
+          <a:prstGeom prst="rect">
+            <a:avLst/>
+          </a:prstGeom>
+        </p:spPr>
+      </p:pic>
+      <p:pic>
+        <p:nvPicPr>
+          <p:cNvPr id="14" name="図 13"/>
+          <p:cNvPicPr>
+            <a:picLocks noChangeAspect="1"/>
+          </p:cNvPicPr>
+          <p:nvPr/>
+        </p:nvPicPr>
+        <p:blipFill>
+          <a:blip r:embed="rId7" cstate="print">
+            <a:extLst>
+              <a:ext uri="{28A0092B-C50C-407E-A947-70E740481C1C}">
+                <a14:useLocalDpi xmlns:a14="http://schemas.microsoft.com/office/drawing/2010/main" val="0"/>
+              </a:ext>
+            </a:extLst>
+          </a:blip>
+          <a:stretch>
+            <a:fillRect/>
+          </a:stretch>
+        </p:blipFill>
+        <p:spPr>
+          <a:xfrm>
+            <a:off x="1393755" y="3779428"/>
+            <a:ext cx="265375" cy="265375"/>
+          </a:xfrm>
+          <a:prstGeom prst="rect">
+            <a:avLst/>
+          </a:prstGeom>
+        </p:spPr>
+      </p:pic>
+      <p:sp>
+        <p:nvSpPr>
+          <p:cNvPr id="15" name="テキスト ボックス 14"/>
+          <p:cNvSpPr txBox="1"/>
+          <p:nvPr/>
+        </p:nvSpPr>
+        <p:spPr>
+          <a:xfrm>
+            <a:off x="1608727" y="1615903"/>
+            <a:ext cx="9743257" cy="4154984"/>
+          </a:xfrm>
+          <a:prstGeom prst="rect">
+            <a:avLst/>
+          </a:prstGeom>
+          <a:noFill/>
+        </p:spPr>
+        <p:txBody>
+          <a:bodyPr wrap="square" rtlCol="0">
+            <a:spAutoFit/>
+          </a:bodyPr>
+          <a:lstStyle/>
+          <a:p>
+            <a:r>
+              <a:rPr kumimoji="1" lang="ja-JP" altLang="en-US" sz="4000" dirty="0" smtClean="0">
+                <a:solidFill>
+                  <a:srgbClr val="FFFF00"/>
+                </a:solidFill>
+              </a:rPr>
+              <a:t>敵行動パターン</a:t>
+            </a:r>
+            <a:endParaRPr kumimoji="1" lang="en-US" altLang="ja-JP" sz="4000" dirty="0" smtClean="0">
+              <a:solidFill>
+                <a:srgbClr val="FFFF00"/>
+              </a:solidFill>
+            </a:endParaRPr>
+          </a:p>
+          <a:p>
+            <a:endParaRPr kumimoji="1" lang="en-US" altLang="ja-JP" sz="3200" dirty="0" smtClean="0"/>
+          </a:p>
+          <a:p>
+            <a:r>
+              <a:rPr lang="ja-JP" altLang="en-US" sz="3200" dirty="0" smtClean="0"/>
+              <a:t>ランダム行動</a:t>
+            </a:r>
+            <a:endParaRPr lang="en-US" altLang="ja-JP" sz="3200" dirty="0" smtClean="0"/>
+          </a:p>
+          <a:p>
+            <a:endParaRPr lang="en-US" altLang="ja-JP" sz="3200" dirty="0"/>
+          </a:p>
+          <a:p>
+            <a:r>
+              <a:rPr lang="ja-JP" altLang="en-US" sz="3200" dirty="0" smtClean="0"/>
+              <a:t>プレイヤーを追いかけて来る</a:t>
+            </a:r>
+            <a:endParaRPr kumimoji="1" lang="en-US" altLang="ja-JP" sz="3200" dirty="0" smtClean="0"/>
+          </a:p>
+          <a:p>
+            <a:endParaRPr kumimoji="1" lang="en-US" altLang="ja-JP" sz="3200" dirty="0" smtClean="0"/>
+          </a:p>
+          <a:p>
+            <a:r>
+              <a:rPr kumimoji="1" lang="ja-JP" altLang="en-US" sz="3200" dirty="0" smtClean="0"/>
+              <a:t>プレイヤーがパワーエサを食べた時、一定時間移動速度が低下し、逃げるように行動するようになる</a:t>
+            </a:r>
+            <a:endParaRPr kumimoji="1" lang="ja-JP" altLang="en-US" sz="3200" dirty="0"/>
+          </a:p>
+        </p:txBody>
+      </p:sp>
+    </p:spTree>
+    <p:extLst>
+      <p:ext uri="{BB962C8B-B14F-4D97-AF65-F5344CB8AC3E}">
+        <p14:creationId xmlns:p14="http://schemas.microsoft.com/office/powerpoint/2010/main" val="2371588424"/>
+      </p:ext>
+    </p:extLst>
+  </p:cSld>
+  <p:clrMapOvr>
+    <a:masterClrMapping/>
+  </p:clrMapOvr>
+  <p:timing>
+    <p:tnLst>
+      <p:par>
+        <p:cTn id="1" dur="indefinite" restart="never" nodeType="tmRoot"/>
+      </p:par>
+    </p:tnLst>
+  </p:timing>
+</p:sld>
+</file>
+
+<file path=ppt/slides/slide6.xml><?xml version="1.0" encoding="utf-8"?>
+<p:sld xmlns:a="http://schemas.openxmlformats.org/drawingml/2006/main" xmlns:r="http://schemas.openxmlformats.org/officeDocument/2006/relationships" xmlns:p="http://schemas.openxmlformats.org/presentationml/2006/main">
+  <p:cSld>
+    <p:spTree>
+      <p:nvGrpSpPr>
+        <p:cNvPr id="1" name=""/>
+        <p:cNvGrpSpPr/>
+        <p:nvPr/>
+      </p:nvGrpSpPr>
+      <p:grpSpPr>
+        <a:xfrm>
+          <a:off x="0" y="0"/>
+          <a:ext cx="0" cy="0"/>
+          <a:chOff x="0" y="0"/>
+          <a:chExt cx="0" cy="0"/>
+        </a:xfrm>
+      </p:grpSpPr>
+      <p:sp>
+        <p:nvSpPr>
+          <p:cNvPr id="2" name="タイトル 1"/>
+          <p:cNvSpPr>
+            <a:spLocks noGrp="1"/>
+          </p:cNvSpPr>
+          <p:nvPr>
+            <p:ph type="title"/>
+          </p:nvPr>
+        </p:nvSpPr>
+        <p:spPr>
+          <a:xfrm>
+            <a:off x="1143000" y="466928"/>
+            <a:ext cx="9905998" cy="1439693"/>
+          </a:xfrm>
+        </p:spPr>
+        <p:txBody>
           <a:bodyPr>
             <a:normAutofit/>
           </a:bodyPr>
           <a:lstStyle/>
           <a:p>
             <a:r>
-              <a:rPr kumimoji="1" lang="ja-JP" altLang="en-US" sz="3600" dirty="0" smtClean="0"/>
+              <a:rPr kumimoji="1" lang="ja-JP" altLang="en-US" sz="5400" dirty="0" smtClean="0">
+                <a:solidFill>
+                  <a:srgbClr val="FFFF00"/>
+                </a:solidFill>
+              </a:rPr>
               <a:t>ゲーム画面</a:t>
             </a:r>
-            <a:r>
-              <a:rPr kumimoji="1" lang="en-US" altLang="ja-JP" sz="3600" dirty="0" smtClean="0"/>
-              <a:t/>
-            </a:r>
-            <a:br>
-              <a:rPr kumimoji="1" lang="en-US" altLang="ja-JP" sz="3600" dirty="0" smtClean="0"/>
-            </a:br>
-            <a:endParaRPr kumimoji="1" lang="ja-JP" altLang="en-US" sz="3600" dirty="0"/>
+            <a:endParaRPr kumimoji="1" lang="ja-JP" altLang="en-US" sz="5400" dirty="0">
+              <a:solidFill>
+                <a:srgbClr val="FFFF00"/>
+              </a:solidFill>
+            </a:endParaRPr>
           </a:p>
         </p:txBody>
       </p:sp>
       <p:pic>
         <p:nvPicPr>
-          <p:cNvPr id="4" name="コンテンツ プレースホルダー 3"/>
+          <p:cNvPr id="4" name="コンテンツ プレースホルダー 6"/>
           <p:cNvPicPr>
-            <a:picLocks noGrp="1" noChangeAspect="1"/>
+            <a:picLocks noChangeAspect="1"/>
           </p:cNvPicPr>
-          <p:nvPr>
-            <p:ph idx="1"/>
-          </p:nvPr>
+          <p:nvPr/>
         </p:nvPicPr>
         <p:blipFill>
           <a:blip r:embed="rId2">
@@ -4444,21 +8203,131 @@
         </p:blipFill>
         <p:spPr>
           <a:xfrm>
-            <a:off x="3217506" y="2766072"/>
-            <a:ext cx="8136294" cy="4091928"/>
-          </a:xfrm>
+            <a:off x="1929881" y="1987419"/>
+            <a:ext cx="8332237" cy="4618653"/>
+          </a:xfrm>
+          <a:prstGeom prst="rect">
+            <a:avLst/>
+          </a:prstGeom>
         </p:spPr>
       </p:pic>
-      <p:sp>
-        <p:nvSpPr>
-          <p:cNvPr id="3" name="テキスト ボックス 2"/>
+    </p:spTree>
+    <p:extLst>
+      <p:ext uri="{BB962C8B-B14F-4D97-AF65-F5344CB8AC3E}">
+        <p14:creationId xmlns:p14="http://schemas.microsoft.com/office/powerpoint/2010/main" val="2016144536"/>
+      </p:ext>
+    </p:extLst>
+  </p:cSld>
+  <p:clrMapOvr>
+    <a:masterClrMapping/>
+  </p:clrMapOvr>
+  <p:timing>
+    <p:tnLst>
+      <p:par>
+        <p:cTn id="1" dur="indefinite" restart="never" nodeType="tmRoot"/>
+      </p:par>
+    </p:tnLst>
+  </p:timing>
+</p:sld>
+</file>
+
+<file path=ppt/slides/slide7.xml><?xml version="1.0" encoding="utf-8"?>
+<p:sld xmlns:a="http://schemas.openxmlformats.org/drawingml/2006/main" xmlns:r="http://schemas.openxmlformats.org/officeDocument/2006/relationships" xmlns:p="http://schemas.openxmlformats.org/presentationml/2006/main">
+  <p:cSld>
+    <p:spTree>
+      <p:nvGrpSpPr>
+        <p:cNvPr id="1" name=""/>
+        <p:cNvGrpSpPr/>
+        <p:nvPr/>
+      </p:nvGrpSpPr>
+      <p:grpSpPr>
+        <a:xfrm>
+          <a:off x="0" y="0"/>
+          <a:ext cx="0" cy="0"/>
+          <a:chOff x="0" y="0"/>
+          <a:chExt cx="0" cy="0"/>
+        </a:xfrm>
+      </p:grpSpPr>
+      <p:sp>
+        <p:nvSpPr>
+          <p:cNvPr id="2" name="タイトル 1"/>
+          <p:cNvSpPr>
+            <a:spLocks noGrp="1"/>
+          </p:cNvSpPr>
+          <p:nvPr>
+            <p:ph type="title"/>
+          </p:nvPr>
+        </p:nvSpPr>
+        <p:spPr>
+          <a:xfrm>
+            <a:off x="885803" y="475861"/>
+            <a:ext cx="10353762" cy="1063690"/>
+          </a:xfrm>
+        </p:spPr>
+        <p:txBody>
+          <a:bodyPr>
+            <a:noAutofit/>
+          </a:bodyPr>
+          <a:lstStyle/>
+          <a:p>
+            <a:r>
+              <a:rPr lang="ja-JP" altLang="en-US" sz="4400" dirty="0">
+                <a:solidFill>
+                  <a:srgbClr val="FFFF00"/>
+                </a:solidFill>
+              </a:rPr>
+              <a:t>操作方法</a:t>
+            </a:r>
+            <a:r>
+              <a:rPr kumimoji="1" lang="en-US" altLang="ja-JP" sz="4400" dirty="0" smtClean="0"/>
+              <a:t/>
+            </a:r>
+            <a:br>
+              <a:rPr kumimoji="1" lang="en-US" altLang="ja-JP" sz="4400" dirty="0" smtClean="0"/>
+            </a:br>
+            <a:endParaRPr kumimoji="1" lang="ja-JP" altLang="en-US" sz="4400" dirty="0"/>
+          </a:p>
+        </p:txBody>
+      </p:sp>
+      <p:pic>
+        <p:nvPicPr>
+          <p:cNvPr id="7" name="コンテンツ プレースホルダー 6"/>
+          <p:cNvPicPr>
+            <a:picLocks noGrp="1" noChangeAspect="1"/>
+          </p:cNvPicPr>
+          <p:nvPr>
+            <p:ph idx="1"/>
+          </p:nvPr>
+        </p:nvPicPr>
+        <p:blipFill>
+          <a:blip r:embed="rId2">
+            <a:extLst>
+              <a:ext uri="{28A0092B-C50C-407E-A947-70E740481C1C}">
+                <a14:useLocalDpi xmlns:a14="http://schemas.microsoft.com/office/drawing/2010/main" val="0"/>
+              </a:ext>
+            </a:extLst>
+          </a:blip>
+          <a:stretch>
+            <a:fillRect/>
+          </a:stretch>
+        </p:blipFill>
+        <p:spPr>
+          <a:xfrm>
+            <a:off x="2984307" y="1713302"/>
+            <a:ext cx="7265577" cy="4059237"/>
+          </a:xfrm>
+        </p:spPr>
+      </p:pic>
+      <p:sp>
+        <p:nvSpPr>
+          <p:cNvPr id="5" name="テキスト ボックス 4"/>
           <p:cNvSpPr txBox="1"/>
           <p:nvPr/>
         </p:nvSpPr>
         <p:spPr>
           <a:xfrm>
-            <a:off x="578498" y="1966770"/>
-            <a:ext cx="2509935" cy="523220"/>
+            <a:off x="409058" y="2305888"/>
+            <a:ext cx="2575249" cy="4401205"/>
           </a:xfrm>
           <a:prstGeom prst="rect">
             <a:avLst/>
@@ -4472,102 +8341,72 @@
           <a:lstStyle/>
           <a:p>
             <a:r>
-              <a:rPr kumimoji="1" lang="ja-JP" altLang="en-US" sz="2800" dirty="0" smtClean="0"/>
-              <a:t>操作方法</a:t>
+              <a:rPr lang="ja-JP" altLang="en-US" sz="2800" dirty="0" smtClean="0"/>
+              <a:t>上移動　</a:t>
+            </a:r>
+            <a:r>
+              <a:rPr lang="en-US" altLang="ja-JP" sz="2800" dirty="0" smtClean="0"/>
+              <a:t>W</a:t>
+            </a:r>
+            <a:r>
+              <a:rPr lang="ja-JP" altLang="en-US" sz="2800" dirty="0" smtClean="0"/>
+              <a:t>キー</a:t>
+            </a:r>
+            <a:endParaRPr lang="en-US" altLang="ja-JP" sz="2800" dirty="0" smtClean="0"/>
+          </a:p>
+          <a:p>
+            <a:endParaRPr kumimoji="1" lang="en-US" altLang="ja-JP" sz="2800" dirty="0"/>
+          </a:p>
+          <a:p>
+            <a:r>
+              <a:rPr lang="ja-JP" altLang="en-US" sz="2800" dirty="0" smtClean="0"/>
+              <a:t>左移動　</a:t>
+            </a:r>
+            <a:r>
+              <a:rPr lang="en-US" altLang="ja-JP" sz="2800" dirty="0" smtClean="0"/>
+              <a:t>A</a:t>
+            </a:r>
+            <a:r>
+              <a:rPr lang="ja-JP" altLang="en-US" sz="2800" dirty="0"/>
+              <a:t>キー</a:t>
+            </a:r>
+            <a:endParaRPr lang="en-US" altLang="ja-JP" sz="2800" dirty="0" smtClean="0"/>
+          </a:p>
+          <a:p>
+            <a:endParaRPr kumimoji="1" lang="en-US" altLang="ja-JP" sz="2800" dirty="0"/>
+          </a:p>
+          <a:p>
+            <a:r>
+              <a:rPr lang="ja-JP" altLang="en-US" sz="2800" dirty="0" smtClean="0"/>
+              <a:t>下移動　</a:t>
+            </a:r>
+            <a:r>
+              <a:rPr lang="en-US" altLang="ja-JP" sz="2800" dirty="0" smtClean="0"/>
+              <a:t>S</a:t>
+            </a:r>
+            <a:r>
+              <a:rPr lang="ja-JP" altLang="en-US" sz="2800" dirty="0" smtClean="0"/>
+              <a:t>キー</a:t>
+            </a:r>
+            <a:endParaRPr lang="en-US" altLang="ja-JP" sz="2800" dirty="0" smtClean="0"/>
+          </a:p>
+          <a:p>
+            <a:endParaRPr kumimoji="1" lang="en-US" altLang="ja-JP" sz="2800" dirty="0"/>
+          </a:p>
+          <a:p>
+            <a:r>
+              <a:rPr lang="ja-JP" altLang="en-US" sz="2800" dirty="0" smtClean="0"/>
+              <a:t>右移動　</a:t>
+            </a:r>
+            <a:r>
+              <a:rPr lang="en-US" altLang="ja-JP" sz="2800" dirty="0" smtClean="0"/>
+              <a:t>D</a:t>
+            </a:r>
+            <a:r>
+              <a:rPr lang="ja-JP" altLang="en-US" sz="2800" dirty="0" smtClean="0"/>
+              <a:t>キー</a:t>
             </a:r>
             <a:endParaRPr kumimoji="1" lang="ja-JP" altLang="en-US" sz="2800" dirty="0"/>
-          </a:p>
-        </p:txBody>
-      </p:sp>
-      <p:sp>
-        <p:nvSpPr>
-          <p:cNvPr id="5" name="テキスト ボックス 4"/>
-          <p:cNvSpPr txBox="1"/>
-          <p:nvPr/>
-        </p:nvSpPr>
-        <p:spPr>
-          <a:xfrm>
-            <a:off x="331236" y="3473208"/>
-            <a:ext cx="2575249" cy="2677656"/>
-          </a:xfrm>
-          <a:prstGeom prst="rect">
-            <a:avLst/>
-          </a:prstGeom>
-          <a:noFill/>
-        </p:spPr>
-        <p:txBody>
-          <a:bodyPr wrap="square" rtlCol="0">
-            <a:spAutoFit/>
-          </a:bodyPr>
-          <a:lstStyle/>
-          <a:p>
-            <a:r>
-              <a:rPr lang="ja-JP" altLang="en-US" sz="2400" dirty="0" smtClean="0"/>
-              <a:t>上移動　</a:t>
-            </a:r>
-            <a:r>
-              <a:rPr lang="en-US" altLang="ja-JP" sz="2400" dirty="0" smtClean="0"/>
-              <a:t>W</a:t>
-            </a:r>
-            <a:r>
-              <a:rPr lang="ja-JP" altLang="en-US" sz="2400" dirty="0" smtClean="0"/>
-              <a:t>キー</a:t>
-            </a:r>
-            <a:endParaRPr lang="en-US" altLang="ja-JP" sz="2400" dirty="0" smtClean="0"/>
-          </a:p>
-          <a:p>
-            <a:endParaRPr kumimoji="1" lang="en-US" altLang="ja-JP" sz="2400" dirty="0"/>
-          </a:p>
-          <a:p>
-            <a:r>
-              <a:rPr lang="ja-JP" altLang="en-US" sz="2400" dirty="0" smtClean="0"/>
-              <a:t>左移動　</a:t>
-            </a:r>
-            <a:r>
-              <a:rPr lang="en-US" altLang="ja-JP" sz="2400" dirty="0" smtClean="0"/>
-              <a:t>A</a:t>
-            </a:r>
-            <a:r>
-              <a:rPr lang="ja-JP" altLang="en-US" sz="2400" dirty="0"/>
-              <a:t>キー</a:t>
-            </a:r>
-            <a:endParaRPr lang="en-US" altLang="ja-JP" sz="2400" dirty="0" smtClean="0"/>
-          </a:p>
-          <a:p>
-            <a:endParaRPr kumimoji="1" lang="en-US" altLang="ja-JP" sz="2400" dirty="0"/>
-          </a:p>
-          <a:p>
-            <a:r>
-              <a:rPr lang="ja-JP" altLang="en-US" sz="2400" dirty="0" smtClean="0"/>
-              <a:t>下移動　</a:t>
-            </a:r>
-            <a:r>
-              <a:rPr lang="en-US" altLang="ja-JP" sz="2400" dirty="0" smtClean="0"/>
-              <a:t>S</a:t>
-            </a:r>
-            <a:r>
-              <a:rPr lang="ja-JP" altLang="en-US" sz="2400" dirty="0" smtClean="0"/>
-              <a:t>キー</a:t>
-            </a:r>
-            <a:endParaRPr lang="en-US" altLang="ja-JP" sz="2400" dirty="0" smtClean="0"/>
-          </a:p>
-          <a:p>
-            <a:endParaRPr kumimoji="1" lang="en-US" altLang="ja-JP" sz="2400" dirty="0"/>
-          </a:p>
-          <a:p>
-            <a:r>
-              <a:rPr lang="ja-JP" altLang="en-US" sz="2400" dirty="0" smtClean="0"/>
-              <a:t>右移動　</a:t>
-            </a:r>
-            <a:r>
-              <a:rPr lang="en-US" altLang="ja-JP" sz="2400" dirty="0" smtClean="0"/>
-              <a:t>D</a:t>
-            </a:r>
-            <a:r>
-              <a:rPr lang="ja-JP" altLang="en-US" sz="2400" dirty="0" smtClean="0"/>
-              <a:t>キー</a:t>
-            </a:r>
-            <a:endParaRPr kumimoji="1" lang="ja-JP" altLang="en-US" sz="2400" dirty="0"/>
           </a:p>
         </p:txBody>
       </p:sp>
@@ -4592,9 +8431,9 @@
 </file>
 
 <file path=ppt/theme/theme1.xml><?xml version="1.0" encoding="utf-8"?>
-<a:theme xmlns:a="http://schemas.openxmlformats.org/drawingml/2006/main" name="Office テーマ">
+<a:theme xmlns:a="http://schemas.openxmlformats.org/drawingml/2006/main" name="石版">
   <a:themeElements>
-    <a:clrScheme name="Office">
+    <a:clrScheme name="石版">
       <a:dk1>
         <a:sysClr val="windowText" lastClr="000000"/>
       </a:dk1>
@@ -4602,52 +8441,52 @@
         <a:sysClr val="window" lastClr="FFFFFF"/>
       </a:lt1>
       <a:dk2>
-        <a:srgbClr val="44546A"/>
+        <a:srgbClr val="212123"/>
       </a:dk2>
       <a:lt2>
-        <a:srgbClr val="E7E6E6"/>
+        <a:srgbClr val="DADADA"/>
       </a:lt2>
       <a:accent1>
-        <a:srgbClr val="5B9BD5"/>
+        <a:srgbClr val="BC451B"/>
       </a:accent1>
       <a:accent2>
-        <a:srgbClr val="ED7D31"/>
+        <a:srgbClr val="D3BA68"/>
       </a:accent2>
       <a:accent3>
-        <a:srgbClr val="A5A5A5"/>
+        <a:srgbClr val="BB8640"/>
       </a:accent3>
       <a:accent4>
-        <a:srgbClr val="FFC000"/>
+        <a:srgbClr val="AD9277"/>
       </a:accent4>
       <a:accent5>
-        <a:srgbClr val="4472C4"/>
+        <a:srgbClr val="A55A43"/>
       </a:accent5>
       <a:accent6>
-        <a:srgbClr val="70AD47"/>
+        <a:srgbClr val="AD9D7B"/>
       </a:accent6>
       <a:hlink>
-        <a:srgbClr val="0563C1"/>
+        <a:srgbClr val="E98052"/>
       </a:hlink>
       <a:folHlink>
-        <a:srgbClr val="954F72"/>
+        <a:srgbClr val="F4B69B"/>
       </a:folHlink>
     </a:clrScheme>
-    <a:fontScheme name="Office">
+    <a:fontScheme name="石版">
       <a:majorFont>
-        <a:latin typeface="游ゴシック Light" panose="020F0302020204030204"/>
+        <a:latin typeface="Calisto MT" panose="02040603050505030304"/>
         <a:ea typeface=""/>
         <a:cs typeface=""/>
-        <a:font script="Jpan" typeface="游ゴシック Light"/>
-        <a:font script="Hang" typeface="맑은 고딕"/>
-        <a:font script="Hans" typeface="等线 Light"/>
-        <a:font script="Hant" typeface="新細明體"/>
-        <a:font script="Arab" typeface="Times New Roman"/>
-        <a:font script="Hebr" typeface="Times New Roman"/>
-        <a:font script="Thai" typeface="Angsana New"/>
+        <a:font script="Jpan" typeface="ＭＳ Ｐゴシック"/>
+        <a:font script="Hang" typeface="돋움"/>
+        <a:font script="Hans" typeface="方正舒体"/>
+        <a:font script="Hant" typeface="微軟正黑體"/>
+        <a:font script="Arab" typeface="Arial"/>
+        <a:font script="Hebr" typeface="Arial"/>
+        <a:font script="Thai" typeface="Cordia New"/>
         <a:font script="Ethi" typeface="Nyala"/>
         <a:font script="Beng" typeface="Vrinda"/>
         <a:font script="Gujr" typeface="Shruti"/>
-        <a:font script="Khmr" typeface="MoolBoran"/>
+        <a:font script="Khmr" typeface="DaunPenh"/>
         <a:font script="Knda" typeface="Tunga"/>
         <a:font script="Guru" typeface="Raavi"/>
         <a:font script="Cans" typeface="Euphemia"/>
@@ -4664,18 +8503,18 @@
         <a:font script="Laoo" typeface="DokChampa"/>
         <a:font script="Sinh" typeface="Iskoola Pota"/>
         <a:font script="Mong" typeface="Mongolian Baiti"/>
-        <a:font script="Viet" typeface="Times New Roman"/>
+        <a:font script="Viet" typeface="Arial"/>
         <a:font script="Uigh" typeface="Microsoft Uighur"/>
         <a:font script="Geor" typeface="Sylfaen"/>
       </a:majorFont>
       <a:minorFont>
-        <a:latin typeface="游ゴシック" panose="020F0502020204030204"/>
+        <a:latin typeface="Calisto MT" panose="02040603050505030304"/>
         <a:ea typeface=""/>
         <a:cs typeface=""/>
-        <a:font script="Jpan" typeface="游ゴシック"/>
-        <a:font script="Hang" typeface="맑은 고딕"/>
-        <a:font script="Hans" typeface="等线"/>
-        <a:font script="Hant" typeface="新細明體"/>
+        <a:font script="Jpan" typeface="ＭＳ Ｐゴシック"/>
+        <a:font script="Hang" typeface="돋움"/>
+        <a:font script="Hans" typeface="方正舒体"/>
+        <a:font script="Hant" typeface="微軟正黑體"/>
         <a:font script="Arab" typeface="Arial"/>
         <a:font script="Hebr" typeface="Arial"/>
         <a:font script="Thai" typeface="Cordia New"/>
@@ -4704,7 +8543,7 @@
         <a:font script="Geor" typeface="Sylfaen"/>
       </a:minorFont>
     </a:fontScheme>
-    <a:fmtScheme name="Office">
+    <a:fmtScheme name="石版">
       <a:fillStyleLst>
         <a:solidFill>
           <a:schemeClr val="phClr"/>
@@ -4713,23 +8552,13 @@
           <a:gsLst>
             <a:gs pos="0">
               <a:schemeClr val="phClr">
+                <a:tint val="60000"/>
                 <a:lumMod val="110000"/>
-                <a:satMod val="105000"/>
-                <a:tint val="67000"/>
-              </a:schemeClr>
-            </a:gs>
-            <a:gs pos="50000">
-              <a:schemeClr val="phClr">
-                <a:lumMod val="105000"/>
-                <a:satMod val="103000"/>
-                <a:tint val="73000"/>
               </a:schemeClr>
             </a:gs>
             <a:gs pos="100000">
               <a:schemeClr val="phClr">
-                <a:lumMod val="105000"/>
-                <a:satMod val="109000"/>
-                <a:tint val="81000"/>
+                <a:tint val="88000"/>
               </a:schemeClr>
             </a:gs>
           </a:gsLst>
@@ -4739,23 +8568,14 @@
           <a:gsLst>
             <a:gs pos="0">
               <a:schemeClr val="phClr">
-                <a:satMod val="103000"/>
-                <a:lumMod val="102000"/>
-                <a:tint val="94000"/>
-              </a:schemeClr>
-            </a:gs>
-            <a:gs pos="50000">
-              <a:schemeClr val="phClr">
-                <a:satMod val="110000"/>
-                <a:lumMod val="100000"/>
-                <a:shade val="100000"/>
+                <a:tint val="96000"/>
+                <a:lumMod val="104000"/>
               </a:schemeClr>
             </a:gs>
             <a:gs pos="100000">
               <a:schemeClr val="phClr">
-                <a:lumMod val="99000"/>
-                <a:satMod val="120000"/>
-                <a:shade val="78000"/>
+                <a:shade val="90000"/>
+                <a:lumMod val="90000"/>
               </a:schemeClr>
             </a:gs>
           </a:gsLst>
@@ -4763,26 +8583,25 @@
         </a:gradFill>
       </a:fillStyleLst>
       <a:lnStyleLst>
-        <a:ln w="6350" cap="flat" cmpd="sng" algn="ctr">
+        <a:ln w="9525" cap="rnd" cmpd="sng" algn="ctr">
+          <a:solidFill>
+            <a:schemeClr val="phClr">
+              <a:shade val="90000"/>
+            </a:schemeClr>
+          </a:solidFill>
+          <a:prstDash val="solid"/>
+        </a:ln>
+        <a:ln w="15875" cap="rnd" cmpd="sng" algn="ctr">
           <a:solidFill>
             <a:schemeClr val="phClr"/>
           </a:solidFill>
           <a:prstDash val="solid"/>
-          <a:miter lim="800000"/>
         </a:ln>
-        <a:ln w="12700" cap="flat" cmpd="sng" algn="ctr">
+        <a:ln w="25400" cap="rnd" cmpd="sng" algn="ctr">
           <a:solidFill>
             <a:schemeClr val="phClr"/>
           </a:solidFill>
           <a:prstDash val="solid"/>
-          <a:miter lim="800000"/>
-        </a:ln>
-        <a:ln w="19050" cap="flat" cmpd="sng" algn="ctr">
-          <a:solidFill>
-            <a:schemeClr val="phClr"/>
-          </a:solidFill>
-          <a:prstDash val="solid"/>
-          <a:miter lim="800000"/>
         </a:ln>
       </a:lnStyleLst>
       <a:effectStyleLst>
@@ -4790,16 +8609,33 @@
           <a:effectLst/>
         </a:effectStyle>
         <a:effectStyle>
-          <a:effectLst/>
+          <a:effectLst>
+            <a:outerShdw blurRad="63500" dist="25400" dir="5400000" rotWithShape="0">
+              <a:srgbClr val="000000">
+                <a:alpha val="60000"/>
+              </a:srgbClr>
+            </a:outerShdw>
+          </a:effectLst>
         </a:effectStyle>
         <a:effectStyle>
           <a:effectLst>
-            <a:outerShdw blurRad="57150" dist="19050" dir="5400000" algn="ctr" rotWithShape="0">
+            <a:outerShdw blurRad="76200" dist="38100" dir="5400000" rotWithShape="0">
               <a:srgbClr val="000000">
-                <a:alpha val="63000"/>
+                <a:alpha val="75000"/>
               </a:srgbClr>
             </a:outerShdw>
           </a:effectLst>
+          <a:scene3d>
+            <a:camera prst="orthographicFront">
+              <a:rot lat="0" lon="0" rev="0"/>
+            </a:camera>
+            <a:lightRig rig="threePt" dir="t">
+              <a:rot lat="0" lon="0" rev="1200000"/>
+            </a:lightRig>
+          </a:scene3d>
+          <a:sp3d>
+            <a:bevelT w="63500" h="25400" prst="hardEdge"/>
+          </a:sp3d>
         </a:effectStyle>
       </a:effectStyleLst>
       <a:bgFillStyleLst>
@@ -4807,38 +8643,22 @@
           <a:schemeClr val="phClr"/>
         </a:solidFill>
         <a:solidFill>
-          <a:schemeClr val="phClr">
-            <a:tint val="95000"/>
-            <a:satMod val="170000"/>
-          </a:schemeClr>
+          <a:schemeClr val="phClr"/>
         </a:solidFill>
-        <a:gradFill rotWithShape="1">
-          <a:gsLst>
-            <a:gs pos="0">
+        <a:blipFill rotWithShape="1">
+          <a:blip xmlns:r="http://schemas.openxmlformats.org/officeDocument/2006/relationships" r:embed="rId1">
+            <a:duotone>
               <a:schemeClr val="phClr">
-                <a:tint val="93000"/>
-                <a:satMod val="150000"/>
-                <a:shade val="98000"/>
-                <a:lumMod val="102000"/>
+                <a:shade val="80000"/>
+                <a:lumMod val="80000"/>
               </a:schemeClr>
-            </a:gs>
-            <a:gs pos="50000">
               <a:schemeClr val="phClr">
                 <a:tint val="98000"/>
-                <a:satMod val="130000"/>
-                <a:shade val="90000"/>
-                <a:lumMod val="103000"/>
               </a:schemeClr>
-            </a:gs>
-            <a:gs pos="100000">
-              <a:schemeClr val="phClr">
-                <a:shade val="63000"/>
-                <a:satMod val="120000"/>
-              </a:schemeClr>
-            </a:gs>
-          </a:gsLst>
-          <a:lin ang="5400000" scaled="0"/>
-        </a:gradFill>
+            </a:duotone>
+          </a:blip>
+          <a:stretch/>
+        </a:blipFill>
       </a:bgFillStyleLst>
     </a:fmtScheme>
   </a:themeElements>
@@ -4846,7 +8666,7 @@
   <a:extraClrSchemeLst/>
   <a:extLst>
     <a:ext uri="{05A4C25C-085E-4340-85A3-A5531E510DB2}">
-      <thm15:themeFamily xmlns:thm15="http://schemas.microsoft.com/office/thememl/2012/main" name="Office Theme" id="{62F939B6-93AF-4DB8-9C6B-D6C7DFDC589F}" vid="{4A3C46E8-61CC-4603-A589-7422A47A8E4A}"/>
+      <thm15:themeFamily xmlns:thm15="http://schemas.microsoft.com/office/thememl/2012/main" name="Slate" id="{C3F70B94-7CE9-428E-ADC1-3269CC2C3385}" vid="{3F2DE9A5-64E6-437C-A389-CC4477E817E8}"/>
     </a:ext>
   </a:extLst>
 </a:theme>
@@ -5111,47 +8931,4 @@
     </a:ext>
   </a:extLst>
 </a:theme>
-</file>
-
-<file path=ppt/theme/themeOverride1.xml><?xml version="1.0" encoding="utf-8"?>
-<a:themeOverride xmlns:a="http://schemas.openxmlformats.org/drawingml/2006/main">
-  <a:clrScheme name="Office">
-    <a:dk1>
-      <a:sysClr val="windowText" lastClr="000000"/>
-    </a:dk1>
-    <a:lt1>
-      <a:sysClr val="window" lastClr="FFFFFF"/>
-    </a:lt1>
-    <a:dk2>
-      <a:srgbClr val="44546A"/>
-    </a:dk2>
-    <a:lt2>
-      <a:srgbClr val="E7E6E6"/>
-    </a:lt2>
-    <a:accent1>
-      <a:srgbClr val="5B9BD5"/>
-    </a:accent1>
-    <a:accent2>
-      <a:srgbClr val="ED7D31"/>
-    </a:accent2>
-    <a:accent3>
-      <a:srgbClr val="A5A5A5"/>
-    </a:accent3>
-    <a:accent4>
-      <a:srgbClr val="FFC000"/>
-    </a:accent4>
-    <a:accent5>
-      <a:srgbClr val="4472C4"/>
-    </a:accent5>
-    <a:accent6>
-      <a:srgbClr val="70AD47"/>
-    </a:accent6>
-    <a:hlink>
-      <a:srgbClr val="0563C1"/>
-    </a:hlink>
-    <a:folHlink>
-      <a:srgbClr val="954F72"/>
-    </a:folHlink>
-  </a:clrScheme>
-</a:themeOverride>
 </file>
--- a/企画書.pptx
+++ b/企画書.pptx
@@ -7035,7 +7035,7 @@
         </p:nvSpPr>
         <p:spPr>
           <a:xfrm>
-            <a:off x="1141413" y="1838529"/>
+            <a:off x="1141413" y="1648801"/>
             <a:ext cx="9905998" cy="4717914"/>
           </a:xfrm>
         </p:spPr>
@@ -7051,7 +7051,7 @@
             <a:endParaRPr kumimoji="1" lang="en-US" altLang="ja-JP" dirty="0" smtClean="0"/>
           </a:p>
           <a:p>
-            <a:pPr marL="0" indent="0">
+            <a:pPr marL="0" indent="0" algn="just">
               <a:lnSpc>
                 <a:spcPct val="100000"/>
               </a:lnSpc>
@@ -7072,7 +7072,7 @@
             </a:endParaRPr>
           </a:p>
           <a:p>
-            <a:pPr marL="0" indent="0">
+            <a:pPr marL="0" indent="0" algn="just">
               <a:lnSpc>
                 <a:spcPct val="100000"/>
               </a:lnSpc>
@@ -7085,7 +7085,7 @@
             </a:endParaRPr>
           </a:p>
           <a:p>
-            <a:pPr marL="0" indent="0">
+            <a:pPr marL="0" indent="0" algn="just">
               <a:lnSpc>
                 <a:spcPct val="100000"/>
               </a:lnSpc>
@@ -7114,7 +7114,7 @@
             </a:endParaRPr>
           </a:p>
           <a:p>
-            <a:pPr marL="0" indent="0">
+            <a:pPr marL="0" indent="0" algn="just">
               <a:lnSpc>
                 <a:spcPct val="100000"/>
               </a:lnSpc>
@@ -7127,7 +7127,7 @@
             </a:endParaRPr>
           </a:p>
           <a:p>
-            <a:pPr marL="0" indent="0">
+            <a:pPr marL="0" indent="0" algn="just">
               <a:lnSpc>
                 <a:spcPct val="100000"/>
               </a:lnSpc>
@@ -7148,7 +7148,7 @@
             </a:endParaRPr>
           </a:p>
           <a:p>
-            <a:pPr marL="0" indent="0">
+            <a:pPr marL="0" indent="0" algn="just">
               <a:lnSpc>
                 <a:spcPct val="100000"/>
               </a:lnSpc>
@@ -7161,7 +7161,7 @@
             </a:endParaRPr>
           </a:p>
           <a:p>
-            <a:pPr marL="0" indent="0">
+            <a:pPr marL="0" indent="0" algn="just">
               <a:lnSpc>
                 <a:spcPct val="100000"/>
               </a:lnSpc>
@@ -7880,7 +7880,7 @@
         </p:blipFill>
         <p:spPr>
           <a:xfrm>
-            <a:off x="7617685" y="858708"/>
+            <a:off x="7698995" y="821624"/>
             <a:ext cx="546401" cy="546401"/>
           </a:xfrm>
           <a:prstGeom prst="rect">
@@ -7910,8 +7910,8 @@
         </p:blipFill>
         <p:spPr>
           <a:xfrm>
-            <a:off x="4002352" y="888469"/>
-            <a:ext cx="526777" cy="516640"/>
+            <a:off x="3940910" y="846681"/>
+            <a:ext cx="536872" cy="552493"/>
           </a:xfrm>
           <a:prstGeom prst="rect">
             <a:avLst/>
@@ -7940,7 +7940,7 @@
         </p:blipFill>
         <p:spPr>
           <a:xfrm>
-            <a:off x="1399307" y="2784162"/>
+            <a:off x="1434686" y="2860840"/>
             <a:ext cx="284695" cy="284695"/>
           </a:xfrm>
           <a:prstGeom prst="rect">
@@ -7970,7 +7970,7 @@
         </p:blipFill>
         <p:spPr>
           <a:xfrm>
-            <a:off x="1354506" y="4713929"/>
+            <a:off x="1403451" y="4844558"/>
             <a:ext cx="296610" cy="296610"/>
           </a:xfrm>
           <a:prstGeom prst="rect">
@@ -8000,7 +8000,7 @@
         </p:blipFill>
         <p:spPr>
           <a:xfrm>
-            <a:off x="1393755" y="1811959"/>
+            <a:off x="1452361" y="1884675"/>
             <a:ext cx="267020" cy="267020"/>
           </a:xfrm>
           <a:prstGeom prst="rect">
@@ -8030,7 +8030,7 @@
         </p:blipFill>
         <p:spPr>
           <a:xfrm>
-            <a:off x="1393755" y="3779428"/>
+            <a:off x="1434686" y="3854680"/>
             <a:ext cx="265375" cy="265375"/>
           </a:xfrm>
           <a:prstGeom prst="rect">

--- a/企画書.pptx
+++ b/企画書.pptx
@@ -215,7 +215,7 @@
           <a:p>
             <a:fld id="{D87D4425-97A6-46D4-B9AA-5B3737BA148B}" type="datetimeFigureOut">
               <a:rPr kumimoji="1" lang="ja-JP" altLang="en-US" smtClean="0"/>
-              <a:t>2022/12/19</a:t>
+              <a:t>2022/12/21</a:t>
             </a:fld>
             <a:endParaRPr kumimoji="1" lang="ja-JP" altLang="en-US"/>
           </a:p>
@@ -599,6 +599,90 @@
 </p:notes>
 </file>
 
+<file path=ppt/notesSlides/notesSlide2.xml><?xml version="1.0" encoding="utf-8"?>
+<p:notes xmlns:a="http://schemas.openxmlformats.org/drawingml/2006/main" xmlns:r="http://schemas.openxmlformats.org/officeDocument/2006/relationships" xmlns:p="http://schemas.openxmlformats.org/presentationml/2006/main">
+  <p:cSld>
+    <p:spTree>
+      <p:nvGrpSpPr>
+        <p:cNvPr id="1" name=""/>
+        <p:cNvGrpSpPr/>
+        <p:nvPr/>
+      </p:nvGrpSpPr>
+      <p:grpSpPr>
+        <a:xfrm>
+          <a:off x="0" y="0"/>
+          <a:ext cx="0" cy="0"/>
+          <a:chOff x="0" y="0"/>
+          <a:chExt cx="0" cy="0"/>
+        </a:xfrm>
+      </p:grpSpPr>
+      <p:sp>
+        <p:nvSpPr>
+          <p:cNvPr id="2" name="スライド イメージ プレースホルダー 1"/>
+          <p:cNvSpPr>
+            <a:spLocks noGrp="1" noRot="1" noChangeAspect="1"/>
+          </p:cNvSpPr>
+          <p:nvPr>
+            <p:ph type="sldImg"/>
+          </p:nvPr>
+        </p:nvSpPr>
+        <p:spPr/>
+      </p:sp>
+      <p:sp>
+        <p:nvSpPr>
+          <p:cNvPr id="3" name="ノート プレースホルダー 2"/>
+          <p:cNvSpPr>
+            <a:spLocks noGrp="1"/>
+          </p:cNvSpPr>
+          <p:nvPr>
+            <p:ph type="body" idx="1"/>
+          </p:nvPr>
+        </p:nvSpPr>
+        <p:spPr/>
+        <p:txBody>
+          <a:bodyPr/>
+          <a:lstStyle/>
+          <a:p>
+            <a:endParaRPr kumimoji="1" lang="ja-JP" altLang="en-US" dirty="0"/>
+          </a:p>
+        </p:txBody>
+      </p:sp>
+      <p:sp>
+        <p:nvSpPr>
+          <p:cNvPr id="4" name="スライド番号プレースホルダー 3"/>
+          <p:cNvSpPr>
+            <a:spLocks noGrp="1"/>
+          </p:cNvSpPr>
+          <p:nvPr>
+            <p:ph type="sldNum" sz="quarter" idx="10"/>
+          </p:nvPr>
+        </p:nvSpPr>
+        <p:spPr/>
+        <p:txBody>
+          <a:bodyPr/>
+          <a:lstStyle/>
+          <a:p>
+            <a:fld id="{8AAB2E6C-AF5A-425E-905A-795FC7B5F74E}" type="slidenum">
+              <a:rPr kumimoji="1" lang="ja-JP" altLang="en-US" smtClean="0"/>
+              <a:t>2</a:t>
+            </a:fld>
+            <a:endParaRPr kumimoji="1" lang="ja-JP" altLang="en-US"/>
+          </a:p>
+        </p:txBody>
+      </p:sp>
+    </p:spTree>
+    <p:extLst>
+      <p:ext uri="{BB962C8B-B14F-4D97-AF65-F5344CB8AC3E}">
+        <p14:creationId xmlns:p14="http://schemas.microsoft.com/office/powerpoint/2010/main" val="4051097238"/>
+      </p:ext>
+    </p:extLst>
+  </p:cSld>
+  <p:clrMapOvr>
+    <a:masterClrMapping/>
+  </p:clrMapOvr>
+</p:notes>
+</file>
+
 <file path=ppt/slideLayouts/slideLayout1.xml><?xml version="1.0" encoding="utf-8"?>
 <p:sldLayout xmlns:a="http://schemas.openxmlformats.org/drawingml/2006/main" xmlns:r="http://schemas.openxmlformats.org/officeDocument/2006/relationships" xmlns:p="http://schemas.openxmlformats.org/presentationml/2006/main" type="title" preserve="1">
   <p:cSld name="タイトル スライド">
@@ -784,7 +868,7 @@
           <a:p>
             <a:fld id="{24FBA86E-0CF7-4B0C-9D39-30686EFB7BF4}" type="datetimeFigureOut">
               <a:rPr kumimoji="1" lang="ja-JP" altLang="en-US" smtClean="0"/>
-              <a:t>2022/12/19</a:t>
+              <a:t>2022/12/21</a:t>
             </a:fld>
             <a:endParaRPr kumimoji="1" lang="ja-JP" altLang="en-US"/>
           </a:p>
@@ -1082,7 +1166,7 @@
           <a:p>
             <a:fld id="{24FBA86E-0CF7-4B0C-9D39-30686EFB7BF4}" type="datetimeFigureOut">
               <a:rPr kumimoji="1" lang="ja-JP" altLang="en-US" smtClean="0"/>
-              <a:t>2022/12/19</a:t>
+              <a:t>2022/12/21</a:t>
             </a:fld>
             <a:endParaRPr kumimoji="1" lang="ja-JP" altLang="en-US"/>
           </a:p>
@@ -1274,7 +1358,7 @@
           <a:p>
             <a:fld id="{24FBA86E-0CF7-4B0C-9D39-30686EFB7BF4}" type="datetimeFigureOut">
               <a:rPr kumimoji="1" lang="ja-JP" altLang="en-US" smtClean="0"/>
-              <a:t>2022/12/19</a:t>
+              <a:t>2022/12/21</a:t>
             </a:fld>
             <a:endParaRPr kumimoji="1" lang="ja-JP" altLang="en-US"/>
           </a:p>
@@ -1535,7 +1619,7 @@
           <a:p>
             <a:fld id="{24FBA86E-0CF7-4B0C-9D39-30686EFB7BF4}" type="datetimeFigureOut">
               <a:rPr kumimoji="1" lang="ja-JP" altLang="en-US" smtClean="0"/>
-              <a:t>2022/12/19</a:t>
+              <a:t>2022/12/21</a:t>
             </a:fld>
             <a:endParaRPr kumimoji="1" lang="ja-JP" altLang="en-US"/>
           </a:p>
@@ -1959,7 +2043,7 @@
           <a:p>
             <a:fld id="{24FBA86E-0CF7-4B0C-9D39-30686EFB7BF4}" type="datetimeFigureOut">
               <a:rPr kumimoji="1" lang="ja-JP" altLang="en-US" smtClean="0"/>
-              <a:t>2022/12/19</a:t>
+              <a:t>2022/12/21</a:t>
             </a:fld>
             <a:endParaRPr kumimoji="1" lang="ja-JP" altLang="en-US"/>
           </a:p>
@@ -2496,7 +2580,7 @@
           <a:p>
             <a:fld id="{24FBA86E-0CF7-4B0C-9D39-30686EFB7BF4}" type="datetimeFigureOut">
               <a:rPr kumimoji="1" lang="ja-JP" altLang="en-US" smtClean="0"/>
-              <a:t>2022/12/19</a:t>
+              <a:t>2022/12/21</a:t>
             </a:fld>
             <a:endParaRPr kumimoji="1" lang="ja-JP" altLang="en-US"/>
           </a:p>
@@ -3360,7 +3444,7 @@
           <a:p>
             <a:fld id="{24FBA86E-0CF7-4B0C-9D39-30686EFB7BF4}" type="datetimeFigureOut">
               <a:rPr kumimoji="1" lang="ja-JP" altLang="en-US" smtClean="0"/>
-              <a:t>2022/12/19</a:t>
+              <a:t>2022/12/21</a:t>
             </a:fld>
             <a:endParaRPr kumimoji="1" lang="ja-JP" altLang="en-US"/>
           </a:p>
@@ -3562,7 +3646,7 @@
           <a:p>
             <a:fld id="{24FBA86E-0CF7-4B0C-9D39-30686EFB7BF4}" type="datetimeFigureOut">
               <a:rPr kumimoji="1" lang="ja-JP" altLang="en-US" smtClean="0"/>
-              <a:t>2022/12/19</a:t>
+              <a:t>2022/12/21</a:t>
             </a:fld>
             <a:endParaRPr kumimoji="1" lang="ja-JP" altLang="en-US"/>
           </a:p>
@@ -3778,7 +3862,7 @@
           <a:p>
             <a:fld id="{24FBA86E-0CF7-4B0C-9D39-30686EFB7BF4}" type="datetimeFigureOut">
               <a:rPr kumimoji="1" lang="ja-JP" altLang="en-US" smtClean="0"/>
-              <a:t>2022/12/19</a:t>
+              <a:t>2022/12/21</a:t>
             </a:fld>
             <a:endParaRPr kumimoji="1" lang="ja-JP" altLang="en-US"/>
           </a:p>
@@ -3980,7 +4064,7 @@
           <a:p>
             <a:fld id="{24FBA86E-0CF7-4B0C-9D39-30686EFB7BF4}" type="datetimeFigureOut">
               <a:rPr kumimoji="1" lang="ja-JP" altLang="en-US" smtClean="0"/>
-              <a:t>2022/12/19</a:t>
+              <a:t>2022/12/21</a:t>
             </a:fld>
             <a:endParaRPr kumimoji="1" lang="ja-JP" altLang="en-US"/>
           </a:p>
@@ -4224,7 +4308,7 @@
           <a:p>
             <a:fld id="{24FBA86E-0CF7-4B0C-9D39-30686EFB7BF4}" type="datetimeFigureOut">
               <a:rPr kumimoji="1" lang="ja-JP" altLang="en-US" smtClean="0"/>
-              <a:t>2022/12/19</a:t>
+              <a:t>2022/12/21</a:t>
             </a:fld>
             <a:endParaRPr kumimoji="1" lang="ja-JP" altLang="en-US"/>
           </a:p>
@@ -4524,7 +4608,7 @@
           <a:p>
             <a:fld id="{24FBA86E-0CF7-4B0C-9D39-30686EFB7BF4}" type="datetimeFigureOut">
               <a:rPr kumimoji="1" lang="ja-JP" altLang="en-US" smtClean="0"/>
-              <a:t>2022/12/19</a:t>
+              <a:t>2022/12/21</a:t>
             </a:fld>
             <a:endParaRPr kumimoji="1" lang="ja-JP" altLang="en-US"/>
           </a:p>
@@ -5054,7 +5138,7 @@
           <a:p>
             <a:fld id="{24FBA86E-0CF7-4B0C-9D39-30686EFB7BF4}" type="datetimeFigureOut">
               <a:rPr kumimoji="1" lang="ja-JP" altLang="en-US" smtClean="0"/>
-              <a:t>2022/12/19</a:t>
+              <a:t>2022/12/21</a:t>
             </a:fld>
             <a:endParaRPr kumimoji="1" lang="ja-JP" altLang="en-US"/>
           </a:p>
@@ -5172,7 +5256,7 @@
           <a:p>
             <a:fld id="{24FBA86E-0CF7-4B0C-9D39-30686EFB7BF4}" type="datetimeFigureOut">
               <a:rPr kumimoji="1" lang="ja-JP" altLang="en-US" smtClean="0"/>
-              <a:t>2022/12/19</a:t>
+              <a:t>2022/12/21</a:t>
             </a:fld>
             <a:endParaRPr kumimoji="1" lang="ja-JP" altLang="en-US"/>
           </a:p>
@@ -5267,7 +5351,7 @@
           <a:p>
             <a:fld id="{24FBA86E-0CF7-4B0C-9D39-30686EFB7BF4}" type="datetimeFigureOut">
               <a:rPr kumimoji="1" lang="ja-JP" altLang="en-US" smtClean="0"/>
-              <a:t>2022/12/19</a:t>
+              <a:t>2022/12/21</a:t>
             </a:fld>
             <a:endParaRPr kumimoji="1" lang="ja-JP" altLang="en-US"/>
           </a:p>
@@ -5554,7 +5638,7 @@
           <a:p>
             <a:fld id="{24FBA86E-0CF7-4B0C-9D39-30686EFB7BF4}" type="datetimeFigureOut">
               <a:rPr kumimoji="1" lang="ja-JP" altLang="en-US" smtClean="0"/>
-              <a:t>2022/12/19</a:t>
+              <a:t>2022/12/21</a:t>
             </a:fld>
             <a:endParaRPr kumimoji="1" lang="ja-JP" altLang="en-US"/>
           </a:p>
@@ -5854,7 +5938,7 @@
           <a:p>
             <a:fld id="{24FBA86E-0CF7-4B0C-9D39-30686EFB7BF4}" type="datetimeFigureOut">
               <a:rPr kumimoji="1" lang="ja-JP" altLang="en-US" smtClean="0"/>
-              <a:t>2022/12/19</a:t>
+              <a:t>2022/12/21</a:t>
             </a:fld>
             <a:endParaRPr kumimoji="1" lang="ja-JP" altLang="en-US"/>
           </a:p>
@@ -6120,7 +6204,7 @@
           <a:p>
             <a:fld id="{24FBA86E-0CF7-4B0C-9D39-30686EFB7BF4}" type="datetimeFigureOut">
               <a:rPr kumimoji="1" lang="ja-JP" altLang="en-US" smtClean="0"/>
-              <a:t>2022/12/19</a:t>
+              <a:t>2022/12/21</a:t>
             </a:fld>
             <a:endParaRPr kumimoji="1" lang="ja-JP" altLang="en-US"/>
           </a:p>
@@ -7063,7 +7147,7 @@
                   <a:srgbClr val="FFFF66"/>
                 </a:solidFill>
               </a:rPr>
-              <a:t>ゲーム概要</a:t>
+              <a:t>ゲーム</a:t>
             </a:r>
             <a:endParaRPr kumimoji="1" lang="en-US" altLang="ja-JP" sz="5800" dirty="0" smtClean="0">
               <a:solidFill>
@@ -7278,7 +7362,7 @@
                   <a:srgbClr val="FFFF00"/>
                 </a:solidFill>
               </a:rPr>
-              <a:t>ゲーム概要</a:t>
+              <a:t>ゲーム</a:t>
             </a:r>
             <a:endParaRPr lang="en-US" altLang="ja-JP" sz="5300" dirty="0">
               <a:solidFill>
@@ -7306,7 +7390,7 @@
         </p:spPr>
         <p:txBody>
           <a:bodyPr>
-            <a:normAutofit lnSpcReduction="10000"/>
+            <a:normAutofit/>
           </a:bodyPr>
           <a:lstStyle/>
           <a:p>
@@ -7314,14 +7398,22 @@
               <a:buNone/>
             </a:pPr>
             <a:r>
-              <a:rPr lang="ja-JP" altLang="en-US" sz="3200" dirty="0" smtClean="0">
+              <a:rPr lang="ja-JP" altLang="en-US" sz="4000" dirty="0">
                 <a:solidFill>
                   <a:schemeClr val="tx1"/>
                 </a:solidFill>
               </a:rPr>
-              <a:t>ゲームジャンル</a:t>
-            </a:r>
-            <a:endParaRPr lang="en-US" altLang="ja-JP" sz="3200" dirty="0" smtClean="0">
+              <a:t>ゲームジャンル　　　　　　　　　　</a:t>
+            </a:r>
+            <a:r>
+              <a:rPr lang="ja-JP" altLang="en-US" sz="4000" dirty="0" smtClean="0">
+                <a:solidFill>
+                  <a:schemeClr val="tx1"/>
+                </a:solidFill>
+              </a:rPr>
+              <a:t>ターゲット層</a:t>
+            </a:r>
+            <a:endParaRPr lang="en-US" altLang="ja-JP" sz="4000" dirty="0" smtClean="0">
               <a:solidFill>
                 <a:schemeClr val="tx1"/>
               </a:solidFill>
@@ -7332,13 +7424,23 @@
               <a:buNone/>
             </a:pPr>
             <a:r>
-              <a:rPr lang="ja-JP" altLang="en-US" sz="3200" dirty="0" smtClean="0">
+              <a:rPr lang="ja-JP" altLang="en-US" sz="4000" dirty="0">
                 <a:solidFill>
                   <a:schemeClr val="tx1"/>
                 </a:solidFill>
               </a:rPr>
-              <a:t>アクションゲーム</a:t>
-            </a:r>
+              <a:t>アクションゲーム　　　　　　　　　　全年齢</a:t>
+            </a:r>
+            <a:endParaRPr lang="en-US" altLang="ja-JP" sz="4000" dirty="0">
+              <a:solidFill>
+                <a:schemeClr val="tx1"/>
+              </a:solidFill>
+            </a:endParaRPr>
+          </a:p>
+          <a:p>
+            <a:pPr marL="0" indent="0">
+              <a:buNone/>
+            </a:pPr>
             <a:endParaRPr lang="en-US" altLang="ja-JP" sz="3200" dirty="0">
               <a:solidFill>
                 <a:schemeClr val="tx1"/>
@@ -7347,42 +7449,6 @@
           </a:p>
           <a:p>
             <a:endParaRPr lang="en-US" altLang="ja-JP" sz="3200" dirty="0" smtClean="0">
-              <a:solidFill>
-                <a:schemeClr val="tx1"/>
-              </a:solidFill>
-            </a:endParaRPr>
-          </a:p>
-          <a:p>
-            <a:pPr marL="0" indent="0">
-              <a:buNone/>
-            </a:pPr>
-            <a:r>
-              <a:rPr lang="ja-JP" altLang="en-US" sz="3200" dirty="0" smtClean="0">
-                <a:solidFill>
-                  <a:schemeClr val="tx1"/>
-                </a:solidFill>
-              </a:rPr>
-              <a:t>ターゲット層</a:t>
-            </a:r>
-            <a:endParaRPr lang="en-US" altLang="ja-JP" sz="3200" dirty="0" smtClean="0">
-              <a:solidFill>
-                <a:schemeClr val="tx1"/>
-              </a:solidFill>
-            </a:endParaRPr>
-          </a:p>
-          <a:p>
-            <a:pPr marL="0" indent="0">
-              <a:buNone/>
-            </a:pPr>
-            <a:r>
-              <a:rPr kumimoji="1" lang="ja-JP" altLang="en-US" sz="3200" dirty="0" smtClean="0">
-                <a:solidFill>
-                  <a:schemeClr val="tx1"/>
-                </a:solidFill>
-              </a:rPr>
-              <a:t>全年齢</a:t>
-            </a:r>
-            <a:endParaRPr kumimoji="1" lang="en-US" altLang="ja-JP" sz="3200" dirty="0" smtClean="0">
               <a:solidFill>
                 <a:schemeClr val="tx1"/>
               </a:solidFill>

--- a/企画書.pptx
+++ b/企画書.pptx
@@ -5,16 +5,15 @@
     <p:sldMasterId id="2147483690" r:id="rId1"/>
   </p:sldMasterIdLst>
   <p:notesMasterIdLst>
-    <p:notesMasterId r:id="rId9"/>
+    <p:notesMasterId r:id="rId8"/>
   </p:notesMasterIdLst>
   <p:sldIdLst>
     <p:sldId id="259" r:id="rId2"/>
     <p:sldId id="260" r:id="rId3"/>
-    <p:sldId id="261" r:id="rId4"/>
-    <p:sldId id="262" r:id="rId5"/>
-    <p:sldId id="264" r:id="rId6"/>
-    <p:sldId id="263" r:id="rId7"/>
-    <p:sldId id="258" r:id="rId8"/>
+    <p:sldId id="262" r:id="rId4"/>
+    <p:sldId id="264" r:id="rId5"/>
+    <p:sldId id="263" r:id="rId6"/>
+    <p:sldId id="258" r:id="rId7"/>
   </p:sldIdLst>
   <p:sldSz cx="12192000" cy="6858000"/>
   <p:notesSz cx="6858000" cy="9144000"/>
@@ -215,7 +214,7 @@
           <a:p>
             <a:fld id="{D87D4425-97A6-46D4-B9AA-5B3737BA148B}" type="datetimeFigureOut">
               <a:rPr kumimoji="1" lang="ja-JP" altLang="en-US" smtClean="0"/>
-              <a:t>2022/12/21</a:t>
+              <a:t>2023/1/13</a:t>
             </a:fld>
             <a:endParaRPr kumimoji="1" lang="ja-JP" altLang="en-US"/>
           </a:p>
@@ -868,7 +867,7 @@
           <a:p>
             <a:fld id="{24FBA86E-0CF7-4B0C-9D39-30686EFB7BF4}" type="datetimeFigureOut">
               <a:rPr kumimoji="1" lang="ja-JP" altLang="en-US" smtClean="0"/>
-              <a:t>2022/12/21</a:t>
+              <a:t>2023/1/13</a:t>
             </a:fld>
             <a:endParaRPr kumimoji="1" lang="ja-JP" altLang="en-US"/>
           </a:p>
@@ -1166,7 +1165,7 @@
           <a:p>
             <a:fld id="{24FBA86E-0CF7-4B0C-9D39-30686EFB7BF4}" type="datetimeFigureOut">
               <a:rPr kumimoji="1" lang="ja-JP" altLang="en-US" smtClean="0"/>
-              <a:t>2022/12/21</a:t>
+              <a:t>2023/1/13</a:t>
             </a:fld>
             <a:endParaRPr kumimoji="1" lang="ja-JP" altLang="en-US"/>
           </a:p>
@@ -1358,7 +1357,7 @@
           <a:p>
             <a:fld id="{24FBA86E-0CF7-4B0C-9D39-30686EFB7BF4}" type="datetimeFigureOut">
               <a:rPr kumimoji="1" lang="ja-JP" altLang="en-US" smtClean="0"/>
-              <a:t>2022/12/21</a:t>
+              <a:t>2023/1/13</a:t>
             </a:fld>
             <a:endParaRPr kumimoji="1" lang="ja-JP" altLang="en-US"/>
           </a:p>
@@ -1619,7 +1618,7 @@
           <a:p>
             <a:fld id="{24FBA86E-0CF7-4B0C-9D39-30686EFB7BF4}" type="datetimeFigureOut">
               <a:rPr kumimoji="1" lang="ja-JP" altLang="en-US" smtClean="0"/>
-              <a:t>2022/12/21</a:t>
+              <a:t>2023/1/13</a:t>
             </a:fld>
             <a:endParaRPr kumimoji="1" lang="ja-JP" altLang="en-US"/>
           </a:p>
@@ -2043,7 +2042,7 @@
           <a:p>
             <a:fld id="{24FBA86E-0CF7-4B0C-9D39-30686EFB7BF4}" type="datetimeFigureOut">
               <a:rPr kumimoji="1" lang="ja-JP" altLang="en-US" smtClean="0"/>
-              <a:t>2022/12/21</a:t>
+              <a:t>2023/1/13</a:t>
             </a:fld>
             <a:endParaRPr kumimoji="1" lang="ja-JP" altLang="en-US"/>
           </a:p>
@@ -2580,7 +2579,7 @@
           <a:p>
             <a:fld id="{24FBA86E-0CF7-4B0C-9D39-30686EFB7BF4}" type="datetimeFigureOut">
               <a:rPr kumimoji="1" lang="ja-JP" altLang="en-US" smtClean="0"/>
-              <a:t>2022/12/21</a:t>
+              <a:t>2023/1/13</a:t>
             </a:fld>
             <a:endParaRPr kumimoji="1" lang="ja-JP" altLang="en-US"/>
           </a:p>
@@ -3444,7 +3443,7 @@
           <a:p>
             <a:fld id="{24FBA86E-0CF7-4B0C-9D39-30686EFB7BF4}" type="datetimeFigureOut">
               <a:rPr kumimoji="1" lang="ja-JP" altLang="en-US" smtClean="0"/>
-              <a:t>2022/12/21</a:t>
+              <a:t>2023/1/13</a:t>
             </a:fld>
             <a:endParaRPr kumimoji="1" lang="ja-JP" altLang="en-US"/>
           </a:p>
@@ -3646,7 +3645,7 @@
           <a:p>
             <a:fld id="{24FBA86E-0CF7-4B0C-9D39-30686EFB7BF4}" type="datetimeFigureOut">
               <a:rPr kumimoji="1" lang="ja-JP" altLang="en-US" smtClean="0"/>
-              <a:t>2022/12/21</a:t>
+              <a:t>2023/1/13</a:t>
             </a:fld>
             <a:endParaRPr kumimoji="1" lang="ja-JP" altLang="en-US"/>
           </a:p>
@@ -3862,7 +3861,7 @@
           <a:p>
             <a:fld id="{24FBA86E-0CF7-4B0C-9D39-30686EFB7BF4}" type="datetimeFigureOut">
               <a:rPr kumimoji="1" lang="ja-JP" altLang="en-US" smtClean="0"/>
-              <a:t>2022/12/21</a:t>
+              <a:t>2023/1/13</a:t>
             </a:fld>
             <a:endParaRPr kumimoji="1" lang="ja-JP" altLang="en-US"/>
           </a:p>
@@ -4064,7 +4063,7 @@
           <a:p>
             <a:fld id="{24FBA86E-0CF7-4B0C-9D39-30686EFB7BF4}" type="datetimeFigureOut">
               <a:rPr kumimoji="1" lang="ja-JP" altLang="en-US" smtClean="0"/>
-              <a:t>2022/12/21</a:t>
+              <a:t>2023/1/13</a:t>
             </a:fld>
             <a:endParaRPr kumimoji="1" lang="ja-JP" altLang="en-US"/>
           </a:p>
@@ -4308,7 +4307,7 @@
           <a:p>
             <a:fld id="{24FBA86E-0CF7-4B0C-9D39-30686EFB7BF4}" type="datetimeFigureOut">
               <a:rPr kumimoji="1" lang="ja-JP" altLang="en-US" smtClean="0"/>
-              <a:t>2022/12/21</a:t>
+              <a:t>2023/1/13</a:t>
             </a:fld>
             <a:endParaRPr kumimoji="1" lang="ja-JP" altLang="en-US"/>
           </a:p>
@@ -4608,7 +4607,7 @@
           <a:p>
             <a:fld id="{24FBA86E-0CF7-4B0C-9D39-30686EFB7BF4}" type="datetimeFigureOut">
               <a:rPr kumimoji="1" lang="ja-JP" altLang="en-US" smtClean="0"/>
-              <a:t>2022/12/21</a:t>
+              <a:t>2023/1/13</a:t>
             </a:fld>
             <a:endParaRPr kumimoji="1" lang="ja-JP" altLang="en-US"/>
           </a:p>
@@ -5138,7 +5137,7 @@
           <a:p>
             <a:fld id="{24FBA86E-0CF7-4B0C-9D39-30686EFB7BF4}" type="datetimeFigureOut">
               <a:rPr kumimoji="1" lang="ja-JP" altLang="en-US" smtClean="0"/>
-              <a:t>2022/12/21</a:t>
+              <a:t>2023/1/13</a:t>
             </a:fld>
             <a:endParaRPr kumimoji="1" lang="ja-JP" altLang="en-US"/>
           </a:p>
@@ -5256,7 +5255,7 @@
           <a:p>
             <a:fld id="{24FBA86E-0CF7-4B0C-9D39-30686EFB7BF4}" type="datetimeFigureOut">
               <a:rPr kumimoji="1" lang="ja-JP" altLang="en-US" smtClean="0"/>
-              <a:t>2022/12/21</a:t>
+              <a:t>2023/1/13</a:t>
             </a:fld>
             <a:endParaRPr kumimoji="1" lang="ja-JP" altLang="en-US"/>
           </a:p>
@@ -5351,7 +5350,7 @@
           <a:p>
             <a:fld id="{24FBA86E-0CF7-4B0C-9D39-30686EFB7BF4}" type="datetimeFigureOut">
               <a:rPr kumimoji="1" lang="ja-JP" altLang="en-US" smtClean="0"/>
-              <a:t>2022/12/21</a:t>
+              <a:t>2023/1/13</a:t>
             </a:fld>
             <a:endParaRPr kumimoji="1" lang="ja-JP" altLang="en-US"/>
           </a:p>
@@ -5638,7 +5637,7 @@
           <a:p>
             <a:fld id="{24FBA86E-0CF7-4B0C-9D39-30686EFB7BF4}" type="datetimeFigureOut">
               <a:rPr kumimoji="1" lang="ja-JP" altLang="en-US" smtClean="0"/>
-              <a:t>2022/12/21</a:t>
+              <a:t>2023/1/13</a:t>
             </a:fld>
             <a:endParaRPr kumimoji="1" lang="ja-JP" altLang="en-US"/>
           </a:p>
@@ -5938,7 +5937,7 @@
           <a:p>
             <a:fld id="{24FBA86E-0CF7-4B0C-9D39-30686EFB7BF4}" type="datetimeFigureOut">
               <a:rPr kumimoji="1" lang="ja-JP" altLang="en-US" smtClean="0"/>
-              <a:t>2022/12/21</a:t>
+              <a:t>2023/1/13</a:t>
             </a:fld>
             <a:endParaRPr kumimoji="1" lang="ja-JP" altLang="en-US"/>
           </a:p>
@@ -6204,7 +6203,7 @@
           <a:p>
             <a:fld id="{24FBA86E-0CF7-4B0C-9D39-30686EFB7BF4}" type="datetimeFigureOut">
               <a:rPr kumimoji="1" lang="ja-JP" altLang="en-US" smtClean="0"/>
-              <a:t>2022/12/21</a:t>
+              <a:t>2023/1/13</a:t>
             </a:fld>
             <a:endParaRPr kumimoji="1" lang="ja-JP" altLang="en-US"/>
           </a:p>
@@ -7129,12 +7128,6 @@
           </a:bodyPr>
           <a:lstStyle/>
           <a:p>
-            <a:pPr marL="0" indent="0">
-              <a:buNone/>
-            </a:pPr>
-            <a:endParaRPr kumimoji="1" lang="en-US" altLang="ja-JP" dirty="0" smtClean="0"/>
-          </a:p>
-          <a:p>
             <a:pPr marL="0" indent="0" algn="just">
               <a:lnSpc>
                 <a:spcPct val="100000"/>
@@ -7142,41 +7135,7 @@
               <a:buNone/>
             </a:pPr>
             <a:r>
-              <a:rPr kumimoji="1" lang="ja-JP" altLang="en-US" sz="5800" dirty="0" smtClean="0">
-                <a:solidFill>
-                  <a:srgbClr val="FFFF66"/>
-                </a:solidFill>
-              </a:rPr>
-              <a:t>ゲーム</a:t>
-            </a:r>
-            <a:endParaRPr kumimoji="1" lang="en-US" altLang="ja-JP" sz="5800" dirty="0" smtClean="0">
-              <a:solidFill>
-                <a:srgbClr val="FFFF66"/>
-              </a:solidFill>
-            </a:endParaRPr>
-          </a:p>
-          <a:p>
-            <a:pPr marL="0" indent="0" algn="just">
-              <a:lnSpc>
-                <a:spcPct val="100000"/>
-              </a:lnSpc>
-              <a:buNone/>
-            </a:pPr>
-            <a:endParaRPr kumimoji="1" lang="en-US" altLang="ja-JP" sz="5800" dirty="0" smtClean="0">
-              <a:solidFill>
-                <a:srgbClr val="FFFF66"/>
-              </a:solidFill>
-            </a:endParaRPr>
-          </a:p>
-          <a:p>
-            <a:pPr marL="0" indent="0" algn="just">
-              <a:lnSpc>
-                <a:spcPct val="100000"/>
-              </a:lnSpc>
-              <a:buNone/>
-            </a:pPr>
-            <a:r>
-              <a:rPr lang="ja-JP" altLang="en-US" sz="5800" dirty="0">
+              <a:rPr lang="ja-JP" altLang="en-US" sz="5800" dirty="0" smtClean="0">
                 <a:solidFill>
                   <a:srgbClr val="FFFF66"/>
                 </a:solidFill>
@@ -7190,6 +7149,40 @@
                 </a:solidFill>
               </a:rPr>
               <a:t>説明</a:t>
+            </a:r>
+            <a:endParaRPr lang="en-US" altLang="ja-JP" sz="5800" dirty="0" smtClean="0">
+              <a:solidFill>
+                <a:srgbClr val="FFFF66"/>
+              </a:solidFill>
+            </a:endParaRPr>
+          </a:p>
+          <a:p>
+            <a:pPr marL="0" indent="0" algn="just">
+              <a:lnSpc>
+                <a:spcPct val="100000"/>
+              </a:lnSpc>
+              <a:buNone/>
+            </a:pPr>
+            <a:endParaRPr lang="en-US" altLang="ja-JP" sz="5800" dirty="0" smtClean="0">
+              <a:solidFill>
+                <a:srgbClr val="FFFF66"/>
+              </a:solidFill>
+            </a:endParaRPr>
+          </a:p>
+          <a:p>
+            <a:pPr marL="0" indent="0" algn="just">
+              <a:lnSpc>
+                <a:spcPct val="100000"/>
+              </a:lnSpc>
+              <a:buNone/>
+            </a:pPr>
+            <a:r>
+              <a:rPr lang="ja-JP" altLang="en-US" sz="5800" dirty="0" smtClean="0">
+                <a:solidFill>
+                  <a:srgbClr val="FFFF66"/>
+                </a:solidFill>
+              </a:rPr>
+              <a:t>敵キャラクター</a:t>
             </a:r>
             <a:endParaRPr lang="en-US" altLang="ja-JP" sz="5800" dirty="0" smtClean="0">
               <a:solidFill>
@@ -7318,297 +7311,6 @@
 </file>
 
 <file path=ppt/slides/slide3.xml><?xml version="1.0" encoding="utf-8"?>
-<p:sld xmlns:a="http://schemas.openxmlformats.org/drawingml/2006/main" xmlns:r="http://schemas.openxmlformats.org/officeDocument/2006/relationships" xmlns:p="http://schemas.openxmlformats.org/presentationml/2006/main">
-  <p:cSld>
-    <p:spTree>
-      <p:nvGrpSpPr>
-        <p:cNvPr id="1" name=""/>
-        <p:cNvGrpSpPr/>
-        <p:nvPr/>
-      </p:nvGrpSpPr>
-      <p:grpSpPr>
-        <a:xfrm>
-          <a:off x="0" y="0"/>
-          <a:ext cx="0" cy="0"/>
-          <a:chOff x="0" y="0"/>
-          <a:chExt cx="0" cy="0"/>
-        </a:xfrm>
-      </p:grpSpPr>
-      <p:sp>
-        <p:nvSpPr>
-          <p:cNvPr id="2" name="タイトル 1"/>
-          <p:cNvSpPr>
-            <a:spLocks noGrp="1"/>
-          </p:cNvSpPr>
-          <p:nvPr>
-            <p:ph type="title"/>
-          </p:nvPr>
-        </p:nvSpPr>
-        <p:spPr>
-          <a:xfrm>
-            <a:off x="4216205" y="534955"/>
-            <a:ext cx="3756413" cy="970450"/>
-          </a:xfrm>
-        </p:spPr>
-        <p:txBody>
-          <a:bodyPr>
-            <a:normAutofit/>
-          </a:bodyPr>
-          <a:lstStyle/>
-          <a:p>
-            <a:r>
-              <a:rPr lang="ja-JP" altLang="en-US" sz="5300" dirty="0" smtClean="0">
-                <a:solidFill>
-                  <a:srgbClr val="FFFF00"/>
-                </a:solidFill>
-              </a:rPr>
-              <a:t>ゲーム</a:t>
-            </a:r>
-            <a:endParaRPr lang="en-US" altLang="ja-JP" sz="5300" dirty="0">
-              <a:solidFill>
-                <a:srgbClr val="FFFF00"/>
-              </a:solidFill>
-            </a:endParaRPr>
-          </a:p>
-        </p:txBody>
-      </p:sp>
-      <p:sp>
-        <p:nvSpPr>
-          <p:cNvPr id="3" name="コンテンツ プレースホルダー 2"/>
-          <p:cNvSpPr>
-            <a:spLocks noGrp="1"/>
-          </p:cNvSpPr>
-          <p:nvPr>
-            <p:ph idx="1"/>
-          </p:nvPr>
-        </p:nvSpPr>
-        <p:spPr>
-          <a:xfrm>
-            <a:off x="1141413" y="2598905"/>
-            <a:ext cx="9905998" cy="3124201"/>
-          </a:xfrm>
-        </p:spPr>
-        <p:txBody>
-          <a:bodyPr>
-            <a:normAutofit/>
-          </a:bodyPr>
-          <a:lstStyle/>
-          <a:p>
-            <a:pPr marL="0" indent="0">
-              <a:buNone/>
-            </a:pPr>
-            <a:r>
-              <a:rPr lang="ja-JP" altLang="en-US" sz="4000" dirty="0">
-                <a:solidFill>
-                  <a:schemeClr val="tx1"/>
-                </a:solidFill>
-              </a:rPr>
-              <a:t>ゲームジャンル　　　　　　　　　　</a:t>
-            </a:r>
-            <a:r>
-              <a:rPr lang="ja-JP" altLang="en-US" sz="4000" dirty="0" smtClean="0">
-                <a:solidFill>
-                  <a:schemeClr val="tx1"/>
-                </a:solidFill>
-              </a:rPr>
-              <a:t>ターゲット層</a:t>
-            </a:r>
-            <a:endParaRPr lang="en-US" altLang="ja-JP" sz="4000" dirty="0" smtClean="0">
-              <a:solidFill>
-                <a:schemeClr val="tx1"/>
-              </a:solidFill>
-            </a:endParaRPr>
-          </a:p>
-          <a:p>
-            <a:pPr marL="0" indent="0">
-              <a:buNone/>
-            </a:pPr>
-            <a:r>
-              <a:rPr lang="ja-JP" altLang="en-US" sz="4000" dirty="0">
-                <a:solidFill>
-                  <a:schemeClr val="tx1"/>
-                </a:solidFill>
-              </a:rPr>
-              <a:t>アクションゲーム　　　　　　　　　　全年齢</a:t>
-            </a:r>
-            <a:endParaRPr lang="en-US" altLang="ja-JP" sz="4000" dirty="0">
-              <a:solidFill>
-                <a:schemeClr val="tx1"/>
-              </a:solidFill>
-            </a:endParaRPr>
-          </a:p>
-          <a:p>
-            <a:pPr marL="0" indent="0">
-              <a:buNone/>
-            </a:pPr>
-            <a:endParaRPr lang="en-US" altLang="ja-JP" sz="3200" dirty="0">
-              <a:solidFill>
-                <a:schemeClr val="tx1"/>
-              </a:solidFill>
-            </a:endParaRPr>
-          </a:p>
-          <a:p>
-            <a:endParaRPr lang="en-US" altLang="ja-JP" sz="3200" dirty="0" smtClean="0">
-              <a:solidFill>
-                <a:schemeClr val="tx1"/>
-              </a:solidFill>
-            </a:endParaRPr>
-          </a:p>
-          <a:p>
-            <a:pPr marL="0" indent="0">
-              <a:buNone/>
-            </a:pPr>
-            <a:endParaRPr lang="en-US" altLang="ja-JP" sz="2400" dirty="0"/>
-          </a:p>
-          <a:p>
-            <a:pPr marL="0" indent="0">
-              <a:buNone/>
-            </a:pPr>
-            <a:endParaRPr kumimoji="1" lang="ja-JP" altLang="en-US" sz="2400" dirty="0"/>
-          </a:p>
-        </p:txBody>
-      </p:sp>
-      <p:pic>
-        <p:nvPicPr>
-          <p:cNvPr id="4" name="図 3"/>
-          <p:cNvPicPr>
-            <a:picLocks noChangeAspect="1"/>
-          </p:cNvPicPr>
-          <p:nvPr/>
-        </p:nvPicPr>
-        <p:blipFill>
-          <a:blip r:embed="rId2">
-            <a:extLst>
-              <a:ext uri="{28A0092B-C50C-407E-A947-70E740481C1C}">
-                <a14:useLocalDpi xmlns:a14="http://schemas.microsoft.com/office/drawing/2010/main" val="0"/>
-              </a:ext>
-            </a:extLst>
-          </a:blip>
-          <a:stretch>
-            <a:fillRect/>
-          </a:stretch>
-        </p:blipFill>
-        <p:spPr>
-          <a:xfrm>
-            <a:off x="9060088" y="5975961"/>
-            <a:ext cx="705431" cy="705431"/>
-          </a:xfrm>
-          <a:prstGeom prst="rect">
-            <a:avLst/>
-          </a:prstGeom>
-        </p:spPr>
-      </p:pic>
-      <p:pic>
-        <p:nvPicPr>
-          <p:cNvPr id="5" name="図 4"/>
-          <p:cNvPicPr>
-            <a:picLocks noChangeAspect="1"/>
-          </p:cNvPicPr>
-          <p:nvPr/>
-        </p:nvPicPr>
-        <p:blipFill>
-          <a:blip r:embed="rId3" cstate="print">
-            <a:extLst>
-              <a:ext uri="{28A0092B-C50C-407E-A947-70E740481C1C}">
-                <a14:useLocalDpi xmlns:a14="http://schemas.microsoft.com/office/drawing/2010/main" val="0"/>
-              </a:ext>
-            </a:extLst>
-          </a:blip>
-          <a:stretch>
-            <a:fillRect/>
-          </a:stretch>
-        </p:blipFill>
-        <p:spPr>
-          <a:xfrm>
-            <a:off x="10566447" y="5366749"/>
-            <a:ext cx="961928" cy="961928"/>
-          </a:xfrm>
-          <a:prstGeom prst="rect">
-            <a:avLst/>
-          </a:prstGeom>
-        </p:spPr>
-      </p:pic>
-      <p:pic>
-        <p:nvPicPr>
-          <p:cNvPr id="6" name="図 5"/>
-          <p:cNvPicPr>
-            <a:picLocks noChangeAspect="1"/>
-          </p:cNvPicPr>
-          <p:nvPr/>
-        </p:nvPicPr>
-        <p:blipFill>
-          <a:blip r:embed="rId4" cstate="print">
-            <a:extLst>
-              <a:ext uri="{28A0092B-C50C-407E-A947-70E740481C1C}">
-                <a14:useLocalDpi xmlns:a14="http://schemas.microsoft.com/office/drawing/2010/main" val="0"/>
-              </a:ext>
-            </a:extLst>
-          </a:blip>
-          <a:stretch>
-            <a:fillRect/>
-          </a:stretch>
-        </p:blipFill>
-        <p:spPr>
-          <a:xfrm>
-            <a:off x="11047411" y="5905807"/>
-            <a:ext cx="952193" cy="952193"/>
-          </a:xfrm>
-          <a:prstGeom prst="rect">
-            <a:avLst/>
-          </a:prstGeom>
-        </p:spPr>
-      </p:pic>
-      <p:pic>
-        <p:nvPicPr>
-          <p:cNvPr id="7" name="図 6"/>
-          <p:cNvPicPr>
-            <a:picLocks noChangeAspect="1"/>
-          </p:cNvPicPr>
-          <p:nvPr/>
-        </p:nvPicPr>
-        <p:blipFill>
-          <a:blip r:embed="rId5" cstate="print">
-            <a:extLst>
-              <a:ext uri="{28A0092B-C50C-407E-A947-70E740481C1C}">
-                <a14:useLocalDpi xmlns:a14="http://schemas.microsoft.com/office/drawing/2010/main" val="0"/>
-              </a:ext>
-            </a:extLst>
-          </a:blip>
-          <a:stretch>
-            <a:fillRect/>
-          </a:stretch>
-        </p:blipFill>
-        <p:spPr>
-          <a:xfrm>
-            <a:off x="9965446" y="5847713"/>
-            <a:ext cx="1010287" cy="1010287"/>
-          </a:xfrm>
-          <a:prstGeom prst="rect">
-            <a:avLst/>
-          </a:prstGeom>
-        </p:spPr>
-      </p:pic>
-    </p:spTree>
-    <p:extLst>
-      <p:ext uri="{BB962C8B-B14F-4D97-AF65-F5344CB8AC3E}">
-        <p14:creationId xmlns:p14="http://schemas.microsoft.com/office/powerpoint/2010/main" val="3666270475"/>
-      </p:ext>
-    </p:extLst>
-  </p:cSld>
-  <p:clrMapOvr>
-    <a:masterClrMapping/>
-  </p:clrMapOvr>
-  <p:timing>
-    <p:tnLst>
-      <p:par>
-        <p:cTn id="1" dur="indefinite" restart="never" nodeType="tmRoot"/>
-      </p:par>
-    </p:tnLst>
-  </p:timing>
-</p:sld>
-</file>
-
-<file path=ppt/slides/slide4.xml><?xml version="1.0" encoding="utf-8"?>
 <p:sld xmlns:a="http://schemas.openxmlformats.org/drawingml/2006/main" xmlns:r="http://schemas.openxmlformats.org/officeDocument/2006/relationships" xmlns:p="http://schemas.openxmlformats.org/presentationml/2006/main">
   <p:cSld>
     <p:spTree>
@@ -7876,7 +7578,7 @@
 </p:sld>
 </file>
 
-<file path=ppt/slides/slide5.xml><?xml version="1.0" encoding="utf-8"?>
+<file path=ppt/slides/slide4.xml><?xml version="1.0" encoding="utf-8"?>
 <p:sld xmlns:a="http://schemas.openxmlformats.org/drawingml/2006/main" xmlns:r="http://schemas.openxmlformats.org/officeDocument/2006/relationships" xmlns:p="http://schemas.openxmlformats.org/presentationml/2006/main">
   <p:cSld>
     <p:spTree>
@@ -8192,7 +7894,7 @@
 </p:sld>
 </file>
 
-<file path=ppt/slides/slide6.xml><?xml version="1.0" encoding="utf-8"?>
+<file path=ppt/slides/slide5.xml><?xml version="1.0" encoding="utf-8"?>
 <p:sld xmlns:a="http://schemas.openxmlformats.org/drawingml/2006/main" xmlns:r="http://schemas.openxmlformats.org/officeDocument/2006/relationships" xmlns:p="http://schemas.openxmlformats.org/presentationml/2006/main">
   <p:cSld>
     <p:spTree>
@@ -8297,7 +7999,7 @@
 </p:sld>
 </file>
 
-<file path=ppt/slides/slide7.xml><?xml version="1.0" encoding="utf-8"?>
+<file path=ppt/slides/slide6.xml><?xml version="1.0" encoding="utf-8"?>
 <p:sld xmlns:a="http://schemas.openxmlformats.org/drawingml/2006/main" xmlns:r="http://schemas.openxmlformats.org/officeDocument/2006/relationships" xmlns:p="http://schemas.openxmlformats.org/presentationml/2006/main">
   <p:cSld>
     <p:spTree>

--- a/企画書.pptx
+++ b/企画書.pptx
@@ -7140,15 +7140,7 @@
                   <a:srgbClr val="FFFF66"/>
                 </a:solidFill>
               </a:rPr>
-              <a:t>ゲーム</a:t>
-            </a:r>
-            <a:r>
-              <a:rPr lang="ja-JP" altLang="en-US" sz="5800" dirty="0" smtClean="0">
-                <a:solidFill>
-                  <a:srgbClr val="FFFF66"/>
-                </a:solidFill>
-              </a:rPr>
-              <a:t>説明</a:t>
+              <a:t>ゲーム説明</a:t>
             </a:r>
             <a:endParaRPr lang="en-US" altLang="ja-JP" sz="5800" dirty="0" smtClean="0">
               <a:solidFill>
@@ -7414,7 +7406,15 @@
                   <a:schemeClr val="tx1"/>
                 </a:solidFill>
               </a:rPr>
-              <a:t>敵に捕まると残機が減り無くなるとゲームオーバー</a:t>
+              <a:t>敵に捕まる</a:t>
+            </a:r>
+            <a:r>
+              <a:rPr lang="ja-JP" altLang="en-US" sz="3200" dirty="0" smtClean="0">
+                <a:solidFill>
+                  <a:schemeClr val="tx1"/>
+                </a:solidFill>
+              </a:rPr>
+              <a:t>とゲームオーバー</a:t>
             </a:r>
             <a:endParaRPr lang="en-US" altLang="ja-JP" sz="3200" dirty="0">
               <a:solidFill>
@@ -7708,7 +7708,7 @@
         </p:blipFill>
         <p:spPr>
           <a:xfrm>
-            <a:off x="1434686" y="2860840"/>
+            <a:off x="1434686" y="2876198"/>
             <a:ext cx="284695" cy="284695"/>
           </a:xfrm>
           <a:prstGeom prst="rect">
